--- a/Caused of Alcoholism.pptx
+++ b/Caused of Alcoholism.pptx
@@ -5,13 +5,19 @@
     <p:sldMasterId id="2147483648" r:id="rId1"/>
   </p:sldMasterIdLst>
   <p:notesMasterIdLst>
-    <p:notesMasterId r:id="rId6"/>
+    <p:notesMasterId r:id="rId12"/>
   </p:notesMasterIdLst>
   <p:sldIdLst>
     <p:sldId id="256" r:id="rId2"/>
     <p:sldId id="257" r:id="rId3"/>
-    <p:sldId id="258" r:id="rId4"/>
-    <p:sldId id="259" r:id="rId5"/>
+    <p:sldId id="270" r:id="rId4"/>
+    <p:sldId id="258" r:id="rId5"/>
+    <p:sldId id="264" r:id="rId6"/>
+    <p:sldId id="261" r:id="rId7"/>
+    <p:sldId id="265" r:id="rId8"/>
+    <p:sldId id="268" r:id="rId9"/>
+    <p:sldId id="267" r:id="rId10"/>
+    <p:sldId id="266" r:id="rId11"/>
   </p:sldIdLst>
   <p:sldSz cx="12192000" cy="6858000"/>
   <p:notesSz cx="6858000" cy="9144000"/>
@@ -110,6 +116,11 @@
       </a:defRPr>
     </a:lvl9pPr>
   </p:defaultTextStyle>
+  <p:extLst>
+    <p:ext uri="{EFAFB233-063F-42B5-8137-9DF3F51BA10A}">
+      <p15:sldGuideLst xmlns:p15="http://schemas.microsoft.com/office/powerpoint/2012/main"/>
+    </p:ext>
+  </p:extLst>
 </p:presentation>
 </file>
 
@@ -195,7 +206,7 @@
           <a:p>
             <a:fld id="{CD3099E9-14FC-4744-80D3-70EB59C52136}" type="datetimeFigureOut">
               <a:rPr lang="en-US" smtClean="0"/>
-              <a:t>9/18/2018</a:t>
+              <a:t>9/22/2018</a:t>
             </a:fld>
             <a:endParaRPr lang="en-US"/>
           </a:p>
@@ -668,6 +679,205 @@
 </p:notes>
 </file>
 
+<file path=ppt/notesSlides/notesSlide3.xml><?xml version="1.0" encoding="utf-8"?>
+<p:notes xmlns:a="http://schemas.openxmlformats.org/drawingml/2006/main" xmlns:r="http://schemas.openxmlformats.org/officeDocument/2006/relationships" xmlns:p="http://schemas.openxmlformats.org/presentationml/2006/main">
+  <p:cSld>
+    <p:spTree>
+      <p:nvGrpSpPr>
+        <p:cNvPr id="1" name=""/>
+        <p:cNvGrpSpPr/>
+        <p:nvPr/>
+      </p:nvGrpSpPr>
+      <p:grpSpPr>
+        <a:xfrm>
+          <a:off x="0" y="0"/>
+          <a:ext cx="0" cy="0"/>
+          <a:chOff x="0" y="0"/>
+          <a:chExt cx="0" cy="0"/>
+        </a:xfrm>
+      </p:grpSpPr>
+      <p:sp>
+        <p:nvSpPr>
+          <p:cNvPr id="2" name="Slide Image Placeholder 1"/>
+          <p:cNvSpPr>
+            <a:spLocks noGrp="1" noRot="1" noChangeAspect="1"/>
+          </p:cNvSpPr>
+          <p:nvPr>
+            <p:ph type="sldImg"/>
+          </p:nvPr>
+        </p:nvSpPr>
+        <p:spPr/>
+      </p:sp>
+      <p:sp>
+        <p:nvSpPr>
+          <p:cNvPr id="3" name="Notes Placeholder 2"/>
+          <p:cNvSpPr>
+            <a:spLocks noGrp="1"/>
+          </p:cNvSpPr>
+          <p:nvPr>
+            <p:ph type="body" idx="1"/>
+          </p:nvPr>
+        </p:nvSpPr>
+        <p:spPr/>
+        <p:txBody>
+          <a:bodyPr/>
+          <a:lstStyle/>
+          <a:p>
+            <a:r>
+              <a:rPr lang="en-US" dirty="0" smtClean="0"/>
+              <a:t>Make one big change and</a:t>
+            </a:r>
+            <a:r>
+              <a:rPr lang="en-US" baseline="0" dirty="0" smtClean="0"/>
+              <a:t> then be general for the rest of them</a:t>
+            </a:r>
+          </a:p>
+          <a:p>
+            <a:endParaRPr lang="en-US" dirty="0"/>
+          </a:p>
+        </p:txBody>
+      </p:sp>
+      <p:sp>
+        <p:nvSpPr>
+          <p:cNvPr id="4" name="Slide Number Placeholder 3"/>
+          <p:cNvSpPr>
+            <a:spLocks noGrp="1"/>
+          </p:cNvSpPr>
+          <p:nvPr>
+            <p:ph type="sldNum" sz="quarter" idx="10"/>
+          </p:nvPr>
+        </p:nvSpPr>
+        <p:spPr/>
+        <p:txBody>
+          <a:bodyPr/>
+          <a:lstStyle/>
+          <a:p>
+            <a:fld id="{9629D95A-6144-4F18-8B9D-955915BF2E07}" type="slidenum">
+              <a:rPr lang="en-US" smtClean="0"/>
+              <a:t>4</a:t>
+            </a:fld>
+            <a:endParaRPr lang="en-US"/>
+          </a:p>
+        </p:txBody>
+      </p:sp>
+    </p:spTree>
+    <p:extLst>
+      <p:ext uri="{BB962C8B-B14F-4D97-AF65-F5344CB8AC3E}">
+        <p14:creationId xmlns:p14="http://schemas.microsoft.com/office/powerpoint/2010/main" val="772244416"/>
+      </p:ext>
+    </p:extLst>
+  </p:cSld>
+  <p:clrMapOvr>
+    <a:masterClrMapping/>
+  </p:clrMapOvr>
+</p:notes>
+</file>
+
+<file path=ppt/notesSlides/notesSlide4.xml><?xml version="1.0" encoding="utf-8"?>
+<p:notes xmlns:a="http://schemas.openxmlformats.org/drawingml/2006/main" xmlns:r="http://schemas.openxmlformats.org/officeDocument/2006/relationships" xmlns:p="http://schemas.openxmlformats.org/presentationml/2006/main">
+  <p:cSld>
+    <p:spTree>
+      <p:nvGrpSpPr>
+        <p:cNvPr id="1" name=""/>
+        <p:cNvGrpSpPr/>
+        <p:nvPr/>
+      </p:nvGrpSpPr>
+      <p:grpSpPr>
+        <a:xfrm>
+          <a:off x="0" y="0"/>
+          <a:ext cx="0" cy="0"/>
+          <a:chOff x="0" y="0"/>
+          <a:chExt cx="0" cy="0"/>
+        </a:xfrm>
+      </p:grpSpPr>
+      <p:sp>
+        <p:nvSpPr>
+          <p:cNvPr id="2" name="Slide Image Placeholder 1"/>
+          <p:cNvSpPr>
+            <a:spLocks noGrp="1" noRot="1" noChangeAspect="1"/>
+          </p:cNvSpPr>
+          <p:nvPr>
+            <p:ph type="sldImg"/>
+          </p:nvPr>
+        </p:nvSpPr>
+        <p:spPr/>
+      </p:sp>
+      <p:sp>
+        <p:nvSpPr>
+          <p:cNvPr id="3" name="Notes Placeholder 2"/>
+          <p:cNvSpPr>
+            <a:spLocks noGrp="1"/>
+          </p:cNvSpPr>
+          <p:nvPr>
+            <p:ph type="body" idx="1"/>
+          </p:nvPr>
+        </p:nvSpPr>
+        <p:spPr/>
+        <p:txBody>
+          <a:bodyPr/>
+          <a:lstStyle/>
+          <a:p>
+            <a:r>
+              <a:rPr lang="en-US" dirty="0" smtClean="0"/>
+              <a:t>Limitation of Chronic Liver Disease</a:t>
+            </a:r>
+          </a:p>
+          <a:p>
+            <a:endParaRPr lang="en-US" dirty="0" smtClean="0"/>
+          </a:p>
+          <a:p>
+            <a:r>
+              <a:rPr lang="en-US" dirty="0" smtClean="0"/>
+              <a:t>Limitations of indicator Because alcohol-related disease can have a long latency, changes in behavior or clinical practice affecting population mortality might not be apparent for years. Not all chronic liver disease deaths are alcohol-attributable. However, in 2009, almost 70% of cirrhosis deaths in the United States were alcohol-attributable (5), and the proportion of cirrhosis deaths coded as 100% </a:t>
+            </a:r>
+            <a:r>
+              <a:rPr lang="en-US" dirty="0" err="1" smtClean="0"/>
+              <a:t>alcoholattributable</a:t>
+            </a:r>
+            <a:r>
+              <a:rPr lang="en-US" dirty="0" smtClean="0"/>
+              <a:t> has increased dramatically during 1970–2009 among United States adults aged 25–64 years (5)</a:t>
+            </a:r>
+            <a:endParaRPr lang="en-US" dirty="0"/>
+          </a:p>
+        </p:txBody>
+      </p:sp>
+      <p:sp>
+        <p:nvSpPr>
+          <p:cNvPr id="4" name="Slide Number Placeholder 3"/>
+          <p:cNvSpPr>
+            <a:spLocks noGrp="1"/>
+          </p:cNvSpPr>
+          <p:nvPr>
+            <p:ph type="sldNum" sz="quarter" idx="10"/>
+          </p:nvPr>
+        </p:nvSpPr>
+        <p:spPr/>
+        <p:txBody>
+          <a:bodyPr/>
+          <a:lstStyle/>
+          <a:p>
+            <a:fld id="{9629D95A-6144-4F18-8B9D-955915BF2E07}" type="slidenum">
+              <a:rPr lang="en-US" smtClean="0"/>
+              <a:t>5</a:t>
+            </a:fld>
+            <a:endParaRPr lang="en-US"/>
+          </a:p>
+        </p:txBody>
+      </p:sp>
+    </p:spTree>
+    <p:extLst>
+      <p:ext uri="{BB962C8B-B14F-4D97-AF65-F5344CB8AC3E}">
+        <p14:creationId xmlns:p14="http://schemas.microsoft.com/office/powerpoint/2010/main" val="2797775230"/>
+      </p:ext>
+    </p:extLst>
+  </p:cSld>
+  <p:clrMapOvr>
+    <a:masterClrMapping/>
+  </p:clrMapOvr>
+</p:notes>
+</file>
+
 <file path=ppt/slideLayouts/slideLayout1.xml><?xml version="1.0" encoding="utf-8"?>
 <p:sldLayout xmlns:a="http://schemas.openxmlformats.org/drawingml/2006/main" xmlns:r="http://schemas.openxmlformats.org/officeDocument/2006/relationships" xmlns:p="http://schemas.openxmlformats.org/presentationml/2006/main" type="title" preserve="1">
   <p:cSld name="Title Slide">
@@ -799,7 +1009,7 @@
           <a:p>
             <a:fld id="{634A4F0A-31A3-4782-8C8C-AD1505E15E33}" type="datetimeFigureOut">
               <a:rPr lang="en-US" smtClean="0"/>
-              <a:t>9/18/2018</a:t>
+              <a:t>9/22/2018</a:t>
             </a:fld>
             <a:endParaRPr lang="en-US"/>
           </a:p>
@@ -969,7 +1179,7 @@
           <a:p>
             <a:fld id="{634A4F0A-31A3-4782-8C8C-AD1505E15E33}" type="datetimeFigureOut">
               <a:rPr lang="en-US" smtClean="0"/>
-              <a:t>9/18/2018</a:t>
+              <a:t>9/22/2018</a:t>
             </a:fld>
             <a:endParaRPr lang="en-US"/>
           </a:p>
@@ -1149,7 +1359,7 @@
           <a:p>
             <a:fld id="{634A4F0A-31A3-4782-8C8C-AD1505E15E33}" type="datetimeFigureOut">
               <a:rPr lang="en-US" smtClean="0"/>
-              <a:t>9/18/2018</a:t>
+              <a:t>9/22/2018</a:t>
             </a:fld>
             <a:endParaRPr lang="en-US"/>
           </a:p>
@@ -1319,7 +1529,7 @@
           <a:p>
             <a:fld id="{634A4F0A-31A3-4782-8C8C-AD1505E15E33}" type="datetimeFigureOut">
               <a:rPr lang="en-US" smtClean="0"/>
-              <a:t>9/18/2018</a:t>
+              <a:t>9/22/2018</a:t>
             </a:fld>
             <a:endParaRPr lang="en-US"/>
           </a:p>
@@ -1565,7 +1775,7 @@
           <a:p>
             <a:fld id="{634A4F0A-31A3-4782-8C8C-AD1505E15E33}" type="datetimeFigureOut">
               <a:rPr lang="en-US" smtClean="0"/>
-              <a:t>9/18/2018</a:t>
+              <a:t>9/22/2018</a:t>
             </a:fld>
             <a:endParaRPr lang="en-US"/>
           </a:p>
@@ -1797,7 +2007,7 @@
           <a:p>
             <a:fld id="{634A4F0A-31A3-4782-8C8C-AD1505E15E33}" type="datetimeFigureOut">
               <a:rPr lang="en-US" smtClean="0"/>
-              <a:t>9/18/2018</a:t>
+              <a:t>9/22/2018</a:t>
             </a:fld>
             <a:endParaRPr lang="en-US"/>
           </a:p>
@@ -2164,7 +2374,7 @@
           <a:p>
             <a:fld id="{634A4F0A-31A3-4782-8C8C-AD1505E15E33}" type="datetimeFigureOut">
               <a:rPr lang="en-US" smtClean="0"/>
-              <a:t>9/18/2018</a:t>
+              <a:t>9/22/2018</a:t>
             </a:fld>
             <a:endParaRPr lang="en-US"/>
           </a:p>
@@ -2282,7 +2492,7 @@
           <a:p>
             <a:fld id="{634A4F0A-31A3-4782-8C8C-AD1505E15E33}" type="datetimeFigureOut">
               <a:rPr lang="en-US" smtClean="0"/>
-              <a:t>9/18/2018</a:t>
+              <a:t>9/22/2018</a:t>
             </a:fld>
             <a:endParaRPr lang="en-US"/>
           </a:p>
@@ -2377,7 +2587,7 @@
           <a:p>
             <a:fld id="{634A4F0A-31A3-4782-8C8C-AD1505E15E33}" type="datetimeFigureOut">
               <a:rPr lang="en-US" smtClean="0"/>
-              <a:t>9/18/2018</a:t>
+              <a:t>9/22/2018</a:t>
             </a:fld>
             <a:endParaRPr lang="en-US"/>
           </a:p>
@@ -2654,7 +2864,7 @@
           <a:p>
             <a:fld id="{634A4F0A-31A3-4782-8C8C-AD1505E15E33}" type="datetimeFigureOut">
               <a:rPr lang="en-US" smtClean="0"/>
-              <a:t>9/18/2018</a:t>
+              <a:t>9/22/2018</a:t>
             </a:fld>
             <a:endParaRPr lang="en-US"/>
           </a:p>
@@ -2907,7 +3117,7 @@
           <a:p>
             <a:fld id="{634A4F0A-31A3-4782-8C8C-AD1505E15E33}" type="datetimeFigureOut">
               <a:rPr lang="en-US" smtClean="0"/>
-              <a:t>9/18/2018</a:t>
+              <a:t>9/22/2018</a:t>
             </a:fld>
             <a:endParaRPr lang="en-US"/>
           </a:p>
@@ -3120,7 +3330,7 @@
           <a:p>
             <a:fld id="{634A4F0A-31A3-4782-8C8C-AD1505E15E33}" type="datetimeFigureOut">
               <a:rPr lang="en-US" smtClean="0"/>
-              <a:t>9/18/2018</a:t>
+              <a:t>9/22/2018</a:t>
             </a:fld>
             <a:endParaRPr lang="en-US"/>
           </a:p>
@@ -3535,14 +3745,23 @@
             <p:ph type="ctrTitle"/>
           </p:nvPr>
         </p:nvSpPr>
-        <p:spPr/>
+        <p:spPr>
+          <a:xfrm>
+            <a:off x="1907458" y="2184247"/>
+            <a:ext cx="9144000" cy="2387600"/>
+          </a:xfrm>
+        </p:spPr>
         <p:txBody>
           <a:bodyPr/>
           <a:lstStyle/>
           <a:p>
             <a:r>
               <a:rPr lang="en-US" dirty="0" smtClean="0"/>
-              <a:t>Caused of Alcoholism</a:t>
+              <a:t>Causes </a:t>
+            </a:r>
+            <a:r>
+              <a:rPr lang="en-US" dirty="0" smtClean="0"/>
+              <a:t>of Alcoholism</a:t>
             </a:r>
             <a:endParaRPr lang="en-US" dirty="0"/>
           </a:p>
@@ -3558,7 +3777,12 @@
             <p:ph type="subTitle" idx="1"/>
           </p:nvPr>
         </p:nvSpPr>
-        <p:spPr/>
+        <p:spPr>
+          <a:xfrm>
+            <a:off x="1907458" y="4810258"/>
+            <a:ext cx="9144000" cy="1655762"/>
+          </a:xfrm>
+        </p:spPr>
         <p:txBody>
           <a:bodyPr>
             <a:normAutofit/>
@@ -3589,6 +3813,36 @@
           </a:p>
         </p:txBody>
       </p:sp>
+      <p:pic>
+        <p:nvPicPr>
+          <p:cNvPr id="4" name="Picture 3"/>
+          <p:cNvPicPr>
+            <a:picLocks noChangeAspect="1"/>
+          </p:cNvPicPr>
+          <p:nvPr/>
+        </p:nvPicPr>
+        <p:blipFill>
+          <a:blip r:embed="rId3">
+            <a:extLst>
+              <a:ext uri="{28A0092B-C50C-407E-A947-70E740481C1C}">
+                <a14:useLocalDpi xmlns:a14="http://schemas.microsoft.com/office/drawing/2010/main" val="0"/>
+              </a:ext>
+            </a:extLst>
+          </a:blip>
+          <a:stretch>
+            <a:fillRect/>
+          </a:stretch>
+        </p:blipFill>
+        <p:spPr>
+          <a:xfrm>
+            <a:off x="381307" y="153987"/>
+            <a:ext cx="3910473" cy="2626011"/>
+          </a:xfrm>
+          <a:prstGeom prst="rect">
+            <a:avLst/>
+          </a:prstGeom>
+        </p:spPr>
+      </p:pic>
     </p:spTree>
     <p:extLst>
       <p:ext uri="{BB962C8B-B14F-4D97-AF65-F5344CB8AC3E}">
@@ -3599,6 +3853,99 @@
   <p:clrMapOvr>
     <a:masterClrMapping/>
   </p:clrMapOvr>
+  <p:timing>
+    <p:tnLst>
+      <p:par>
+        <p:cTn id="1" dur="indefinite" restart="never" nodeType="tmRoot"/>
+      </p:par>
+    </p:tnLst>
+  </p:timing>
+</p:sld>
+</file>
+
+<file path=ppt/slides/slide10.xml><?xml version="1.0" encoding="utf-8"?>
+<p:sld xmlns:a="http://schemas.openxmlformats.org/drawingml/2006/main" xmlns:r="http://schemas.openxmlformats.org/officeDocument/2006/relationships" xmlns:p="http://schemas.openxmlformats.org/presentationml/2006/main">
+  <p:cSld>
+    <p:spTree>
+      <p:nvGrpSpPr>
+        <p:cNvPr id="1" name=""/>
+        <p:cNvGrpSpPr/>
+        <p:nvPr/>
+      </p:nvGrpSpPr>
+      <p:grpSpPr>
+        <a:xfrm>
+          <a:off x="0" y="0"/>
+          <a:ext cx="0" cy="0"/>
+          <a:chOff x="0" y="0"/>
+          <a:chExt cx="0" cy="0"/>
+        </a:xfrm>
+      </p:grpSpPr>
+      <p:sp>
+        <p:nvSpPr>
+          <p:cNvPr id="2" name="Title 1"/>
+          <p:cNvSpPr>
+            <a:spLocks noGrp="1"/>
+          </p:cNvSpPr>
+          <p:nvPr>
+            <p:ph type="title"/>
+          </p:nvPr>
+        </p:nvSpPr>
+        <p:spPr/>
+        <p:txBody>
+          <a:bodyPr/>
+          <a:lstStyle/>
+          <a:p>
+            <a:r>
+              <a:rPr lang="en-US" dirty="0" smtClean="0"/>
+              <a:t>Table of Contents or AGENDA (OPTIONAL)</a:t>
+            </a:r>
+            <a:endParaRPr lang="en-US" dirty="0"/>
+          </a:p>
+        </p:txBody>
+      </p:sp>
+      <p:sp>
+        <p:nvSpPr>
+          <p:cNvPr id="3" name="Content Placeholder 2"/>
+          <p:cNvSpPr>
+            <a:spLocks noGrp="1"/>
+          </p:cNvSpPr>
+          <p:nvPr>
+            <p:ph idx="1"/>
+          </p:nvPr>
+        </p:nvSpPr>
+        <p:spPr/>
+        <p:txBody>
+          <a:bodyPr/>
+          <a:lstStyle/>
+          <a:p>
+            <a:pPr marL="0" indent="0">
+              <a:buNone/>
+            </a:pPr>
+            <a:r>
+              <a:rPr lang="en-US" dirty="0" smtClean="0"/>
+              <a:t>1.)Executive Summary</a:t>
+            </a:r>
+            <a:endParaRPr lang="en-US" dirty="0"/>
+          </a:p>
+        </p:txBody>
+      </p:sp>
+    </p:spTree>
+    <p:extLst>
+      <p:ext uri="{BB962C8B-B14F-4D97-AF65-F5344CB8AC3E}">
+        <p14:creationId xmlns:p14="http://schemas.microsoft.com/office/powerpoint/2010/main" val="3146576159"/>
+      </p:ext>
+    </p:extLst>
+  </p:cSld>
+  <p:clrMapOvr>
+    <a:masterClrMapping/>
+  </p:clrMapOvr>
+  <p:timing>
+    <p:tnLst>
+      <p:par>
+        <p:cTn id="1" dur="indefinite" restart="never" nodeType="tmRoot"/>
+      </p:par>
+    </p:tnLst>
+  </p:timing>
 </p:sld>
 </file>
 
@@ -3631,57 +3978,151 @@
         </p:nvSpPr>
         <p:spPr/>
         <p:txBody>
-          <a:bodyPr/>
+          <a:bodyPr>
+            <a:normAutofit/>
+          </a:bodyPr>
           <a:lstStyle/>
           <a:p>
             <a:r>
               <a:rPr lang="en-US" dirty="0" smtClean="0"/>
-              <a:t>Executive Summary	</a:t>
-            </a:r>
+              <a:t>Executive </a:t>
+            </a:r>
+            <a:r>
+              <a:rPr lang="en-US" dirty="0" smtClean="0"/>
+              <a:t>Summary:    </a:t>
+            </a:r>
+            <a:r>
+              <a:rPr lang="en-US" sz="2000" dirty="0" smtClean="0"/>
+              <a:t>Alcoholism affects people across all 50 states</a:t>
+            </a:r>
+            <a:r>
+              <a:rPr lang="en-US" sz="2000" dirty="0" smtClean="0"/>
+              <a:t>	</a:t>
+            </a:r>
+            <a:endParaRPr lang="en-US" sz="2000" dirty="0"/>
+          </a:p>
+        </p:txBody>
+      </p:sp>
+      <p:sp>
+        <p:nvSpPr>
+          <p:cNvPr id="3" name="Content Placeholder 2"/>
+          <p:cNvSpPr>
+            <a:spLocks noGrp="1"/>
+          </p:cNvSpPr>
+          <p:nvPr>
+            <p:ph idx="1"/>
+          </p:nvPr>
+        </p:nvSpPr>
+        <p:spPr/>
+        <p:txBody>
+          <a:bodyPr>
+            <a:normAutofit fontScale="92500" lnSpcReduction="10000"/>
+          </a:bodyPr>
+          <a:lstStyle/>
+          <a:p>
+            <a:pPr marL="0" indent="0">
+              <a:buNone/>
+            </a:pPr>
+            <a:r>
+              <a:rPr lang="en-US" dirty="0" smtClean="0"/>
+              <a:t>Problem:</a:t>
+            </a:r>
+          </a:p>
+          <a:p>
+            <a:pPr marL="0" indent="0">
+              <a:buNone/>
+            </a:pPr>
+            <a:endParaRPr lang="en-US" sz="1600" dirty="0" smtClean="0"/>
+          </a:p>
+          <a:p>
+            <a:pPr marL="0" indent="0">
+              <a:buNone/>
+            </a:pPr>
+            <a:endParaRPr lang="en-US" sz="1600" dirty="0"/>
+          </a:p>
+          <a:p>
+            <a:pPr marL="0" indent="0">
+              <a:buNone/>
+            </a:pPr>
+            <a:r>
+              <a:rPr lang="en-US" sz="1600" dirty="0" smtClean="0"/>
+              <a:t>In </a:t>
+            </a:r>
+            <a:r>
+              <a:rPr lang="en-US" sz="1600" dirty="0"/>
+              <a:t>2010, 5.4% of adult men reported heavy drinking and 4.5% of adult women reported heavy drinking (2). Heavy drinkers are more likely to binge drink than moderate drinkers (3).</a:t>
+            </a:r>
+          </a:p>
+          <a:p>
+            <a:pPr marL="0" indent="0">
+              <a:buNone/>
+            </a:pPr>
             <a:endParaRPr lang="en-US" dirty="0"/>
           </a:p>
-        </p:txBody>
-      </p:sp>
-      <p:sp>
-        <p:nvSpPr>
-          <p:cNvPr id="3" name="Content Placeholder 2"/>
-          <p:cNvSpPr>
-            <a:spLocks noGrp="1"/>
-          </p:cNvSpPr>
-          <p:nvPr>
-            <p:ph idx="1"/>
-          </p:nvPr>
-        </p:nvSpPr>
-        <p:spPr/>
-        <p:txBody>
-          <a:bodyPr/>
-          <a:lstStyle/>
           <a:p>
             <a:pPr marL="0" indent="0">
               <a:buNone/>
             </a:pPr>
+            <a:endParaRPr lang="en-US" dirty="0"/>
+          </a:p>
+          <a:p>
+            <a:pPr marL="0" indent="0">
+              <a:buNone/>
+            </a:pPr>
             <a:r>
               <a:rPr lang="en-US" dirty="0" smtClean="0"/>
-              <a:t>Alcoholism affects people across all 50 states</a:t>
-            </a:r>
+              <a:t>Question:</a:t>
+            </a:r>
+            <a:endParaRPr lang="en-US" dirty="0"/>
           </a:p>
           <a:p>
             <a:pPr marL="0" indent="0">
               <a:buNone/>
             </a:pPr>
             <a:r>
+              <a:rPr lang="en-US" dirty="0"/>
+              <a:t>1.) What is the Definition of Alcoholism</a:t>
+            </a:r>
+            <a:r>
               <a:rPr lang="en-US" dirty="0" smtClean="0"/>
-              <a:t>1.) Definition of Alcohol</a:t>
-            </a:r>
+              <a:t>?</a:t>
+            </a:r>
+            <a:endParaRPr lang="en-US" dirty="0"/>
           </a:p>
           <a:p>
             <a:pPr marL="0" indent="0">
               <a:buNone/>
             </a:pPr>
             <a:r>
+              <a:rPr lang="en-US" dirty="0"/>
+              <a:t>2.) Who is affected by Alcoholism</a:t>
+            </a:r>
+            <a:r>
               <a:rPr lang="en-US" dirty="0" smtClean="0"/>
-              <a:t>2.) </a:t>
-            </a:r>
+              <a:t>?</a:t>
+            </a:r>
+            <a:endParaRPr lang="en-US" dirty="0"/>
+          </a:p>
+          <a:p>
+            <a:pPr marL="0" indent="0">
+              <a:buNone/>
+            </a:pPr>
+            <a:r>
+              <a:rPr lang="en-US" dirty="0"/>
+              <a:t>3.) What are the underlying causes of Alcoholism?</a:t>
+            </a:r>
+          </a:p>
+          <a:p>
+            <a:pPr marL="0" indent="0">
+              <a:buNone/>
+            </a:pPr>
+            <a:endParaRPr lang="en-US" dirty="0" smtClean="0"/>
+          </a:p>
+          <a:p>
+            <a:pPr marL="0" indent="0">
+              <a:buNone/>
+            </a:pPr>
+            <a:endParaRPr lang="en-US" dirty="0" smtClean="0"/>
           </a:p>
           <a:p>
             <a:pPr marL="0" indent="0">
@@ -3710,6 +4151,13 @@
   <p:clrMapOvr>
     <a:masterClrMapping/>
   </p:clrMapOvr>
+  <p:timing>
+    <p:tnLst>
+      <p:par>
+        <p:cTn id="1" dur="indefinite" restart="never" nodeType="tmRoot"/>
+      </p:par>
+    </p:tnLst>
+  </p:timing>
 </p:sld>
 </file>
 
@@ -3746,90 +4194,178 @@
           <a:lstStyle/>
           <a:p>
             <a:r>
+              <a:rPr lang="en-US" dirty="0"/>
+              <a:t>Definition of Alcohol</a:t>
+            </a:r>
+            <a:br>
+              <a:rPr lang="en-US" dirty="0"/>
+            </a:br>
+            <a:endParaRPr lang="en-US" dirty="0"/>
+          </a:p>
+        </p:txBody>
+      </p:sp>
+      <p:sp>
+        <p:nvSpPr>
+          <p:cNvPr id="3" name="Content Placeholder 2"/>
+          <p:cNvSpPr>
+            <a:spLocks noGrp="1"/>
+          </p:cNvSpPr>
+          <p:nvPr>
+            <p:ph idx="1"/>
+          </p:nvPr>
+        </p:nvSpPr>
+        <p:spPr/>
+        <p:txBody>
+          <a:bodyPr>
+            <a:normAutofit/>
+          </a:bodyPr>
+          <a:lstStyle/>
+          <a:p>
+            <a:pPr marL="0" indent="0">
+              <a:buNone/>
+            </a:pPr>
+            <a:r>
               <a:rPr lang="en-US" dirty="0" smtClean="0"/>
-              <a:t>Data Source</a:t>
-            </a:r>
+              <a:t>a</a:t>
+            </a:r>
+            <a:r>
+              <a:rPr lang="en-US" dirty="0"/>
+              <a:t>.) Binge Drinking: </a:t>
+            </a:r>
+          </a:p>
+          <a:p>
+            <a:pPr marL="0" indent="0">
+              <a:buNone/>
+            </a:pPr>
+            <a:r>
+              <a:rPr lang="en-US" dirty="0" smtClean="0"/>
+              <a:t>      -</a:t>
+            </a:r>
+            <a:r>
+              <a:rPr lang="en-US" dirty="0"/>
+              <a:t>Prevalence (%): </a:t>
+            </a:r>
+            <a:r>
+              <a:rPr lang="en-US" dirty="0" smtClean="0"/>
+              <a:t>Drinks </a:t>
+            </a:r>
+            <a:r>
+              <a:rPr lang="en-US" dirty="0"/>
+              <a:t>at an occasion / Last 30 days (M- 5+, W- 4</a:t>
+            </a:r>
+            <a:r>
+              <a:rPr lang="en-US" dirty="0" smtClean="0"/>
+              <a:t>+)</a:t>
+            </a:r>
+          </a:p>
+          <a:p>
+            <a:pPr marL="0" indent="0">
+              <a:buNone/>
+            </a:pPr>
+            <a:r>
+              <a:rPr lang="en-US" dirty="0"/>
+              <a:t> </a:t>
+            </a:r>
+            <a:r>
+              <a:rPr lang="en-US" dirty="0" smtClean="0"/>
+              <a:t>     -</a:t>
+            </a:r>
+            <a:r>
+              <a:rPr lang="en-US" dirty="0"/>
+              <a:t>Intensity: </a:t>
+            </a:r>
+            <a:r>
+              <a:rPr lang="en-US" dirty="0" smtClean="0"/>
+              <a:t>Largest </a:t>
+            </a:r>
+            <a:r>
+              <a:rPr lang="en-US" dirty="0"/>
+              <a:t>Number at an Occasion / Last 30 </a:t>
+            </a:r>
+            <a:r>
+              <a:rPr lang="en-US" dirty="0" smtClean="0"/>
+              <a:t>days</a:t>
+            </a:r>
+          </a:p>
+          <a:p>
+            <a:pPr marL="0" indent="0">
+              <a:buNone/>
+            </a:pPr>
+            <a:r>
+              <a:rPr lang="en-US" dirty="0"/>
+              <a:t> </a:t>
+            </a:r>
+            <a:r>
+              <a:rPr lang="en-US" dirty="0" smtClean="0"/>
+              <a:t>     -Frequency: Binge </a:t>
+            </a:r>
+            <a:r>
+              <a:rPr lang="en-US" dirty="0"/>
+              <a:t>episodes  / Last 30 days</a:t>
+            </a:r>
+          </a:p>
+          <a:p>
+            <a:pPr marL="0" indent="0">
+              <a:buNone/>
+            </a:pPr>
             <a:endParaRPr lang="en-US" dirty="0"/>
           </a:p>
-        </p:txBody>
-      </p:sp>
-      <p:sp>
-        <p:nvSpPr>
-          <p:cNvPr id="3" name="Content Placeholder 2"/>
-          <p:cNvSpPr>
-            <a:spLocks noGrp="1"/>
-          </p:cNvSpPr>
-          <p:nvPr>
-            <p:ph idx="1"/>
-          </p:nvPr>
-        </p:nvSpPr>
-        <p:spPr/>
-        <p:txBody>
-          <a:bodyPr/>
-          <a:lstStyle/>
           <a:p>
             <a:pPr marL="0" indent="0">
               <a:buNone/>
             </a:pPr>
             <a:r>
               <a:rPr lang="en-US" dirty="0" smtClean="0"/>
-              <a:t>1.) CDC U.S. Cancer Statistics Technical Notes - Statistical Methods: Incidence and Death Rates - NPCR – Cancer</a:t>
+              <a:t>b</a:t>
+            </a:r>
+            <a:r>
+              <a:rPr lang="en-US" dirty="0"/>
+              <a:t>.) Heavy Drinking: </a:t>
+            </a:r>
+            <a:r>
+              <a:rPr lang="en-US" dirty="0" smtClean="0"/>
+              <a:t>Total </a:t>
+            </a:r>
+            <a:r>
+              <a:rPr lang="en-US" dirty="0"/>
+              <a:t>drinks per week / Weekly within Last 30 days </a:t>
             </a:r>
           </a:p>
           <a:p>
             <a:pPr marL="0" indent="0">
               <a:buNone/>
             </a:pPr>
-            <a:endParaRPr lang="en-US" dirty="0" smtClean="0"/>
-          </a:p>
-          <a:p>
-            <a:pPr marL="0" indent="0">
-              <a:buNone/>
-            </a:pPr>
+            <a:r>
+              <a:rPr lang="en-US" dirty="0"/>
+              <a:t>					(M- </a:t>
+            </a:r>
             <a:r>
               <a:rPr lang="en-US" dirty="0" smtClean="0"/>
-              <a:t>2.) Eater.com- Number of people per bar in each state</a:t>
-            </a:r>
-          </a:p>
-          <a:p>
-            <a:pPr marL="0" indent="0">
-              <a:buNone/>
-            </a:pPr>
-            <a:endParaRPr lang="en-US" smtClean="0"/>
-          </a:p>
-          <a:p>
-            <a:pPr marL="0" indent="0">
-              <a:buNone/>
-            </a:pPr>
-            <a:r>
-              <a:rPr lang="en-US" smtClean="0"/>
-              <a:t>3</a:t>
-            </a:r>
-            <a:r>
-              <a:rPr lang="en-US" dirty="0" smtClean="0"/>
-              <a:t>.) </a:t>
-            </a:r>
-            <a:r>
-              <a:rPr lang="en-US" dirty="0">
-                <a:solidFill>
-                  <a:srgbClr val="FF0000"/>
-                </a:solidFill>
-              </a:rPr>
-              <a:t>[income source of data]</a:t>
-            </a:r>
+              <a:t>14+  W-7+)</a:t>
+            </a:r>
+          </a:p>
+          <a:p>
+            <a:endParaRPr lang="en-US" dirty="0"/>
           </a:p>
         </p:txBody>
       </p:sp>
     </p:spTree>
     <p:extLst>
       <p:ext uri="{BB962C8B-B14F-4D97-AF65-F5344CB8AC3E}">
-        <p14:creationId xmlns:p14="http://schemas.microsoft.com/office/powerpoint/2010/main" val="3414463838"/>
+        <p14:creationId xmlns:p14="http://schemas.microsoft.com/office/powerpoint/2010/main" val="2309312233"/>
       </p:ext>
     </p:extLst>
   </p:cSld>
   <p:clrMapOvr>
     <a:masterClrMapping/>
   </p:clrMapOvr>
+  <p:timing>
+    <p:tnLst>
+      <p:par>
+        <p:cTn id="1" dur="indefinite" restart="never" nodeType="tmRoot"/>
+      </p:par>
+    </p:tnLst>
+  </p:timing>
 </p:sld>
 </file>
 
@@ -3867,7 +4403,11 @@
           <a:p>
             <a:r>
               <a:rPr lang="en-US" dirty="0" smtClean="0"/>
-              <a:t>Data Clean up</a:t>
+              <a:t>Data </a:t>
+            </a:r>
+            <a:r>
+              <a:rPr lang="en-US" dirty="0" smtClean="0"/>
+              <a:t>Collection &amp; Cleansing</a:t>
             </a:r>
             <a:endParaRPr lang="en-US" dirty="0"/>
           </a:p>
@@ -3885,23 +4425,765 @@
         </p:nvSpPr>
         <p:spPr/>
         <p:txBody>
-          <a:bodyPr/>
-          <a:lstStyle/>
-          <a:p>
-            <a:endParaRPr lang="en-US"/>
+          <a:bodyPr>
+            <a:normAutofit fontScale="92500" lnSpcReduction="10000"/>
+          </a:bodyPr>
+          <a:lstStyle/>
+          <a:p>
+            <a:pPr marL="0" indent="0">
+              <a:buNone/>
+            </a:pPr>
+            <a:r>
+              <a:rPr lang="en-US" dirty="0" smtClean="0"/>
+              <a:t>1.) CDC U.S. Cancer Statistics Technical Notes - Statistical Methods: Incidence and Death Rates - NPCR – </a:t>
+            </a:r>
+            <a:r>
+              <a:rPr lang="en-US" dirty="0" smtClean="0"/>
+              <a:t>Cancer</a:t>
+            </a:r>
+            <a:endParaRPr lang="en-US" dirty="0" smtClean="0"/>
+          </a:p>
+          <a:p>
+            <a:pPr marL="0" indent="0">
+              <a:buNone/>
+            </a:pPr>
+            <a:r>
+              <a:rPr lang="en-US" dirty="0" smtClean="0"/>
+              <a:t>2.) Eater.com- Number of people per bar in each </a:t>
+            </a:r>
+            <a:r>
+              <a:rPr lang="en-US" dirty="0" smtClean="0"/>
+              <a:t>state</a:t>
+            </a:r>
+            <a:endParaRPr lang="en-US" dirty="0" smtClean="0"/>
+          </a:p>
+          <a:p>
+            <a:pPr marL="0" indent="0">
+              <a:buNone/>
+            </a:pPr>
+            <a:r>
+              <a:rPr lang="en-US" dirty="0" smtClean="0"/>
+              <a:t>3.) </a:t>
+            </a:r>
+            <a:r>
+              <a:rPr lang="en-US" dirty="0">
+                <a:solidFill>
+                  <a:srgbClr val="FF0000"/>
+                </a:solidFill>
+              </a:rPr>
+              <a:t>[income source of data</a:t>
+            </a:r>
+            <a:r>
+              <a:rPr lang="en-US" dirty="0" smtClean="0">
+                <a:solidFill>
+                  <a:srgbClr val="FF0000"/>
+                </a:solidFill>
+              </a:rPr>
+              <a:t>]</a:t>
+            </a:r>
+          </a:p>
+          <a:p>
+            <a:pPr marL="0" indent="0">
+              <a:buNone/>
+            </a:pPr>
+            <a:endParaRPr lang="en-US" dirty="0">
+              <a:solidFill>
+                <a:srgbClr val="FF0000"/>
+              </a:solidFill>
+            </a:endParaRPr>
+          </a:p>
+          <a:p>
+            <a:pPr marL="0" indent="0">
+              <a:buNone/>
+            </a:pPr>
+            <a:r>
+              <a:rPr lang="en-US" dirty="0" smtClean="0">
+                <a:solidFill>
+                  <a:srgbClr val="FF0000"/>
+                </a:solidFill>
+              </a:rPr>
+              <a:t>(Data Cleaning besides Merging Data-</a:t>
+            </a:r>
+            <a:r>
+              <a:rPr lang="en-US" dirty="0">
+                <a:solidFill>
+                  <a:srgbClr val="FF0000"/>
+                </a:solidFill>
+              </a:rPr>
+              <a:t> Can I </a:t>
+            </a:r>
+            <a:r>
+              <a:rPr lang="en-US" dirty="0" smtClean="0">
+                <a:solidFill>
+                  <a:srgbClr val="FF0000"/>
+                </a:solidFill>
+              </a:rPr>
+              <a:t>combine within this slide)</a:t>
+            </a:r>
+          </a:p>
+          <a:p>
+            <a:pPr marL="0" indent="0">
+              <a:buNone/>
+            </a:pPr>
+            <a:r>
+              <a:rPr lang="en-US" dirty="0" smtClean="0">
+                <a:solidFill>
+                  <a:srgbClr val="FF0000"/>
+                </a:solidFill>
+              </a:rPr>
+              <a:t>*</a:t>
+            </a:r>
+            <a:r>
+              <a:rPr lang="en-US" dirty="0" err="1" smtClean="0">
+                <a:solidFill>
+                  <a:srgbClr val="FF0000"/>
+                </a:solidFill>
+              </a:rPr>
+              <a:t>Concatentate</a:t>
+            </a:r>
+            <a:r>
+              <a:rPr lang="en-US" dirty="0" smtClean="0">
+                <a:solidFill>
+                  <a:srgbClr val="FF0000"/>
+                </a:solidFill>
+              </a:rPr>
+              <a:t> and reverse Concatenate columns</a:t>
+            </a:r>
+          </a:p>
+          <a:p>
+            <a:pPr marL="0" indent="0">
+              <a:buNone/>
+            </a:pPr>
+            <a:r>
+              <a:rPr lang="en-US" dirty="0" smtClean="0">
+                <a:solidFill>
+                  <a:srgbClr val="FF0000"/>
+                </a:solidFill>
+              </a:rPr>
+              <a:t>*</a:t>
+            </a:r>
+            <a:r>
+              <a:rPr lang="en-US" dirty="0">
+                <a:solidFill>
+                  <a:srgbClr val="FF0000"/>
+                </a:solidFill>
+              </a:rPr>
+              <a:t>G</a:t>
+            </a:r>
+            <a:r>
+              <a:rPr lang="en-US" dirty="0" smtClean="0">
+                <a:solidFill>
+                  <a:srgbClr val="FF0000"/>
+                </a:solidFill>
+              </a:rPr>
+              <a:t>rouping, Mean , Conditional,  Filtering, change </a:t>
+            </a:r>
+            <a:r>
+              <a:rPr lang="en-US" smtClean="0">
+                <a:solidFill>
+                  <a:srgbClr val="FF0000"/>
+                </a:solidFill>
+              </a:rPr>
+              <a:t>data types</a:t>
+            </a:r>
+            <a:endParaRPr lang="en-US" dirty="0" smtClean="0">
+              <a:solidFill>
+                <a:srgbClr val="FF0000"/>
+              </a:solidFill>
+            </a:endParaRPr>
+          </a:p>
+          <a:p>
+            <a:r>
+              <a:rPr lang="en-US" dirty="0"/>
+              <a:t>Exclude non-Alcohol Data</a:t>
+            </a:r>
+          </a:p>
+          <a:p>
+            <a:r>
+              <a:rPr lang="en-US" dirty="0"/>
+              <a:t>Break out Age, Sex, data metrics (binge, heavy)</a:t>
+            </a:r>
+          </a:p>
+          <a:p>
+            <a:endParaRPr lang="en-US" dirty="0"/>
+          </a:p>
+          <a:p>
+            <a:pPr marL="0" indent="0">
+              <a:buNone/>
+            </a:pPr>
+            <a:endParaRPr lang="en-US" dirty="0" smtClean="0">
+              <a:solidFill>
+                <a:srgbClr val="FF0000"/>
+              </a:solidFill>
+            </a:endParaRPr>
+          </a:p>
+          <a:p>
+            <a:pPr marL="0" indent="0">
+              <a:buNone/>
+            </a:pPr>
+            <a:endParaRPr lang="en-US" dirty="0" smtClean="0">
+              <a:solidFill>
+                <a:srgbClr val="FF0000"/>
+              </a:solidFill>
+            </a:endParaRPr>
           </a:p>
         </p:txBody>
       </p:sp>
     </p:spTree>
     <p:extLst>
       <p:ext uri="{BB962C8B-B14F-4D97-AF65-F5344CB8AC3E}">
-        <p14:creationId xmlns:p14="http://schemas.microsoft.com/office/powerpoint/2010/main" val="3469522815"/>
+        <p14:creationId xmlns:p14="http://schemas.microsoft.com/office/powerpoint/2010/main" val="3414463838"/>
       </p:ext>
     </p:extLst>
   </p:cSld>
   <p:clrMapOvr>
     <a:masterClrMapping/>
   </p:clrMapOvr>
+  <p:timing>
+    <p:tnLst>
+      <p:par>
+        <p:cTn id="1" dur="indefinite" restart="never" nodeType="tmRoot"/>
+      </p:par>
+    </p:tnLst>
+  </p:timing>
+</p:sld>
+</file>
+
+<file path=ppt/slides/slide5.xml><?xml version="1.0" encoding="utf-8"?>
+<p:sld xmlns:a="http://schemas.openxmlformats.org/drawingml/2006/main" xmlns:r="http://schemas.openxmlformats.org/officeDocument/2006/relationships" xmlns:p="http://schemas.openxmlformats.org/presentationml/2006/main">
+  <p:cSld>
+    <p:spTree>
+      <p:nvGrpSpPr>
+        <p:cNvPr id="1" name=""/>
+        <p:cNvGrpSpPr/>
+        <p:nvPr/>
+      </p:nvGrpSpPr>
+      <p:grpSpPr>
+        <a:xfrm>
+          <a:off x="0" y="0"/>
+          <a:ext cx="0" cy="0"/>
+          <a:chOff x="0" y="0"/>
+          <a:chExt cx="0" cy="0"/>
+        </a:xfrm>
+      </p:grpSpPr>
+      <p:sp>
+        <p:nvSpPr>
+          <p:cNvPr id="2" name="Title 1"/>
+          <p:cNvSpPr>
+            <a:spLocks noGrp="1"/>
+          </p:cNvSpPr>
+          <p:nvPr>
+            <p:ph type="title"/>
+          </p:nvPr>
+        </p:nvSpPr>
+        <p:spPr/>
+        <p:txBody>
+          <a:bodyPr>
+            <a:normAutofit/>
+          </a:bodyPr>
+          <a:lstStyle/>
+          <a:p>
+            <a:r>
+              <a:rPr lang="en-US" dirty="0" smtClean="0"/>
+              <a:t>Propensity to Drink        Chronic Liver Disease</a:t>
+            </a:r>
+            <a:br>
+              <a:rPr lang="en-US" dirty="0" smtClean="0"/>
+            </a:br>
+            <a:r>
+              <a:rPr lang="en-US" sz="2000" dirty="0"/>
+              <a:t>(add </a:t>
+            </a:r>
+            <a:r>
+              <a:rPr lang="en-US" sz="2000" dirty="0" err="1" smtClean="0"/>
+              <a:t>overall_age</a:t>
+            </a:r>
+            <a:r>
+              <a:rPr lang="en-US" sz="2000" dirty="0" smtClean="0"/>
+              <a:t>)</a:t>
+            </a:r>
+            <a:r>
+              <a:rPr lang="en-US" dirty="0"/>
+              <a:t>	</a:t>
+            </a:r>
+            <a:r>
+              <a:rPr lang="en-US" dirty="0" smtClean="0"/>
+              <a:t>				</a:t>
+            </a:r>
+            <a:r>
+              <a:rPr lang="en-US" sz="2000" dirty="0" smtClean="0"/>
+              <a:t>(add by sex_age)</a:t>
+            </a:r>
+            <a:endParaRPr lang="en-US" sz="2000" dirty="0"/>
+          </a:p>
+        </p:txBody>
+      </p:sp>
+      <p:pic>
+        <p:nvPicPr>
+          <p:cNvPr id="4" name="Content Placeholder 3"/>
+          <p:cNvPicPr>
+            <a:picLocks noGrp="1" noChangeAspect="1"/>
+          </p:cNvPicPr>
+          <p:nvPr>
+            <p:ph idx="1"/>
+          </p:nvPr>
+        </p:nvPicPr>
+        <p:blipFill>
+          <a:blip r:embed="rId3">
+            <a:extLst>
+              <a:ext uri="{28A0092B-C50C-407E-A947-70E740481C1C}">
+                <a14:useLocalDpi xmlns:a14="http://schemas.microsoft.com/office/drawing/2010/main" val="0"/>
+              </a:ext>
+            </a:extLst>
+          </a:blip>
+          <a:stretch>
+            <a:fillRect/>
+          </a:stretch>
+        </p:blipFill>
+        <p:spPr>
+          <a:xfrm>
+            <a:off x="838200" y="2326556"/>
+            <a:ext cx="4725477" cy="3378970"/>
+          </a:xfrm>
+        </p:spPr>
+      </p:pic>
+      <p:pic>
+        <p:nvPicPr>
+          <p:cNvPr id="5" name="Content Placeholder 3"/>
+          <p:cNvPicPr>
+            <a:picLocks noChangeAspect="1"/>
+          </p:cNvPicPr>
+          <p:nvPr/>
+        </p:nvPicPr>
+        <p:blipFill>
+          <a:blip r:embed="rId4">
+            <a:extLst>
+              <a:ext uri="{28A0092B-C50C-407E-A947-70E740481C1C}">
+                <a14:useLocalDpi xmlns:a14="http://schemas.microsoft.com/office/drawing/2010/main" val="0"/>
+              </a:ext>
+            </a:extLst>
+          </a:blip>
+          <a:stretch>
+            <a:fillRect/>
+          </a:stretch>
+        </p:blipFill>
+        <p:spPr>
+          <a:xfrm>
+            <a:off x="5926395" y="2121436"/>
+            <a:ext cx="5427405" cy="3789211"/>
+          </a:xfrm>
+          <a:prstGeom prst="rect">
+            <a:avLst/>
+          </a:prstGeom>
+        </p:spPr>
+      </p:pic>
+    </p:spTree>
+    <p:extLst>
+      <p:ext uri="{BB962C8B-B14F-4D97-AF65-F5344CB8AC3E}">
+        <p14:creationId xmlns:p14="http://schemas.microsoft.com/office/powerpoint/2010/main" val="3776396989"/>
+      </p:ext>
+    </p:extLst>
+  </p:cSld>
+  <p:clrMapOvr>
+    <a:masterClrMapping/>
+  </p:clrMapOvr>
+  <p:timing>
+    <p:tnLst>
+      <p:par>
+        <p:cTn id="1" dur="indefinite" restart="never" nodeType="tmRoot"/>
+      </p:par>
+    </p:tnLst>
+  </p:timing>
+</p:sld>
+</file>
+
+<file path=ppt/slides/slide6.xml><?xml version="1.0" encoding="utf-8"?>
+<p:sld xmlns:a="http://schemas.openxmlformats.org/drawingml/2006/main" xmlns:r="http://schemas.openxmlformats.org/officeDocument/2006/relationships" xmlns:p="http://schemas.openxmlformats.org/presentationml/2006/main">
+  <p:cSld>
+    <p:spTree>
+      <p:nvGrpSpPr>
+        <p:cNvPr id="1" name=""/>
+        <p:cNvGrpSpPr/>
+        <p:nvPr/>
+      </p:nvGrpSpPr>
+      <p:grpSpPr>
+        <a:xfrm>
+          <a:off x="0" y="0"/>
+          <a:ext cx="0" cy="0"/>
+          <a:chOff x="0" y="0"/>
+          <a:chExt cx="0" cy="0"/>
+        </a:xfrm>
+      </p:grpSpPr>
+      <p:sp>
+        <p:nvSpPr>
+          <p:cNvPr id="2" name="Title 1"/>
+          <p:cNvSpPr>
+            <a:spLocks noGrp="1"/>
+          </p:cNvSpPr>
+          <p:nvPr>
+            <p:ph type="title"/>
+          </p:nvPr>
+        </p:nvSpPr>
+        <p:spPr/>
+        <p:txBody>
+          <a:bodyPr/>
+          <a:lstStyle/>
+          <a:p>
+            <a:r>
+              <a:rPr lang="en-US" dirty="0" smtClean="0"/>
+              <a:t>Binge Plot				Heavy</a:t>
+            </a:r>
+            <a:endParaRPr lang="en-US" dirty="0"/>
+          </a:p>
+        </p:txBody>
+      </p:sp>
+      <p:pic>
+        <p:nvPicPr>
+          <p:cNvPr id="5" name="Content Placeholder 4"/>
+          <p:cNvPicPr>
+            <a:picLocks noGrp="1" noChangeAspect="1"/>
+          </p:cNvPicPr>
+          <p:nvPr>
+            <p:ph idx="1"/>
+          </p:nvPr>
+        </p:nvPicPr>
+        <p:blipFill>
+          <a:blip r:embed="rId2">
+            <a:extLst>
+              <a:ext uri="{28A0092B-C50C-407E-A947-70E740481C1C}">
+                <a14:useLocalDpi xmlns:a14="http://schemas.microsoft.com/office/drawing/2010/main" val="0"/>
+              </a:ext>
+            </a:extLst>
+          </a:blip>
+          <a:stretch>
+            <a:fillRect/>
+          </a:stretch>
+        </p:blipFill>
+        <p:spPr bwMode="auto">
+          <a:xfrm>
+            <a:off x="331876" y="2271655"/>
+            <a:ext cx="5068455" cy="3429781"/>
+          </a:xfrm>
+          <a:prstGeom prst="rect">
+            <a:avLst/>
+          </a:prstGeom>
+          <a:noFill/>
+          <a:extLst>
+            <a:ext uri="{909E8E84-426E-40DD-AFC4-6F175D3DCCD1}">
+              <a14:hiddenFill xmlns:a14="http://schemas.microsoft.com/office/drawing/2010/main">
+                <a:solidFill>
+                  <a:srgbClr val="FFFFFF"/>
+                </a:solidFill>
+              </a14:hiddenFill>
+            </a:ext>
+          </a:extLst>
+        </p:spPr>
+      </p:pic>
+      <p:pic>
+        <p:nvPicPr>
+          <p:cNvPr id="6" name="Content Placeholder 3"/>
+          <p:cNvPicPr>
+            <a:picLocks noChangeAspect="1"/>
+          </p:cNvPicPr>
+          <p:nvPr/>
+        </p:nvPicPr>
+        <p:blipFill>
+          <a:blip r:embed="rId3">
+            <a:extLst>
+              <a:ext uri="{28A0092B-C50C-407E-A947-70E740481C1C}">
+                <a14:useLocalDpi xmlns:a14="http://schemas.microsoft.com/office/drawing/2010/main" val="0"/>
+              </a:ext>
+            </a:extLst>
+          </a:blip>
+          <a:stretch>
+            <a:fillRect/>
+          </a:stretch>
+        </p:blipFill>
+        <p:spPr>
+          <a:xfrm>
+            <a:off x="5400331" y="2394123"/>
+            <a:ext cx="4852506" cy="3442484"/>
+          </a:xfrm>
+          <a:prstGeom prst="rect">
+            <a:avLst/>
+          </a:prstGeom>
+        </p:spPr>
+      </p:pic>
+    </p:spTree>
+    <p:extLst>
+      <p:ext uri="{BB962C8B-B14F-4D97-AF65-F5344CB8AC3E}">
+        <p14:creationId xmlns:p14="http://schemas.microsoft.com/office/powerpoint/2010/main" val="2227505954"/>
+      </p:ext>
+    </p:extLst>
+  </p:cSld>
+  <p:clrMapOvr>
+    <a:masterClrMapping/>
+  </p:clrMapOvr>
+  <p:timing>
+    <p:tnLst>
+      <p:par>
+        <p:cTn id="1" dur="indefinite" restart="never" nodeType="tmRoot"/>
+      </p:par>
+    </p:tnLst>
+  </p:timing>
+</p:sld>
+</file>
+
+<file path=ppt/slides/slide7.xml><?xml version="1.0" encoding="utf-8"?>
+<p:sld xmlns:a="http://schemas.openxmlformats.org/drawingml/2006/main" xmlns:r="http://schemas.openxmlformats.org/officeDocument/2006/relationships" xmlns:p="http://schemas.openxmlformats.org/presentationml/2006/main">
+  <p:cSld>
+    <p:spTree>
+      <p:nvGrpSpPr>
+        <p:cNvPr id="1" name=""/>
+        <p:cNvGrpSpPr/>
+        <p:nvPr/>
+      </p:nvGrpSpPr>
+      <p:grpSpPr>
+        <a:xfrm>
+          <a:off x="0" y="0"/>
+          <a:ext cx="0" cy="0"/>
+          <a:chOff x="0" y="0"/>
+          <a:chExt cx="0" cy="0"/>
+        </a:xfrm>
+      </p:grpSpPr>
+      <p:sp>
+        <p:nvSpPr>
+          <p:cNvPr id="2" name="Title 1"/>
+          <p:cNvSpPr>
+            <a:spLocks noGrp="1"/>
+          </p:cNvSpPr>
+          <p:nvPr>
+            <p:ph type="title"/>
+          </p:nvPr>
+        </p:nvSpPr>
+        <p:spPr/>
+        <p:txBody>
+          <a:bodyPr/>
+          <a:lstStyle/>
+          <a:p>
+            <a:r>
+              <a:rPr lang="en-US" dirty="0" smtClean="0"/>
+              <a:t>Intensity				Frequency</a:t>
+            </a:r>
+            <a:endParaRPr lang="en-US" dirty="0"/>
+          </a:p>
+        </p:txBody>
+      </p:sp>
+      <p:pic>
+        <p:nvPicPr>
+          <p:cNvPr id="4" name="Content Placeholder 3"/>
+          <p:cNvPicPr>
+            <a:picLocks noGrp="1" noChangeAspect="1"/>
+          </p:cNvPicPr>
+          <p:nvPr>
+            <p:ph idx="1"/>
+          </p:nvPr>
+        </p:nvPicPr>
+        <p:blipFill>
+          <a:blip r:embed="rId2">
+            <a:extLst>
+              <a:ext uri="{28A0092B-C50C-407E-A947-70E740481C1C}">
+                <a14:useLocalDpi xmlns:a14="http://schemas.microsoft.com/office/drawing/2010/main" val="0"/>
+              </a:ext>
+            </a:extLst>
+          </a:blip>
+          <a:stretch>
+            <a:fillRect/>
+          </a:stretch>
+        </p:blipFill>
+        <p:spPr>
+          <a:xfrm>
+            <a:off x="499058" y="2134829"/>
+            <a:ext cx="4763585" cy="3378970"/>
+          </a:xfrm>
+        </p:spPr>
+      </p:pic>
+      <p:pic>
+        <p:nvPicPr>
+          <p:cNvPr id="5" name="Content Placeholder 3"/>
+          <p:cNvPicPr>
+            <a:picLocks noChangeAspect="1"/>
+          </p:cNvPicPr>
+          <p:nvPr/>
+        </p:nvPicPr>
+        <p:blipFill>
+          <a:blip r:embed="rId3">
+            <a:extLst>
+              <a:ext uri="{28A0092B-C50C-407E-A947-70E740481C1C}">
+                <a14:useLocalDpi xmlns:a14="http://schemas.microsoft.com/office/drawing/2010/main" val="0"/>
+              </a:ext>
+            </a:extLst>
+          </a:blip>
+          <a:stretch>
+            <a:fillRect/>
+          </a:stretch>
+        </p:blipFill>
+        <p:spPr>
+          <a:xfrm>
+            <a:off x="5504897" y="2134829"/>
+            <a:ext cx="4839803" cy="3378970"/>
+          </a:xfrm>
+          <a:prstGeom prst="rect">
+            <a:avLst/>
+          </a:prstGeom>
+        </p:spPr>
+      </p:pic>
+    </p:spTree>
+    <p:extLst>
+      <p:ext uri="{BB962C8B-B14F-4D97-AF65-F5344CB8AC3E}">
+        <p14:creationId xmlns:p14="http://schemas.microsoft.com/office/powerpoint/2010/main" val="509388346"/>
+      </p:ext>
+    </p:extLst>
+  </p:cSld>
+  <p:clrMapOvr>
+    <a:masterClrMapping/>
+  </p:clrMapOvr>
+  <p:timing>
+    <p:tnLst>
+      <p:par>
+        <p:cTn id="1" dur="indefinite" restart="never" nodeType="tmRoot"/>
+      </p:par>
+    </p:tnLst>
+  </p:timing>
+</p:sld>
+</file>
+
+<file path=ppt/slides/slide8.xml><?xml version="1.0" encoding="utf-8"?>
+<p:sld xmlns:a="http://schemas.openxmlformats.org/drawingml/2006/main" xmlns:r="http://schemas.openxmlformats.org/officeDocument/2006/relationships" xmlns:p="http://schemas.openxmlformats.org/presentationml/2006/main">
+  <p:cSld>
+    <p:spTree>
+      <p:nvGrpSpPr>
+        <p:cNvPr id="1" name=""/>
+        <p:cNvGrpSpPr/>
+        <p:nvPr/>
+      </p:nvGrpSpPr>
+      <p:grpSpPr>
+        <a:xfrm>
+          <a:off x="0" y="0"/>
+          <a:ext cx="0" cy="0"/>
+          <a:chOff x="0" y="0"/>
+          <a:chExt cx="0" cy="0"/>
+        </a:xfrm>
+      </p:grpSpPr>
+      <p:sp>
+        <p:nvSpPr>
+          <p:cNvPr id="2" name="Title 1"/>
+          <p:cNvSpPr>
+            <a:spLocks noGrp="1"/>
+          </p:cNvSpPr>
+          <p:nvPr>
+            <p:ph type="title"/>
+          </p:nvPr>
+        </p:nvSpPr>
+        <p:spPr/>
+        <p:txBody>
+          <a:bodyPr/>
+          <a:lstStyle/>
+          <a:p>
+            <a:r>
+              <a:rPr lang="en-US" dirty="0" smtClean="0"/>
+              <a:t>Challenges / Open Questions Remaining</a:t>
+            </a:r>
+            <a:endParaRPr lang="en-US" dirty="0"/>
+          </a:p>
+        </p:txBody>
+      </p:sp>
+      <p:sp>
+        <p:nvSpPr>
+          <p:cNvPr id="3" name="Content Placeholder 2"/>
+          <p:cNvSpPr>
+            <a:spLocks noGrp="1"/>
+          </p:cNvSpPr>
+          <p:nvPr>
+            <p:ph idx="1"/>
+          </p:nvPr>
+        </p:nvSpPr>
+        <p:spPr/>
+        <p:txBody>
+          <a:bodyPr/>
+          <a:lstStyle/>
+          <a:p>
+            <a:endParaRPr lang="en-US" dirty="0"/>
+          </a:p>
+        </p:txBody>
+      </p:sp>
+    </p:spTree>
+    <p:extLst>
+      <p:ext uri="{BB962C8B-B14F-4D97-AF65-F5344CB8AC3E}">
+        <p14:creationId xmlns:p14="http://schemas.microsoft.com/office/powerpoint/2010/main" val="1611749925"/>
+      </p:ext>
+    </p:extLst>
+  </p:cSld>
+  <p:clrMapOvr>
+    <a:masterClrMapping/>
+  </p:clrMapOvr>
+  <p:timing>
+    <p:tnLst>
+      <p:par>
+        <p:cTn id="1" dur="indefinite" restart="never" nodeType="tmRoot"/>
+      </p:par>
+    </p:tnLst>
+  </p:timing>
+</p:sld>
+</file>
+
+<file path=ppt/slides/slide9.xml><?xml version="1.0" encoding="utf-8"?>
+<p:sld xmlns:a="http://schemas.openxmlformats.org/drawingml/2006/main" xmlns:r="http://schemas.openxmlformats.org/officeDocument/2006/relationships" xmlns:p="http://schemas.openxmlformats.org/presentationml/2006/main">
+  <p:cSld>
+    <p:spTree>
+      <p:nvGrpSpPr>
+        <p:cNvPr id="1" name=""/>
+        <p:cNvGrpSpPr/>
+        <p:nvPr/>
+      </p:nvGrpSpPr>
+      <p:grpSpPr>
+        <a:xfrm>
+          <a:off x="0" y="0"/>
+          <a:ext cx="0" cy="0"/>
+          <a:chOff x="0" y="0"/>
+          <a:chExt cx="0" cy="0"/>
+        </a:xfrm>
+      </p:grpSpPr>
+      <p:sp>
+        <p:nvSpPr>
+          <p:cNvPr id="2" name="Title 1"/>
+          <p:cNvSpPr>
+            <a:spLocks noGrp="1"/>
+          </p:cNvSpPr>
+          <p:nvPr>
+            <p:ph type="title"/>
+          </p:nvPr>
+        </p:nvSpPr>
+        <p:spPr/>
+        <p:txBody>
+          <a:bodyPr/>
+          <a:lstStyle/>
+          <a:p>
+            <a:r>
+              <a:rPr lang="en-US" dirty="0" smtClean="0"/>
+              <a:t>Backup/Alternative Sides</a:t>
+            </a:r>
+            <a:endParaRPr lang="en-US" dirty="0"/>
+          </a:p>
+        </p:txBody>
+      </p:sp>
+    </p:spTree>
+    <p:extLst>
+      <p:ext uri="{BB962C8B-B14F-4D97-AF65-F5344CB8AC3E}">
+        <p14:creationId xmlns:p14="http://schemas.microsoft.com/office/powerpoint/2010/main" val="4121088826"/>
+      </p:ext>
+    </p:extLst>
+  </p:cSld>
+  <p:clrMapOvr>
+    <a:masterClrMapping/>
+  </p:clrMapOvr>
+  <p:timing>
+    <p:tnLst>
+      <p:par>
+        <p:cTn id="1" dur="indefinite" restart="never" nodeType="tmRoot"/>
+      </p:par>
+    </p:tnLst>
+  </p:timing>
 </p:sld>
 </file>
 

--- a/Caused of Alcoholism.pptx
+++ b/Caused of Alcoholism.pptx
@@ -5,7 +5,7 @@
     <p:sldMasterId id="2147483648" r:id="rId1"/>
   </p:sldMasterIdLst>
   <p:notesMasterIdLst>
-    <p:notesMasterId r:id="rId12"/>
+    <p:notesMasterId r:id="rId16"/>
   </p:notesMasterIdLst>
   <p:sldIdLst>
     <p:sldId id="256" r:id="rId2"/>
@@ -15,9 +15,13 @@
     <p:sldId id="264" r:id="rId6"/>
     <p:sldId id="261" r:id="rId7"/>
     <p:sldId id="265" r:id="rId8"/>
-    <p:sldId id="268" r:id="rId9"/>
-    <p:sldId id="267" r:id="rId10"/>
-    <p:sldId id="266" r:id="rId11"/>
+    <p:sldId id="271" r:id="rId9"/>
+    <p:sldId id="272" r:id="rId10"/>
+    <p:sldId id="273" r:id="rId11"/>
+    <p:sldId id="268" r:id="rId12"/>
+    <p:sldId id="267" r:id="rId13"/>
+    <p:sldId id="274" r:id="rId14"/>
+    <p:sldId id="266" r:id="rId15"/>
   </p:sldIdLst>
   <p:sldSz cx="12192000" cy="6858000"/>
   <p:notesSz cx="6858000" cy="9144000"/>
@@ -173,7 +177,7 @@
             </a:lvl1pPr>
           </a:lstStyle>
           <a:p>
-            <a:endParaRPr lang="en-US"/>
+            <a:endParaRPr lang="en-US" dirty="0"/>
           </a:p>
         </p:txBody>
       </p:sp>
@@ -206,9 +210,9 @@
           <a:p>
             <a:fld id="{CD3099E9-14FC-4744-80D3-70EB59C52136}" type="datetimeFigureOut">
               <a:rPr lang="en-US" smtClean="0"/>
-              <a:t>9/22/2018</a:t>
+              <a:t>9/25/2018</a:t>
             </a:fld>
-            <a:endParaRPr lang="en-US"/>
+            <a:endParaRPr lang="en-US" dirty="0"/>
           </a:p>
         </p:txBody>
       </p:sp>
@@ -241,7 +245,7 @@
           <a:bodyPr vert="horz" lIns="91440" tIns="45720" rIns="91440" bIns="45720" rtlCol="0" anchor="ctr"/>
           <a:lstStyle/>
           <a:p>
-            <a:endParaRPr lang="en-US"/>
+            <a:endParaRPr lang="en-US" dirty="0"/>
           </a:p>
         </p:txBody>
       </p:sp>
@@ -270,38 +274,37 @@
           <a:p>
             <a:pPr lvl="0"/>
             <a:r>
-              <a:rPr lang="en-US" smtClean="0"/>
+              <a:rPr lang="en-US"/>
               <a:t>Click to edit Master text styles</a:t>
             </a:r>
           </a:p>
           <a:p>
             <a:pPr lvl="1"/>
             <a:r>
-              <a:rPr lang="en-US" smtClean="0"/>
+              <a:rPr lang="en-US"/>
               <a:t>Second level</a:t>
             </a:r>
           </a:p>
           <a:p>
             <a:pPr lvl="2"/>
             <a:r>
-              <a:rPr lang="en-US" smtClean="0"/>
+              <a:rPr lang="en-US"/>
               <a:t>Third level</a:t>
             </a:r>
           </a:p>
           <a:p>
             <a:pPr lvl="3"/>
             <a:r>
-              <a:rPr lang="en-US" smtClean="0"/>
+              <a:rPr lang="en-US"/>
               <a:t>Fourth level</a:t>
             </a:r>
           </a:p>
           <a:p>
             <a:pPr lvl="4"/>
             <a:r>
-              <a:rPr lang="en-US" smtClean="0"/>
+              <a:rPr lang="en-US"/>
               <a:t>Fifth level</a:t>
             </a:r>
-            <a:endParaRPr lang="en-US"/>
           </a:p>
         </p:txBody>
       </p:sp>
@@ -332,7 +335,7 @@
             </a:lvl1pPr>
           </a:lstStyle>
           <a:p>
-            <a:endParaRPr lang="en-US"/>
+            <a:endParaRPr lang="en-US" dirty="0"/>
           </a:p>
         </p:txBody>
       </p:sp>
@@ -367,7 +370,7 @@
               <a:rPr lang="en-US" smtClean="0"/>
               <a:t>‹#›</a:t>
             </a:fld>
-            <a:endParaRPr lang="en-US"/>
+            <a:endParaRPr lang="en-US" dirty="0"/>
           </a:p>
         </p:txBody>
       </p:sp>
@@ -541,7 +544,7 @@
               <a:rPr lang="en-US" smtClean="0"/>
               <a:t>1</a:t>
             </a:fld>
-            <a:endParaRPr lang="en-US"/>
+            <a:endParaRPr lang="en-US" dirty="0"/>
           </a:p>
         </p:txBody>
       </p:sp>
@@ -603,40 +606,31 @@
           <a:lstStyle/>
           <a:p>
             <a:r>
-              <a:rPr lang="en-US" dirty="0" smtClean="0"/>
+              <a:rPr lang="en-US" dirty="0"/>
               <a:t>1.)</a:t>
             </a:r>
             <a:r>
-              <a:rPr lang="en-US" baseline="0" dirty="0" smtClean="0"/>
+              <a:rPr lang="en-US" baseline="0" dirty="0"/>
               <a:t> </a:t>
             </a:r>
             <a:r>
-              <a:rPr lang="en-US" sz="1200" dirty="0" err="1" smtClean="0"/>
-              <a:t>Harinee</a:t>
-            </a:r>
-            <a:r>
-              <a:rPr lang="en-US" sz="1200" dirty="0" smtClean="0"/>
-              <a:t> will discuss</a:t>
-            </a:r>
-            <a:r>
-              <a:rPr lang="en-US" sz="1200" baseline="0" dirty="0" smtClean="0"/>
-              <a:t> the definition of </a:t>
-            </a:r>
-            <a:r>
-              <a:rPr lang="en-US" sz="1200" baseline="0" dirty="0" err="1" smtClean="0"/>
-              <a:t>Alcholism</a:t>
-            </a:r>
-            <a:endParaRPr lang="en-US" sz="1200" baseline="0" dirty="0" smtClean="0"/>
-          </a:p>
-          <a:p>
-            <a:r>
-              <a:rPr lang="en-US" sz="1200" baseline="0" dirty="0" smtClean="0"/>
+              <a:rPr lang="en-US" sz="1200" dirty="0"/>
+              <a:t>Harinee will discuss</a:t>
+            </a:r>
+            <a:r>
+              <a:rPr lang="en-US" sz="1200" baseline="0" dirty="0"/>
+              <a:t> the definition of Alcoholism</a:t>
+            </a:r>
+          </a:p>
+          <a:p>
+            <a:r>
+              <a:rPr lang="en-US" sz="1200" baseline="0" dirty="0"/>
               <a:t>2.) I will talk about who is affected by this Disease</a:t>
             </a:r>
           </a:p>
           <a:p>
             <a:r>
-              <a:rPr lang="en-US" sz="1200" baseline="0" dirty="0" smtClean="0"/>
+              <a:rPr lang="en-US" sz="1200" baseline="0" dirty="0"/>
               <a:t>3.) Dean will then discuss the underlying causes</a:t>
             </a:r>
             <a:endParaRPr lang="en-US" dirty="0"/>
@@ -662,7 +656,7 @@
               <a:rPr lang="en-US" smtClean="0"/>
               <a:t>2</a:t>
             </a:fld>
-            <a:endParaRPr lang="en-US"/>
+            <a:endParaRPr lang="en-US" dirty="0"/>
           </a:p>
         </p:txBody>
       </p:sp>
@@ -724,11 +718,11 @@
           <a:lstStyle/>
           <a:p>
             <a:r>
-              <a:rPr lang="en-US" dirty="0" smtClean="0"/>
+              <a:rPr lang="en-US" dirty="0"/>
               <a:t>Make one big change and</a:t>
             </a:r>
             <a:r>
-              <a:rPr lang="en-US" baseline="0" dirty="0" smtClean="0"/>
+              <a:rPr lang="en-US" baseline="0" dirty="0"/>
               <a:t> then be general for the rest of them</a:t>
             </a:r>
           </a:p>
@@ -756,7 +750,7 @@
               <a:rPr lang="en-US" smtClean="0"/>
               <a:t>4</a:t>
             </a:fld>
-            <a:endParaRPr lang="en-US"/>
+            <a:endParaRPr lang="en-US" dirty="0"/>
           </a:p>
         </p:txBody>
       </p:sp>
@@ -818,27 +812,18 @@
           <a:lstStyle/>
           <a:p>
             <a:r>
-              <a:rPr lang="en-US" dirty="0" smtClean="0"/>
+              <a:rPr lang="en-US" dirty="0"/>
               <a:t>Limitation of Chronic Liver Disease</a:t>
             </a:r>
           </a:p>
           <a:p>
-            <a:endParaRPr lang="en-US" dirty="0" smtClean="0"/>
-          </a:p>
-          <a:p>
-            <a:r>
-              <a:rPr lang="en-US" dirty="0" smtClean="0"/>
-              <a:t>Limitations of indicator Because alcohol-related disease can have a long latency, changes in behavior or clinical practice affecting population mortality might not be apparent for years. Not all chronic liver disease deaths are alcohol-attributable. However, in 2009, almost 70% of cirrhosis deaths in the United States were alcohol-attributable (5), and the proportion of cirrhosis deaths coded as 100% </a:t>
-            </a:r>
-            <a:r>
-              <a:rPr lang="en-US" dirty="0" err="1" smtClean="0"/>
-              <a:t>alcoholattributable</a:t>
-            </a:r>
-            <a:r>
-              <a:rPr lang="en-US" dirty="0" smtClean="0"/>
-              <a:t> has increased dramatically during 1970–2009 among United States adults aged 25–64 years (5)</a:t>
-            </a:r>
             <a:endParaRPr lang="en-US" dirty="0"/>
+          </a:p>
+          <a:p>
+            <a:r>
+              <a:rPr lang="en-US" dirty="0"/>
+              <a:t>Limitations of indicator Because alcohol-related disease can have a long latency, changes in behavior or clinical practice affecting population mortality might not be apparent for years. Not all chronic liver disease deaths are alcohol-attributable. However, in 2009, almost 70% of cirrhosis deaths in the United States were alcohol-attributable (5), and the proportion of cirrhosis deaths coded as 100% alcohol attributable has increased dramatically during 1970–2009 among United States adults aged 25–64 years (5)</a:t>
+            </a:r>
           </a:p>
         </p:txBody>
       </p:sp>
@@ -861,7 +846,7 @@
               <a:rPr lang="en-US" smtClean="0"/>
               <a:t>5</a:t>
             </a:fld>
-            <a:endParaRPr lang="en-US"/>
+            <a:endParaRPr lang="en-US" dirty="0"/>
           </a:p>
         </p:txBody>
       </p:sp>
@@ -869,6 +854,90 @@
     <p:extLst>
       <p:ext uri="{BB962C8B-B14F-4D97-AF65-F5344CB8AC3E}">
         <p14:creationId xmlns:p14="http://schemas.microsoft.com/office/powerpoint/2010/main" val="2797775230"/>
+      </p:ext>
+    </p:extLst>
+  </p:cSld>
+  <p:clrMapOvr>
+    <a:masterClrMapping/>
+  </p:clrMapOvr>
+</p:notes>
+</file>
+
+<file path=ppt/notesSlides/notesSlide5.xml><?xml version="1.0" encoding="utf-8"?>
+<p:notes xmlns:a="http://schemas.openxmlformats.org/drawingml/2006/main" xmlns:r="http://schemas.openxmlformats.org/officeDocument/2006/relationships" xmlns:p="http://schemas.openxmlformats.org/presentationml/2006/main">
+  <p:cSld>
+    <p:spTree>
+      <p:nvGrpSpPr>
+        <p:cNvPr id="1" name=""/>
+        <p:cNvGrpSpPr/>
+        <p:nvPr/>
+      </p:nvGrpSpPr>
+      <p:grpSpPr>
+        <a:xfrm>
+          <a:off x="0" y="0"/>
+          <a:ext cx="0" cy="0"/>
+          <a:chOff x="0" y="0"/>
+          <a:chExt cx="0" cy="0"/>
+        </a:xfrm>
+      </p:grpSpPr>
+      <p:sp>
+        <p:nvSpPr>
+          <p:cNvPr id="2" name="Slide Image Placeholder 1"/>
+          <p:cNvSpPr>
+            <a:spLocks noGrp="1" noRot="1" noChangeAspect="1"/>
+          </p:cNvSpPr>
+          <p:nvPr>
+            <p:ph type="sldImg"/>
+          </p:nvPr>
+        </p:nvSpPr>
+        <p:spPr/>
+      </p:sp>
+      <p:sp>
+        <p:nvSpPr>
+          <p:cNvPr id="3" name="Notes Placeholder 2"/>
+          <p:cNvSpPr>
+            <a:spLocks noGrp="1"/>
+          </p:cNvSpPr>
+          <p:nvPr>
+            <p:ph type="body" idx="1"/>
+          </p:nvPr>
+        </p:nvSpPr>
+        <p:spPr/>
+        <p:txBody>
+          <a:bodyPr/>
+          <a:lstStyle/>
+          <a:p>
+            <a:endParaRPr lang="en-US" dirty="0"/>
+          </a:p>
+        </p:txBody>
+      </p:sp>
+      <p:sp>
+        <p:nvSpPr>
+          <p:cNvPr id="4" name="Slide Number Placeholder 3"/>
+          <p:cNvSpPr>
+            <a:spLocks noGrp="1"/>
+          </p:cNvSpPr>
+          <p:nvPr>
+            <p:ph type="sldNum" sz="quarter" idx="5"/>
+          </p:nvPr>
+        </p:nvSpPr>
+        <p:spPr/>
+        <p:txBody>
+          <a:bodyPr/>
+          <a:lstStyle/>
+          <a:p>
+            <a:fld id="{9629D95A-6144-4F18-8B9D-955915BF2E07}" type="slidenum">
+              <a:rPr lang="en-US" smtClean="0"/>
+              <a:t>11</a:t>
+            </a:fld>
+            <a:endParaRPr lang="en-US" dirty="0"/>
+          </a:p>
+        </p:txBody>
+      </p:sp>
+    </p:spTree>
+    <p:extLst>
+      <p:ext uri="{BB962C8B-B14F-4D97-AF65-F5344CB8AC3E}">
+        <p14:creationId xmlns:p14="http://schemas.microsoft.com/office/powerpoint/2010/main" val="1599424624"/>
       </p:ext>
     </p:extLst>
   </p:cSld>
@@ -920,10 +989,9 @@
           </a:lstStyle>
           <a:p>
             <a:r>
-              <a:rPr lang="en-US" smtClean="0"/>
+              <a:rPr lang="en-US"/>
               <a:t>Click to edit Master title style</a:t>
             </a:r>
-            <a:endParaRPr lang="en-US"/>
           </a:p>
         </p:txBody>
       </p:sp>
@@ -985,10 +1053,9 @@
           </a:lstStyle>
           <a:p>
             <a:r>
-              <a:rPr lang="en-US" smtClean="0"/>
+              <a:rPr lang="en-US"/>
               <a:t>Click to edit Master subtitle style</a:t>
             </a:r>
-            <a:endParaRPr lang="en-US"/>
           </a:p>
         </p:txBody>
       </p:sp>
@@ -1009,9 +1076,9 @@
           <a:p>
             <a:fld id="{634A4F0A-31A3-4782-8C8C-AD1505E15E33}" type="datetimeFigureOut">
               <a:rPr lang="en-US" smtClean="0"/>
-              <a:t>9/22/2018</a:t>
+              <a:t>9/25/2018</a:t>
             </a:fld>
-            <a:endParaRPr lang="en-US"/>
+            <a:endParaRPr lang="en-US" dirty="0"/>
           </a:p>
         </p:txBody>
       </p:sp>
@@ -1030,7 +1097,7 @@
           <a:bodyPr/>
           <a:lstStyle/>
           <a:p>
-            <a:endParaRPr lang="en-US"/>
+            <a:endParaRPr lang="en-US" dirty="0"/>
           </a:p>
         </p:txBody>
       </p:sp>
@@ -1053,7 +1120,7 @@
               <a:rPr lang="en-US" smtClean="0"/>
               <a:t>‹#›</a:t>
             </a:fld>
-            <a:endParaRPr lang="en-US"/>
+            <a:endParaRPr lang="en-US" dirty="0"/>
           </a:p>
         </p:txBody>
       </p:sp>
@@ -1103,10 +1170,9 @@
           <a:lstStyle/>
           <a:p>
             <a:r>
-              <a:rPr lang="en-US" smtClean="0"/>
+              <a:rPr lang="en-US"/>
               <a:t>Click to edit Master title style</a:t>
             </a:r>
-            <a:endParaRPr lang="en-US"/>
           </a:p>
         </p:txBody>
       </p:sp>
@@ -1127,38 +1193,37 @@
           <a:p>
             <a:pPr lvl="0"/>
             <a:r>
-              <a:rPr lang="en-US" smtClean="0"/>
+              <a:rPr lang="en-US"/>
               <a:t>Click to edit Master text styles</a:t>
             </a:r>
           </a:p>
           <a:p>
             <a:pPr lvl="1"/>
             <a:r>
-              <a:rPr lang="en-US" smtClean="0"/>
+              <a:rPr lang="en-US"/>
               <a:t>Second level</a:t>
             </a:r>
           </a:p>
           <a:p>
             <a:pPr lvl="2"/>
             <a:r>
-              <a:rPr lang="en-US" smtClean="0"/>
+              <a:rPr lang="en-US"/>
               <a:t>Third level</a:t>
             </a:r>
           </a:p>
           <a:p>
             <a:pPr lvl="3"/>
             <a:r>
-              <a:rPr lang="en-US" smtClean="0"/>
+              <a:rPr lang="en-US"/>
               <a:t>Fourth level</a:t>
             </a:r>
           </a:p>
           <a:p>
             <a:pPr lvl="4"/>
             <a:r>
-              <a:rPr lang="en-US" smtClean="0"/>
+              <a:rPr lang="en-US"/>
               <a:t>Fifth level</a:t>
             </a:r>
-            <a:endParaRPr lang="en-US"/>
           </a:p>
         </p:txBody>
       </p:sp>
@@ -1179,9 +1244,9 @@
           <a:p>
             <a:fld id="{634A4F0A-31A3-4782-8C8C-AD1505E15E33}" type="datetimeFigureOut">
               <a:rPr lang="en-US" smtClean="0"/>
-              <a:t>9/22/2018</a:t>
+              <a:t>9/25/2018</a:t>
             </a:fld>
-            <a:endParaRPr lang="en-US"/>
+            <a:endParaRPr lang="en-US" dirty="0"/>
           </a:p>
         </p:txBody>
       </p:sp>
@@ -1200,7 +1265,7 @@
           <a:bodyPr/>
           <a:lstStyle/>
           <a:p>
-            <a:endParaRPr lang="en-US"/>
+            <a:endParaRPr lang="en-US" dirty="0"/>
           </a:p>
         </p:txBody>
       </p:sp>
@@ -1223,7 +1288,7 @@
               <a:rPr lang="en-US" smtClean="0"/>
               <a:t>‹#›</a:t>
             </a:fld>
-            <a:endParaRPr lang="en-US"/>
+            <a:endParaRPr lang="en-US" dirty="0"/>
           </a:p>
         </p:txBody>
       </p:sp>
@@ -1278,10 +1343,9 @@
           <a:lstStyle/>
           <a:p>
             <a:r>
-              <a:rPr lang="en-US" smtClean="0"/>
+              <a:rPr lang="en-US"/>
               <a:t>Click to edit Master title style</a:t>
             </a:r>
-            <a:endParaRPr lang="en-US"/>
           </a:p>
         </p:txBody>
       </p:sp>
@@ -1307,38 +1371,37 @@
           <a:p>
             <a:pPr lvl="0"/>
             <a:r>
-              <a:rPr lang="en-US" smtClean="0"/>
+              <a:rPr lang="en-US"/>
               <a:t>Click to edit Master text styles</a:t>
             </a:r>
           </a:p>
           <a:p>
             <a:pPr lvl="1"/>
             <a:r>
-              <a:rPr lang="en-US" smtClean="0"/>
+              <a:rPr lang="en-US"/>
               <a:t>Second level</a:t>
             </a:r>
           </a:p>
           <a:p>
             <a:pPr lvl="2"/>
             <a:r>
-              <a:rPr lang="en-US" smtClean="0"/>
+              <a:rPr lang="en-US"/>
               <a:t>Third level</a:t>
             </a:r>
           </a:p>
           <a:p>
             <a:pPr lvl="3"/>
             <a:r>
-              <a:rPr lang="en-US" smtClean="0"/>
+              <a:rPr lang="en-US"/>
               <a:t>Fourth level</a:t>
             </a:r>
           </a:p>
           <a:p>
             <a:pPr lvl="4"/>
             <a:r>
-              <a:rPr lang="en-US" smtClean="0"/>
+              <a:rPr lang="en-US"/>
               <a:t>Fifth level</a:t>
             </a:r>
-            <a:endParaRPr lang="en-US"/>
           </a:p>
         </p:txBody>
       </p:sp>
@@ -1359,9 +1422,9 @@
           <a:p>
             <a:fld id="{634A4F0A-31A3-4782-8C8C-AD1505E15E33}" type="datetimeFigureOut">
               <a:rPr lang="en-US" smtClean="0"/>
-              <a:t>9/22/2018</a:t>
+              <a:t>9/25/2018</a:t>
             </a:fld>
-            <a:endParaRPr lang="en-US"/>
+            <a:endParaRPr lang="en-US" dirty="0"/>
           </a:p>
         </p:txBody>
       </p:sp>
@@ -1380,7 +1443,7 @@
           <a:bodyPr/>
           <a:lstStyle/>
           <a:p>
-            <a:endParaRPr lang="en-US"/>
+            <a:endParaRPr lang="en-US" dirty="0"/>
           </a:p>
         </p:txBody>
       </p:sp>
@@ -1403,7 +1466,7 @@
               <a:rPr lang="en-US" smtClean="0"/>
               <a:t>‹#›</a:t>
             </a:fld>
-            <a:endParaRPr lang="en-US"/>
+            <a:endParaRPr lang="en-US" dirty="0"/>
           </a:p>
         </p:txBody>
       </p:sp>
@@ -1453,10 +1516,9 @@
           <a:lstStyle/>
           <a:p>
             <a:r>
-              <a:rPr lang="en-US" smtClean="0"/>
+              <a:rPr lang="en-US"/>
               <a:t>Click to edit Master title style</a:t>
             </a:r>
-            <a:endParaRPr lang="en-US"/>
           </a:p>
         </p:txBody>
       </p:sp>
@@ -1477,38 +1539,37 @@
           <a:p>
             <a:pPr lvl="0"/>
             <a:r>
-              <a:rPr lang="en-US" smtClean="0"/>
+              <a:rPr lang="en-US"/>
               <a:t>Click to edit Master text styles</a:t>
             </a:r>
           </a:p>
           <a:p>
             <a:pPr lvl="1"/>
             <a:r>
-              <a:rPr lang="en-US" smtClean="0"/>
+              <a:rPr lang="en-US"/>
               <a:t>Second level</a:t>
             </a:r>
           </a:p>
           <a:p>
             <a:pPr lvl="2"/>
             <a:r>
-              <a:rPr lang="en-US" smtClean="0"/>
+              <a:rPr lang="en-US"/>
               <a:t>Third level</a:t>
             </a:r>
           </a:p>
           <a:p>
             <a:pPr lvl="3"/>
             <a:r>
-              <a:rPr lang="en-US" smtClean="0"/>
+              <a:rPr lang="en-US"/>
               <a:t>Fourth level</a:t>
             </a:r>
           </a:p>
           <a:p>
             <a:pPr lvl="4"/>
             <a:r>
-              <a:rPr lang="en-US" smtClean="0"/>
+              <a:rPr lang="en-US"/>
               <a:t>Fifth level</a:t>
             </a:r>
-            <a:endParaRPr lang="en-US"/>
           </a:p>
         </p:txBody>
       </p:sp>
@@ -1529,9 +1590,9 @@
           <a:p>
             <a:fld id="{634A4F0A-31A3-4782-8C8C-AD1505E15E33}" type="datetimeFigureOut">
               <a:rPr lang="en-US" smtClean="0"/>
-              <a:t>9/22/2018</a:t>
+              <a:t>9/25/2018</a:t>
             </a:fld>
-            <a:endParaRPr lang="en-US"/>
+            <a:endParaRPr lang="en-US" dirty="0"/>
           </a:p>
         </p:txBody>
       </p:sp>
@@ -1550,7 +1611,7 @@
           <a:bodyPr/>
           <a:lstStyle/>
           <a:p>
-            <a:endParaRPr lang="en-US"/>
+            <a:endParaRPr lang="en-US" dirty="0"/>
           </a:p>
         </p:txBody>
       </p:sp>
@@ -1573,7 +1634,7 @@
               <a:rPr lang="en-US" smtClean="0"/>
               <a:t>‹#›</a:t>
             </a:fld>
-            <a:endParaRPr lang="en-US"/>
+            <a:endParaRPr lang="en-US" dirty="0"/>
           </a:p>
         </p:txBody>
       </p:sp>
@@ -1585,7 +1646,7 @@
     </p:extLst>
   </p:cSld>
   <p:clrMapOvr>
-    <a:masterClrMapping/>
+    <a:overrideClrMapping bg1="lt1" tx1="dk1" bg2="lt2" tx2="dk2" accent1="accent1" accent2="accent2" accent3="accent3" accent4="accent4" accent5="accent5" accent6="accent6" hlink="hlink" folHlink="folHlink"/>
   </p:clrMapOvr>
 </p:sldLayout>
 </file>
@@ -1632,10 +1693,9 @@
           </a:lstStyle>
           <a:p>
             <a:r>
-              <a:rPr lang="en-US" smtClean="0"/>
+              <a:rPr lang="en-US"/>
               <a:t>Click to edit Master title style</a:t>
             </a:r>
-            <a:endParaRPr lang="en-US"/>
           </a:p>
         </p:txBody>
       </p:sp>
@@ -1752,7 +1812,7 @@
           <a:p>
             <a:pPr lvl="0"/>
             <a:r>
-              <a:rPr lang="en-US" smtClean="0"/>
+              <a:rPr lang="en-US"/>
               <a:t>Click to edit Master text styles</a:t>
             </a:r>
           </a:p>
@@ -1775,9 +1835,9 @@
           <a:p>
             <a:fld id="{634A4F0A-31A3-4782-8C8C-AD1505E15E33}" type="datetimeFigureOut">
               <a:rPr lang="en-US" smtClean="0"/>
-              <a:t>9/22/2018</a:t>
+              <a:t>9/25/2018</a:t>
             </a:fld>
-            <a:endParaRPr lang="en-US"/>
+            <a:endParaRPr lang="en-US" dirty="0"/>
           </a:p>
         </p:txBody>
       </p:sp>
@@ -1796,7 +1856,7 @@
           <a:bodyPr/>
           <a:lstStyle/>
           <a:p>
-            <a:endParaRPr lang="en-US"/>
+            <a:endParaRPr lang="en-US" dirty="0"/>
           </a:p>
         </p:txBody>
       </p:sp>
@@ -1819,7 +1879,7 @@
               <a:rPr lang="en-US" smtClean="0"/>
               <a:t>‹#›</a:t>
             </a:fld>
-            <a:endParaRPr lang="en-US"/>
+            <a:endParaRPr lang="en-US" dirty="0"/>
           </a:p>
         </p:txBody>
       </p:sp>
@@ -1869,10 +1929,9 @@
           <a:lstStyle/>
           <a:p>
             <a:r>
-              <a:rPr lang="en-US" smtClean="0"/>
+              <a:rPr lang="en-US"/>
               <a:t>Click to edit Master title style</a:t>
             </a:r>
-            <a:endParaRPr lang="en-US"/>
           </a:p>
         </p:txBody>
       </p:sp>
@@ -1898,38 +1957,37 @@
           <a:p>
             <a:pPr lvl="0"/>
             <a:r>
-              <a:rPr lang="en-US" smtClean="0"/>
+              <a:rPr lang="en-US"/>
               <a:t>Click to edit Master text styles</a:t>
             </a:r>
           </a:p>
           <a:p>
             <a:pPr lvl="1"/>
             <a:r>
-              <a:rPr lang="en-US" smtClean="0"/>
+              <a:rPr lang="en-US"/>
               <a:t>Second level</a:t>
             </a:r>
           </a:p>
           <a:p>
             <a:pPr lvl="2"/>
             <a:r>
-              <a:rPr lang="en-US" smtClean="0"/>
+              <a:rPr lang="en-US"/>
               <a:t>Third level</a:t>
             </a:r>
           </a:p>
           <a:p>
             <a:pPr lvl="3"/>
             <a:r>
-              <a:rPr lang="en-US" smtClean="0"/>
+              <a:rPr lang="en-US"/>
               <a:t>Fourth level</a:t>
             </a:r>
           </a:p>
           <a:p>
             <a:pPr lvl="4"/>
             <a:r>
-              <a:rPr lang="en-US" smtClean="0"/>
+              <a:rPr lang="en-US"/>
               <a:t>Fifth level</a:t>
             </a:r>
-            <a:endParaRPr lang="en-US"/>
           </a:p>
         </p:txBody>
       </p:sp>
@@ -1955,38 +2013,37 @@
           <a:p>
             <a:pPr lvl="0"/>
             <a:r>
-              <a:rPr lang="en-US" smtClean="0"/>
+              <a:rPr lang="en-US"/>
               <a:t>Click to edit Master text styles</a:t>
             </a:r>
           </a:p>
           <a:p>
             <a:pPr lvl="1"/>
             <a:r>
-              <a:rPr lang="en-US" smtClean="0"/>
+              <a:rPr lang="en-US"/>
               <a:t>Second level</a:t>
             </a:r>
           </a:p>
           <a:p>
             <a:pPr lvl="2"/>
             <a:r>
-              <a:rPr lang="en-US" smtClean="0"/>
+              <a:rPr lang="en-US"/>
               <a:t>Third level</a:t>
             </a:r>
           </a:p>
           <a:p>
             <a:pPr lvl="3"/>
             <a:r>
-              <a:rPr lang="en-US" smtClean="0"/>
+              <a:rPr lang="en-US"/>
               <a:t>Fourth level</a:t>
             </a:r>
           </a:p>
           <a:p>
             <a:pPr lvl="4"/>
             <a:r>
-              <a:rPr lang="en-US" smtClean="0"/>
+              <a:rPr lang="en-US"/>
               <a:t>Fifth level</a:t>
             </a:r>
-            <a:endParaRPr lang="en-US"/>
           </a:p>
         </p:txBody>
       </p:sp>
@@ -2007,9 +2064,9 @@
           <a:p>
             <a:fld id="{634A4F0A-31A3-4782-8C8C-AD1505E15E33}" type="datetimeFigureOut">
               <a:rPr lang="en-US" smtClean="0"/>
-              <a:t>9/22/2018</a:t>
+              <a:t>9/25/2018</a:t>
             </a:fld>
-            <a:endParaRPr lang="en-US"/>
+            <a:endParaRPr lang="en-US" dirty="0"/>
           </a:p>
         </p:txBody>
       </p:sp>
@@ -2028,7 +2085,7 @@
           <a:bodyPr/>
           <a:lstStyle/>
           <a:p>
-            <a:endParaRPr lang="en-US"/>
+            <a:endParaRPr lang="en-US" dirty="0"/>
           </a:p>
         </p:txBody>
       </p:sp>
@@ -2051,7 +2108,7 @@
               <a:rPr lang="en-US" smtClean="0"/>
               <a:t>‹#›</a:t>
             </a:fld>
-            <a:endParaRPr lang="en-US"/>
+            <a:endParaRPr lang="en-US" dirty="0"/>
           </a:p>
         </p:txBody>
       </p:sp>
@@ -2106,10 +2163,9 @@
           <a:lstStyle/>
           <a:p>
             <a:r>
-              <a:rPr lang="en-US" smtClean="0"/>
+              <a:rPr lang="en-US"/>
               <a:t>Click to edit Master title style</a:t>
             </a:r>
-            <a:endParaRPr lang="en-US"/>
           </a:p>
         </p:txBody>
       </p:sp>
@@ -2172,7 +2228,7 @@
           <a:p>
             <a:pPr lvl="0"/>
             <a:r>
-              <a:rPr lang="en-US" smtClean="0"/>
+              <a:rPr lang="en-US"/>
               <a:t>Click to edit Master text styles</a:t>
             </a:r>
           </a:p>
@@ -2200,38 +2256,37 @@
           <a:p>
             <a:pPr lvl="0"/>
             <a:r>
-              <a:rPr lang="en-US" smtClean="0"/>
+              <a:rPr lang="en-US"/>
               <a:t>Click to edit Master text styles</a:t>
             </a:r>
           </a:p>
           <a:p>
             <a:pPr lvl="1"/>
             <a:r>
-              <a:rPr lang="en-US" smtClean="0"/>
+              <a:rPr lang="en-US"/>
               <a:t>Second level</a:t>
             </a:r>
           </a:p>
           <a:p>
             <a:pPr lvl="2"/>
             <a:r>
-              <a:rPr lang="en-US" smtClean="0"/>
+              <a:rPr lang="en-US"/>
               <a:t>Third level</a:t>
             </a:r>
           </a:p>
           <a:p>
             <a:pPr lvl="3"/>
             <a:r>
-              <a:rPr lang="en-US" smtClean="0"/>
+              <a:rPr lang="en-US"/>
               <a:t>Fourth level</a:t>
             </a:r>
           </a:p>
           <a:p>
             <a:pPr lvl="4"/>
             <a:r>
-              <a:rPr lang="en-US" smtClean="0"/>
+              <a:rPr lang="en-US"/>
               <a:t>Fifth level</a:t>
             </a:r>
-            <a:endParaRPr lang="en-US"/>
           </a:p>
         </p:txBody>
       </p:sp>
@@ -2294,7 +2349,7 @@
           <a:p>
             <a:pPr lvl="0"/>
             <a:r>
-              <a:rPr lang="en-US" smtClean="0"/>
+              <a:rPr lang="en-US"/>
               <a:t>Click to edit Master text styles</a:t>
             </a:r>
           </a:p>
@@ -2322,38 +2377,37 @@
           <a:p>
             <a:pPr lvl="0"/>
             <a:r>
-              <a:rPr lang="en-US" smtClean="0"/>
+              <a:rPr lang="en-US"/>
               <a:t>Click to edit Master text styles</a:t>
             </a:r>
           </a:p>
           <a:p>
             <a:pPr lvl="1"/>
             <a:r>
-              <a:rPr lang="en-US" smtClean="0"/>
+              <a:rPr lang="en-US"/>
               <a:t>Second level</a:t>
             </a:r>
           </a:p>
           <a:p>
             <a:pPr lvl="2"/>
             <a:r>
-              <a:rPr lang="en-US" smtClean="0"/>
+              <a:rPr lang="en-US"/>
               <a:t>Third level</a:t>
             </a:r>
           </a:p>
           <a:p>
             <a:pPr lvl="3"/>
             <a:r>
-              <a:rPr lang="en-US" smtClean="0"/>
+              <a:rPr lang="en-US"/>
               <a:t>Fourth level</a:t>
             </a:r>
           </a:p>
           <a:p>
             <a:pPr lvl="4"/>
             <a:r>
-              <a:rPr lang="en-US" smtClean="0"/>
+              <a:rPr lang="en-US"/>
               <a:t>Fifth level</a:t>
             </a:r>
-            <a:endParaRPr lang="en-US"/>
           </a:p>
         </p:txBody>
       </p:sp>
@@ -2374,9 +2428,9 @@
           <a:p>
             <a:fld id="{634A4F0A-31A3-4782-8C8C-AD1505E15E33}" type="datetimeFigureOut">
               <a:rPr lang="en-US" smtClean="0"/>
-              <a:t>9/22/2018</a:t>
+              <a:t>9/25/2018</a:t>
             </a:fld>
-            <a:endParaRPr lang="en-US"/>
+            <a:endParaRPr lang="en-US" dirty="0"/>
           </a:p>
         </p:txBody>
       </p:sp>
@@ -2395,7 +2449,7 @@
           <a:bodyPr/>
           <a:lstStyle/>
           <a:p>
-            <a:endParaRPr lang="en-US"/>
+            <a:endParaRPr lang="en-US" dirty="0"/>
           </a:p>
         </p:txBody>
       </p:sp>
@@ -2418,7 +2472,7 @@
               <a:rPr lang="en-US" smtClean="0"/>
               <a:t>‹#›</a:t>
             </a:fld>
-            <a:endParaRPr lang="en-US"/>
+            <a:endParaRPr lang="en-US" dirty="0"/>
           </a:p>
         </p:txBody>
       </p:sp>
@@ -2468,10 +2522,9 @@
           <a:lstStyle/>
           <a:p>
             <a:r>
-              <a:rPr lang="en-US" smtClean="0"/>
+              <a:rPr lang="en-US"/>
               <a:t>Click to edit Master title style</a:t>
             </a:r>
-            <a:endParaRPr lang="en-US"/>
           </a:p>
         </p:txBody>
       </p:sp>
@@ -2492,9 +2545,9 @@
           <a:p>
             <a:fld id="{634A4F0A-31A3-4782-8C8C-AD1505E15E33}" type="datetimeFigureOut">
               <a:rPr lang="en-US" smtClean="0"/>
-              <a:t>9/22/2018</a:t>
+              <a:t>9/25/2018</a:t>
             </a:fld>
-            <a:endParaRPr lang="en-US"/>
+            <a:endParaRPr lang="en-US" dirty="0"/>
           </a:p>
         </p:txBody>
       </p:sp>
@@ -2513,7 +2566,7 @@
           <a:bodyPr/>
           <a:lstStyle/>
           <a:p>
-            <a:endParaRPr lang="en-US"/>
+            <a:endParaRPr lang="en-US" dirty="0"/>
           </a:p>
         </p:txBody>
       </p:sp>
@@ -2536,7 +2589,7 @@
               <a:rPr lang="en-US" smtClean="0"/>
               <a:t>‹#›</a:t>
             </a:fld>
-            <a:endParaRPr lang="en-US"/>
+            <a:endParaRPr lang="en-US" dirty="0"/>
           </a:p>
         </p:txBody>
       </p:sp>
@@ -2587,9 +2640,9 @@
           <a:p>
             <a:fld id="{634A4F0A-31A3-4782-8C8C-AD1505E15E33}" type="datetimeFigureOut">
               <a:rPr lang="en-US" smtClean="0"/>
-              <a:t>9/22/2018</a:t>
+              <a:t>9/25/2018</a:t>
             </a:fld>
-            <a:endParaRPr lang="en-US"/>
+            <a:endParaRPr lang="en-US" dirty="0"/>
           </a:p>
         </p:txBody>
       </p:sp>
@@ -2608,7 +2661,7 @@
           <a:bodyPr/>
           <a:lstStyle/>
           <a:p>
-            <a:endParaRPr lang="en-US"/>
+            <a:endParaRPr lang="en-US" dirty="0"/>
           </a:p>
         </p:txBody>
       </p:sp>
@@ -2631,7 +2684,7 @@
               <a:rPr lang="en-US" smtClean="0"/>
               <a:t>‹#›</a:t>
             </a:fld>
-            <a:endParaRPr lang="en-US"/>
+            <a:endParaRPr lang="en-US" dirty="0"/>
           </a:p>
         </p:txBody>
       </p:sp>
@@ -2690,10 +2743,9 @@
           </a:lstStyle>
           <a:p>
             <a:r>
-              <a:rPr lang="en-US" smtClean="0"/>
+              <a:rPr lang="en-US"/>
               <a:t>Click to edit Master title style</a:t>
             </a:r>
-            <a:endParaRPr lang="en-US"/>
           </a:p>
         </p:txBody>
       </p:sp>
@@ -2747,38 +2799,37 @@
           <a:p>
             <a:pPr lvl="0"/>
             <a:r>
-              <a:rPr lang="en-US" smtClean="0"/>
+              <a:rPr lang="en-US"/>
               <a:t>Click to edit Master text styles</a:t>
             </a:r>
           </a:p>
           <a:p>
             <a:pPr lvl="1"/>
             <a:r>
-              <a:rPr lang="en-US" smtClean="0"/>
+              <a:rPr lang="en-US"/>
               <a:t>Second level</a:t>
             </a:r>
           </a:p>
           <a:p>
             <a:pPr lvl="2"/>
             <a:r>
-              <a:rPr lang="en-US" smtClean="0"/>
+              <a:rPr lang="en-US"/>
               <a:t>Third level</a:t>
             </a:r>
           </a:p>
           <a:p>
             <a:pPr lvl="3"/>
             <a:r>
-              <a:rPr lang="en-US" smtClean="0"/>
+              <a:rPr lang="en-US"/>
               <a:t>Fourth level</a:t>
             </a:r>
           </a:p>
           <a:p>
             <a:pPr lvl="4"/>
             <a:r>
-              <a:rPr lang="en-US" smtClean="0"/>
+              <a:rPr lang="en-US"/>
               <a:t>Fifth level</a:t>
             </a:r>
-            <a:endParaRPr lang="en-US"/>
           </a:p>
         </p:txBody>
       </p:sp>
@@ -2841,7 +2892,7 @@
           <a:p>
             <a:pPr lvl="0"/>
             <a:r>
-              <a:rPr lang="en-US" smtClean="0"/>
+              <a:rPr lang="en-US"/>
               <a:t>Click to edit Master text styles</a:t>
             </a:r>
           </a:p>
@@ -2864,9 +2915,9 @@
           <a:p>
             <a:fld id="{634A4F0A-31A3-4782-8C8C-AD1505E15E33}" type="datetimeFigureOut">
               <a:rPr lang="en-US" smtClean="0"/>
-              <a:t>9/22/2018</a:t>
+              <a:t>9/25/2018</a:t>
             </a:fld>
-            <a:endParaRPr lang="en-US"/>
+            <a:endParaRPr lang="en-US" dirty="0"/>
           </a:p>
         </p:txBody>
       </p:sp>
@@ -2885,7 +2936,7 @@
           <a:bodyPr/>
           <a:lstStyle/>
           <a:p>
-            <a:endParaRPr lang="en-US"/>
+            <a:endParaRPr lang="en-US" dirty="0"/>
           </a:p>
         </p:txBody>
       </p:sp>
@@ -2908,7 +2959,7 @@
               <a:rPr lang="en-US" smtClean="0"/>
               <a:t>‹#›</a:t>
             </a:fld>
-            <a:endParaRPr lang="en-US"/>
+            <a:endParaRPr lang="en-US" dirty="0"/>
           </a:p>
         </p:txBody>
       </p:sp>
@@ -2967,10 +3018,9 @@
           </a:lstStyle>
           <a:p>
             <a:r>
-              <a:rPr lang="en-US" smtClean="0"/>
+              <a:rPr lang="en-US"/>
               <a:t>Click to edit Master title style</a:t>
             </a:r>
-            <a:endParaRPr lang="en-US"/>
           </a:p>
         </p:txBody>
       </p:sp>
@@ -3031,7 +3081,7 @@
             </a:lvl9pPr>
           </a:lstStyle>
           <a:p>
-            <a:endParaRPr lang="en-US"/>
+            <a:endParaRPr lang="en-US" dirty="0"/>
           </a:p>
         </p:txBody>
       </p:sp>
@@ -3094,7 +3144,7 @@
           <a:p>
             <a:pPr lvl="0"/>
             <a:r>
-              <a:rPr lang="en-US" smtClean="0"/>
+              <a:rPr lang="en-US"/>
               <a:t>Click to edit Master text styles</a:t>
             </a:r>
           </a:p>
@@ -3117,9 +3167,9 @@
           <a:p>
             <a:fld id="{634A4F0A-31A3-4782-8C8C-AD1505E15E33}" type="datetimeFigureOut">
               <a:rPr lang="en-US" smtClean="0"/>
-              <a:t>9/22/2018</a:t>
+              <a:t>9/25/2018</a:t>
             </a:fld>
-            <a:endParaRPr lang="en-US"/>
+            <a:endParaRPr lang="en-US" dirty="0"/>
           </a:p>
         </p:txBody>
       </p:sp>
@@ -3138,7 +3188,7 @@
           <a:bodyPr/>
           <a:lstStyle/>
           <a:p>
-            <a:endParaRPr lang="en-US"/>
+            <a:endParaRPr lang="en-US" dirty="0"/>
           </a:p>
         </p:txBody>
       </p:sp>
@@ -3161,7 +3211,7 @@
               <a:rPr lang="en-US" smtClean="0"/>
               <a:t>‹#›</a:t>
             </a:fld>
-            <a:endParaRPr lang="en-US"/>
+            <a:endParaRPr lang="en-US" dirty="0"/>
           </a:p>
         </p:txBody>
       </p:sp>
@@ -3182,9 +3232,37 @@
 <p:sldMaster xmlns:a="http://schemas.openxmlformats.org/drawingml/2006/main" xmlns:r="http://schemas.openxmlformats.org/officeDocument/2006/relationships" xmlns:p="http://schemas.openxmlformats.org/presentationml/2006/main">
   <p:cSld>
     <p:bg>
-      <p:bgRef idx="1001">
-        <a:schemeClr val="bg1"/>
-      </p:bgRef>
+      <p:bgPr>
+        <a:gradFill flip="none" rotWithShape="1">
+          <a:gsLst>
+            <a:gs pos="0">
+              <a:schemeClr val="bg2">
+                <a:tint val="93000"/>
+                <a:satMod val="150000"/>
+                <a:shade val="98000"/>
+                <a:lumMod val="102000"/>
+              </a:schemeClr>
+            </a:gs>
+            <a:gs pos="50000">
+              <a:schemeClr val="bg2">
+                <a:tint val="98000"/>
+                <a:satMod val="130000"/>
+                <a:shade val="90000"/>
+                <a:lumMod val="103000"/>
+              </a:schemeClr>
+            </a:gs>
+            <a:gs pos="100000">
+              <a:schemeClr val="bg2">
+                <a:shade val="63000"/>
+                <a:satMod val="120000"/>
+              </a:schemeClr>
+            </a:gs>
+          </a:gsLst>
+          <a:lin ang="5400000" scaled="0"/>
+          <a:tileRect/>
+        </a:gradFill>
+        <a:effectLst/>
+      </p:bgPr>
     </p:bg>
     <p:spTree>
       <p:nvGrpSpPr>
@@ -3226,10 +3304,9 @@
           <a:lstStyle/>
           <a:p>
             <a:r>
-              <a:rPr lang="en-US" smtClean="0"/>
+              <a:rPr lang="en-US"/>
               <a:t>Click to edit Master title style</a:t>
             </a:r>
-            <a:endParaRPr lang="en-US"/>
           </a:p>
         </p:txBody>
       </p:sp>
@@ -3260,38 +3337,37 @@
           <a:p>
             <a:pPr lvl="0"/>
             <a:r>
-              <a:rPr lang="en-US" smtClean="0"/>
+              <a:rPr lang="en-US"/>
               <a:t>Click to edit Master text styles</a:t>
             </a:r>
           </a:p>
           <a:p>
             <a:pPr lvl="1"/>
             <a:r>
-              <a:rPr lang="en-US" smtClean="0"/>
+              <a:rPr lang="en-US"/>
               <a:t>Second level</a:t>
             </a:r>
           </a:p>
           <a:p>
             <a:pPr lvl="2"/>
             <a:r>
-              <a:rPr lang="en-US" smtClean="0"/>
+              <a:rPr lang="en-US"/>
               <a:t>Third level</a:t>
             </a:r>
           </a:p>
           <a:p>
             <a:pPr lvl="3"/>
             <a:r>
-              <a:rPr lang="en-US" smtClean="0"/>
+              <a:rPr lang="en-US"/>
               <a:t>Fourth level</a:t>
             </a:r>
           </a:p>
           <a:p>
             <a:pPr lvl="4"/>
             <a:r>
-              <a:rPr lang="en-US" smtClean="0"/>
+              <a:rPr lang="en-US"/>
               <a:t>Fifth level</a:t>
             </a:r>
-            <a:endParaRPr lang="en-US"/>
           </a:p>
         </p:txBody>
       </p:sp>
@@ -3330,9 +3406,9 @@
           <a:p>
             <a:fld id="{634A4F0A-31A3-4782-8C8C-AD1505E15E33}" type="datetimeFigureOut">
               <a:rPr lang="en-US" smtClean="0"/>
-              <a:t>9/22/2018</a:t>
+              <a:t>9/25/2018</a:t>
             </a:fld>
-            <a:endParaRPr lang="en-US"/>
+            <a:endParaRPr lang="en-US" dirty="0"/>
           </a:p>
         </p:txBody>
       </p:sp>
@@ -3369,7 +3445,7 @@
             </a:lvl1pPr>
           </a:lstStyle>
           <a:p>
-            <a:endParaRPr lang="en-US"/>
+            <a:endParaRPr lang="en-US" dirty="0"/>
           </a:p>
         </p:txBody>
       </p:sp>
@@ -3410,7 +3486,7 @@
               <a:rPr lang="en-US" smtClean="0"/>
               <a:t>‹#›</a:t>
             </a:fld>
-            <a:endParaRPr lang="en-US"/>
+            <a:endParaRPr lang="en-US" dirty="0"/>
           </a:p>
         </p:txBody>
       </p:sp>
@@ -3756,14 +3832,9 @@
           <a:lstStyle/>
           <a:p>
             <a:r>
-              <a:rPr lang="en-US" dirty="0" smtClean="0"/>
-              <a:t>Causes </a:t>
-            </a:r>
-            <a:r>
-              <a:rPr lang="en-US" dirty="0" smtClean="0"/>
-              <a:t>of Alcoholism</a:t>
-            </a:r>
-            <a:endParaRPr lang="en-US" dirty="0"/>
+              <a:rPr lang="en-US" dirty="0"/>
+              <a:t>Causes of Alcoholism</a:t>
+            </a:r>
           </a:p>
         </p:txBody>
       </p:sp>
@@ -3790,26 +3861,21 @@
           <a:lstStyle/>
           <a:p>
             <a:r>
-              <a:rPr lang="en-US" sz="2000" dirty="0" smtClean="0"/>
+              <a:rPr lang="en-US" sz="2000" dirty="0"/>
               <a:t>Dean Daley</a:t>
             </a:r>
           </a:p>
           <a:p>
             <a:r>
-              <a:rPr lang="en-US" sz="2000" dirty="0" err="1" smtClean="0"/>
-              <a:t>Harinee</a:t>
-            </a:r>
-            <a:r>
-              <a:rPr lang="en-US" sz="2000" dirty="0" smtClean="0"/>
-              <a:t> [Last Name]</a:t>
-            </a:r>
-          </a:p>
-          <a:p>
-            <a:r>
-              <a:rPr lang="en-US" sz="2000" dirty="0" smtClean="0"/>
+              <a:rPr lang="en-US" sz="2000" dirty="0"/>
+              <a:t>Harinee [Last Name]</a:t>
+            </a:r>
+          </a:p>
+          <a:p>
+            <a:r>
+              <a:rPr lang="en-US" sz="2000" dirty="0"/>
               <a:t>Craig Taflin</a:t>
             </a:r>
-            <a:endParaRPr lang="en-US" sz="2000" dirty="0"/>
           </a:p>
         </p:txBody>
       </p:sp>
@@ -3853,13 +3919,6 @@
   <p:clrMapOvr>
     <a:masterClrMapping/>
   </p:clrMapOvr>
-  <p:timing>
-    <p:tnLst>
-      <p:par>
-        <p:cTn id="1" dur="indefinite" restart="never" nodeType="tmRoot"/>
-      </p:par>
-    </p:tnLst>
-  </p:timing>
 </p:sld>
 </file>
 
@@ -3890,16 +3949,821 @@
             <p:ph type="title"/>
           </p:nvPr>
         </p:nvSpPr>
+        <p:spPr>
+          <a:xfrm>
+            <a:off x="838200" y="365125"/>
+            <a:ext cx="10515600" cy="1325563"/>
+          </a:xfrm>
+        </p:spPr>
+        <p:txBody>
+          <a:bodyPr/>
+          <a:lstStyle/>
+          <a:p>
+            <a:r>
+              <a:rPr lang="en-US" dirty="0"/>
+              <a:t>Effects of Regulation</a:t>
+            </a:r>
+          </a:p>
+        </p:txBody>
+      </p:sp>
+      <p:pic>
+        <p:nvPicPr>
+          <p:cNvPr id="1028" name="Picture 4">
+            <a:extLst>
+              <a:ext uri="{FF2B5EF4-FFF2-40B4-BE49-F238E27FC236}">
+                <a16:creationId xmlns:a16="http://schemas.microsoft.com/office/drawing/2014/main" id="{3A4F2E5E-44B2-4880-9448-735CB68CA54D}"/>
+              </a:ext>
+            </a:extLst>
+          </p:cNvPr>
+          <p:cNvPicPr>
+            <a:picLocks noChangeAspect="1" noChangeArrowheads="1"/>
+          </p:cNvPicPr>
+          <p:nvPr/>
+        </p:nvPicPr>
+        <p:blipFill>
+          <a:blip r:embed="rId2">
+            <a:extLst>
+              <a:ext uri="{28A0092B-C50C-407E-A947-70E740481C1C}">
+                <a14:useLocalDpi xmlns:a14="http://schemas.microsoft.com/office/drawing/2010/main" val="0"/>
+              </a:ext>
+            </a:extLst>
+          </a:blip>
+          <a:srcRect/>
+          <a:stretch>
+            <a:fillRect/>
+          </a:stretch>
+        </p:blipFill>
+        <p:spPr bwMode="auto">
+          <a:xfrm>
+            <a:off x="574766" y="2505263"/>
+            <a:ext cx="10885714" cy="3987612"/>
+          </a:xfrm>
+          <a:prstGeom prst="rect">
+            <a:avLst/>
+          </a:prstGeom>
+          <a:noFill/>
+          <a:extLst>
+            <a:ext uri="{909E8E84-426E-40DD-AFC4-6F175D3DCCD1}">
+              <a14:hiddenFill xmlns:a14="http://schemas.microsoft.com/office/drawing/2010/main">
+                <a:solidFill>
+                  <a:srgbClr val="FFFFFF"/>
+                </a:solidFill>
+              </a14:hiddenFill>
+            </a:ext>
+          </a:extLst>
+        </p:spPr>
+      </p:pic>
+      <p:graphicFrame>
+        <p:nvGraphicFramePr>
+          <p:cNvPr id="4" name="Table 3">
+            <a:extLst>
+              <a:ext uri="{FF2B5EF4-FFF2-40B4-BE49-F238E27FC236}">
+                <a16:creationId xmlns:a16="http://schemas.microsoft.com/office/drawing/2014/main" id="{7314ED91-AD81-488F-8546-52C62E5B8E7C}"/>
+              </a:ext>
+            </a:extLst>
+          </p:cNvPr>
+          <p:cNvGraphicFramePr>
+            <a:graphicFrameLocks noGrp="1"/>
+          </p:cNvGraphicFramePr>
+          <p:nvPr>
+            <p:extLst>
+              <p:ext uri="{D42A27DB-BD31-4B8C-83A1-F6EECF244321}">
+                <p14:modId xmlns:p14="http://schemas.microsoft.com/office/powerpoint/2010/main" val="3131816634"/>
+              </p:ext>
+            </p:extLst>
+          </p:nvPr>
+        </p:nvGraphicFramePr>
+        <p:xfrm>
+          <a:off x="951413" y="1407983"/>
+          <a:ext cx="5930900" cy="1097280"/>
+        </p:xfrm>
+        <a:graphic>
+          <a:graphicData uri="http://schemas.openxmlformats.org/drawingml/2006/table">
+            <a:tbl>
+              <a:tblPr/>
+              <a:tblGrid>
+                <a:gridCol w="5257800">
+                  <a:extLst>
+                    <a:ext uri="{9D8B030D-6E8A-4147-A177-3AD203B41FA5}">
+                      <a16:colId xmlns:a16="http://schemas.microsoft.com/office/drawing/2014/main" val="321370245"/>
+                    </a:ext>
+                  </a:extLst>
+                </a:gridCol>
+                <a:gridCol w="673100">
+                  <a:extLst>
+                    <a:ext uri="{9D8B030D-6E8A-4147-A177-3AD203B41FA5}">
+                      <a16:colId xmlns:a16="http://schemas.microsoft.com/office/drawing/2014/main" val="2997214861"/>
+                    </a:ext>
+                  </a:extLst>
+                </a:gridCol>
+              </a:tblGrid>
+              <a:tr h="182880">
+                <a:tc>
+                  <a:txBody>
+                    <a:bodyPr/>
+                    <a:lstStyle/>
+                    <a:p>
+                      <a:pPr algn="l" fontAlgn="b"/>
+                      <a:r>
+                        <a:rPr lang="en-US" sz="1100" b="0" i="0" u="none" strike="noStrike">
+                          <a:solidFill>
+                            <a:srgbClr val="000000"/>
+                          </a:solidFill>
+                          <a:effectLst/>
+                          <a:latin typeface="Calibri" panose="020F0502020204030204" pitchFamily="34" charset="0"/>
+                        </a:rPr>
+                        <a:t>Category 1 - State had exclusive local alcohol retail licensing</a:t>
+                      </a:r>
+                    </a:p>
+                  </a:txBody>
+                  <a:tcPr marL="3810" marR="3810" marT="3810" marB="0" anchor="b">
+                    <a:lnL w="6350" cap="flat" cmpd="sng" algn="ctr">
+                      <a:solidFill>
+                        <a:srgbClr val="4472C4"/>
+                      </a:solidFill>
+                      <a:prstDash val="solid"/>
+                      <a:round/>
+                      <a:headEnd type="none" w="med" len="med"/>
+                      <a:tailEnd type="none" w="med" len="med"/>
+                    </a:lnL>
+                    <a:lnR>
+                      <a:noFill/>
+                    </a:lnR>
+                    <a:lnT w="6350" cap="flat" cmpd="sng" algn="ctr">
+                      <a:solidFill>
+                        <a:srgbClr val="4472C4"/>
+                      </a:solidFill>
+                      <a:prstDash val="solid"/>
+                      <a:round/>
+                      <a:headEnd type="none" w="med" len="med"/>
+                      <a:tailEnd type="none" w="med" len="med"/>
+                    </a:lnT>
+                    <a:lnB w="6350" cap="flat" cmpd="sng" algn="ctr">
+                      <a:solidFill>
+                        <a:srgbClr val="4472C4"/>
+                      </a:solidFill>
+                      <a:prstDash val="solid"/>
+                      <a:round/>
+                      <a:headEnd type="none" w="med" len="med"/>
+                      <a:tailEnd type="none" w="med" len="med"/>
+                    </a:lnB>
+                  </a:tcPr>
+                </a:tc>
+                <a:tc>
+                  <a:txBody>
+                    <a:bodyPr/>
+                    <a:lstStyle/>
+                    <a:p>
+                      <a:pPr algn="r" fontAlgn="b"/>
+                      <a:r>
+                        <a:rPr lang="en-US" sz="1100" b="0" i="0" u="none" strike="noStrike">
+                          <a:solidFill>
+                            <a:srgbClr val="000000"/>
+                          </a:solidFill>
+                          <a:effectLst/>
+                          <a:latin typeface="Calibri" panose="020F0502020204030204" pitchFamily="34" charset="0"/>
+                        </a:rPr>
+                        <a:t>8</a:t>
+                      </a:r>
+                    </a:p>
+                  </a:txBody>
+                  <a:tcPr marL="3810" marR="3810" marT="3810" marB="0" anchor="b">
+                    <a:lnL>
+                      <a:noFill/>
+                    </a:lnL>
+                    <a:lnR w="6350" cap="flat" cmpd="sng" algn="ctr">
+                      <a:solidFill>
+                        <a:srgbClr val="4472C4"/>
+                      </a:solidFill>
+                      <a:prstDash val="solid"/>
+                      <a:round/>
+                      <a:headEnd type="none" w="med" len="med"/>
+                      <a:tailEnd type="none" w="med" len="med"/>
+                    </a:lnR>
+                    <a:lnT w="6350" cap="flat" cmpd="sng" algn="ctr">
+                      <a:solidFill>
+                        <a:srgbClr val="4472C4"/>
+                      </a:solidFill>
+                      <a:prstDash val="solid"/>
+                      <a:round/>
+                      <a:headEnd type="none" w="med" len="med"/>
+                      <a:tailEnd type="none" w="med" len="med"/>
+                    </a:lnT>
+                    <a:lnB w="6350" cap="flat" cmpd="sng" algn="ctr">
+                      <a:solidFill>
+                        <a:srgbClr val="4472C4"/>
+                      </a:solidFill>
+                      <a:prstDash val="solid"/>
+                      <a:round/>
+                      <a:headEnd type="none" w="med" len="med"/>
+                      <a:tailEnd type="none" w="med" len="med"/>
+                    </a:lnB>
+                  </a:tcPr>
+                </a:tc>
+                <a:extLst>
+                  <a:ext uri="{0D108BD9-81ED-4DB2-BD59-A6C34878D82A}">
+                    <a16:rowId xmlns:a16="http://schemas.microsoft.com/office/drawing/2014/main" val="2032835044"/>
+                  </a:ext>
+                </a:extLst>
+              </a:tr>
+              <a:tr h="182880">
+                <a:tc>
+                  <a:txBody>
+                    <a:bodyPr/>
+                    <a:lstStyle/>
+                    <a:p>
+                      <a:pPr algn="l" fontAlgn="b"/>
+                      <a:r>
+                        <a:rPr lang="en-US" sz="1100" b="0" i="0" u="none" strike="noStrike">
+                          <a:solidFill>
+                            <a:srgbClr val="000000"/>
+                          </a:solidFill>
+                          <a:effectLst/>
+                          <a:latin typeface="Calibri" panose="020F0502020204030204" pitchFamily="34" charset="0"/>
+                        </a:rPr>
+                        <a:t>Category 2 - State had joint local and state alcohol retail licensing</a:t>
+                      </a:r>
+                    </a:p>
+                  </a:txBody>
+                  <a:tcPr marL="3810" marR="3810" marT="3810" marB="0" anchor="b">
+                    <a:lnL w="6350" cap="flat" cmpd="sng" algn="ctr">
+                      <a:solidFill>
+                        <a:srgbClr val="4472C4"/>
+                      </a:solidFill>
+                      <a:prstDash val="solid"/>
+                      <a:round/>
+                      <a:headEnd type="none" w="med" len="med"/>
+                      <a:tailEnd type="none" w="med" len="med"/>
+                    </a:lnL>
+                    <a:lnR>
+                      <a:noFill/>
+                    </a:lnR>
+                    <a:lnT w="6350" cap="flat" cmpd="sng" algn="ctr">
+                      <a:solidFill>
+                        <a:srgbClr val="4472C4"/>
+                      </a:solidFill>
+                      <a:prstDash val="solid"/>
+                      <a:round/>
+                      <a:headEnd type="none" w="med" len="med"/>
+                      <a:tailEnd type="none" w="med" len="med"/>
+                    </a:lnT>
+                    <a:lnB w="6350" cap="flat" cmpd="sng" algn="ctr">
+                      <a:solidFill>
+                        <a:srgbClr val="4472C4"/>
+                      </a:solidFill>
+                      <a:prstDash val="solid"/>
+                      <a:round/>
+                      <a:headEnd type="none" w="med" len="med"/>
+                      <a:tailEnd type="none" w="med" len="med"/>
+                    </a:lnB>
+                  </a:tcPr>
+                </a:tc>
+                <a:tc>
+                  <a:txBody>
+                    <a:bodyPr/>
+                    <a:lstStyle/>
+                    <a:p>
+                      <a:pPr algn="r" fontAlgn="b"/>
+                      <a:r>
+                        <a:rPr lang="en-US" sz="1100" b="0" i="0" u="none" strike="noStrike">
+                          <a:solidFill>
+                            <a:srgbClr val="000000"/>
+                          </a:solidFill>
+                          <a:effectLst/>
+                          <a:latin typeface="Calibri" panose="020F0502020204030204" pitchFamily="34" charset="0"/>
+                        </a:rPr>
+                        <a:t>10</a:t>
+                      </a:r>
+                    </a:p>
+                  </a:txBody>
+                  <a:tcPr marL="3810" marR="3810" marT="3810" marB="0" anchor="b">
+                    <a:lnL>
+                      <a:noFill/>
+                    </a:lnL>
+                    <a:lnR w="6350" cap="flat" cmpd="sng" algn="ctr">
+                      <a:solidFill>
+                        <a:srgbClr val="4472C4"/>
+                      </a:solidFill>
+                      <a:prstDash val="solid"/>
+                      <a:round/>
+                      <a:headEnd type="none" w="med" len="med"/>
+                      <a:tailEnd type="none" w="med" len="med"/>
+                    </a:lnR>
+                    <a:lnT w="6350" cap="flat" cmpd="sng" algn="ctr">
+                      <a:solidFill>
+                        <a:srgbClr val="4472C4"/>
+                      </a:solidFill>
+                      <a:prstDash val="solid"/>
+                      <a:round/>
+                      <a:headEnd type="none" w="med" len="med"/>
+                      <a:tailEnd type="none" w="med" len="med"/>
+                    </a:lnT>
+                    <a:lnB w="6350" cap="flat" cmpd="sng" algn="ctr">
+                      <a:solidFill>
+                        <a:srgbClr val="4472C4"/>
+                      </a:solidFill>
+                      <a:prstDash val="solid"/>
+                      <a:round/>
+                      <a:headEnd type="none" w="med" len="med"/>
+                      <a:tailEnd type="none" w="med" len="med"/>
+                    </a:lnB>
+                  </a:tcPr>
+                </a:tc>
+                <a:extLst>
+                  <a:ext uri="{0D108BD9-81ED-4DB2-BD59-A6C34878D82A}">
+                    <a16:rowId xmlns:a16="http://schemas.microsoft.com/office/drawing/2014/main" val="1851304462"/>
+                  </a:ext>
+                </a:extLst>
+              </a:tr>
+              <a:tr h="182880">
+                <a:tc>
+                  <a:txBody>
+                    <a:bodyPr/>
+                    <a:lstStyle/>
+                    <a:p>
+                      <a:pPr algn="l" fontAlgn="b"/>
+                      <a:r>
+                        <a:rPr lang="en-US" sz="1100" b="0" i="0" u="none" strike="noStrike">
+                          <a:solidFill>
+                            <a:srgbClr val="000000"/>
+                          </a:solidFill>
+                          <a:effectLst/>
+                          <a:latin typeface="Calibri" panose="020F0502020204030204" pitchFamily="34" charset="0"/>
+                        </a:rPr>
+                        <a:t>Category 3 - State had exclusive state alcohol retail licensing but with local zoning authority</a:t>
+                      </a:r>
+                    </a:p>
+                  </a:txBody>
+                  <a:tcPr marL="3810" marR="3810" marT="3810" marB="0" anchor="b">
+                    <a:lnL w="6350" cap="flat" cmpd="sng" algn="ctr">
+                      <a:solidFill>
+                        <a:srgbClr val="4472C4"/>
+                      </a:solidFill>
+                      <a:prstDash val="solid"/>
+                      <a:round/>
+                      <a:headEnd type="none" w="med" len="med"/>
+                      <a:tailEnd type="none" w="med" len="med"/>
+                    </a:lnL>
+                    <a:lnR>
+                      <a:noFill/>
+                    </a:lnR>
+                    <a:lnT w="6350" cap="flat" cmpd="sng" algn="ctr">
+                      <a:solidFill>
+                        <a:srgbClr val="4472C4"/>
+                      </a:solidFill>
+                      <a:prstDash val="solid"/>
+                      <a:round/>
+                      <a:headEnd type="none" w="med" len="med"/>
+                      <a:tailEnd type="none" w="med" len="med"/>
+                    </a:lnT>
+                    <a:lnB w="6350" cap="flat" cmpd="sng" algn="ctr">
+                      <a:solidFill>
+                        <a:srgbClr val="4472C4"/>
+                      </a:solidFill>
+                      <a:prstDash val="solid"/>
+                      <a:round/>
+                      <a:headEnd type="none" w="med" len="med"/>
+                      <a:tailEnd type="none" w="med" len="med"/>
+                    </a:lnB>
+                  </a:tcPr>
+                </a:tc>
+                <a:tc>
+                  <a:txBody>
+                    <a:bodyPr/>
+                    <a:lstStyle/>
+                    <a:p>
+                      <a:pPr algn="r" fontAlgn="b"/>
+                      <a:r>
+                        <a:rPr lang="en-US" sz="1100" b="0" i="0" u="none" strike="noStrike">
+                          <a:solidFill>
+                            <a:srgbClr val="000000"/>
+                          </a:solidFill>
+                          <a:effectLst/>
+                          <a:latin typeface="Calibri" panose="020F0502020204030204" pitchFamily="34" charset="0"/>
+                        </a:rPr>
+                        <a:t>16</a:t>
+                      </a:r>
+                    </a:p>
+                  </a:txBody>
+                  <a:tcPr marL="3810" marR="3810" marT="3810" marB="0" anchor="b">
+                    <a:lnL>
+                      <a:noFill/>
+                    </a:lnL>
+                    <a:lnR w="6350" cap="flat" cmpd="sng" algn="ctr">
+                      <a:solidFill>
+                        <a:srgbClr val="4472C4"/>
+                      </a:solidFill>
+                      <a:prstDash val="solid"/>
+                      <a:round/>
+                      <a:headEnd type="none" w="med" len="med"/>
+                      <a:tailEnd type="none" w="med" len="med"/>
+                    </a:lnR>
+                    <a:lnT w="6350" cap="flat" cmpd="sng" algn="ctr">
+                      <a:solidFill>
+                        <a:srgbClr val="4472C4"/>
+                      </a:solidFill>
+                      <a:prstDash val="solid"/>
+                      <a:round/>
+                      <a:headEnd type="none" w="med" len="med"/>
+                      <a:tailEnd type="none" w="med" len="med"/>
+                    </a:lnT>
+                    <a:lnB w="6350" cap="flat" cmpd="sng" algn="ctr">
+                      <a:solidFill>
+                        <a:srgbClr val="4472C4"/>
+                      </a:solidFill>
+                      <a:prstDash val="solid"/>
+                      <a:round/>
+                      <a:headEnd type="none" w="med" len="med"/>
+                      <a:tailEnd type="none" w="med" len="med"/>
+                    </a:lnB>
+                  </a:tcPr>
+                </a:tc>
+                <a:extLst>
+                  <a:ext uri="{0D108BD9-81ED-4DB2-BD59-A6C34878D82A}">
+                    <a16:rowId xmlns:a16="http://schemas.microsoft.com/office/drawing/2014/main" val="217378375"/>
+                  </a:ext>
+                </a:extLst>
+              </a:tr>
+              <a:tr h="182880">
+                <a:tc>
+                  <a:txBody>
+                    <a:bodyPr/>
+                    <a:lstStyle/>
+                    <a:p>
+                      <a:pPr algn="l" fontAlgn="b"/>
+                      <a:r>
+                        <a:rPr lang="en-US" sz="1100" b="0" i="0" u="none" strike="noStrike">
+                          <a:solidFill>
+                            <a:srgbClr val="000000"/>
+                          </a:solidFill>
+                          <a:effectLst/>
+                          <a:latin typeface="Calibri" panose="020F0502020204030204" pitchFamily="34" charset="0"/>
+                        </a:rPr>
+                        <a:t>Category 4 - State had mixed alcohol retail licensing policiesÂ </a:t>
+                      </a:r>
+                    </a:p>
+                  </a:txBody>
+                  <a:tcPr marL="3810" marR="3810" marT="3810" marB="0" anchor="b">
+                    <a:lnL w="6350" cap="flat" cmpd="sng" algn="ctr">
+                      <a:solidFill>
+                        <a:srgbClr val="4472C4"/>
+                      </a:solidFill>
+                      <a:prstDash val="solid"/>
+                      <a:round/>
+                      <a:headEnd type="none" w="med" len="med"/>
+                      <a:tailEnd type="none" w="med" len="med"/>
+                    </a:lnL>
+                    <a:lnR>
+                      <a:noFill/>
+                    </a:lnR>
+                    <a:lnT w="6350" cap="flat" cmpd="sng" algn="ctr">
+                      <a:solidFill>
+                        <a:srgbClr val="4472C4"/>
+                      </a:solidFill>
+                      <a:prstDash val="solid"/>
+                      <a:round/>
+                      <a:headEnd type="none" w="med" len="med"/>
+                      <a:tailEnd type="none" w="med" len="med"/>
+                    </a:lnT>
+                    <a:lnB w="6350" cap="flat" cmpd="sng" algn="ctr">
+                      <a:solidFill>
+                        <a:srgbClr val="4472C4"/>
+                      </a:solidFill>
+                      <a:prstDash val="solid"/>
+                      <a:round/>
+                      <a:headEnd type="none" w="med" len="med"/>
+                      <a:tailEnd type="none" w="med" len="med"/>
+                    </a:lnB>
+                  </a:tcPr>
+                </a:tc>
+                <a:tc>
+                  <a:txBody>
+                    <a:bodyPr/>
+                    <a:lstStyle/>
+                    <a:p>
+                      <a:pPr algn="r" fontAlgn="b"/>
+                      <a:r>
+                        <a:rPr lang="en-US" sz="1100" b="0" i="0" u="none" strike="noStrike">
+                          <a:solidFill>
+                            <a:srgbClr val="000000"/>
+                          </a:solidFill>
+                          <a:effectLst/>
+                          <a:latin typeface="Calibri" panose="020F0502020204030204" pitchFamily="34" charset="0"/>
+                        </a:rPr>
+                        <a:t>8</a:t>
+                      </a:r>
+                    </a:p>
+                  </a:txBody>
+                  <a:tcPr marL="3810" marR="3810" marT="3810" marB="0" anchor="b">
+                    <a:lnL>
+                      <a:noFill/>
+                    </a:lnL>
+                    <a:lnR w="6350" cap="flat" cmpd="sng" algn="ctr">
+                      <a:solidFill>
+                        <a:srgbClr val="4472C4"/>
+                      </a:solidFill>
+                      <a:prstDash val="solid"/>
+                      <a:round/>
+                      <a:headEnd type="none" w="med" len="med"/>
+                      <a:tailEnd type="none" w="med" len="med"/>
+                    </a:lnR>
+                    <a:lnT w="6350" cap="flat" cmpd="sng" algn="ctr">
+                      <a:solidFill>
+                        <a:srgbClr val="4472C4"/>
+                      </a:solidFill>
+                      <a:prstDash val="solid"/>
+                      <a:round/>
+                      <a:headEnd type="none" w="med" len="med"/>
+                      <a:tailEnd type="none" w="med" len="med"/>
+                    </a:lnT>
+                    <a:lnB w="6350" cap="flat" cmpd="sng" algn="ctr">
+                      <a:solidFill>
+                        <a:srgbClr val="4472C4"/>
+                      </a:solidFill>
+                      <a:prstDash val="solid"/>
+                      <a:round/>
+                      <a:headEnd type="none" w="med" len="med"/>
+                      <a:tailEnd type="none" w="med" len="med"/>
+                    </a:lnB>
+                  </a:tcPr>
+                </a:tc>
+                <a:extLst>
+                  <a:ext uri="{0D108BD9-81ED-4DB2-BD59-A6C34878D82A}">
+                    <a16:rowId xmlns:a16="http://schemas.microsoft.com/office/drawing/2014/main" val="890334830"/>
+                  </a:ext>
+                </a:extLst>
+              </a:tr>
+              <a:tr h="182880">
+                <a:tc>
+                  <a:txBody>
+                    <a:bodyPr/>
+                    <a:lstStyle/>
+                    <a:p>
+                      <a:pPr algn="l" fontAlgn="b"/>
+                      <a:r>
+                        <a:rPr lang="en-US" sz="1100" b="0" i="0" u="none" strike="noStrike">
+                          <a:solidFill>
+                            <a:srgbClr val="000000"/>
+                          </a:solidFill>
+                          <a:effectLst/>
+                          <a:latin typeface="Calibri" panose="020F0502020204030204" pitchFamily="34" charset="0"/>
+                        </a:rPr>
+                        <a:t>Category 5 - State had nearly exclusive state alcohol retail licensing</a:t>
+                      </a:r>
+                    </a:p>
+                  </a:txBody>
+                  <a:tcPr marL="3810" marR="3810" marT="3810" marB="0" anchor="b">
+                    <a:lnL w="6350" cap="flat" cmpd="sng" algn="ctr">
+                      <a:solidFill>
+                        <a:srgbClr val="4472C4"/>
+                      </a:solidFill>
+                      <a:prstDash val="solid"/>
+                      <a:round/>
+                      <a:headEnd type="none" w="med" len="med"/>
+                      <a:tailEnd type="none" w="med" len="med"/>
+                    </a:lnL>
+                    <a:lnR>
+                      <a:noFill/>
+                    </a:lnR>
+                    <a:lnT w="6350" cap="flat" cmpd="sng" algn="ctr">
+                      <a:solidFill>
+                        <a:srgbClr val="4472C4"/>
+                      </a:solidFill>
+                      <a:prstDash val="solid"/>
+                      <a:round/>
+                      <a:headEnd type="none" w="med" len="med"/>
+                      <a:tailEnd type="none" w="med" len="med"/>
+                    </a:lnT>
+                    <a:lnB w="6350" cap="flat" cmpd="sng" algn="ctr">
+                      <a:solidFill>
+                        <a:srgbClr val="4472C4"/>
+                      </a:solidFill>
+                      <a:prstDash val="solid"/>
+                      <a:round/>
+                      <a:headEnd type="none" w="med" len="med"/>
+                      <a:tailEnd type="none" w="med" len="med"/>
+                    </a:lnB>
+                  </a:tcPr>
+                </a:tc>
+                <a:tc>
+                  <a:txBody>
+                    <a:bodyPr/>
+                    <a:lstStyle/>
+                    <a:p>
+                      <a:pPr algn="r" fontAlgn="b"/>
+                      <a:r>
+                        <a:rPr lang="en-US" sz="1100" b="0" i="0" u="none" strike="noStrike">
+                          <a:solidFill>
+                            <a:srgbClr val="000000"/>
+                          </a:solidFill>
+                          <a:effectLst/>
+                          <a:latin typeface="Calibri" panose="020F0502020204030204" pitchFamily="34" charset="0"/>
+                        </a:rPr>
+                        <a:t>2</a:t>
+                      </a:r>
+                    </a:p>
+                  </a:txBody>
+                  <a:tcPr marL="3810" marR="3810" marT="3810" marB="0" anchor="b">
+                    <a:lnL>
+                      <a:noFill/>
+                    </a:lnL>
+                    <a:lnR w="6350" cap="flat" cmpd="sng" algn="ctr">
+                      <a:solidFill>
+                        <a:srgbClr val="4472C4"/>
+                      </a:solidFill>
+                      <a:prstDash val="solid"/>
+                      <a:round/>
+                      <a:headEnd type="none" w="med" len="med"/>
+                      <a:tailEnd type="none" w="med" len="med"/>
+                    </a:lnR>
+                    <a:lnT w="6350" cap="flat" cmpd="sng" algn="ctr">
+                      <a:solidFill>
+                        <a:srgbClr val="4472C4"/>
+                      </a:solidFill>
+                      <a:prstDash val="solid"/>
+                      <a:round/>
+                      <a:headEnd type="none" w="med" len="med"/>
+                      <a:tailEnd type="none" w="med" len="med"/>
+                    </a:lnT>
+                    <a:lnB w="6350" cap="flat" cmpd="sng" algn="ctr">
+                      <a:solidFill>
+                        <a:srgbClr val="4472C4"/>
+                      </a:solidFill>
+                      <a:prstDash val="solid"/>
+                      <a:round/>
+                      <a:headEnd type="none" w="med" len="med"/>
+                      <a:tailEnd type="none" w="med" len="med"/>
+                    </a:lnB>
+                  </a:tcPr>
+                </a:tc>
+                <a:extLst>
+                  <a:ext uri="{0D108BD9-81ED-4DB2-BD59-A6C34878D82A}">
+                    <a16:rowId xmlns:a16="http://schemas.microsoft.com/office/drawing/2014/main" val="1885762047"/>
+                  </a:ext>
+                </a:extLst>
+              </a:tr>
+              <a:tr h="182880">
+                <a:tc>
+                  <a:txBody>
+                    <a:bodyPr/>
+                    <a:lstStyle/>
+                    <a:p>
+                      <a:pPr algn="l" fontAlgn="b"/>
+                      <a:r>
+                        <a:rPr lang="en-US" sz="1100" b="0" i="0" u="none" strike="noStrike">
+                          <a:solidFill>
+                            <a:srgbClr val="000000"/>
+                          </a:solidFill>
+                          <a:effectLst/>
+                          <a:latin typeface="Calibri" panose="020F0502020204030204" pitchFamily="34" charset="0"/>
+                        </a:rPr>
+                        <a:t>Category 6 - State had exclusive state alcohol retail licensing</a:t>
+                      </a:r>
+                    </a:p>
+                  </a:txBody>
+                  <a:tcPr marL="3810" marR="3810" marT="3810" marB="0" anchor="b">
+                    <a:lnL w="6350" cap="flat" cmpd="sng" algn="ctr">
+                      <a:solidFill>
+                        <a:srgbClr val="4472C4"/>
+                      </a:solidFill>
+                      <a:prstDash val="solid"/>
+                      <a:round/>
+                      <a:headEnd type="none" w="med" len="med"/>
+                      <a:tailEnd type="none" w="med" len="med"/>
+                    </a:lnL>
+                    <a:lnR>
+                      <a:noFill/>
+                    </a:lnR>
+                    <a:lnT w="6350" cap="flat" cmpd="sng" algn="ctr">
+                      <a:solidFill>
+                        <a:srgbClr val="4472C4"/>
+                      </a:solidFill>
+                      <a:prstDash val="solid"/>
+                      <a:round/>
+                      <a:headEnd type="none" w="med" len="med"/>
+                      <a:tailEnd type="none" w="med" len="med"/>
+                    </a:lnT>
+                    <a:lnB w="6350" cap="flat" cmpd="sng" algn="ctr">
+                      <a:solidFill>
+                        <a:srgbClr val="4472C4"/>
+                      </a:solidFill>
+                      <a:prstDash val="solid"/>
+                      <a:round/>
+                      <a:headEnd type="none" w="med" len="med"/>
+                      <a:tailEnd type="none" w="med" len="med"/>
+                    </a:lnB>
+                  </a:tcPr>
+                </a:tc>
+                <a:tc>
+                  <a:txBody>
+                    <a:bodyPr/>
+                    <a:lstStyle/>
+                    <a:p>
+                      <a:pPr algn="r" fontAlgn="b"/>
+                      <a:r>
+                        <a:rPr lang="en-US" sz="1100" b="0" i="0" u="none" strike="noStrike" dirty="0">
+                          <a:solidFill>
+                            <a:srgbClr val="000000"/>
+                          </a:solidFill>
+                          <a:effectLst/>
+                          <a:latin typeface="Calibri" panose="020F0502020204030204" pitchFamily="34" charset="0"/>
+                        </a:rPr>
+                        <a:t>6</a:t>
+                      </a:r>
+                    </a:p>
+                  </a:txBody>
+                  <a:tcPr marL="3810" marR="3810" marT="3810" marB="0" anchor="b">
+                    <a:lnL>
+                      <a:noFill/>
+                    </a:lnL>
+                    <a:lnR w="6350" cap="flat" cmpd="sng" algn="ctr">
+                      <a:solidFill>
+                        <a:srgbClr val="4472C4"/>
+                      </a:solidFill>
+                      <a:prstDash val="solid"/>
+                      <a:round/>
+                      <a:headEnd type="none" w="med" len="med"/>
+                      <a:tailEnd type="none" w="med" len="med"/>
+                    </a:lnR>
+                    <a:lnT w="6350" cap="flat" cmpd="sng" algn="ctr">
+                      <a:solidFill>
+                        <a:srgbClr val="4472C4"/>
+                      </a:solidFill>
+                      <a:prstDash val="solid"/>
+                      <a:round/>
+                      <a:headEnd type="none" w="med" len="med"/>
+                      <a:tailEnd type="none" w="med" len="med"/>
+                    </a:lnT>
+                    <a:lnB w="6350" cap="flat" cmpd="sng" algn="ctr">
+                      <a:solidFill>
+                        <a:srgbClr val="4472C4"/>
+                      </a:solidFill>
+                      <a:prstDash val="solid"/>
+                      <a:round/>
+                      <a:headEnd type="none" w="med" len="med"/>
+                      <a:tailEnd type="none" w="med" len="med"/>
+                    </a:lnB>
+                  </a:tcPr>
+                </a:tc>
+                <a:extLst>
+                  <a:ext uri="{0D108BD9-81ED-4DB2-BD59-A6C34878D82A}">
+                    <a16:rowId xmlns:a16="http://schemas.microsoft.com/office/drawing/2014/main" val="2447592918"/>
+                  </a:ext>
+                </a:extLst>
+              </a:tr>
+            </a:tbl>
+          </a:graphicData>
+        </a:graphic>
+      </p:graphicFrame>
+    </p:spTree>
+    <p:extLst>
+      <p:ext uri="{BB962C8B-B14F-4D97-AF65-F5344CB8AC3E}">
+        <p14:creationId xmlns:p14="http://schemas.microsoft.com/office/powerpoint/2010/main" val="1163730554"/>
+      </p:ext>
+    </p:extLst>
+  </p:cSld>
+  <p:clrMapOvr>
+    <a:masterClrMapping/>
+  </p:clrMapOvr>
+</p:sld>
+</file>
+
+<file path=ppt/slides/slide11.xml><?xml version="1.0" encoding="utf-8"?>
+<p:sld xmlns:a="http://schemas.openxmlformats.org/drawingml/2006/main" xmlns:r="http://schemas.openxmlformats.org/officeDocument/2006/relationships" xmlns:p="http://schemas.openxmlformats.org/presentationml/2006/main">
+  <p:cSld>
+    <p:spTree>
+      <p:nvGrpSpPr>
+        <p:cNvPr id="1" name=""/>
+        <p:cNvGrpSpPr/>
+        <p:nvPr/>
+      </p:nvGrpSpPr>
+      <p:grpSpPr>
+        <a:xfrm>
+          <a:off x="0" y="0"/>
+          <a:ext cx="0" cy="0"/>
+          <a:chOff x="0" y="0"/>
+          <a:chExt cx="0" cy="0"/>
+        </a:xfrm>
+      </p:grpSpPr>
+      <p:sp>
+        <p:nvSpPr>
+          <p:cNvPr id="2" name="Title 1"/>
+          <p:cNvSpPr>
+            <a:spLocks noGrp="1"/>
+          </p:cNvSpPr>
+          <p:nvPr>
+            <p:ph type="title"/>
+          </p:nvPr>
+        </p:nvSpPr>
         <p:spPr/>
         <p:txBody>
           <a:bodyPr/>
           <a:lstStyle/>
           <a:p>
             <a:r>
-              <a:rPr lang="en-US" dirty="0" smtClean="0"/>
-              <a:t>Table of Contents or AGENDA (OPTIONAL)</a:t>
-            </a:r>
-            <a:endParaRPr lang="en-US" dirty="0"/>
+              <a:rPr lang="en-US" dirty="0"/>
+              <a:t>Challenges / Open Questions Remaining</a:t>
+            </a:r>
           </a:p>
         </p:txBody>
       </p:sp>
@@ -3918,14 +4782,6317 @@
           <a:bodyPr/>
           <a:lstStyle/>
           <a:p>
+            <a:r>
+              <a:rPr lang="en-US" dirty="0"/>
+              <a:t>Unaccounted Mortality</a:t>
+            </a:r>
+          </a:p>
+          <a:p>
+            <a:pPr lvl="1"/>
+            <a:r>
+              <a:rPr lang="en-US" dirty="0"/>
+              <a:t>DUIs are actually also being caused by Alcoholism</a:t>
+            </a:r>
+          </a:p>
+          <a:p>
+            <a:pPr lvl="1"/>
+            <a:r>
+              <a:rPr lang="en-US" dirty="0"/>
+              <a:t>Suicides</a:t>
+            </a:r>
+          </a:p>
+          <a:p>
+            <a:pPr lvl="1"/>
+            <a:r>
+              <a:rPr lang="en-US" dirty="0"/>
+              <a:t>Gateway Drug</a:t>
+            </a:r>
+          </a:p>
+          <a:p>
+            <a:r>
+              <a:rPr lang="en-US" dirty="0"/>
+              <a:t>Figuring out the lag between drinking and chronic diseases</a:t>
+            </a:r>
+          </a:p>
+          <a:p>
+            <a:r>
+              <a:rPr lang="en-US" dirty="0"/>
+              <a:t>Would be great to see urban consumption vs rural</a:t>
+            </a:r>
+          </a:p>
+          <a:p>
+            <a:pPr lvl="1"/>
+            <a:r>
+              <a:rPr lang="en-US" dirty="0"/>
+              <a:t>Need for zip code level data</a:t>
+            </a:r>
+          </a:p>
+          <a:p>
+            <a:pPr lvl="1"/>
+            <a:r>
+              <a:rPr lang="en-US" dirty="0"/>
+              <a:t>Stereo Types of ghettos with corner/liquor store</a:t>
+            </a:r>
+          </a:p>
+          <a:p>
+            <a:r>
+              <a:rPr lang="en-US" dirty="0"/>
+              <a:t>Are people drinking at home or in the bars?</a:t>
+            </a:r>
+          </a:p>
+        </p:txBody>
+      </p:sp>
+    </p:spTree>
+    <p:extLst>
+      <p:ext uri="{BB962C8B-B14F-4D97-AF65-F5344CB8AC3E}">
+        <p14:creationId xmlns:p14="http://schemas.microsoft.com/office/powerpoint/2010/main" val="1611749925"/>
+      </p:ext>
+    </p:extLst>
+  </p:cSld>
+  <p:clrMapOvr>
+    <a:masterClrMapping/>
+  </p:clrMapOvr>
+</p:sld>
+</file>
+
+<file path=ppt/slides/slide12.xml><?xml version="1.0" encoding="utf-8"?>
+<p:sld xmlns:a="http://schemas.openxmlformats.org/drawingml/2006/main" xmlns:r="http://schemas.openxmlformats.org/officeDocument/2006/relationships" xmlns:p="http://schemas.openxmlformats.org/presentationml/2006/main">
+  <p:cSld>
+    <p:spTree>
+      <p:nvGrpSpPr>
+        <p:cNvPr id="1" name=""/>
+        <p:cNvGrpSpPr/>
+        <p:nvPr/>
+      </p:nvGrpSpPr>
+      <p:grpSpPr>
+        <a:xfrm>
+          <a:off x="0" y="0"/>
+          <a:ext cx="0" cy="0"/>
+          <a:chOff x="0" y="0"/>
+          <a:chExt cx="0" cy="0"/>
+        </a:xfrm>
+      </p:grpSpPr>
+      <p:sp>
+        <p:nvSpPr>
+          <p:cNvPr id="2" name="Title 1"/>
+          <p:cNvSpPr>
+            <a:spLocks noGrp="1"/>
+          </p:cNvSpPr>
+          <p:nvPr>
+            <p:ph type="title"/>
+          </p:nvPr>
+        </p:nvSpPr>
+        <p:spPr/>
+        <p:txBody>
+          <a:bodyPr/>
+          <a:lstStyle/>
+          <a:p>
+            <a:r>
+              <a:rPr lang="en-US" dirty="0"/>
+              <a:t>Backup/Alternative Sides</a:t>
+            </a:r>
+          </a:p>
+        </p:txBody>
+      </p:sp>
+      <p:graphicFrame>
+        <p:nvGraphicFramePr>
+          <p:cNvPr id="4" name="Table 3">
+            <a:extLst>
+              <a:ext uri="{FF2B5EF4-FFF2-40B4-BE49-F238E27FC236}">
+                <a16:creationId xmlns:a16="http://schemas.microsoft.com/office/drawing/2014/main" id="{A5C2A3D6-2D18-4A8E-BA00-BC09F47D4E7A}"/>
+              </a:ext>
+            </a:extLst>
+          </p:cNvPr>
+          <p:cNvGraphicFramePr>
+            <a:graphicFrameLocks noGrp="1"/>
+          </p:cNvGraphicFramePr>
+          <p:nvPr>
+            <p:extLst>
+              <p:ext uri="{D42A27DB-BD31-4B8C-83A1-F6EECF244321}">
+                <p14:modId xmlns:p14="http://schemas.microsoft.com/office/powerpoint/2010/main" val="2696957082"/>
+              </p:ext>
+            </p:extLst>
+          </p:nvPr>
+        </p:nvGraphicFramePr>
+        <p:xfrm>
+          <a:off x="470391" y="1690688"/>
+          <a:ext cx="5892436" cy="4351334"/>
+        </p:xfrm>
+        <a:graphic>
+          <a:graphicData uri="http://schemas.openxmlformats.org/drawingml/2006/table">
+            <a:tbl>
+              <a:tblPr/>
+              <a:tblGrid>
+                <a:gridCol w="1080861">
+                  <a:extLst>
+                    <a:ext uri="{9D8B030D-6E8A-4147-A177-3AD203B41FA5}">
+                      <a16:colId xmlns:a16="http://schemas.microsoft.com/office/drawing/2014/main" val="2046424640"/>
+                    </a:ext>
+                  </a:extLst>
+                </a:gridCol>
+                <a:gridCol w="4811575">
+                  <a:extLst>
+                    <a:ext uri="{9D8B030D-6E8A-4147-A177-3AD203B41FA5}">
+                      <a16:colId xmlns:a16="http://schemas.microsoft.com/office/drawing/2014/main" val="4041746292"/>
+                    </a:ext>
+                  </a:extLst>
+                </a:gridCol>
+              </a:tblGrid>
+              <a:tr h="167359">
+                <a:tc>
+                  <a:txBody>
+                    <a:bodyPr/>
+                    <a:lstStyle/>
+                    <a:p>
+                      <a:pPr algn="l" fontAlgn="b"/>
+                      <a:r>
+                        <a:rPr lang="en-US" sz="1000" b="1" i="0" u="none" strike="noStrike">
+                          <a:solidFill>
+                            <a:srgbClr val="FFFFFF"/>
+                          </a:solidFill>
+                          <a:effectLst/>
+                          <a:latin typeface="Calibri" panose="020F0502020204030204" pitchFamily="34" charset="0"/>
+                        </a:rPr>
+                        <a:t>State</a:t>
+                      </a:r>
+                    </a:p>
+                  </a:txBody>
+                  <a:tcPr marL="3487" marR="3487" marT="3487" marB="0" anchor="b">
+                    <a:lnL w="6350" cap="flat" cmpd="sng" algn="ctr">
+                      <a:solidFill>
+                        <a:srgbClr val="4472C4"/>
+                      </a:solidFill>
+                      <a:prstDash val="solid"/>
+                      <a:round/>
+                      <a:headEnd type="none" w="med" len="med"/>
+                      <a:tailEnd type="none" w="med" len="med"/>
+                    </a:lnL>
+                    <a:lnR>
+                      <a:noFill/>
+                    </a:lnR>
+                    <a:lnT w="6350" cap="flat" cmpd="sng" algn="ctr">
+                      <a:solidFill>
+                        <a:srgbClr val="4472C4"/>
+                      </a:solidFill>
+                      <a:prstDash val="solid"/>
+                      <a:round/>
+                      <a:headEnd type="none" w="med" len="med"/>
+                      <a:tailEnd type="none" w="med" len="med"/>
+                    </a:lnT>
+                    <a:lnB w="6350" cap="flat" cmpd="sng" algn="ctr">
+                      <a:solidFill>
+                        <a:srgbClr val="4472C4"/>
+                      </a:solidFill>
+                      <a:prstDash val="solid"/>
+                      <a:round/>
+                      <a:headEnd type="none" w="med" len="med"/>
+                      <a:tailEnd type="none" w="med" len="med"/>
+                    </a:lnB>
+                    <a:solidFill>
+                      <a:srgbClr val="4472C4"/>
+                    </a:solidFill>
+                  </a:tcPr>
+                </a:tc>
+                <a:tc>
+                  <a:txBody>
+                    <a:bodyPr/>
+                    <a:lstStyle/>
+                    <a:p>
+                      <a:pPr algn="l" fontAlgn="b"/>
+                      <a:r>
+                        <a:rPr lang="en-US" sz="1000" b="1" i="0" u="none" strike="noStrike">
+                          <a:solidFill>
+                            <a:srgbClr val="FFFFFF"/>
+                          </a:solidFill>
+                          <a:effectLst/>
+                          <a:latin typeface="Calibri" panose="020F0502020204030204" pitchFamily="34" charset="0"/>
+                        </a:rPr>
+                        <a:t>Regulation</a:t>
+                      </a:r>
+                    </a:p>
+                  </a:txBody>
+                  <a:tcPr marL="3487" marR="3487" marT="3487" marB="0" anchor="b">
+                    <a:lnL>
+                      <a:noFill/>
+                    </a:lnL>
+                    <a:lnR w="6350" cap="flat" cmpd="sng" algn="ctr">
+                      <a:solidFill>
+                        <a:srgbClr val="4472C4"/>
+                      </a:solidFill>
+                      <a:prstDash val="solid"/>
+                      <a:round/>
+                      <a:headEnd type="none" w="med" len="med"/>
+                      <a:tailEnd type="none" w="med" len="med"/>
+                    </a:lnR>
+                    <a:lnT w="6350" cap="flat" cmpd="sng" algn="ctr">
+                      <a:solidFill>
+                        <a:srgbClr val="4472C4"/>
+                      </a:solidFill>
+                      <a:prstDash val="solid"/>
+                      <a:round/>
+                      <a:headEnd type="none" w="med" len="med"/>
+                      <a:tailEnd type="none" w="med" len="med"/>
+                    </a:lnT>
+                    <a:lnB w="6350" cap="flat" cmpd="sng" algn="ctr">
+                      <a:solidFill>
+                        <a:srgbClr val="4472C4"/>
+                      </a:solidFill>
+                      <a:prstDash val="solid"/>
+                      <a:round/>
+                      <a:headEnd type="none" w="med" len="med"/>
+                      <a:tailEnd type="none" w="med" len="med"/>
+                    </a:lnB>
+                    <a:solidFill>
+                      <a:srgbClr val="4472C4"/>
+                    </a:solidFill>
+                  </a:tcPr>
+                </a:tc>
+                <a:extLst>
+                  <a:ext uri="{0D108BD9-81ED-4DB2-BD59-A6C34878D82A}">
+                    <a16:rowId xmlns:a16="http://schemas.microsoft.com/office/drawing/2014/main" val="1315549507"/>
+                  </a:ext>
+                </a:extLst>
+              </a:tr>
+              <a:tr h="167359">
+                <a:tc>
+                  <a:txBody>
+                    <a:bodyPr/>
+                    <a:lstStyle/>
+                    <a:p>
+                      <a:pPr algn="l" fontAlgn="b"/>
+                      <a:r>
+                        <a:rPr lang="en-US" sz="1000" b="0" i="0" u="none" strike="noStrike">
+                          <a:solidFill>
+                            <a:srgbClr val="000000"/>
+                          </a:solidFill>
+                          <a:effectLst/>
+                          <a:latin typeface="Calibri" panose="020F0502020204030204" pitchFamily="34" charset="0"/>
+                        </a:rPr>
+                        <a:t>Hawaii</a:t>
+                      </a:r>
+                    </a:p>
+                  </a:txBody>
+                  <a:tcPr marL="3487" marR="3487" marT="3487" marB="0" anchor="b">
+                    <a:lnL w="6350" cap="flat" cmpd="sng" algn="ctr">
+                      <a:solidFill>
+                        <a:srgbClr val="4472C4"/>
+                      </a:solidFill>
+                      <a:prstDash val="solid"/>
+                      <a:round/>
+                      <a:headEnd type="none" w="med" len="med"/>
+                      <a:tailEnd type="none" w="med" len="med"/>
+                    </a:lnL>
+                    <a:lnR>
+                      <a:noFill/>
+                    </a:lnR>
+                    <a:lnT w="6350" cap="flat" cmpd="sng" algn="ctr">
+                      <a:solidFill>
+                        <a:srgbClr val="4472C4"/>
+                      </a:solidFill>
+                      <a:prstDash val="solid"/>
+                      <a:round/>
+                      <a:headEnd type="none" w="med" len="med"/>
+                      <a:tailEnd type="none" w="med" len="med"/>
+                    </a:lnT>
+                    <a:lnB w="6350" cap="flat" cmpd="sng" algn="ctr">
+                      <a:solidFill>
+                        <a:srgbClr val="4472C4"/>
+                      </a:solidFill>
+                      <a:prstDash val="solid"/>
+                      <a:round/>
+                      <a:headEnd type="none" w="med" len="med"/>
+                      <a:tailEnd type="none" w="med" len="med"/>
+                    </a:lnB>
+                  </a:tcPr>
+                </a:tc>
+                <a:tc>
+                  <a:txBody>
+                    <a:bodyPr/>
+                    <a:lstStyle/>
+                    <a:p>
+                      <a:pPr algn="l" fontAlgn="b"/>
+                      <a:r>
+                        <a:rPr lang="en-US" sz="1000" b="0" i="0" u="none" strike="noStrike">
+                          <a:solidFill>
+                            <a:srgbClr val="000000"/>
+                          </a:solidFill>
+                          <a:effectLst/>
+                          <a:latin typeface="Calibri" panose="020F0502020204030204" pitchFamily="34" charset="0"/>
+                        </a:rPr>
+                        <a:t>Category 1 - State had exclusive local alcohol retail licensing</a:t>
+                      </a:r>
+                    </a:p>
+                  </a:txBody>
+                  <a:tcPr marL="3487" marR="3487" marT="3487" marB="0" anchor="b">
+                    <a:lnL>
+                      <a:noFill/>
+                    </a:lnL>
+                    <a:lnR w="6350" cap="flat" cmpd="sng" algn="ctr">
+                      <a:solidFill>
+                        <a:srgbClr val="4472C4"/>
+                      </a:solidFill>
+                      <a:prstDash val="solid"/>
+                      <a:round/>
+                      <a:headEnd type="none" w="med" len="med"/>
+                      <a:tailEnd type="none" w="med" len="med"/>
+                    </a:lnR>
+                    <a:lnT w="6350" cap="flat" cmpd="sng" algn="ctr">
+                      <a:solidFill>
+                        <a:srgbClr val="4472C4"/>
+                      </a:solidFill>
+                      <a:prstDash val="solid"/>
+                      <a:round/>
+                      <a:headEnd type="none" w="med" len="med"/>
+                      <a:tailEnd type="none" w="med" len="med"/>
+                    </a:lnT>
+                    <a:lnB w="6350" cap="flat" cmpd="sng" algn="ctr">
+                      <a:solidFill>
+                        <a:srgbClr val="4472C4"/>
+                      </a:solidFill>
+                      <a:prstDash val="solid"/>
+                      <a:round/>
+                      <a:headEnd type="none" w="med" len="med"/>
+                      <a:tailEnd type="none" w="med" len="med"/>
+                    </a:lnB>
+                  </a:tcPr>
+                </a:tc>
+                <a:extLst>
+                  <a:ext uri="{0D108BD9-81ED-4DB2-BD59-A6C34878D82A}">
+                    <a16:rowId xmlns:a16="http://schemas.microsoft.com/office/drawing/2014/main" val="1886306966"/>
+                  </a:ext>
+                </a:extLst>
+              </a:tr>
+              <a:tr h="167359">
+                <a:tc>
+                  <a:txBody>
+                    <a:bodyPr/>
+                    <a:lstStyle/>
+                    <a:p>
+                      <a:pPr algn="l" fontAlgn="b"/>
+                      <a:r>
+                        <a:rPr lang="en-US" sz="1000" b="0" i="0" u="none" strike="noStrike">
+                          <a:solidFill>
+                            <a:srgbClr val="000000"/>
+                          </a:solidFill>
+                          <a:effectLst/>
+                          <a:latin typeface="Calibri" panose="020F0502020204030204" pitchFamily="34" charset="0"/>
+                        </a:rPr>
+                        <a:t>Minnesota</a:t>
+                      </a:r>
+                    </a:p>
+                  </a:txBody>
+                  <a:tcPr marL="3487" marR="3487" marT="3487" marB="0" anchor="b">
+                    <a:lnL w="6350" cap="flat" cmpd="sng" algn="ctr">
+                      <a:solidFill>
+                        <a:srgbClr val="4472C4"/>
+                      </a:solidFill>
+                      <a:prstDash val="solid"/>
+                      <a:round/>
+                      <a:headEnd type="none" w="med" len="med"/>
+                      <a:tailEnd type="none" w="med" len="med"/>
+                    </a:lnL>
+                    <a:lnR>
+                      <a:noFill/>
+                    </a:lnR>
+                    <a:lnT w="6350" cap="flat" cmpd="sng" algn="ctr">
+                      <a:solidFill>
+                        <a:srgbClr val="4472C4"/>
+                      </a:solidFill>
+                      <a:prstDash val="solid"/>
+                      <a:round/>
+                      <a:headEnd type="none" w="med" len="med"/>
+                      <a:tailEnd type="none" w="med" len="med"/>
+                    </a:lnT>
+                    <a:lnB w="6350" cap="flat" cmpd="sng" algn="ctr">
+                      <a:solidFill>
+                        <a:srgbClr val="4472C4"/>
+                      </a:solidFill>
+                      <a:prstDash val="solid"/>
+                      <a:round/>
+                      <a:headEnd type="none" w="med" len="med"/>
+                      <a:tailEnd type="none" w="med" len="med"/>
+                    </a:lnB>
+                  </a:tcPr>
+                </a:tc>
+                <a:tc>
+                  <a:txBody>
+                    <a:bodyPr/>
+                    <a:lstStyle/>
+                    <a:p>
+                      <a:pPr algn="l" fontAlgn="b"/>
+                      <a:r>
+                        <a:rPr lang="en-US" sz="1000" b="0" i="0" u="none" strike="noStrike">
+                          <a:solidFill>
+                            <a:srgbClr val="000000"/>
+                          </a:solidFill>
+                          <a:effectLst/>
+                          <a:latin typeface="Calibri" panose="020F0502020204030204" pitchFamily="34" charset="0"/>
+                        </a:rPr>
+                        <a:t>Category 1 - State had exclusive local alcohol retail licensing</a:t>
+                      </a:r>
+                    </a:p>
+                  </a:txBody>
+                  <a:tcPr marL="3487" marR="3487" marT="3487" marB="0" anchor="b">
+                    <a:lnL>
+                      <a:noFill/>
+                    </a:lnL>
+                    <a:lnR w="6350" cap="flat" cmpd="sng" algn="ctr">
+                      <a:solidFill>
+                        <a:srgbClr val="4472C4"/>
+                      </a:solidFill>
+                      <a:prstDash val="solid"/>
+                      <a:round/>
+                      <a:headEnd type="none" w="med" len="med"/>
+                      <a:tailEnd type="none" w="med" len="med"/>
+                    </a:lnR>
+                    <a:lnT w="6350" cap="flat" cmpd="sng" algn="ctr">
+                      <a:solidFill>
+                        <a:srgbClr val="4472C4"/>
+                      </a:solidFill>
+                      <a:prstDash val="solid"/>
+                      <a:round/>
+                      <a:headEnd type="none" w="med" len="med"/>
+                      <a:tailEnd type="none" w="med" len="med"/>
+                    </a:lnT>
+                    <a:lnB w="6350" cap="flat" cmpd="sng" algn="ctr">
+                      <a:solidFill>
+                        <a:srgbClr val="4472C4"/>
+                      </a:solidFill>
+                      <a:prstDash val="solid"/>
+                      <a:round/>
+                      <a:headEnd type="none" w="med" len="med"/>
+                      <a:tailEnd type="none" w="med" len="med"/>
+                    </a:lnB>
+                  </a:tcPr>
+                </a:tc>
+                <a:extLst>
+                  <a:ext uri="{0D108BD9-81ED-4DB2-BD59-A6C34878D82A}">
+                    <a16:rowId xmlns:a16="http://schemas.microsoft.com/office/drawing/2014/main" val="2320666729"/>
+                  </a:ext>
+                </a:extLst>
+              </a:tr>
+              <a:tr h="167359">
+                <a:tc>
+                  <a:txBody>
+                    <a:bodyPr/>
+                    <a:lstStyle/>
+                    <a:p>
+                      <a:pPr algn="l" fontAlgn="b"/>
+                      <a:r>
+                        <a:rPr lang="en-US" sz="1000" b="0" i="0" u="none" strike="noStrike">
+                          <a:solidFill>
+                            <a:srgbClr val="000000"/>
+                          </a:solidFill>
+                          <a:effectLst/>
+                          <a:latin typeface="Calibri" panose="020F0502020204030204" pitchFamily="34" charset="0"/>
+                        </a:rPr>
+                        <a:t>Nevada</a:t>
+                      </a:r>
+                    </a:p>
+                  </a:txBody>
+                  <a:tcPr marL="3487" marR="3487" marT="3487" marB="0" anchor="b">
+                    <a:lnL w="6350" cap="flat" cmpd="sng" algn="ctr">
+                      <a:solidFill>
+                        <a:srgbClr val="4472C4"/>
+                      </a:solidFill>
+                      <a:prstDash val="solid"/>
+                      <a:round/>
+                      <a:headEnd type="none" w="med" len="med"/>
+                      <a:tailEnd type="none" w="med" len="med"/>
+                    </a:lnL>
+                    <a:lnR>
+                      <a:noFill/>
+                    </a:lnR>
+                    <a:lnT w="6350" cap="flat" cmpd="sng" algn="ctr">
+                      <a:solidFill>
+                        <a:srgbClr val="4472C4"/>
+                      </a:solidFill>
+                      <a:prstDash val="solid"/>
+                      <a:round/>
+                      <a:headEnd type="none" w="med" len="med"/>
+                      <a:tailEnd type="none" w="med" len="med"/>
+                    </a:lnT>
+                    <a:lnB w="6350" cap="flat" cmpd="sng" algn="ctr">
+                      <a:solidFill>
+                        <a:srgbClr val="4472C4"/>
+                      </a:solidFill>
+                      <a:prstDash val="solid"/>
+                      <a:round/>
+                      <a:headEnd type="none" w="med" len="med"/>
+                      <a:tailEnd type="none" w="med" len="med"/>
+                    </a:lnB>
+                  </a:tcPr>
+                </a:tc>
+                <a:tc>
+                  <a:txBody>
+                    <a:bodyPr/>
+                    <a:lstStyle/>
+                    <a:p>
+                      <a:pPr algn="l" fontAlgn="b"/>
+                      <a:r>
+                        <a:rPr lang="en-US" sz="1000" b="0" i="0" u="none" strike="noStrike">
+                          <a:solidFill>
+                            <a:srgbClr val="000000"/>
+                          </a:solidFill>
+                          <a:effectLst/>
+                          <a:latin typeface="Calibri" panose="020F0502020204030204" pitchFamily="34" charset="0"/>
+                        </a:rPr>
+                        <a:t>Category 1 - State had exclusive local alcohol retail licensing</a:t>
+                      </a:r>
+                    </a:p>
+                  </a:txBody>
+                  <a:tcPr marL="3487" marR="3487" marT="3487" marB="0" anchor="b">
+                    <a:lnL>
+                      <a:noFill/>
+                    </a:lnL>
+                    <a:lnR w="6350" cap="flat" cmpd="sng" algn="ctr">
+                      <a:solidFill>
+                        <a:srgbClr val="4472C4"/>
+                      </a:solidFill>
+                      <a:prstDash val="solid"/>
+                      <a:round/>
+                      <a:headEnd type="none" w="med" len="med"/>
+                      <a:tailEnd type="none" w="med" len="med"/>
+                    </a:lnR>
+                    <a:lnT w="6350" cap="flat" cmpd="sng" algn="ctr">
+                      <a:solidFill>
+                        <a:srgbClr val="4472C4"/>
+                      </a:solidFill>
+                      <a:prstDash val="solid"/>
+                      <a:round/>
+                      <a:headEnd type="none" w="med" len="med"/>
+                      <a:tailEnd type="none" w="med" len="med"/>
+                    </a:lnT>
+                    <a:lnB w="6350" cap="flat" cmpd="sng" algn="ctr">
+                      <a:solidFill>
+                        <a:srgbClr val="4472C4"/>
+                      </a:solidFill>
+                      <a:prstDash val="solid"/>
+                      <a:round/>
+                      <a:headEnd type="none" w="med" len="med"/>
+                      <a:tailEnd type="none" w="med" len="med"/>
+                    </a:lnB>
+                  </a:tcPr>
+                </a:tc>
+                <a:extLst>
+                  <a:ext uri="{0D108BD9-81ED-4DB2-BD59-A6C34878D82A}">
+                    <a16:rowId xmlns:a16="http://schemas.microsoft.com/office/drawing/2014/main" val="883256860"/>
+                  </a:ext>
+                </a:extLst>
+              </a:tr>
+              <a:tr h="167359">
+                <a:tc>
+                  <a:txBody>
+                    <a:bodyPr/>
+                    <a:lstStyle/>
+                    <a:p>
+                      <a:pPr algn="l" fontAlgn="b"/>
+                      <a:r>
+                        <a:rPr lang="en-US" sz="1000" b="0" i="0" u="none" strike="noStrike">
+                          <a:solidFill>
+                            <a:srgbClr val="000000"/>
+                          </a:solidFill>
+                          <a:effectLst/>
+                          <a:latin typeface="Calibri" panose="020F0502020204030204" pitchFamily="34" charset="0"/>
+                        </a:rPr>
+                        <a:t>New Jersey</a:t>
+                      </a:r>
+                    </a:p>
+                  </a:txBody>
+                  <a:tcPr marL="3487" marR="3487" marT="3487" marB="0" anchor="b">
+                    <a:lnL w="6350" cap="flat" cmpd="sng" algn="ctr">
+                      <a:solidFill>
+                        <a:srgbClr val="4472C4"/>
+                      </a:solidFill>
+                      <a:prstDash val="solid"/>
+                      <a:round/>
+                      <a:headEnd type="none" w="med" len="med"/>
+                      <a:tailEnd type="none" w="med" len="med"/>
+                    </a:lnL>
+                    <a:lnR>
+                      <a:noFill/>
+                    </a:lnR>
+                    <a:lnT w="6350" cap="flat" cmpd="sng" algn="ctr">
+                      <a:solidFill>
+                        <a:srgbClr val="4472C4"/>
+                      </a:solidFill>
+                      <a:prstDash val="solid"/>
+                      <a:round/>
+                      <a:headEnd type="none" w="med" len="med"/>
+                      <a:tailEnd type="none" w="med" len="med"/>
+                    </a:lnT>
+                    <a:lnB w="6350" cap="flat" cmpd="sng" algn="ctr">
+                      <a:solidFill>
+                        <a:srgbClr val="4472C4"/>
+                      </a:solidFill>
+                      <a:prstDash val="solid"/>
+                      <a:round/>
+                      <a:headEnd type="none" w="med" len="med"/>
+                      <a:tailEnd type="none" w="med" len="med"/>
+                    </a:lnB>
+                  </a:tcPr>
+                </a:tc>
+                <a:tc>
+                  <a:txBody>
+                    <a:bodyPr/>
+                    <a:lstStyle/>
+                    <a:p>
+                      <a:pPr algn="l" fontAlgn="b"/>
+                      <a:r>
+                        <a:rPr lang="en-US" sz="1000" b="0" i="0" u="none" strike="noStrike">
+                          <a:solidFill>
+                            <a:srgbClr val="000000"/>
+                          </a:solidFill>
+                          <a:effectLst/>
+                          <a:latin typeface="Calibri" panose="020F0502020204030204" pitchFamily="34" charset="0"/>
+                        </a:rPr>
+                        <a:t>Category 1 - State had exclusive local alcohol retail licensing</a:t>
+                      </a:r>
+                    </a:p>
+                  </a:txBody>
+                  <a:tcPr marL="3487" marR="3487" marT="3487" marB="0" anchor="b">
+                    <a:lnL>
+                      <a:noFill/>
+                    </a:lnL>
+                    <a:lnR w="6350" cap="flat" cmpd="sng" algn="ctr">
+                      <a:solidFill>
+                        <a:srgbClr val="4472C4"/>
+                      </a:solidFill>
+                      <a:prstDash val="solid"/>
+                      <a:round/>
+                      <a:headEnd type="none" w="med" len="med"/>
+                      <a:tailEnd type="none" w="med" len="med"/>
+                    </a:lnR>
+                    <a:lnT w="6350" cap="flat" cmpd="sng" algn="ctr">
+                      <a:solidFill>
+                        <a:srgbClr val="4472C4"/>
+                      </a:solidFill>
+                      <a:prstDash val="solid"/>
+                      <a:round/>
+                      <a:headEnd type="none" w="med" len="med"/>
+                      <a:tailEnd type="none" w="med" len="med"/>
+                    </a:lnT>
+                    <a:lnB w="6350" cap="flat" cmpd="sng" algn="ctr">
+                      <a:solidFill>
+                        <a:srgbClr val="4472C4"/>
+                      </a:solidFill>
+                      <a:prstDash val="solid"/>
+                      <a:round/>
+                      <a:headEnd type="none" w="med" len="med"/>
+                      <a:tailEnd type="none" w="med" len="med"/>
+                    </a:lnB>
+                  </a:tcPr>
+                </a:tc>
+                <a:extLst>
+                  <a:ext uri="{0D108BD9-81ED-4DB2-BD59-A6C34878D82A}">
+                    <a16:rowId xmlns:a16="http://schemas.microsoft.com/office/drawing/2014/main" val="2858126447"/>
+                  </a:ext>
+                </a:extLst>
+              </a:tr>
+              <a:tr h="167359">
+                <a:tc>
+                  <a:txBody>
+                    <a:bodyPr/>
+                    <a:lstStyle/>
+                    <a:p>
+                      <a:pPr algn="l" fontAlgn="b"/>
+                      <a:r>
+                        <a:rPr lang="en-US" sz="1000" b="0" i="0" u="none" strike="noStrike">
+                          <a:solidFill>
+                            <a:srgbClr val="000000"/>
+                          </a:solidFill>
+                          <a:effectLst/>
+                          <a:latin typeface="Calibri" panose="020F0502020204030204" pitchFamily="34" charset="0"/>
+                        </a:rPr>
+                        <a:t>Rhode Island</a:t>
+                      </a:r>
+                    </a:p>
+                  </a:txBody>
+                  <a:tcPr marL="3487" marR="3487" marT="3487" marB="0" anchor="b">
+                    <a:lnL w="6350" cap="flat" cmpd="sng" algn="ctr">
+                      <a:solidFill>
+                        <a:srgbClr val="4472C4"/>
+                      </a:solidFill>
+                      <a:prstDash val="solid"/>
+                      <a:round/>
+                      <a:headEnd type="none" w="med" len="med"/>
+                      <a:tailEnd type="none" w="med" len="med"/>
+                    </a:lnL>
+                    <a:lnR>
+                      <a:noFill/>
+                    </a:lnR>
+                    <a:lnT w="6350" cap="flat" cmpd="sng" algn="ctr">
+                      <a:solidFill>
+                        <a:srgbClr val="4472C4"/>
+                      </a:solidFill>
+                      <a:prstDash val="solid"/>
+                      <a:round/>
+                      <a:headEnd type="none" w="med" len="med"/>
+                      <a:tailEnd type="none" w="med" len="med"/>
+                    </a:lnT>
+                    <a:lnB w="6350" cap="flat" cmpd="sng" algn="ctr">
+                      <a:solidFill>
+                        <a:srgbClr val="4472C4"/>
+                      </a:solidFill>
+                      <a:prstDash val="solid"/>
+                      <a:round/>
+                      <a:headEnd type="none" w="med" len="med"/>
+                      <a:tailEnd type="none" w="med" len="med"/>
+                    </a:lnB>
+                  </a:tcPr>
+                </a:tc>
+                <a:tc>
+                  <a:txBody>
+                    <a:bodyPr/>
+                    <a:lstStyle/>
+                    <a:p>
+                      <a:pPr algn="l" fontAlgn="b"/>
+                      <a:r>
+                        <a:rPr lang="en-US" sz="1000" b="0" i="0" u="none" strike="noStrike">
+                          <a:solidFill>
+                            <a:srgbClr val="000000"/>
+                          </a:solidFill>
+                          <a:effectLst/>
+                          <a:latin typeface="Calibri" panose="020F0502020204030204" pitchFamily="34" charset="0"/>
+                        </a:rPr>
+                        <a:t>Category 1 - State had exclusive local alcohol retail licensing</a:t>
+                      </a:r>
+                    </a:p>
+                  </a:txBody>
+                  <a:tcPr marL="3487" marR="3487" marT="3487" marB="0" anchor="b">
+                    <a:lnL>
+                      <a:noFill/>
+                    </a:lnL>
+                    <a:lnR w="6350" cap="flat" cmpd="sng" algn="ctr">
+                      <a:solidFill>
+                        <a:srgbClr val="4472C4"/>
+                      </a:solidFill>
+                      <a:prstDash val="solid"/>
+                      <a:round/>
+                      <a:headEnd type="none" w="med" len="med"/>
+                      <a:tailEnd type="none" w="med" len="med"/>
+                    </a:lnR>
+                    <a:lnT w="6350" cap="flat" cmpd="sng" algn="ctr">
+                      <a:solidFill>
+                        <a:srgbClr val="4472C4"/>
+                      </a:solidFill>
+                      <a:prstDash val="solid"/>
+                      <a:round/>
+                      <a:headEnd type="none" w="med" len="med"/>
+                      <a:tailEnd type="none" w="med" len="med"/>
+                    </a:lnT>
+                    <a:lnB w="6350" cap="flat" cmpd="sng" algn="ctr">
+                      <a:solidFill>
+                        <a:srgbClr val="4472C4"/>
+                      </a:solidFill>
+                      <a:prstDash val="solid"/>
+                      <a:round/>
+                      <a:headEnd type="none" w="med" len="med"/>
+                      <a:tailEnd type="none" w="med" len="med"/>
+                    </a:lnB>
+                  </a:tcPr>
+                </a:tc>
+                <a:extLst>
+                  <a:ext uri="{0D108BD9-81ED-4DB2-BD59-A6C34878D82A}">
+                    <a16:rowId xmlns:a16="http://schemas.microsoft.com/office/drawing/2014/main" val="2340544345"/>
+                  </a:ext>
+                </a:extLst>
+              </a:tr>
+              <a:tr h="167359">
+                <a:tc>
+                  <a:txBody>
+                    <a:bodyPr/>
+                    <a:lstStyle/>
+                    <a:p>
+                      <a:pPr algn="l" fontAlgn="b"/>
+                      <a:r>
+                        <a:rPr lang="en-US" sz="1000" b="0" i="0" u="none" strike="noStrike">
+                          <a:solidFill>
+                            <a:srgbClr val="000000"/>
+                          </a:solidFill>
+                          <a:effectLst/>
+                          <a:latin typeface="Calibri" panose="020F0502020204030204" pitchFamily="34" charset="0"/>
+                        </a:rPr>
+                        <a:t>South Dakota</a:t>
+                      </a:r>
+                    </a:p>
+                  </a:txBody>
+                  <a:tcPr marL="3487" marR="3487" marT="3487" marB="0" anchor="b">
+                    <a:lnL w="6350" cap="flat" cmpd="sng" algn="ctr">
+                      <a:solidFill>
+                        <a:srgbClr val="4472C4"/>
+                      </a:solidFill>
+                      <a:prstDash val="solid"/>
+                      <a:round/>
+                      <a:headEnd type="none" w="med" len="med"/>
+                      <a:tailEnd type="none" w="med" len="med"/>
+                    </a:lnL>
+                    <a:lnR>
+                      <a:noFill/>
+                    </a:lnR>
+                    <a:lnT w="6350" cap="flat" cmpd="sng" algn="ctr">
+                      <a:solidFill>
+                        <a:srgbClr val="4472C4"/>
+                      </a:solidFill>
+                      <a:prstDash val="solid"/>
+                      <a:round/>
+                      <a:headEnd type="none" w="med" len="med"/>
+                      <a:tailEnd type="none" w="med" len="med"/>
+                    </a:lnT>
+                    <a:lnB w="6350" cap="flat" cmpd="sng" algn="ctr">
+                      <a:solidFill>
+                        <a:srgbClr val="4472C4"/>
+                      </a:solidFill>
+                      <a:prstDash val="solid"/>
+                      <a:round/>
+                      <a:headEnd type="none" w="med" len="med"/>
+                      <a:tailEnd type="none" w="med" len="med"/>
+                    </a:lnB>
+                  </a:tcPr>
+                </a:tc>
+                <a:tc>
+                  <a:txBody>
+                    <a:bodyPr/>
+                    <a:lstStyle/>
+                    <a:p>
+                      <a:pPr algn="l" fontAlgn="b"/>
+                      <a:r>
+                        <a:rPr lang="en-US" sz="1000" b="0" i="0" u="none" strike="noStrike">
+                          <a:solidFill>
+                            <a:srgbClr val="000000"/>
+                          </a:solidFill>
+                          <a:effectLst/>
+                          <a:latin typeface="Calibri" panose="020F0502020204030204" pitchFamily="34" charset="0"/>
+                        </a:rPr>
+                        <a:t>Category 1 - State had exclusive local alcohol retail licensing</a:t>
+                      </a:r>
+                    </a:p>
+                  </a:txBody>
+                  <a:tcPr marL="3487" marR="3487" marT="3487" marB="0" anchor="b">
+                    <a:lnL>
+                      <a:noFill/>
+                    </a:lnL>
+                    <a:lnR w="6350" cap="flat" cmpd="sng" algn="ctr">
+                      <a:solidFill>
+                        <a:srgbClr val="4472C4"/>
+                      </a:solidFill>
+                      <a:prstDash val="solid"/>
+                      <a:round/>
+                      <a:headEnd type="none" w="med" len="med"/>
+                      <a:tailEnd type="none" w="med" len="med"/>
+                    </a:lnR>
+                    <a:lnT w="6350" cap="flat" cmpd="sng" algn="ctr">
+                      <a:solidFill>
+                        <a:srgbClr val="4472C4"/>
+                      </a:solidFill>
+                      <a:prstDash val="solid"/>
+                      <a:round/>
+                      <a:headEnd type="none" w="med" len="med"/>
+                      <a:tailEnd type="none" w="med" len="med"/>
+                    </a:lnT>
+                    <a:lnB w="6350" cap="flat" cmpd="sng" algn="ctr">
+                      <a:solidFill>
+                        <a:srgbClr val="4472C4"/>
+                      </a:solidFill>
+                      <a:prstDash val="solid"/>
+                      <a:round/>
+                      <a:headEnd type="none" w="med" len="med"/>
+                      <a:tailEnd type="none" w="med" len="med"/>
+                    </a:lnB>
+                  </a:tcPr>
+                </a:tc>
+                <a:extLst>
+                  <a:ext uri="{0D108BD9-81ED-4DB2-BD59-A6C34878D82A}">
+                    <a16:rowId xmlns:a16="http://schemas.microsoft.com/office/drawing/2014/main" val="520137590"/>
+                  </a:ext>
+                </a:extLst>
+              </a:tr>
+              <a:tr h="167359">
+                <a:tc>
+                  <a:txBody>
+                    <a:bodyPr/>
+                    <a:lstStyle/>
+                    <a:p>
+                      <a:pPr algn="l" fontAlgn="b"/>
+                      <a:r>
+                        <a:rPr lang="en-US" sz="1000" b="0" i="0" u="none" strike="noStrike">
+                          <a:solidFill>
+                            <a:srgbClr val="000000"/>
+                          </a:solidFill>
+                          <a:effectLst/>
+                          <a:latin typeface="Calibri" panose="020F0502020204030204" pitchFamily="34" charset="0"/>
+                        </a:rPr>
+                        <a:t>Wisconsin</a:t>
+                      </a:r>
+                    </a:p>
+                  </a:txBody>
+                  <a:tcPr marL="3487" marR="3487" marT="3487" marB="0" anchor="b">
+                    <a:lnL w="6350" cap="flat" cmpd="sng" algn="ctr">
+                      <a:solidFill>
+                        <a:srgbClr val="4472C4"/>
+                      </a:solidFill>
+                      <a:prstDash val="solid"/>
+                      <a:round/>
+                      <a:headEnd type="none" w="med" len="med"/>
+                      <a:tailEnd type="none" w="med" len="med"/>
+                    </a:lnL>
+                    <a:lnR>
+                      <a:noFill/>
+                    </a:lnR>
+                    <a:lnT w="6350" cap="flat" cmpd="sng" algn="ctr">
+                      <a:solidFill>
+                        <a:srgbClr val="4472C4"/>
+                      </a:solidFill>
+                      <a:prstDash val="solid"/>
+                      <a:round/>
+                      <a:headEnd type="none" w="med" len="med"/>
+                      <a:tailEnd type="none" w="med" len="med"/>
+                    </a:lnT>
+                    <a:lnB w="6350" cap="flat" cmpd="sng" algn="ctr">
+                      <a:solidFill>
+                        <a:srgbClr val="4472C4"/>
+                      </a:solidFill>
+                      <a:prstDash val="solid"/>
+                      <a:round/>
+                      <a:headEnd type="none" w="med" len="med"/>
+                      <a:tailEnd type="none" w="med" len="med"/>
+                    </a:lnB>
+                  </a:tcPr>
+                </a:tc>
+                <a:tc>
+                  <a:txBody>
+                    <a:bodyPr/>
+                    <a:lstStyle/>
+                    <a:p>
+                      <a:pPr algn="l" fontAlgn="b"/>
+                      <a:r>
+                        <a:rPr lang="en-US" sz="1000" b="0" i="0" u="none" strike="noStrike">
+                          <a:solidFill>
+                            <a:srgbClr val="000000"/>
+                          </a:solidFill>
+                          <a:effectLst/>
+                          <a:latin typeface="Calibri" panose="020F0502020204030204" pitchFamily="34" charset="0"/>
+                        </a:rPr>
+                        <a:t>Category 1 - State had exclusive local alcohol retail licensing</a:t>
+                      </a:r>
+                    </a:p>
+                  </a:txBody>
+                  <a:tcPr marL="3487" marR="3487" marT="3487" marB="0" anchor="b">
+                    <a:lnL>
+                      <a:noFill/>
+                    </a:lnL>
+                    <a:lnR w="6350" cap="flat" cmpd="sng" algn="ctr">
+                      <a:solidFill>
+                        <a:srgbClr val="4472C4"/>
+                      </a:solidFill>
+                      <a:prstDash val="solid"/>
+                      <a:round/>
+                      <a:headEnd type="none" w="med" len="med"/>
+                      <a:tailEnd type="none" w="med" len="med"/>
+                    </a:lnR>
+                    <a:lnT w="6350" cap="flat" cmpd="sng" algn="ctr">
+                      <a:solidFill>
+                        <a:srgbClr val="4472C4"/>
+                      </a:solidFill>
+                      <a:prstDash val="solid"/>
+                      <a:round/>
+                      <a:headEnd type="none" w="med" len="med"/>
+                      <a:tailEnd type="none" w="med" len="med"/>
+                    </a:lnT>
+                    <a:lnB w="6350" cap="flat" cmpd="sng" algn="ctr">
+                      <a:solidFill>
+                        <a:srgbClr val="4472C4"/>
+                      </a:solidFill>
+                      <a:prstDash val="solid"/>
+                      <a:round/>
+                      <a:headEnd type="none" w="med" len="med"/>
+                      <a:tailEnd type="none" w="med" len="med"/>
+                    </a:lnB>
+                  </a:tcPr>
+                </a:tc>
+                <a:extLst>
+                  <a:ext uri="{0D108BD9-81ED-4DB2-BD59-A6C34878D82A}">
+                    <a16:rowId xmlns:a16="http://schemas.microsoft.com/office/drawing/2014/main" val="3964262293"/>
+                  </a:ext>
+                </a:extLst>
+              </a:tr>
+              <a:tr h="167359">
+                <a:tc>
+                  <a:txBody>
+                    <a:bodyPr/>
+                    <a:lstStyle/>
+                    <a:p>
+                      <a:pPr algn="l" fontAlgn="b"/>
+                      <a:r>
+                        <a:rPr lang="en-US" sz="1000" b="0" i="0" u="none" strike="noStrike">
+                          <a:solidFill>
+                            <a:srgbClr val="000000"/>
+                          </a:solidFill>
+                          <a:effectLst/>
+                          <a:latin typeface="Calibri" panose="020F0502020204030204" pitchFamily="34" charset="0"/>
+                        </a:rPr>
+                        <a:t>Wyoming</a:t>
+                      </a:r>
+                    </a:p>
+                  </a:txBody>
+                  <a:tcPr marL="3487" marR="3487" marT="3487" marB="0" anchor="b">
+                    <a:lnL w="6350" cap="flat" cmpd="sng" algn="ctr">
+                      <a:solidFill>
+                        <a:srgbClr val="4472C4"/>
+                      </a:solidFill>
+                      <a:prstDash val="solid"/>
+                      <a:round/>
+                      <a:headEnd type="none" w="med" len="med"/>
+                      <a:tailEnd type="none" w="med" len="med"/>
+                    </a:lnL>
+                    <a:lnR>
+                      <a:noFill/>
+                    </a:lnR>
+                    <a:lnT w="6350" cap="flat" cmpd="sng" algn="ctr">
+                      <a:solidFill>
+                        <a:srgbClr val="4472C4"/>
+                      </a:solidFill>
+                      <a:prstDash val="solid"/>
+                      <a:round/>
+                      <a:headEnd type="none" w="med" len="med"/>
+                      <a:tailEnd type="none" w="med" len="med"/>
+                    </a:lnT>
+                    <a:lnB w="6350" cap="flat" cmpd="sng" algn="ctr">
+                      <a:solidFill>
+                        <a:srgbClr val="4472C4"/>
+                      </a:solidFill>
+                      <a:prstDash val="solid"/>
+                      <a:round/>
+                      <a:headEnd type="none" w="med" len="med"/>
+                      <a:tailEnd type="none" w="med" len="med"/>
+                    </a:lnB>
+                  </a:tcPr>
+                </a:tc>
+                <a:tc>
+                  <a:txBody>
+                    <a:bodyPr/>
+                    <a:lstStyle/>
+                    <a:p>
+                      <a:pPr algn="l" fontAlgn="b"/>
+                      <a:r>
+                        <a:rPr lang="en-US" sz="1000" b="0" i="0" u="none" strike="noStrike">
+                          <a:solidFill>
+                            <a:srgbClr val="000000"/>
+                          </a:solidFill>
+                          <a:effectLst/>
+                          <a:latin typeface="Calibri" panose="020F0502020204030204" pitchFamily="34" charset="0"/>
+                        </a:rPr>
+                        <a:t>Category 1 - State had exclusive local alcohol retail licensing</a:t>
+                      </a:r>
+                    </a:p>
+                  </a:txBody>
+                  <a:tcPr marL="3487" marR="3487" marT="3487" marB="0" anchor="b">
+                    <a:lnL>
+                      <a:noFill/>
+                    </a:lnL>
+                    <a:lnR w="6350" cap="flat" cmpd="sng" algn="ctr">
+                      <a:solidFill>
+                        <a:srgbClr val="4472C4"/>
+                      </a:solidFill>
+                      <a:prstDash val="solid"/>
+                      <a:round/>
+                      <a:headEnd type="none" w="med" len="med"/>
+                      <a:tailEnd type="none" w="med" len="med"/>
+                    </a:lnR>
+                    <a:lnT w="6350" cap="flat" cmpd="sng" algn="ctr">
+                      <a:solidFill>
+                        <a:srgbClr val="4472C4"/>
+                      </a:solidFill>
+                      <a:prstDash val="solid"/>
+                      <a:round/>
+                      <a:headEnd type="none" w="med" len="med"/>
+                      <a:tailEnd type="none" w="med" len="med"/>
+                    </a:lnT>
+                    <a:lnB w="6350" cap="flat" cmpd="sng" algn="ctr">
+                      <a:solidFill>
+                        <a:srgbClr val="4472C4"/>
+                      </a:solidFill>
+                      <a:prstDash val="solid"/>
+                      <a:round/>
+                      <a:headEnd type="none" w="med" len="med"/>
+                      <a:tailEnd type="none" w="med" len="med"/>
+                    </a:lnB>
+                  </a:tcPr>
+                </a:tc>
+                <a:extLst>
+                  <a:ext uri="{0D108BD9-81ED-4DB2-BD59-A6C34878D82A}">
+                    <a16:rowId xmlns:a16="http://schemas.microsoft.com/office/drawing/2014/main" val="1792382623"/>
+                  </a:ext>
+                </a:extLst>
+              </a:tr>
+              <a:tr h="167359">
+                <a:tc>
+                  <a:txBody>
+                    <a:bodyPr/>
+                    <a:lstStyle/>
+                    <a:p>
+                      <a:pPr algn="l" fontAlgn="b"/>
+                      <a:r>
+                        <a:rPr lang="en-US" sz="1000" b="0" i="0" u="none" strike="noStrike">
+                          <a:solidFill>
+                            <a:srgbClr val="000000"/>
+                          </a:solidFill>
+                          <a:effectLst/>
+                          <a:latin typeface="Calibri" panose="020F0502020204030204" pitchFamily="34" charset="0"/>
+                        </a:rPr>
+                        <a:t>Arkansas</a:t>
+                      </a:r>
+                    </a:p>
+                  </a:txBody>
+                  <a:tcPr marL="3487" marR="3487" marT="3487" marB="0" anchor="b">
+                    <a:lnL w="6350" cap="flat" cmpd="sng" algn="ctr">
+                      <a:solidFill>
+                        <a:srgbClr val="4472C4"/>
+                      </a:solidFill>
+                      <a:prstDash val="solid"/>
+                      <a:round/>
+                      <a:headEnd type="none" w="med" len="med"/>
+                      <a:tailEnd type="none" w="med" len="med"/>
+                    </a:lnL>
+                    <a:lnR>
+                      <a:noFill/>
+                    </a:lnR>
+                    <a:lnT w="6350" cap="flat" cmpd="sng" algn="ctr">
+                      <a:solidFill>
+                        <a:srgbClr val="4472C4"/>
+                      </a:solidFill>
+                      <a:prstDash val="solid"/>
+                      <a:round/>
+                      <a:headEnd type="none" w="med" len="med"/>
+                      <a:tailEnd type="none" w="med" len="med"/>
+                    </a:lnT>
+                    <a:lnB w="6350" cap="flat" cmpd="sng" algn="ctr">
+                      <a:solidFill>
+                        <a:srgbClr val="4472C4"/>
+                      </a:solidFill>
+                      <a:prstDash val="solid"/>
+                      <a:round/>
+                      <a:headEnd type="none" w="med" len="med"/>
+                      <a:tailEnd type="none" w="med" len="med"/>
+                    </a:lnB>
+                  </a:tcPr>
+                </a:tc>
+                <a:tc>
+                  <a:txBody>
+                    <a:bodyPr/>
+                    <a:lstStyle/>
+                    <a:p>
+                      <a:pPr algn="l" fontAlgn="b"/>
+                      <a:r>
+                        <a:rPr lang="en-US" sz="1000" b="0" i="0" u="none" strike="noStrike">
+                          <a:solidFill>
+                            <a:srgbClr val="000000"/>
+                          </a:solidFill>
+                          <a:effectLst/>
+                          <a:latin typeface="Calibri" panose="020F0502020204030204" pitchFamily="34" charset="0"/>
+                        </a:rPr>
+                        <a:t>Category 2 - State had joint local and state alcohol retail licensing</a:t>
+                      </a:r>
+                    </a:p>
+                  </a:txBody>
+                  <a:tcPr marL="3487" marR="3487" marT="3487" marB="0" anchor="b">
+                    <a:lnL>
+                      <a:noFill/>
+                    </a:lnL>
+                    <a:lnR w="6350" cap="flat" cmpd="sng" algn="ctr">
+                      <a:solidFill>
+                        <a:srgbClr val="4472C4"/>
+                      </a:solidFill>
+                      <a:prstDash val="solid"/>
+                      <a:round/>
+                      <a:headEnd type="none" w="med" len="med"/>
+                      <a:tailEnd type="none" w="med" len="med"/>
+                    </a:lnR>
+                    <a:lnT w="6350" cap="flat" cmpd="sng" algn="ctr">
+                      <a:solidFill>
+                        <a:srgbClr val="4472C4"/>
+                      </a:solidFill>
+                      <a:prstDash val="solid"/>
+                      <a:round/>
+                      <a:headEnd type="none" w="med" len="med"/>
+                      <a:tailEnd type="none" w="med" len="med"/>
+                    </a:lnT>
+                    <a:lnB w="6350" cap="flat" cmpd="sng" algn="ctr">
+                      <a:solidFill>
+                        <a:srgbClr val="4472C4"/>
+                      </a:solidFill>
+                      <a:prstDash val="solid"/>
+                      <a:round/>
+                      <a:headEnd type="none" w="med" len="med"/>
+                      <a:tailEnd type="none" w="med" len="med"/>
+                    </a:lnB>
+                  </a:tcPr>
+                </a:tc>
+                <a:extLst>
+                  <a:ext uri="{0D108BD9-81ED-4DB2-BD59-A6C34878D82A}">
+                    <a16:rowId xmlns:a16="http://schemas.microsoft.com/office/drawing/2014/main" val="3833373574"/>
+                  </a:ext>
+                </a:extLst>
+              </a:tr>
+              <a:tr h="167359">
+                <a:tc>
+                  <a:txBody>
+                    <a:bodyPr/>
+                    <a:lstStyle/>
+                    <a:p>
+                      <a:pPr algn="l" fontAlgn="b"/>
+                      <a:r>
+                        <a:rPr lang="en-US" sz="1000" b="0" i="0" u="none" strike="noStrike">
+                          <a:solidFill>
+                            <a:srgbClr val="000000"/>
+                          </a:solidFill>
+                          <a:effectLst/>
+                          <a:latin typeface="Calibri" panose="020F0502020204030204" pitchFamily="34" charset="0"/>
+                        </a:rPr>
+                        <a:t>Colorado</a:t>
+                      </a:r>
+                    </a:p>
+                  </a:txBody>
+                  <a:tcPr marL="3487" marR="3487" marT="3487" marB="0" anchor="b">
+                    <a:lnL w="6350" cap="flat" cmpd="sng" algn="ctr">
+                      <a:solidFill>
+                        <a:srgbClr val="4472C4"/>
+                      </a:solidFill>
+                      <a:prstDash val="solid"/>
+                      <a:round/>
+                      <a:headEnd type="none" w="med" len="med"/>
+                      <a:tailEnd type="none" w="med" len="med"/>
+                    </a:lnL>
+                    <a:lnR>
+                      <a:noFill/>
+                    </a:lnR>
+                    <a:lnT w="6350" cap="flat" cmpd="sng" algn="ctr">
+                      <a:solidFill>
+                        <a:srgbClr val="4472C4"/>
+                      </a:solidFill>
+                      <a:prstDash val="solid"/>
+                      <a:round/>
+                      <a:headEnd type="none" w="med" len="med"/>
+                      <a:tailEnd type="none" w="med" len="med"/>
+                    </a:lnT>
+                    <a:lnB w="6350" cap="flat" cmpd="sng" algn="ctr">
+                      <a:solidFill>
+                        <a:srgbClr val="4472C4"/>
+                      </a:solidFill>
+                      <a:prstDash val="solid"/>
+                      <a:round/>
+                      <a:headEnd type="none" w="med" len="med"/>
+                      <a:tailEnd type="none" w="med" len="med"/>
+                    </a:lnB>
+                  </a:tcPr>
+                </a:tc>
+                <a:tc>
+                  <a:txBody>
+                    <a:bodyPr/>
+                    <a:lstStyle/>
+                    <a:p>
+                      <a:pPr algn="l" fontAlgn="b"/>
+                      <a:r>
+                        <a:rPr lang="en-US" sz="1000" b="0" i="0" u="none" strike="noStrike">
+                          <a:solidFill>
+                            <a:srgbClr val="000000"/>
+                          </a:solidFill>
+                          <a:effectLst/>
+                          <a:latin typeface="Calibri" panose="020F0502020204030204" pitchFamily="34" charset="0"/>
+                        </a:rPr>
+                        <a:t>Category 2 - State had joint local and state alcohol retail licensing</a:t>
+                      </a:r>
+                    </a:p>
+                  </a:txBody>
+                  <a:tcPr marL="3487" marR="3487" marT="3487" marB="0" anchor="b">
+                    <a:lnL>
+                      <a:noFill/>
+                    </a:lnL>
+                    <a:lnR w="6350" cap="flat" cmpd="sng" algn="ctr">
+                      <a:solidFill>
+                        <a:srgbClr val="4472C4"/>
+                      </a:solidFill>
+                      <a:prstDash val="solid"/>
+                      <a:round/>
+                      <a:headEnd type="none" w="med" len="med"/>
+                      <a:tailEnd type="none" w="med" len="med"/>
+                    </a:lnR>
+                    <a:lnT w="6350" cap="flat" cmpd="sng" algn="ctr">
+                      <a:solidFill>
+                        <a:srgbClr val="4472C4"/>
+                      </a:solidFill>
+                      <a:prstDash val="solid"/>
+                      <a:round/>
+                      <a:headEnd type="none" w="med" len="med"/>
+                      <a:tailEnd type="none" w="med" len="med"/>
+                    </a:lnT>
+                    <a:lnB w="6350" cap="flat" cmpd="sng" algn="ctr">
+                      <a:solidFill>
+                        <a:srgbClr val="4472C4"/>
+                      </a:solidFill>
+                      <a:prstDash val="solid"/>
+                      <a:round/>
+                      <a:headEnd type="none" w="med" len="med"/>
+                      <a:tailEnd type="none" w="med" len="med"/>
+                    </a:lnB>
+                  </a:tcPr>
+                </a:tc>
+                <a:extLst>
+                  <a:ext uri="{0D108BD9-81ED-4DB2-BD59-A6C34878D82A}">
+                    <a16:rowId xmlns:a16="http://schemas.microsoft.com/office/drawing/2014/main" val="562386635"/>
+                  </a:ext>
+                </a:extLst>
+              </a:tr>
+              <a:tr h="167359">
+                <a:tc>
+                  <a:txBody>
+                    <a:bodyPr/>
+                    <a:lstStyle/>
+                    <a:p>
+                      <a:pPr algn="l" fontAlgn="b"/>
+                      <a:r>
+                        <a:rPr lang="en-US" sz="1000" b="0" i="0" u="none" strike="noStrike">
+                          <a:solidFill>
+                            <a:srgbClr val="000000"/>
+                          </a:solidFill>
+                          <a:effectLst/>
+                          <a:latin typeface="Calibri" panose="020F0502020204030204" pitchFamily="34" charset="0"/>
+                        </a:rPr>
+                        <a:t>Georgia</a:t>
+                      </a:r>
+                    </a:p>
+                  </a:txBody>
+                  <a:tcPr marL="3487" marR="3487" marT="3487" marB="0" anchor="b">
+                    <a:lnL w="6350" cap="flat" cmpd="sng" algn="ctr">
+                      <a:solidFill>
+                        <a:srgbClr val="4472C4"/>
+                      </a:solidFill>
+                      <a:prstDash val="solid"/>
+                      <a:round/>
+                      <a:headEnd type="none" w="med" len="med"/>
+                      <a:tailEnd type="none" w="med" len="med"/>
+                    </a:lnL>
+                    <a:lnR>
+                      <a:noFill/>
+                    </a:lnR>
+                    <a:lnT w="6350" cap="flat" cmpd="sng" algn="ctr">
+                      <a:solidFill>
+                        <a:srgbClr val="4472C4"/>
+                      </a:solidFill>
+                      <a:prstDash val="solid"/>
+                      <a:round/>
+                      <a:headEnd type="none" w="med" len="med"/>
+                      <a:tailEnd type="none" w="med" len="med"/>
+                    </a:lnT>
+                    <a:lnB w="6350" cap="flat" cmpd="sng" algn="ctr">
+                      <a:solidFill>
+                        <a:srgbClr val="4472C4"/>
+                      </a:solidFill>
+                      <a:prstDash val="solid"/>
+                      <a:round/>
+                      <a:headEnd type="none" w="med" len="med"/>
+                      <a:tailEnd type="none" w="med" len="med"/>
+                    </a:lnB>
+                  </a:tcPr>
+                </a:tc>
+                <a:tc>
+                  <a:txBody>
+                    <a:bodyPr/>
+                    <a:lstStyle/>
+                    <a:p>
+                      <a:pPr algn="l" fontAlgn="b"/>
+                      <a:r>
+                        <a:rPr lang="en-US" sz="1000" b="0" i="0" u="none" strike="noStrike">
+                          <a:solidFill>
+                            <a:srgbClr val="000000"/>
+                          </a:solidFill>
+                          <a:effectLst/>
+                          <a:latin typeface="Calibri" panose="020F0502020204030204" pitchFamily="34" charset="0"/>
+                        </a:rPr>
+                        <a:t>Category 2 - State had joint local and state alcohol retail licensing</a:t>
+                      </a:r>
+                    </a:p>
+                  </a:txBody>
+                  <a:tcPr marL="3487" marR="3487" marT="3487" marB="0" anchor="b">
+                    <a:lnL>
+                      <a:noFill/>
+                    </a:lnL>
+                    <a:lnR w="6350" cap="flat" cmpd="sng" algn="ctr">
+                      <a:solidFill>
+                        <a:srgbClr val="4472C4"/>
+                      </a:solidFill>
+                      <a:prstDash val="solid"/>
+                      <a:round/>
+                      <a:headEnd type="none" w="med" len="med"/>
+                      <a:tailEnd type="none" w="med" len="med"/>
+                    </a:lnR>
+                    <a:lnT w="6350" cap="flat" cmpd="sng" algn="ctr">
+                      <a:solidFill>
+                        <a:srgbClr val="4472C4"/>
+                      </a:solidFill>
+                      <a:prstDash val="solid"/>
+                      <a:round/>
+                      <a:headEnd type="none" w="med" len="med"/>
+                      <a:tailEnd type="none" w="med" len="med"/>
+                    </a:lnT>
+                    <a:lnB w="6350" cap="flat" cmpd="sng" algn="ctr">
+                      <a:solidFill>
+                        <a:srgbClr val="4472C4"/>
+                      </a:solidFill>
+                      <a:prstDash val="solid"/>
+                      <a:round/>
+                      <a:headEnd type="none" w="med" len="med"/>
+                      <a:tailEnd type="none" w="med" len="med"/>
+                    </a:lnB>
+                  </a:tcPr>
+                </a:tc>
+                <a:extLst>
+                  <a:ext uri="{0D108BD9-81ED-4DB2-BD59-A6C34878D82A}">
+                    <a16:rowId xmlns:a16="http://schemas.microsoft.com/office/drawing/2014/main" val="2704572046"/>
+                  </a:ext>
+                </a:extLst>
+              </a:tr>
+              <a:tr h="167359">
+                <a:tc>
+                  <a:txBody>
+                    <a:bodyPr/>
+                    <a:lstStyle/>
+                    <a:p>
+                      <a:pPr algn="l" fontAlgn="b"/>
+                      <a:r>
+                        <a:rPr lang="en-US" sz="1000" b="0" i="0" u="none" strike="noStrike">
+                          <a:solidFill>
+                            <a:srgbClr val="000000"/>
+                          </a:solidFill>
+                          <a:effectLst/>
+                          <a:latin typeface="Calibri" panose="020F0502020204030204" pitchFamily="34" charset="0"/>
+                        </a:rPr>
+                        <a:t>Idaho</a:t>
+                      </a:r>
+                    </a:p>
+                  </a:txBody>
+                  <a:tcPr marL="3487" marR="3487" marT="3487" marB="0" anchor="b">
+                    <a:lnL w="6350" cap="flat" cmpd="sng" algn="ctr">
+                      <a:solidFill>
+                        <a:srgbClr val="4472C4"/>
+                      </a:solidFill>
+                      <a:prstDash val="solid"/>
+                      <a:round/>
+                      <a:headEnd type="none" w="med" len="med"/>
+                      <a:tailEnd type="none" w="med" len="med"/>
+                    </a:lnL>
+                    <a:lnR>
+                      <a:noFill/>
+                    </a:lnR>
+                    <a:lnT w="6350" cap="flat" cmpd="sng" algn="ctr">
+                      <a:solidFill>
+                        <a:srgbClr val="4472C4"/>
+                      </a:solidFill>
+                      <a:prstDash val="solid"/>
+                      <a:round/>
+                      <a:headEnd type="none" w="med" len="med"/>
+                      <a:tailEnd type="none" w="med" len="med"/>
+                    </a:lnT>
+                    <a:lnB w="6350" cap="flat" cmpd="sng" algn="ctr">
+                      <a:solidFill>
+                        <a:srgbClr val="4472C4"/>
+                      </a:solidFill>
+                      <a:prstDash val="solid"/>
+                      <a:round/>
+                      <a:headEnd type="none" w="med" len="med"/>
+                      <a:tailEnd type="none" w="med" len="med"/>
+                    </a:lnB>
+                  </a:tcPr>
+                </a:tc>
+                <a:tc>
+                  <a:txBody>
+                    <a:bodyPr/>
+                    <a:lstStyle/>
+                    <a:p>
+                      <a:pPr algn="l" fontAlgn="b"/>
+                      <a:r>
+                        <a:rPr lang="en-US" sz="1000" b="0" i="0" u="none" strike="noStrike">
+                          <a:solidFill>
+                            <a:srgbClr val="000000"/>
+                          </a:solidFill>
+                          <a:effectLst/>
+                          <a:latin typeface="Calibri" panose="020F0502020204030204" pitchFamily="34" charset="0"/>
+                        </a:rPr>
+                        <a:t>Category 2 - State had joint local and state alcohol retail licensing</a:t>
+                      </a:r>
+                    </a:p>
+                  </a:txBody>
+                  <a:tcPr marL="3487" marR="3487" marT="3487" marB="0" anchor="b">
+                    <a:lnL>
+                      <a:noFill/>
+                    </a:lnL>
+                    <a:lnR w="6350" cap="flat" cmpd="sng" algn="ctr">
+                      <a:solidFill>
+                        <a:srgbClr val="4472C4"/>
+                      </a:solidFill>
+                      <a:prstDash val="solid"/>
+                      <a:round/>
+                      <a:headEnd type="none" w="med" len="med"/>
+                      <a:tailEnd type="none" w="med" len="med"/>
+                    </a:lnR>
+                    <a:lnT w="6350" cap="flat" cmpd="sng" algn="ctr">
+                      <a:solidFill>
+                        <a:srgbClr val="4472C4"/>
+                      </a:solidFill>
+                      <a:prstDash val="solid"/>
+                      <a:round/>
+                      <a:headEnd type="none" w="med" len="med"/>
+                      <a:tailEnd type="none" w="med" len="med"/>
+                    </a:lnT>
+                    <a:lnB w="6350" cap="flat" cmpd="sng" algn="ctr">
+                      <a:solidFill>
+                        <a:srgbClr val="4472C4"/>
+                      </a:solidFill>
+                      <a:prstDash val="solid"/>
+                      <a:round/>
+                      <a:headEnd type="none" w="med" len="med"/>
+                      <a:tailEnd type="none" w="med" len="med"/>
+                    </a:lnB>
+                  </a:tcPr>
+                </a:tc>
+                <a:extLst>
+                  <a:ext uri="{0D108BD9-81ED-4DB2-BD59-A6C34878D82A}">
+                    <a16:rowId xmlns:a16="http://schemas.microsoft.com/office/drawing/2014/main" val="1486338557"/>
+                  </a:ext>
+                </a:extLst>
+              </a:tr>
+              <a:tr h="167359">
+                <a:tc>
+                  <a:txBody>
+                    <a:bodyPr/>
+                    <a:lstStyle/>
+                    <a:p>
+                      <a:pPr algn="l" fontAlgn="b"/>
+                      <a:r>
+                        <a:rPr lang="en-US" sz="1000" b="0" i="0" u="none" strike="noStrike">
+                          <a:solidFill>
+                            <a:srgbClr val="000000"/>
+                          </a:solidFill>
+                          <a:effectLst/>
+                          <a:latin typeface="Calibri" panose="020F0502020204030204" pitchFamily="34" charset="0"/>
+                        </a:rPr>
+                        <a:t>Illinois</a:t>
+                      </a:r>
+                    </a:p>
+                  </a:txBody>
+                  <a:tcPr marL="3487" marR="3487" marT="3487" marB="0" anchor="b">
+                    <a:lnL w="6350" cap="flat" cmpd="sng" algn="ctr">
+                      <a:solidFill>
+                        <a:srgbClr val="4472C4"/>
+                      </a:solidFill>
+                      <a:prstDash val="solid"/>
+                      <a:round/>
+                      <a:headEnd type="none" w="med" len="med"/>
+                      <a:tailEnd type="none" w="med" len="med"/>
+                    </a:lnL>
+                    <a:lnR>
+                      <a:noFill/>
+                    </a:lnR>
+                    <a:lnT w="6350" cap="flat" cmpd="sng" algn="ctr">
+                      <a:solidFill>
+                        <a:srgbClr val="4472C4"/>
+                      </a:solidFill>
+                      <a:prstDash val="solid"/>
+                      <a:round/>
+                      <a:headEnd type="none" w="med" len="med"/>
+                      <a:tailEnd type="none" w="med" len="med"/>
+                    </a:lnT>
+                    <a:lnB w="6350" cap="flat" cmpd="sng" algn="ctr">
+                      <a:solidFill>
+                        <a:srgbClr val="4472C4"/>
+                      </a:solidFill>
+                      <a:prstDash val="solid"/>
+                      <a:round/>
+                      <a:headEnd type="none" w="med" len="med"/>
+                      <a:tailEnd type="none" w="med" len="med"/>
+                    </a:lnB>
+                  </a:tcPr>
+                </a:tc>
+                <a:tc>
+                  <a:txBody>
+                    <a:bodyPr/>
+                    <a:lstStyle/>
+                    <a:p>
+                      <a:pPr algn="l" fontAlgn="b"/>
+                      <a:r>
+                        <a:rPr lang="en-US" sz="1000" b="0" i="0" u="none" strike="noStrike">
+                          <a:solidFill>
+                            <a:srgbClr val="000000"/>
+                          </a:solidFill>
+                          <a:effectLst/>
+                          <a:latin typeface="Calibri" panose="020F0502020204030204" pitchFamily="34" charset="0"/>
+                        </a:rPr>
+                        <a:t>Category 2 - State had joint local and state alcohol retail licensing</a:t>
+                      </a:r>
+                    </a:p>
+                  </a:txBody>
+                  <a:tcPr marL="3487" marR="3487" marT="3487" marB="0" anchor="b">
+                    <a:lnL>
+                      <a:noFill/>
+                    </a:lnL>
+                    <a:lnR w="6350" cap="flat" cmpd="sng" algn="ctr">
+                      <a:solidFill>
+                        <a:srgbClr val="4472C4"/>
+                      </a:solidFill>
+                      <a:prstDash val="solid"/>
+                      <a:round/>
+                      <a:headEnd type="none" w="med" len="med"/>
+                      <a:tailEnd type="none" w="med" len="med"/>
+                    </a:lnR>
+                    <a:lnT w="6350" cap="flat" cmpd="sng" algn="ctr">
+                      <a:solidFill>
+                        <a:srgbClr val="4472C4"/>
+                      </a:solidFill>
+                      <a:prstDash val="solid"/>
+                      <a:round/>
+                      <a:headEnd type="none" w="med" len="med"/>
+                      <a:tailEnd type="none" w="med" len="med"/>
+                    </a:lnT>
+                    <a:lnB w="6350" cap="flat" cmpd="sng" algn="ctr">
+                      <a:solidFill>
+                        <a:srgbClr val="4472C4"/>
+                      </a:solidFill>
+                      <a:prstDash val="solid"/>
+                      <a:round/>
+                      <a:headEnd type="none" w="med" len="med"/>
+                      <a:tailEnd type="none" w="med" len="med"/>
+                    </a:lnB>
+                  </a:tcPr>
+                </a:tc>
+                <a:extLst>
+                  <a:ext uri="{0D108BD9-81ED-4DB2-BD59-A6C34878D82A}">
+                    <a16:rowId xmlns:a16="http://schemas.microsoft.com/office/drawing/2014/main" val="799257204"/>
+                  </a:ext>
+                </a:extLst>
+              </a:tr>
+              <a:tr h="167359">
+                <a:tc>
+                  <a:txBody>
+                    <a:bodyPr/>
+                    <a:lstStyle/>
+                    <a:p>
+                      <a:pPr algn="l" fontAlgn="b"/>
+                      <a:r>
+                        <a:rPr lang="en-US" sz="1000" b="0" i="0" u="none" strike="noStrike">
+                          <a:solidFill>
+                            <a:srgbClr val="000000"/>
+                          </a:solidFill>
+                          <a:effectLst/>
+                          <a:latin typeface="Calibri" panose="020F0502020204030204" pitchFamily="34" charset="0"/>
+                        </a:rPr>
+                        <a:t>Louisiana</a:t>
+                      </a:r>
+                    </a:p>
+                  </a:txBody>
+                  <a:tcPr marL="3487" marR="3487" marT="3487" marB="0" anchor="b">
+                    <a:lnL w="6350" cap="flat" cmpd="sng" algn="ctr">
+                      <a:solidFill>
+                        <a:srgbClr val="4472C4"/>
+                      </a:solidFill>
+                      <a:prstDash val="solid"/>
+                      <a:round/>
+                      <a:headEnd type="none" w="med" len="med"/>
+                      <a:tailEnd type="none" w="med" len="med"/>
+                    </a:lnL>
+                    <a:lnR>
+                      <a:noFill/>
+                    </a:lnR>
+                    <a:lnT w="6350" cap="flat" cmpd="sng" algn="ctr">
+                      <a:solidFill>
+                        <a:srgbClr val="4472C4"/>
+                      </a:solidFill>
+                      <a:prstDash val="solid"/>
+                      <a:round/>
+                      <a:headEnd type="none" w="med" len="med"/>
+                      <a:tailEnd type="none" w="med" len="med"/>
+                    </a:lnT>
+                    <a:lnB w="6350" cap="flat" cmpd="sng" algn="ctr">
+                      <a:solidFill>
+                        <a:srgbClr val="4472C4"/>
+                      </a:solidFill>
+                      <a:prstDash val="solid"/>
+                      <a:round/>
+                      <a:headEnd type="none" w="med" len="med"/>
+                      <a:tailEnd type="none" w="med" len="med"/>
+                    </a:lnB>
+                  </a:tcPr>
+                </a:tc>
+                <a:tc>
+                  <a:txBody>
+                    <a:bodyPr/>
+                    <a:lstStyle/>
+                    <a:p>
+                      <a:pPr algn="l" fontAlgn="b"/>
+                      <a:r>
+                        <a:rPr lang="en-US" sz="1000" b="0" i="0" u="none" strike="noStrike">
+                          <a:solidFill>
+                            <a:srgbClr val="000000"/>
+                          </a:solidFill>
+                          <a:effectLst/>
+                          <a:latin typeface="Calibri" panose="020F0502020204030204" pitchFamily="34" charset="0"/>
+                        </a:rPr>
+                        <a:t>Category 2 - State had joint local and state alcohol retail licensing</a:t>
+                      </a:r>
+                    </a:p>
+                  </a:txBody>
+                  <a:tcPr marL="3487" marR="3487" marT="3487" marB="0" anchor="b">
+                    <a:lnL>
+                      <a:noFill/>
+                    </a:lnL>
+                    <a:lnR w="6350" cap="flat" cmpd="sng" algn="ctr">
+                      <a:solidFill>
+                        <a:srgbClr val="4472C4"/>
+                      </a:solidFill>
+                      <a:prstDash val="solid"/>
+                      <a:round/>
+                      <a:headEnd type="none" w="med" len="med"/>
+                      <a:tailEnd type="none" w="med" len="med"/>
+                    </a:lnR>
+                    <a:lnT w="6350" cap="flat" cmpd="sng" algn="ctr">
+                      <a:solidFill>
+                        <a:srgbClr val="4472C4"/>
+                      </a:solidFill>
+                      <a:prstDash val="solid"/>
+                      <a:round/>
+                      <a:headEnd type="none" w="med" len="med"/>
+                      <a:tailEnd type="none" w="med" len="med"/>
+                    </a:lnT>
+                    <a:lnB w="6350" cap="flat" cmpd="sng" algn="ctr">
+                      <a:solidFill>
+                        <a:srgbClr val="4472C4"/>
+                      </a:solidFill>
+                      <a:prstDash val="solid"/>
+                      <a:round/>
+                      <a:headEnd type="none" w="med" len="med"/>
+                      <a:tailEnd type="none" w="med" len="med"/>
+                    </a:lnB>
+                  </a:tcPr>
+                </a:tc>
+                <a:extLst>
+                  <a:ext uri="{0D108BD9-81ED-4DB2-BD59-A6C34878D82A}">
+                    <a16:rowId xmlns:a16="http://schemas.microsoft.com/office/drawing/2014/main" val="1825599488"/>
+                  </a:ext>
+                </a:extLst>
+              </a:tr>
+              <a:tr h="167359">
+                <a:tc>
+                  <a:txBody>
+                    <a:bodyPr/>
+                    <a:lstStyle/>
+                    <a:p>
+                      <a:pPr algn="l" fontAlgn="b"/>
+                      <a:r>
+                        <a:rPr lang="en-US" sz="1000" b="0" i="0" u="none" strike="noStrike">
+                          <a:solidFill>
+                            <a:srgbClr val="000000"/>
+                          </a:solidFill>
+                          <a:effectLst/>
+                          <a:latin typeface="Calibri" panose="020F0502020204030204" pitchFamily="34" charset="0"/>
+                        </a:rPr>
+                        <a:t>Massachusetts</a:t>
+                      </a:r>
+                    </a:p>
+                  </a:txBody>
+                  <a:tcPr marL="3487" marR="3487" marT="3487" marB="0" anchor="b">
+                    <a:lnL w="6350" cap="flat" cmpd="sng" algn="ctr">
+                      <a:solidFill>
+                        <a:srgbClr val="4472C4"/>
+                      </a:solidFill>
+                      <a:prstDash val="solid"/>
+                      <a:round/>
+                      <a:headEnd type="none" w="med" len="med"/>
+                      <a:tailEnd type="none" w="med" len="med"/>
+                    </a:lnL>
+                    <a:lnR>
+                      <a:noFill/>
+                    </a:lnR>
+                    <a:lnT w="6350" cap="flat" cmpd="sng" algn="ctr">
+                      <a:solidFill>
+                        <a:srgbClr val="4472C4"/>
+                      </a:solidFill>
+                      <a:prstDash val="solid"/>
+                      <a:round/>
+                      <a:headEnd type="none" w="med" len="med"/>
+                      <a:tailEnd type="none" w="med" len="med"/>
+                    </a:lnT>
+                    <a:lnB w="6350" cap="flat" cmpd="sng" algn="ctr">
+                      <a:solidFill>
+                        <a:srgbClr val="4472C4"/>
+                      </a:solidFill>
+                      <a:prstDash val="solid"/>
+                      <a:round/>
+                      <a:headEnd type="none" w="med" len="med"/>
+                      <a:tailEnd type="none" w="med" len="med"/>
+                    </a:lnB>
+                  </a:tcPr>
+                </a:tc>
+                <a:tc>
+                  <a:txBody>
+                    <a:bodyPr/>
+                    <a:lstStyle/>
+                    <a:p>
+                      <a:pPr algn="l" fontAlgn="b"/>
+                      <a:r>
+                        <a:rPr lang="en-US" sz="1000" b="0" i="0" u="none" strike="noStrike">
+                          <a:solidFill>
+                            <a:srgbClr val="000000"/>
+                          </a:solidFill>
+                          <a:effectLst/>
+                          <a:latin typeface="Calibri" panose="020F0502020204030204" pitchFamily="34" charset="0"/>
+                        </a:rPr>
+                        <a:t>Category 2 - State had joint local and state alcohol retail licensing</a:t>
+                      </a:r>
+                    </a:p>
+                  </a:txBody>
+                  <a:tcPr marL="3487" marR="3487" marT="3487" marB="0" anchor="b">
+                    <a:lnL>
+                      <a:noFill/>
+                    </a:lnL>
+                    <a:lnR w="6350" cap="flat" cmpd="sng" algn="ctr">
+                      <a:solidFill>
+                        <a:srgbClr val="4472C4"/>
+                      </a:solidFill>
+                      <a:prstDash val="solid"/>
+                      <a:round/>
+                      <a:headEnd type="none" w="med" len="med"/>
+                      <a:tailEnd type="none" w="med" len="med"/>
+                    </a:lnR>
+                    <a:lnT w="6350" cap="flat" cmpd="sng" algn="ctr">
+                      <a:solidFill>
+                        <a:srgbClr val="4472C4"/>
+                      </a:solidFill>
+                      <a:prstDash val="solid"/>
+                      <a:round/>
+                      <a:headEnd type="none" w="med" len="med"/>
+                      <a:tailEnd type="none" w="med" len="med"/>
+                    </a:lnT>
+                    <a:lnB w="6350" cap="flat" cmpd="sng" algn="ctr">
+                      <a:solidFill>
+                        <a:srgbClr val="4472C4"/>
+                      </a:solidFill>
+                      <a:prstDash val="solid"/>
+                      <a:round/>
+                      <a:headEnd type="none" w="med" len="med"/>
+                      <a:tailEnd type="none" w="med" len="med"/>
+                    </a:lnB>
+                  </a:tcPr>
+                </a:tc>
+                <a:extLst>
+                  <a:ext uri="{0D108BD9-81ED-4DB2-BD59-A6C34878D82A}">
+                    <a16:rowId xmlns:a16="http://schemas.microsoft.com/office/drawing/2014/main" val="4147770809"/>
+                  </a:ext>
+                </a:extLst>
+              </a:tr>
+              <a:tr h="167359">
+                <a:tc>
+                  <a:txBody>
+                    <a:bodyPr/>
+                    <a:lstStyle/>
+                    <a:p>
+                      <a:pPr algn="l" fontAlgn="b"/>
+                      <a:r>
+                        <a:rPr lang="en-US" sz="1000" b="0" i="0" u="none" strike="noStrike">
+                          <a:solidFill>
+                            <a:srgbClr val="000000"/>
+                          </a:solidFill>
+                          <a:effectLst/>
+                          <a:latin typeface="Calibri" panose="020F0502020204030204" pitchFamily="34" charset="0"/>
+                        </a:rPr>
+                        <a:t>North Dakota</a:t>
+                      </a:r>
+                    </a:p>
+                  </a:txBody>
+                  <a:tcPr marL="3487" marR="3487" marT="3487" marB="0" anchor="b">
+                    <a:lnL w="6350" cap="flat" cmpd="sng" algn="ctr">
+                      <a:solidFill>
+                        <a:srgbClr val="4472C4"/>
+                      </a:solidFill>
+                      <a:prstDash val="solid"/>
+                      <a:round/>
+                      <a:headEnd type="none" w="med" len="med"/>
+                      <a:tailEnd type="none" w="med" len="med"/>
+                    </a:lnL>
+                    <a:lnR>
+                      <a:noFill/>
+                    </a:lnR>
+                    <a:lnT w="6350" cap="flat" cmpd="sng" algn="ctr">
+                      <a:solidFill>
+                        <a:srgbClr val="4472C4"/>
+                      </a:solidFill>
+                      <a:prstDash val="solid"/>
+                      <a:round/>
+                      <a:headEnd type="none" w="med" len="med"/>
+                      <a:tailEnd type="none" w="med" len="med"/>
+                    </a:lnT>
+                    <a:lnB w="6350" cap="flat" cmpd="sng" algn="ctr">
+                      <a:solidFill>
+                        <a:srgbClr val="4472C4"/>
+                      </a:solidFill>
+                      <a:prstDash val="solid"/>
+                      <a:round/>
+                      <a:headEnd type="none" w="med" len="med"/>
+                      <a:tailEnd type="none" w="med" len="med"/>
+                    </a:lnB>
+                  </a:tcPr>
+                </a:tc>
+                <a:tc>
+                  <a:txBody>
+                    <a:bodyPr/>
+                    <a:lstStyle/>
+                    <a:p>
+                      <a:pPr algn="l" fontAlgn="b"/>
+                      <a:r>
+                        <a:rPr lang="en-US" sz="1000" b="0" i="0" u="none" strike="noStrike">
+                          <a:solidFill>
+                            <a:srgbClr val="000000"/>
+                          </a:solidFill>
+                          <a:effectLst/>
+                          <a:latin typeface="Calibri" panose="020F0502020204030204" pitchFamily="34" charset="0"/>
+                        </a:rPr>
+                        <a:t>Category 2 - State had joint local and state alcohol retail licensing</a:t>
+                      </a:r>
+                    </a:p>
+                  </a:txBody>
+                  <a:tcPr marL="3487" marR="3487" marT="3487" marB="0" anchor="b">
+                    <a:lnL>
+                      <a:noFill/>
+                    </a:lnL>
+                    <a:lnR w="6350" cap="flat" cmpd="sng" algn="ctr">
+                      <a:solidFill>
+                        <a:srgbClr val="4472C4"/>
+                      </a:solidFill>
+                      <a:prstDash val="solid"/>
+                      <a:round/>
+                      <a:headEnd type="none" w="med" len="med"/>
+                      <a:tailEnd type="none" w="med" len="med"/>
+                    </a:lnR>
+                    <a:lnT w="6350" cap="flat" cmpd="sng" algn="ctr">
+                      <a:solidFill>
+                        <a:srgbClr val="4472C4"/>
+                      </a:solidFill>
+                      <a:prstDash val="solid"/>
+                      <a:round/>
+                      <a:headEnd type="none" w="med" len="med"/>
+                      <a:tailEnd type="none" w="med" len="med"/>
+                    </a:lnT>
+                    <a:lnB w="6350" cap="flat" cmpd="sng" algn="ctr">
+                      <a:solidFill>
+                        <a:srgbClr val="4472C4"/>
+                      </a:solidFill>
+                      <a:prstDash val="solid"/>
+                      <a:round/>
+                      <a:headEnd type="none" w="med" len="med"/>
+                      <a:tailEnd type="none" w="med" len="med"/>
+                    </a:lnB>
+                  </a:tcPr>
+                </a:tc>
+                <a:extLst>
+                  <a:ext uri="{0D108BD9-81ED-4DB2-BD59-A6C34878D82A}">
+                    <a16:rowId xmlns:a16="http://schemas.microsoft.com/office/drawing/2014/main" val="2555455473"/>
+                  </a:ext>
+                </a:extLst>
+              </a:tr>
+              <a:tr h="167359">
+                <a:tc>
+                  <a:txBody>
+                    <a:bodyPr/>
+                    <a:lstStyle/>
+                    <a:p>
+                      <a:pPr algn="l" fontAlgn="b"/>
+                      <a:r>
+                        <a:rPr lang="en-US" sz="1000" b="0" i="0" u="none" strike="noStrike">
+                          <a:solidFill>
+                            <a:srgbClr val="000000"/>
+                          </a:solidFill>
+                          <a:effectLst/>
+                          <a:latin typeface="Calibri" panose="020F0502020204030204" pitchFamily="34" charset="0"/>
+                        </a:rPr>
+                        <a:t>Tennessee</a:t>
+                      </a:r>
+                    </a:p>
+                  </a:txBody>
+                  <a:tcPr marL="3487" marR="3487" marT="3487" marB="0" anchor="b">
+                    <a:lnL w="6350" cap="flat" cmpd="sng" algn="ctr">
+                      <a:solidFill>
+                        <a:srgbClr val="4472C4"/>
+                      </a:solidFill>
+                      <a:prstDash val="solid"/>
+                      <a:round/>
+                      <a:headEnd type="none" w="med" len="med"/>
+                      <a:tailEnd type="none" w="med" len="med"/>
+                    </a:lnL>
+                    <a:lnR>
+                      <a:noFill/>
+                    </a:lnR>
+                    <a:lnT w="6350" cap="flat" cmpd="sng" algn="ctr">
+                      <a:solidFill>
+                        <a:srgbClr val="4472C4"/>
+                      </a:solidFill>
+                      <a:prstDash val="solid"/>
+                      <a:round/>
+                      <a:headEnd type="none" w="med" len="med"/>
+                      <a:tailEnd type="none" w="med" len="med"/>
+                    </a:lnT>
+                    <a:lnB w="6350" cap="flat" cmpd="sng" algn="ctr">
+                      <a:solidFill>
+                        <a:srgbClr val="4472C4"/>
+                      </a:solidFill>
+                      <a:prstDash val="solid"/>
+                      <a:round/>
+                      <a:headEnd type="none" w="med" len="med"/>
+                      <a:tailEnd type="none" w="med" len="med"/>
+                    </a:lnB>
+                  </a:tcPr>
+                </a:tc>
+                <a:tc>
+                  <a:txBody>
+                    <a:bodyPr/>
+                    <a:lstStyle/>
+                    <a:p>
+                      <a:pPr algn="l" fontAlgn="b"/>
+                      <a:r>
+                        <a:rPr lang="en-US" sz="1000" b="0" i="0" u="none" strike="noStrike">
+                          <a:solidFill>
+                            <a:srgbClr val="000000"/>
+                          </a:solidFill>
+                          <a:effectLst/>
+                          <a:latin typeface="Calibri" panose="020F0502020204030204" pitchFamily="34" charset="0"/>
+                        </a:rPr>
+                        <a:t>Category 2 - State had joint local and state alcohol retail licensing</a:t>
+                      </a:r>
+                    </a:p>
+                  </a:txBody>
+                  <a:tcPr marL="3487" marR="3487" marT="3487" marB="0" anchor="b">
+                    <a:lnL>
+                      <a:noFill/>
+                    </a:lnL>
+                    <a:lnR w="6350" cap="flat" cmpd="sng" algn="ctr">
+                      <a:solidFill>
+                        <a:srgbClr val="4472C4"/>
+                      </a:solidFill>
+                      <a:prstDash val="solid"/>
+                      <a:round/>
+                      <a:headEnd type="none" w="med" len="med"/>
+                      <a:tailEnd type="none" w="med" len="med"/>
+                    </a:lnR>
+                    <a:lnT w="6350" cap="flat" cmpd="sng" algn="ctr">
+                      <a:solidFill>
+                        <a:srgbClr val="4472C4"/>
+                      </a:solidFill>
+                      <a:prstDash val="solid"/>
+                      <a:round/>
+                      <a:headEnd type="none" w="med" len="med"/>
+                      <a:tailEnd type="none" w="med" len="med"/>
+                    </a:lnT>
+                    <a:lnB w="6350" cap="flat" cmpd="sng" algn="ctr">
+                      <a:solidFill>
+                        <a:srgbClr val="4472C4"/>
+                      </a:solidFill>
+                      <a:prstDash val="solid"/>
+                      <a:round/>
+                      <a:headEnd type="none" w="med" len="med"/>
+                      <a:tailEnd type="none" w="med" len="med"/>
+                    </a:lnB>
+                  </a:tcPr>
+                </a:tc>
+                <a:extLst>
+                  <a:ext uri="{0D108BD9-81ED-4DB2-BD59-A6C34878D82A}">
+                    <a16:rowId xmlns:a16="http://schemas.microsoft.com/office/drawing/2014/main" val="3323069645"/>
+                  </a:ext>
+                </a:extLst>
+              </a:tr>
+              <a:tr h="167359">
+                <a:tc>
+                  <a:txBody>
+                    <a:bodyPr/>
+                    <a:lstStyle/>
+                    <a:p>
+                      <a:pPr algn="l" fontAlgn="b"/>
+                      <a:r>
+                        <a:rPr lang="en-US" sz="1000" b="0" i="0" u="none" strike="noStrike">
+                          <a:solidFill>
+                            <a:srgbClr val="000000"/>
+                          </a:solidFill>
+                          <a:effectLst/>
+                          <a:latin typeface="Calibri" panose="020F0502020204030204" pitchFamily="34" charset="0"/>
+                        </a:rPr>
+                        <a:t>Utah</a:t>
+                      </a:r>
+                    </a:p>
+                  </a:txBody>
+                  <a:tcPr marL="3487" marR="3487" marT="3487" marB="0" anchor="b">
+                    <a:lnL w="6350" cap="flat" cmpd="sng" algn="ctr">
+                      <a:solidFill>
+                        <a:srgbClr val="4472C4"/>
+                      </a:solidFill>
+                      <a:prstDash val="solid"/>
+                      <a:round/>
+                      <a:headEnd type="none" w="med" len="med"/>
+                      <a:tailEnd type="none" w="med" len="med"/>
+                    </a:lnL>
+                    <a:lnR>
+                      <a:noFill/>
+                    </a:lnR>
+                    <a:lnT w="6350" cap="flat" cmpd="sng" algn="ctr">
+                      <a:solidFill>
+                        <a:srgbClr val="4472C4"/>
+                      </a:solidFill>
+                      <a:prstDash val="solid"/>
+                      <a:round/>
+                      <a:headEnd type="none" w="med" len="med"/>
+                      <a:tailEnd type="none" w="med" len="med"/>
+                    </a:lnT>
+                    <a:lnB w="6350" cap="flat" cmpd="sng" algn="ctr">
+                      <a:solidFill>
+                        <a:srgbClr val="4472C4"/>
+                      </a:solidFill>
+                      <a:prstDash val="solid"/>
+                      <a:round/>
+                      <a:headEnd type="none" w="med" len="med"/>
+                      <a:tailEnd type="none" w="med" len="med"/>
+                    </a:lnB>
+                  </a:tcPr>
+                </a:tc>
+                <a:tc>
+                  <a:txBody>
+                    <a:bodyPr/>
+                    <a:lstStyle/>
+                    <a:p>
+                      <a:pPr algn="l" fontAlgn="b"/>
+                      <a:r>
+                        <a:rPr lang="en-US" sz="1000" b="0" i="0" u="none" strike="noStrike">
+                          <a:solidFill>
+                            <a:srgbClr val="000000"/>
+                          </a:solidFill>
+                          <a:effectLst/>
+                          <a:latin typeface="Calibri" panose="020F0502020204030204" pitchFamily="34" charset="0"/>
+                        </a:rPr>
+                        <a:t>Category 2 - State had joint local and state alcohol retail licensing</a:t>
+                      </a:r>
+                    </a:p>
+                  </a:txBody>
+                  <a:tcPr marL="3487" marR="3487" marT="3487" marB="0" anchor="b">
+                    <a:lnL>
+                      <a:noFill/>
+                    </a:lnL>
+                    <a:lnR w="6350" cap="flat" cmpd="sng" algn="ctr">
+                      <a:solidFill>
+                        <a:srgbClr val="4472C4"/>
+                      </a:solidFill>
+                      <a:prstDash val="solid"/>
+                      <a:round/>
+                      <a:headEnd type="none" w="med" len="med"/>
+                      <a:tailEnd type="none" w="med" len="med"/>
+                    </a:lnR>
+                    <a:lnT w="6350" cap="flat" cmpd="sng" algn="ctr">
+                      <a:solidFill>
+                        <a:srgbClr val="4472C4"/>
+                      </a:solidFill>
+                      <a:prstDash val="solid"/>
+                      <a:round/>
+                      <a:headEnd type="none" w="med" len="med"/>
+                      <a:tailEnd type="none" w="med" len="med"/>
+                    </a:lnT>
+                    <a:lnB w="6350" cap="flat" cmpd="sng" algn="ctr">
+                      <a:solidFill>
+                        <a:srgbClr val="4472C4"/>
+                      </a:solidFill>
+                      <a:prstDash val="solid"/>
+                      <a:round/>
+                      <a:headEnd type="none" w="med" len="med"/>
+                      <a:tailEnd type="none" w="med" len="med"/>
+                    </a:lnB>
+                  </a:tcPr>
+                </a:tc>
+                <a:extLst>
+                  <a:ext uri="{0D108BD9-81ED-4DB2-BD59-A6C34878D82A}">
+                    <a16:rowId xmlns:a16="http://schemas.microsoft.com/office/drawing/2014/main" val="3213306440"/>
+                  </a:ext>
+                </a:extLst>
+              </a:tr>
+              <a:tr h="167359">
+                <a:tc>
+                  <a:txBody>
+                    <a:bodyPr/>
+                    <a:lstStyle/>
+                    <a:p>
+                      <a:pPr algn="l" fontAlgn="b"/>
+                      <a:r>
+                        <a:rPr lang="en-US" sz="1000" b="0" i="0" u="none" strike="noStrike">
+                          <a:solidFill>
+                            <a:srgbClr val="000000"/>
+                          </a:solidFill>
+                          <a:effectLst/>
+                          <a:latin typeface="Calibri" panose="020F0502020204030204" pitchFamily="34" charset="0"/>
+                        </a:rPr>
+                        <a:t>Alaska</a:t>
+                      </a:r>
+                    </a:p>
+                  </a:txBody>
+                  <a:tcPr marL="3487" marR="3487" marT="3487" marB="0" anchor="b">
+                    <a:lnL w="6350" cap="flat" cmpd="sng" algn="ctr">
+                      <a:solidFill>
+                        <a:srgbClr val="4472C4"/>
+                      </a:solidFill>
+                      <a:prstDash val="solid"/>
+                      <a:round/>
+                      <a:headEnd type="none" w="med" len="med"/>
+                      <a:tailEnd type="none" w="med" len="med"/>
+                    </a:lnL>
+                    <a:lnR>
+                      <a:noFill/>
+                    </a:lnR>
+                    <a:lnT w="6350" cap="flat" cmpd="sng" algn="ctr">
+                      <a:solidFill>
+                        <a:srgbClr val="4472C4"/>
+                      </a:solidFill>
+                      <a:prstDash val="solid"/>
+                      <a:round/>
+                      <a:headEnd type="none" w="med" len="med"/>
+                      <a:tailEnd type="none" w="med" len="med"/>
+                    </a:lnT>
+                    <a:lnB w="6350" cap="flat" cmpd="sng" algn="ctr">
+                      <a:solidFill>
+                        <a:srgbClr val="4472C4"/>
+                      </a:solidFill>
+                      <a:prstDash val="solid"/>
+                      <a:round/>
+                      <a:headEnd type="none" w="med" len="med"/>
+                      <a:tailEnd type="none" w="med" len="med"/>
+                    </a:lnB>
+                  </a:tcPr>
+                </a:tc>
+                <a:tc>
+                  <a:txBody>
+                    <a:bodyPr/>
+                    <a:lstStyle/>
+                    <a:p>
+                      <a:pPr algn="l" fontAlgn="b"/>
+                      <a:r>
+                        <a:rPr lang="en-US" sz="1000" b="0" i="0" u="none" strike="noStrike">
+                          <a:solidFill>
+                            <a:srgbClr val="000000"/>
+                          </a:solidFill>
+                          <a:effectLst/>
+                          <a:latin typeface="Calibri" panose="020F0502020204030204" pitchFamily="34" charset="0"/>
+                        </a:rPr>
+                        <a:t>Category 3 - State had exclusive state alcohol retail licensing but with local zoning authority</a:t>
+                      </a:r>
+                    </a:p>
+                  </a:txBody>
+                  <a:tcPr marL="3487" marR="3487" marT="3487" marB="0" anchor="b">
+                    <a:lnL>
+                      <a:noFill/>
+                    </a:lnL>
+                    <a:lnR w="6350" cap="flat" cmpd="sng" algn="ctr">
+                      <a:solidFill>
+                        <a:srgbClr val="4472C4"/>
+                      </a:solidFill>
+                      <a:prstDash val="solid"/>
+                      <a:round/>
+                      <a:headEnd type="none" w="med" len="med"/>
+                      <a:tailEnd type="none" w="med" len="med"/>
+                    </a:lnR>
+                    <a:lnT w="6350" cap="flat" cmpd="sng" algn="ctr">
+                      <a:solidFill>
+                        <a:srgbClr val="4472C4"/>
+                      </a:solidFill>
+                      <a:prstDash val="solid"/>
+                      <a:round/>
+                      <a:headEnd type="none" w="med" len="med"/>
+                      <a:tailEnd type="none" w="med" len="med"/>
+                    </a:lnT>
+                    <a:lnB w="6350" cap="flat" cmpd="sng" algn="ctr">
+                      <a:solidFill>
+                        <a:srgbClr val="4472C4"/>
+                      </a:solidFill>
+                      <a:prstDash val="solid"/>
+                      <a:round/>
+                      <a:headEnd type="none" w="med" len="med"/>
+                      <a:tailEnd type="none" w="med" len="med"/>
+                    </a:lnB>
+                  </a:tcPr>
+                </a:tc>
+                <a:extLst>
+                  <a:ext uri="{0D108BD9-81ED-4DB2-BD59-A6C34878D82A}">
+                    <a16:rowId xmlns:a16="http://schemas.microsoft.com/office/drawing/2014/main" val="1825362254"/>
+                  </a:ext>
+                </a:extLst>
+              </a:tr>
+              <a:tr h="167359">
+                <a:tc>
+                  <a:txBody>
+                    <a:bodyPr/>
+                    <a:lstStyle/>
+                    <a:p>
+                      <a:pPr algn="l" fontAlgn="b"/>
+                      <a:r>
+                        <a:rPr lang="en-US" sz="1000" b="0" i="0" u="none" strike="noStrike">
+                          <a:solidFill>
+                            <a:srgbClr val="000000"/>
+                          </a:solidFill>
+                          <a:effectLst/>
+                          <a:latin typeface="Calibri" panose="020F0502020204030204" pitchFamily="34" charset="0"/>
+                        </a:rPr>
+                        <a:t>California</a:t>
+                      </a:r>
+                    </a:p>
+                  </a:txBody>
+                  <a:tcPr marL="3487" marR="3487" marT="3487" marB="0" anchor="b">
+                    <a:lnL w="6350" cap="flat" cmpd="sng" algn="ctr">
+                      <a:solidFill>
+                        <a:srgbClr val="4472C4"/>
+                      </a:solidFill>
+                      <a:prstDash val="solid"/>
+                      <a:round/>
+                      <a:headEnd type="none" w="med" len="med"/>
+                      <a:tailEnd type="none" w="med" len="med"/>
+                    </a:lnL>
+                    <a:lnR>
+                      <a:noFill/>
+                    </a:lnR>
+                    <a:lnT w="6350" cap="flat" cmpd="sng" algn="ctr">
+                      <a:solidFill>
+                        <a:srgbClr val="4472C4"/>
+                      </a:solidFill>
+                      <a:prstDash val="solid"/>
+                      <a:round/>
+                      <a:headEnd type="none" w="med" len="med"/>
+                      <a:tailEnd type="none" w="med" len="med"/>
+                    </a:lnT>
+                    <a:lnB w="6350" cap="flat" cmpd="sng" algn="ctr">
+                      <a:solidFill>
+                        <a:srgbClr val="4472C4"/>
+                      </a:solidFill>
+                      <a:prstDash val="solid"/>
+                      <a:round/>
+                      <a:headEnd type="none" w="med" len="med"/>
+                      <a:tailEnd type="none" w="med" len="med"/>
+                    </a:lnB>
+                  </a:tcPr>
+                </a:tc>
+                <a:tc>
+                  <a:txBody>
+                    <a:bodyPr/>
+                    <a:lstStyle/>
+                    <a:p>
+                      <a:pPr algn="l" fontAlgn="b"/>
+                      <a:r>
+                        <a:rPr lang="en-US" sz="1000" b="0" i="0" u="none" strike="noStrike">
+                          <a:solidFill>
+                            <a:srgbClr val="000000"/>
+                          </a:solidFill>
+                          <a:effectLst/>
+                          <a:latin typeface="Calibri" panose="020F0502020204030204" pitchFamily="34" charset="0"/>
+                        </a:rPr>
+                        <a:t>Category 3 - State had exclusive state alcohol retail licensing but with local zoning authority</a:t>
+                      </a:r>
+                    </a:p>
+                  </a:txBody>
+                  <a:tcPr marL="3487" marR="3487" marT="3487" marB="0" anchor="b">
+                    <a:lnL>
+                      <a:noFill/>
+                    </a:lnL>
+                    <a:lnR w="6350" cap="flat" cmpd="sng" algn="ctr">
+                      <a:solidFill>
+                        <a:srgbClr val="4472C4"/>
+                      </a:solidFill>
+                      <a:prstDash val="solid"/>
+                      <a:round/>
+                      <a:headEnd type="none" w="med" len="med"/>
+                      <a:tailEnd type="none" w="med" len="med"/>
+                    </a:lnR>
+                    <a:lnT w="6350" cap="flat" cmpd="sng" algn="ctr">
+                      <a:solidFill>
+                        <a:srgbClr val="4472C4"/>
+                      </a:solidFill>
+                      <a:prstDash val="solid"/>
+                      <a:round/>
+                      <a:headEnd type="none" w="med" len="med"/>
+                      <a:tailEnd type="none" w="med" len="med"/>
+                    </a:lnT>
+                    <a:lnB w="6350" cap="flat" cmpd="sng" algn="ctr">
+                      <a:solidFill>
+                        <a:srgbClr val="4472C4"/>
+                      </a:solidFill>
+                      <a:prstDash val="solid"/>
+                      <a:round/>
+                      <a:headEnd type="none" w="med" len="med"/>
+                      <a:tailEnd type="none" w="med" len="med"/>
+                    </a:lnB>
+                  </a:tcPr>
+                </a:tc>
+                <a:extLst>
+                  <a:ext uri="{0D108BD9-81ED-4DB2-BD59-A6C34878D82A}">
+                    <a16:rowId xmlns:a16="http://schemas.microsoft.com/office/drawing/2014/main" val="2844042550"/>
+                  </a:ext>
+                </a:extLst>
+              </a:tr>
+              <a:tr h="167359">
+                <a:tc>
+                  <a:txBody>
+                    <a:bodyPr/>
+                    <a:lstStyle/>
+                    <a:p>
+                      <a:pPr algn="l" fontAlgn="b"/>
+                      <a:r>
+                        <a:rPr lang="en-US" sz="1000" b="0" i="0" u="none" strike="noStrike">
+                          <a:solidFill>
+                            <a:srgbClr val="000000"/>
+                          </a:solidFill>
+                          <a:effectLst/>
+                          <a:latin typeface="Calibri" panose="020F0502020204030204" pitchFamily="34" charset="0"/>
+                        </a:rPr>
+                        <a:t>Connecticut</a:t>
+                      </a:r>
+                    </a:p>
+                  </a:txBody>
+                  <a:tcPr marL="3487" marR="3487" marT="3487" marB="0" anchor="b">
+                    <a:lnL w="6350" cap="flat" cmpd="sng" algn="ctr">
+                      <a:solidFill>
+                        <a:srgbClr val="4472C4"/>
+                      </a:solidFill>
+                      <a:prstDash val="solid"/>
+                      <a:round/>
+                      <a:headEnd type="none" w="med" len="med"/>
+                      <a:tailEnd type="none" w="med" len="med"/>
+                    </a:lnL>
+                    <a:lnR>
+                      <a:noFill/>
+                    </a:lnR>
+                    <a:lnT w="6350" cap="flat" cmpd="sng" algn="ctr">
+                      <a:solidFill>
+                        <a:srgbClr val="4472C4"/>
+                      </a:solidFill>
+                      <a:prstDash val="solid"/>
+                      <a:round/>
+                      <a:headEnd type="none" w="med" len="med"/>
+                      <a:tailEnd type="none" w="med" len="med"/>
+                    </a:lnT>
+                    <a:lnB w="6350" cap="flat" cmpd="sng" algn="ctr">
+                      <a:solidFill>
+                        <a:srgbClr val="4472C4"/>
+                      </a:solidFill>
+                      <a:prstDash val="solid"/>
+                      <a:round/>
+                      <a:headEnd type="none" w="med" len="med"/>
+                      <a:tailEnd type="none" w="med" len="med"/>
+                    </a:lnB>
+                  </a:tcPr>
+                </a:tc>
+                <a:tc>
+                  <a:txBody>
+                    <a:bodyPr/>
+                    <a:lstStyle/>
+                    <a:p>
+                      <a:pPr algn="l" fontAlgn="b"/>
+                      <a:r>
+                        <a:rPr lang="en-US" sz="1000" b="0" i="0" u="none" strike="noStrike">
+                          <a:solidFill>
+                            <a:srgbClr val="000000"/>
+                          </a:solidFill>
+                          <a:effectLst/>
+                          <a:latin typeface="Calibri" panose="020F0502020204030204" pitchFamily="34" charset="0"/>
+                        </a:rPr>
+                        <a:t>Category 3 - State had exclusive state alcohol retail licensing but with local zoning authority</a:t>
+                      </a:r>
+                    </a:p>
+                  </a:txBody>
+                  <a:tcPr marL="3487" marR="3487" marT="3487" marB="0" anchor="b">
+                    <a:lnL>
+                      <a:noFill/>
+                    </a:lnL>
+                    <a:lnR w="6350" cap="flat" cmpd="sng" algn="ctr">
+                      <a:solidFill>
+                        <a:srgbClr val="4472C4"/>
+                      </a:solidFill>
+                      <a:prstDash val="solid"/>
+                      <a:round/>
+                      <a:headEnd type="none" w="med" len="med"/>
+                      <a:tailEnd type="none" w="med" len="med"/>
+                    </a:lnR>
+                    <a:lnT w="6350" cap="flat" cmpd="sng" algn="ctr">
+                      <a:solidFill>
+                        <a:srgbClr val="4472C4"/>
+                      </a:solidFill>
+                      <a:prstDash val="solid"/>
+                      <a:round/>
+                      <a:headEnd type="none" w="med" len="med"/>
+                      <a:tailEnd type="none" w="med" len="med"/>
+                    </a:lnT>
+                    <a:lnB w="6350" cap="flat" cmpd="sng" algn="ctr">
+                      <a:solidFill>
+                        <a:srgbClr val="4472C4"/>
+                      </a:solidFill>
+                      <a:prstDash val="solid"/>
+                      <a:round/>
+                      <a:headEnd type="none" w="med" len="med"/>
+                      <a:tailEnd type="none" w="med" len="med"/>
+                    </a:lnB>
+                  </a:tcPr>
+                </a:tc>
+                <a:extLst>
+                  <a:ext uri="{0D108BD9-81ED-4DB2-BD59-A6C34878D82A}">
+                    <a16:rowId xmlns:a16="http://schemas.microsoft.com/office/drawing/2014/main" val="3546742109"/>
+                  </a:ext>
+                </a:extLst>
+              </a:tr>
+              <a:tr h="167359">
+                <a:tc>
+                  <a:txBody>
+                    <a:bodyPr/>
+                    <a:lstStyle/>
+                    <a:p>
+                      <a:pPr algn="l" fontAlgn="b"/>
+                      <a:r>
+                        <a:rPr lang="en-US" sz="1000" b="0" i="0" u="none" strike="noStrike">
+                          <a:solidFill>
+                            <a:srgbClr val="000000"/>
+                          </a:solidFill>
+                          <a:effectLst/>
+                          <a:latin typeface="Calibri" panose="020F0502020204030204" pitchFamily="34" charset="0"/>
+                        </a:rPr>
+                        <a:t>Florida</a:t>
+                      </a:r>
+                    </a:p>
+                  </a:txBody>
+                  <a:tcPr marL="3487" marR="3487" marT="3487" marB="0" anchor="b">
+                    <a:lnL w="6350" cap="flat" cmpd="sng" algn="ctr">
+                      <a:solidFill>
+                        <a:srgbClr val="4472C4"/>
+                      </a:solidFill>
+                      <a:prstDash val="solid"/>
+                      <a:round/>
+                      <a:headEnd type="none" w="med" len="med"/>
+                      <a:tailEnd type="none" w="med" len="med"/>
+                    </a:lnL>
+                    <a:lnR>
+                      <a:noFill/>
+                    </a:lnR>
+                    <a:lnT w="6350" cap="flat" cmpd="sng" algn="ctr">
+                      <a:solidFill>
+                        <a:srgbClr val="4472C4"/>
+                      </a:solidFill>
+                      <a:prstDash val="solid"/>
+                      <a:round/>
+                      <a:headEnd type="none" w="med" len="med"/>
+                      <a:tailEnd type="none" w="med" len="med"/>
+                    </a:lnT>
+                    <a:lnB w="6350" cap="flat" cmpd="sng" algn="ctr">
+                      <a:solidFill>
+                        <a:srgbClr val="4472C4"/>
+                      </a:solidFill>
+                      <a:prstDash val="solid"/>
+                      <a:round/>
+                      <a:headEnd type="none" w="med" len="med"/>
+                      <a:tailEnd type="none" w="med" len="med"/>
+                    </a:lnB>
+                  </a:tcPr>
+                </a:tc>
+                <a:tc>
+                  <a:txBody>
+                    <a:bodyPr/>
+                    <a:lstStyle/>
+                    <a:p>
+                      <a:pPr algn="l" fontAlgn="b"/>
+                      <a:r>
+                        <a:rPr lang="en-US" sz="1000" b="0" i="0" u="none" strike="noStrike">
+                          <a:solidFill>
+                            <a:srgbClr val="000000"/>
+                          </a:solidFill>
+                          <a:effectLst/>
+                          <a:latin typeface="Calibri" panose="020F0502020204030204" pitchFamily="34" charset="0"/>
+                        </a:rPr>
+                        <a:t>Category 3 - State had exclusive state alcohol retail licensing but with local zoning authority</a:t>
+                      </a:r>
+                    </a:p>
+                  </a:txBody>
+                  <a:tcPr marL="3487" marR="3487" marT="3487" marB="0" anchor="b">
+                    <a:lnL>
+                      <a:noFill/>
+                    </a:lnL>
+                    <a:lnR w="6350" cap="flat" cmpd="sng" algn="ctr">
+                      <a:solidFill>
+                        <a:srgbClr val="4472C4"/>
+                      </a:solidFill>
+                      <a:prstDash val="solid"/>
+                      <a:round/>
+                      <a:headEnd type="none" w="med" len="med"/>
+                      <a:tailEnd type="none" w="med" len="med"/>
+                    </a:lnR>
+                    <a:lnT w="6350" cap="flat" cmpd="sng" algn="ctr">
+                      <a:solidFill>
+                        <a:srgbClr val="4472C4"/>
+                      </a:solidFill>
+                      <a:prstDash val="solid"/>
+                      <a:round/>
+                      <a:headEnd type="none" w="med" len="med"/>
+                      <a:tailEnd type="none" w="med" len="med"/>
+                    </a:lnT>
+                    <a:lnB w="6350" cap="flat" cmpd="sng" algn="ctr">
+                      <a:solidFill>
+                        <a:srgbClr val="4472C4"/>
+                      </a:solidFill>
+                      <a:prstDash val="solid"/>
+                      <a:round/>
+                      <a:headEnd type="none" w="med" len="med"/>
+                      <a:tailEnd type="none" w="med" len="med"/>
+                    </a:lnB>
+                  </a:tcPr>
+                </a:tc>
+                <a:extLst>
+                  <a:ext uri="{0D108BD9-81ED-4DB2-BD59-A6C34878D82A}">
+                    <a16:rowId xmlns:a16="http://schemas.microsoft.com/office/drawing/2014/main" val="2549597785"/>
+                  </a:ext>
+                </a:extLst>
+              </a:tr>
+              <a:tr h="167359">
+                <a:tc>
+                  <a:txBody>
+                    <a:bodyPr/>
+                    <a:lstStyle/>
+                    <a:p>
+                      <a:pPr algn="l" fontAlgn="b"/>
+                      <a:r>
+                        <a:rPr lang="en-US" sz="1000" b="0" i="0" u="none" strike="noStrike">
+                          <a:solidFill>
+                            <a:srgbClr val="000000"/>
+                          </a:solidFill>
+                          <a:effectLst/>
+                          <a:latin typeface="Calibri" panose="020F0502020204030204" pitchFamily="34" charset="0"/>
+                        </a:rPr>
+                        <a:t>Indiana</a:t>
+                      </a:r>
+                    </a:p>
+                  </a:txBody>
+                  <a:tcPr marL="3487" marR="3487" marT="3487" marB="0" anchor="b">
+                    <a:lnL w="6350" cap="flat" cmpd="sng" algn="ctr">
+                      <a:solidFill>
+                        <a:srgbClr val="4472C4"/>
+                      </a:solidFill>
+                      <a:prstDash val="solid"/>
+                      <a:round/>
+                      <a:headEnd type="none" w="med" len="med"/>
+                      <a:tailEnd type="none" w="med" len="med"/>
+                    </a:lnL>
+                    <a:lnR>
+                      <a:noFill/>
+                    </a:lnR>
+                    <a:lnT w="6350" cap="flat" cmpd="sng" algn="ctr">
+                      <a:solidFill>
+                        <a:srgbClr val="4472C4"/>
+                      </a:solidFill>
+                      <a:prstDash val="solid"/>
+                      <a:round/>
+                      <a:headEnd type="none" w="med" len="med"/>
+                      <a:tailEnd type="none" w="med" len="med"/>
+                    </a:lnT>
+                    <a:lnB w="6350" cap="flat" cmpd="sng" algn="ctr">
+                      <a:solidFill>
+                        <a:srgbClr val="4472C4"/>
+                      </a:solidFill>
+                      <a:prstDash val="solid"/>
+                      <a:round/>
+                      <a:headEnd type="none" w="med" len="med"/>
+                      <a:tailEnd type="none" w="med" len="med"/>
+                    </a:lnB>
+                  </a:tcPr>
+                </a:tc>
+                <a:tc>
+                  <a:txBody>
+                    <a:bodyPr/>
+                    <a:lstStyle/>
+                    <a:p>
+                      <a:pPr algn="l" fontAlgn="b"/>
+                      <a:r>
+                        <a:rPr lang="en-US" sz="1000" b="0" i="0" u="none" strike="noStrike">
+                          <a:solidFill>
+                            <a:srgbClr val="000000"/>
+                          </a:solidFill>
+                          <a:effectLst/>
+                          <a:latin typeface="Calibri" panose="020F0502020204030204" pitchFamily="34" charset="0"/>
+                        </a:rPr>
+                        <a:t>Category 3 - State had exclusive state alcohol retail licensing but with local zoning authority</a:t>
+                      </a:r>
+                    </a:p>
+                  </a:txBody>
+                  <a:tcPr marL="3487" marR="3487" marT="3487" marB="0" anchor="b">
+                    <a:lnL>
+                      <a:noFill/>
+                    </a:lnL>
+                    <a:lnR w="6350" cap="flat" cmpd="sng" algn="ctr">
+                      <a:solidFill>
+                        <a:srgbClr val="4472C4"/>
+                      </a:solidFill>
+                      <a:prstDash val="solid"/>
+                      <a:round/>
+                      <a:headEnd type="none" w="med" len="med"/>
+                      <a:tailEnd type="none" w="med" len="med"/>
+                    </a:lnR>
+                    <a:lnT w="6350" cap="flat" cmpd="sng" algn="ctr">
+                      <a:solidFill>
+                        <a:srgbClr val="4472C4"/>
+                      </a:solidFill>
+                      <a:prstDash val="solid"/>
+                      <a:round/>
+                      <a:headEnd type="none" w="med" len="med"/>
+                      <a:tailEnd type="none" w="med" len="med"/>
+                    </a:lnT>
+                    <a:lnB w="6350" cap="flat" cmpd="sng" algn="ctr">
+                      <a:solidFill>
+                        <a:srgbClr val="4472C4"/>
+                      </a:solidFill>
+                      <a:prstDash val="solid"/>
+                      <a:round/>
+                      <a:headEnd type="none" w="med" len="med"/>
+                      <a:tailEnd type="none" w="med" len="med"/>
+                    </a:lnB>
+                  </a:tcPr>
+                </a:tc>
+                <a:extLst>
+                  <a:ext uri="{0D108BD9-81ED-4DB2-BD59-A6C34878D82A}">
+                    <a16:rowId xmlns:a16="http://schemas.microsoft.com/office/drawing/2014/main" val="2944057395"/>
+                  </a:ext>
+                </a:extLst>
+              </a:tr>
+              <a:tr h="167359">
+                <a:tc>
+                  <a:txBody>
+                    <a:bodyPr/>
+                    <a:lstStyle/>
+                    <a:p>
+                      <a:pPr algn="l" fontAlgn="b"/>
+                      <a:r>
+                        <a:rPr lang="en-US" sz="1000" b="0" i="0" u="none" strike="noStrike">
+                          <a:solidFill>
+                            <a:srgbClr val="000000"/>
+                          </a:solidFill>
+                          <a:effectLst/>
+                          <a:latin typeface="Calibri" panose="020F0502020204030204" pitchFamily="34" charset="0"/>
+                        </a:rPr>
+                        <a:t>Iowa</a:t>
+                      </a:r>
+                    </a:p>
+                  </a:txBody>
+                  <a:tcPr marL="3487" marR="3487" marT="3487" marB="0" anchor="b">
+                    <a:lnL w="6350" cap="flat" cmpd="sng" algn="ctr">
+                      <a:solidFill>
+                        <a:srgbClr val="4472C4"/>
+                      </a:solidFill>
+                      <a:prstDash val="solid"/>
+                      <a:round/>
+                      <a:headEnd type="none" w="med" len="med"/>
+                      <a:tailEnd type="none" w="med" len="med"/>
+                    </a:lnL>
+                    <a:lnR>
+                      <a:noFill/>
+                    </a:lnR>
+                    <a:lnT w="6350" cap="flat" cmpd="sng" algn="ctr">
+                      <a:solidFill>
+                        <a:srgbClr val="4472C4"/>
+                      </a:solidFill>
+                      <a:prstDash val="solid"/>
+                      <a:round/>
+                      <a:headEnd type="none" w="med" len="med"/>
+                      <a:tailEnd type="none" w="med" len="med"/>
+                    </a:lnT>
+                    <a:lnB w="6350" cap="flat" cmpd="sng" algn="ctr">
+                      <a:solidFill>
+                        <a:srgbClr val="4472C4"/>
+                      </a:solidFill>
+                      <a:prstDash val="solid"/>
+                      <a:round/>
+                      <a:headEnd type="none" w="med" len="med"/>
+                      <a:tailEnd type="none" w="med" len="med"/>
+                    </a:lnB>
+                  </a:tcPr>
+                </a:tc>
+                <a:tc>
+                  <a:txBody>
+                    <a:bodyPr/>
+                    <a:lstStyle/>
+                    <a:p>
+                      <a:pPr algn="l" fontAlgn="b"/>
+                      <a:r>
+                        <a:rPr lang="en-US" sz="1000" b="0" i="0" u="none" strike="noStrike">
+                          <a:solidFill>
+                            <a:srgbClr val="000000"/>
+                          </a:solidFill>
+                          <a:effectLst/>
+                          <a:latin typeface="Calibri" panose="020F0502020204030204" pitchFamily="34" charset="0"/>
+                        </a:rPr>
+                        <a:t>Category 3 - State had exclusive state alcohol retail licensing but with local zoning authority</a:t>
+                      </a:r>
+                    </a:p>
+                  </a:txBody>
+                  <a:tcPr marL="3487" marR="3487" marT="3487" marB="0" anchor="b">
+                    <a:lnL>
+                      <a:noFill/>
+                    </a:lnL>
+                    <a:lnR w="6350" cap="flat" cmpd="sng" algn="ctr">
+                      <a:solidFill>
+                        <a:srgbClr val="4472C4"/>
+                      </a:solidFill>
+                      <a:prstDash val="solid"/>
+                      <a:round/>
+                      <a:headEnd type="none" w="med" len="med"/>
+                      <a:tailEnd type="none" w="med" len="med"/>
+                    </a:lnR>
+                    <a:lnT w="6350" cap="flat" cmpd="sng" algn="ctr">
+                      <a:solidFill>
+                        <a:srgbClr val="4472C4"/>
+                      </a:solidFill>
+                      <a:prstDash val="solid"/>
+                      <a:round/>
+                      <a:headEnd type="none" w="med" len="med"/>
+                      <a:tailEnd type="none" w="med" len="med"/>
+                    </a:lnT>
+                    <a:lnB w="6350" cap="flat" cmpd="sng" algn="ctr">
+                      <a:solidFill>
+                        <a:srgbClr val="4472C4"/>
+                      </a:solidFill>
+                      <a:prstDash val="solid"/>
+                      <a:round/>
+                      <a:headEnd type="none" w="med" len="med"/>
+                      <a:tailEnd type="none" w="med" len="med"/>
+                    </a:lnB>
+                  </a:tcPr>
+                </a:tc>
+                <a:extLst>
+                  <a:ext uri="{0D108BD9-81ED-4DB2-BD59-A6C34878D82A}">
+                    <a16:rowId xmlns:a16="http://schemas.microsoft.com/office/drawing/2014/main" val="3819211786"/>
+                  </a:ext>
+                </a:extLst>
+              </a:tr>
+              <a:tr h="167359">
+                <a:tc>
+                  <a:txBody>
+                    <a:bodyPr/>
+                    <a:lstStyle/>
+                    <a:p>
+                      <a:pPr algn="l" fontAlgn="b"/>
+                      <a:r>
+                        <a:rPr lang="en-US" sz="1000" b="0" i="0" u="none" strike="noStrike">
+                          <a:solidFill>
+                            <a:srgbClr val="000000"/>
+                          </a:solidFill>
+                          <a:effectLst/>
+                          <a:latin typeface="Calibri" panose="020F0502020204030204" pitchFamily="34" charset="0"/>
+                        </a:rPr>
+                        <a:t>Kansas</a:t>
+                      </a:r>
+                    </a:p>
+                  </a:txBody>
+                  <a:tcPr marL="3487" marR="3487" marT="3487" marB="0" anchor="b">
+                    <a:lnL w="6350" cap="flat" cmpd="sng" algn="ctr">
+                      <a:solidFill>
+                        <a:srgbClr val="4472C4"/>
+                      </a:solidFill>
+                      <a:prstDash val="solid"/>
+                      <a:round/>
+                      <a:headEnd type="none" w="med" len="med"/>
+                      <a:tailEnd type="none" w="med" len="med"/>
+                    </a:lnL>
+                    <a:lnR>
+                      <a:noFill/>
+                    </a:lnR>
+                    <a:lnT w="6350" cap="flat" cmpd="sng" algn="ctr">
+                      <a:solidFill>
+                        <a:srgbClr val="4472C4"/>
+                      </a:solidFill>
+                      <a:prstDash val="solid"/>
+                      <a:round/>
+                      <a:headEnd type="none" w="med" len="med"/>
+                      <a:tailEnd type="none" w="med" len="med"/>
+                    </a:lnT>
+                    <a:lnB>
+                      <a:noFill/>
+                    </a:lnB>
+                  </a:tcPr>
+                </a:tc>
+                <a:tc>
+                  <a:txBody>
+                    <a:bodyPr/>
+                    <a:lstStyle/>
+                    <a:p>
+                      <a:pPr algn="l" fontAlgn="b"/>
+                      <a:r>
+                        <a:rPr lang="en-US" sz="1000" b="0" i="0" u="none" strike="noStrike" dirty="0">
+                          <a:solidFill>
+                            <a:srgbClr val="000000"/>
+                          </a:solidFill>
+                          <a:effectLst/>
+                          <a:latin typeface="Calibri" panose="020F0502020204030204" pitchFamily="34" charset="0"/>
+                        </a:rPr>
+                        <a:t>Category 3 - State had exclusive state alcohol retail licensing but with local zoning authority</a:t>
+                      </a:r>
+                    </a:p>
+                  </a:txBody>
+                  <a:tcPr marL="3487" marR="3487" marT="3487" marB="0" anchor="b">
+                    <a:lnL>
+                      <a:noFill/>
+                    </a:lnL>
+                    <a:lnR w="6350" cap="flat" cmpd="sng" algn="ctr">
+                      <a:solidFill>
+                        <a:srgbClr val="4472C4"/>
+                      </a:solidFill>
+                      <a:prstDash val="solid"/>
+                      <a:round/>
+                      <a:headEnd type="none" w="med" len="med"/>
+                      <a:tailEnd type="none" w="med" len="med"/>
+                    </a:lnR>
+                    <a:lnT w="6350" cap="flat" cmpd="sng" algn="ctr">
+                      <a:solidFill>
+                        <a:srgbClr val="4472C4"/>
+                      </a:solidFill>
+                      <a:prstDash val="solid"/>
+                      <a:round/>
+                      <a:headEnd type="none" w="med" len="med"/>
+                      <a:tailEnd type="none" w="med" len="med"/>
+                    </a:lnT>
+                    <a:lnB>
+                      <a:noFill/>
+                    </a:lnB>
+                  </a:tcPr>
+                </a:tc>
+                <a:extLst>
+                  <a:ext uri="{0D108BD9-81ED-4DB2-BD59-A6C34878D82A}">
+                    <a16:rowId xmlns:a16="http://schemas.microsoft.com/office/drawing/2014/main" val="1525180176"/>
+                  </a:ext>
+                </a:extLst>
+              </a:tr>
+            </a:tbl>
+          </a:graphicData>
+        </a:graphic>
+      </p:graphicFrame>
+      <p:graphicFrame>
+        <p:nvGraphicFramePr>
+          <p:cNvPr id="5" name="Table 4">
+            <a:extLst>
+              <a:ext uri="{FF2B5EF4-FFF2-40B4-BE49-F238E27FC236}">
+                <a16:creationId xmlns:a16="http://schemas.microsoft.com/office/drawing/2014/main" id="{C1C54BC8-F814-45FE-B4E1-F13FDC580314}"/>
+              </a:ext>
+            </a:extLst>
+          </p:cNvPr>
+          <p:cNvGraphicFramePr>
+            <a:graphicFrameLocks noGrp="1"/>
+          </p:cNvGraphicFramePr>
+          <p:nvPr>
+            <p:extLst>
+              <p:ext uri="{D42A27DB-BD31-4B8C-83A1-F6EECF244321}">
+                <p14:modId xmlns:p14="http://schemas.microsoft.com/office/powerpoint/2010/main" val="3237718213"/>
+              </p:ext>
+            </p:extLst>
+          </p:nvPr>
+        </p:nvGraphicFramePr>
+        <p:xfrm>
+          <a:off x="6481298" y="1690688"/>
+          <a:ext cx="5282874" cy="4351334"/>
+        </p:xfrm>
+        <a:graphic>
+          <a:graphicData uri="http://schemas.openxmlformats.org/drawingml/2006/table">
+            <a:tbl>
+              <a:tblPr/>
+              <a:tblGrid>
+                <a:gridCol w="969048">
+                  <a:extLst>
+                    <a:ext uri="{9D8B030D-6E8A-4147-A177-3AD203B41FA5}">
+                      <a16:colId xmlns:a16="http://schemas.microsoft.com/office/drawing/2014/main" val="4199537454"/>
+                    </a:ext>
+                  </a:extLst>
+                </a:gridCol>
+                <a:gridCol w="4313826">
+                  <a:extLst>
+                    <a:ext uri="{9D8B030D-6E8A-4147-A177-3AD203B41FA5}">
+                      <a16:colId xmlns:a16="http://schemas.microsoft.com/office/drawing/2014/main" val="2382755319"/>
+                    </a:ext>
+                  </a:extLst>
+                </a:gridCol>
+              </a:tblGrid>
+              <a:tr h="150046">
+                <a:tc>
+                  <a:txBody>
+                    <a:bodyPr/>
+                    <a:lstStyle/>
+                    <a:p>
+                      <a:pPr algn="l" fontAlgn="b"/>
+                      <a:r>
+                        <a:rPr lang="en-US" sz="900" b="0" i="0" u="none" strike="noStrike">
+                          <a:solidFill>
+                            <a:srgbClr val="000000"/>
+                          </a:solidFill>
+                          <a:effectLst/>
+                          <a:latin typeface="Calibri" panose="020F0502020204030204" pitchFamily="34" charset="0"/>
+                        </a:rPr>
+                        <a:t>Maryland</a:t>
+                      </a:r>
+                    </a:p>
+                  </a:txBody>
+                  <a:tcPr marL="3126" marR="3126" marT="3126" marB="0" anchor="b">
+                    <a:lnL w="6350" cap="flat" cmpd="sng" algn="ctr">
+                      <a:solidFill>
+                        <a:srgbClr val="4472C4"/>
+                      </a:solidFill>
+                      <a:prstDash val="solid"/>
+                      <a:round/>
+                      <a:headEnd type="none" w="med" len="med"/>
+                      <a:tailEnd type="none" w="med" len="med"/>
+                    </a:lnL>
+                    <a:lnR>
+                      <a:noFill/>
+                    </a:lnR>
+                    <a:lnT w="6350" cap="flat" cmpd="sng" algn="ctr">
+                      <a:solidFill>
+                        <a:srgbClr val="4472C4"/>
+                      </a:solidFill>
+                      <a:prstDash val="solid"/>
+                      <a:round/>
+                      <a:headEnd type="none" w="med" len="med"/>
+                      <a:tailEnd type="none" w="med" len="med"/>
+                    </a:lnT>
+                    <a:lnB w="6350" cap="flat" cmpd="sng" algn="ctr">
+                      <a:solidFill>
+                        <a:srgbClr val="4472C4"/>
+                      </a:solidFill>
+                      <a:prstDash val="solid"/>
+                      <a:round/>
+                      <a:headEnd type="none" w="med" len="med"/>
+                      <a:tailEnd type="none" w="med" len="med"/>
+                    </a:lnB>
+                  </a:tcPr>
+                </a:tc>
+                <a:tc>
+                  <a:txBody>
+                    <a:bodyPr/>
+                    <a:lstStyle/>
+                    <a:p>
+                      <a:pPr algn="l" fontAlgn="b"/>
+                      <a:r>
+                        <a:rPr lang="en-US" sz="900" b="0" i="0" u="none" strike="noStrike">
+                          <a:solidFill>
+                            <a:srgbClr val="000000"/>
+                          </a:solidFill>
+                          <a:effectLst/>
+                          <a:latin typeface="Calibri" panose="020F0502020204030204" pitchFamily="34" charset="0"/>
+                        </a:rPr>
+                        <a:t>Category 3 - State had exclusive state alcohol retail licensing but with local zoning authority</a:t>
+                      </a:r>
+                    </a:p>
+                  </a:txBody>
+                  <a:tcPr marL="3126" marR="3126" marT="3126" marB="0" anchor="b">
+                    <a:lnL>
+                      <a:noFill/>
+                    </a:lnL>
+                    <a:lnR w="6350" cap="flat" cmpd="sng" algn="ctr">
+                      <a:solidFill>
+                        <a:srgbClr val="4472C4"/>
+                      </a:solidFill>
+                      <a:prstDash val="solid"/>
+                      <a:round/>
+                      <a:headEnd type="none" w="med" len="med"/>
+                      <a:tailEnd type="none" w="med" len="med"/>
+                    </a:lnR>
+                    <a:lnT w="6350" cap="flat" cmpd="sng" algn="ctr">
+                      <a:solidFill>
+                        <a:srgbClr val="4472C4"/>
+                      </a:solidFill>
+                      <a:prstDash val="solid"/>
+                      <a:round/>
+                      <a:headEnd type="none" w="med" len="med"/>
+                      <a:tailEnd type="none" w="med" len="med"/>
+                    </a:lnT>
+                    <a:lnB w="6350" cap="flat" cmpd="sng" algn="ctr">
+                      <a:solidFill>
+                        <a:srgbClr val="4472C4"/>
+                      </a:solidFill>
+                      <a:prstDash val="solid"/>
+                      <a:round/>
+                      <a:headEnd type="none" w="med" len="med"/>
+                      <a:tailEnd type="none" w="med" len="med"/>
+                    </a:lnB>
+                  </a:tcPr>
+                </a:tc>
+                <a:extLst>
+                  <a:ext uri="{0D108BD9-81ED-4DB2-BD59-A6C34878D82A}">
+                    <a16:rowId xmlns:a16="http://schemas.microsoft.com/office/drawing/2014/main" val="3474617259"/>
+                  </a:ext>
+                </a:extLst>
+              </a:tr>
+              <a:tr h="150046">
+                <a:tc>
+                  <a:txBody>
+                    <a:bodyPr/>
+                    <a:lstStyle/>
+                    <a:p>
+                      <a:pPr algn="l" fontAlgn="b"/>
+                      <a:r>
+                        <a:rPr lang="en-US" sz="900" b="0" i="0" u="none" strike="noStrike">
+                          <a:solidFill>
+                            <a:srgbClr val="000000"/>
+                          </a:solidFill>
+                          <a:effectLst/>
+                          <a:latin typeface="Calibri" panose="020F0502020204030204" pitchFamily="34" charset="0"/>
+                        </a:rPr>
+                        <a:t>Montana</a:t>
+                      </a:r>
+                    </a:p>
+                  </a:txBody>
+                  <a:tcPr marL="3126" marR="3126" marT="3126" marB="0" anchor="b">
+                    <a:lnL w="6350" cap="flat" cmpd="sng" algn="ctr">
+                      <a:solidFill>
+                        <a:srgbClr val="4472C4"/>
+                      </a:solidFill>
+                      <a:prstDash val="solid"/>
+                      <a:round/>
+                      <a:headEnd type="none" w="med" len="med"/>
+                      <a:tailEnd type="none" w="med" len="med"/>
+                    </a:lnL>
+                    <a:lnR>
+                      <a:noFill/>
+                    </a:lnR>
+                    <a:lnT w="6350" cap="flat" cmpd="sng" algn="ctr">
+                      <a:solidFill>
+                        <a:srgbClr val="4472C4"/>
+                      </a:solidFill>
+                      <a:prstDash val="solid"/>
+                      <a:round/>
+                      <a:headEnd type="none" w="med" len="med"/>
+                      <a:tailEnd type="none" w="med" len="med"/>
+                    </a:lnT>
+                    <a:lnB w="6350" cap="flat" cmpd="sng" algn="ctr">
+                      <a:solidFill>
+                        <a:srgbClr val="4472C4"/>
+                      </a:solidFill>
+                      <a:prstDash val="solid"/>
+                      <a:round/>
+                      <a:headEnd type="none" w="med" len="med"/>
+                      <a:tailEnd type="none" w="med" len="med"/>
+                    </a:lnB>
+                  </a:tcPr>
+                </a:tc>
+                <a:tc>
+                  <a:txBody>
+                    <a:bodyPr/>
+                    <a:lstStyle/>
+                    <a:p>
+                      <a:pPr algn="l" fontAlgn="b"/>
+                      <a:r>
+                        <a:rPr lang="en-US" sz="900" b="0" i="0" u="none" strike="noStrike">
+                          <a:solidFill>
+                            <a:srgbClr val="000000"/>
+                          </a:solidFill>
+                          <a:effectLst/>
+                          <a:latin typeface="Calibri" panose="020F0502020204030204" pitchFamily="34" charset="0"/>
+                        </a:rPr>
+                        <a:t>Category 3 - State had exclusive state alcohol retail licensing but with local zoning authority</a:t>
+                      </a:r>
+                    </a:p>
+                  </a:txBody>
+                  <a:tcPr marL="3126" marR="3126" marT="3126" marB="0" anchor="b">
+                    <a:lnL>
+                      <a:noFill/>
+                    </a:lnL>
+                    <a:lnR w="6350" cap="flat" cmpd="sng" algn="ctr">
+                      <a:solidFill>
+                        <a:srgbClr val="4472C4"/>
+                      </a:solidFill>
+                      <a:prstDash val="solid"/>
+                      <a:round/>
+                      <a:headEnd type="none" w="med" len="med"/>
+                      <a:tailEnd type="none" w="med" len="med"/>
+                    </a:lnR>
+                    <a:lnT w="6350" cap="flat" cmpd="sng" algn="ctr">
+                      <a:solidFill>
+                        <a:srgbClr val="4472C4"/>
+                      </a:solidFill>
+                      <a:prstDash val="solid"/>
+                      <a:round/>
+                      <a:headEnd type="none" w="med" len="med"/>
+                      <a:tailEnd type="none" w="med" len="med"/>
+                    </a:lnT>
+                    <a:lnB w="6350" cap="flat" cmpd="sng" algn="ctr">
+                      <a:solidFill>
+                        <a:srgbClr val="4472C4"/>
+                      </a:solidFill>
+                      <a:prstDash val="solid"/>
+                      <a:round/>
+                      <a:headEnd type="none" w="med" len="med"/>
+                      <a:tailEnd type="none" w="med" len="med"/>
+                    </a:lnB>
+                  </a:tcPr>
+                </a:tc>
+                <a:extLst>
+                  <a:ext uri="{0D108BD9-81ED-4DB2-BD59-A6C34878D82A}">
+                    <a16:rowId xmlns:a16="http://schemas.microsoft.com/office/drawing/2014/main" val="1113204710"/>
+                  </a:ext>
+                </a:extLst>
+              </a:tr>
+              <a:tr h="150046">
+                <a:tc>
+                  <a:txBody>
+                    <a:bodyPr/>
+                    <a:lstStyle/>
+                    <a:p>
+                      <a:pPr algn="l" fontAlgn="b"/>
+                      <a:r>
+                        <a:rPr lang="en-US" sz="900" b="0" i="0" u="none" strike="noStrike">
+                          <a:solidFill>
+                            <a:srgbClr val="000000"/>
+                          </a:solidFill>
+                          <a:effectLst/>
+                          <a:latin typeface="Calibri" panose="020F0502020204030204" pitchFamily="34" charset="0"/>
+                        </a:rPr>
+                        <a:t>Nebraska</a:t>
+                      </a:r>
+                    </a:p>
+                  </a:txBody>
+                  <a:tcPr marL="3126" marR="3126" marT="3126" marB="0" anchor="b">
+                    <a:lnL w="6350" cap="flat" cmpd="sng" algn="ctr">
+                      <a:solidFill>
+                        <a:srgbClr val="4472C4"/>
+                      </a:solidFill>
+                      <a:prstDash val="solid"/>
+                      <a:round/>
+                      <a:headEnd type="none" w="med" len="med"/>
+                      <a:tailEnd type="none" w="med" len="med"/>
+                    </a:lnL>
+                    <a:lnR>
+                      <a:noFill/>
+                    </a:lnR>
+                    <a:lnT w="6350" cap="flat" cmpd="sng" algn="ctr">
+                      <a:solidFill>
+                        <a:srgbClr val="4472C4"/>
+                      </a:solidFill>
+                      <a:prstDash val="solid"/>
+                      <a:round/>
+                      <a:headEnd type="none" w="med" len="med"/>
+                      <a:tailEnd type="none" w="med" len="med"/>
+                    </a:lnT>
+                    <a:lnB w="6350" cap="flat" cmpd="sng" algn="ctr">
+                      <a:solidFill>
+                        <a:srgbClr val="4472C4"/>
+                      </a:solidFill>
+                      <a:prstDash val="solid"/>
+                      <a:round/>
+                      <a:headEnd type="none" w="med" len="med"/>
+                      <a:tailEnd type="none" w="med" len="med"/>
+                    </a:lnB>
+                  </a:tcPr>
+                </a:tc>
+                <a:tc>
+                  <a:txBody>
+                    <a:bodyPr/>
+                    <a:lstStyle/>
+                    <a:p>
+                      <a:pPr algn="l" fontAlgn="b"/>
+                      <a:r>
+                        <a:rPr lang="en-US" sz="900" b="0" i="0" u="none" strike="noStrike">
+                          <a:solidFill>
+                            <a:srgbClr val="000000"/>
+                          </a:solidFill>
+                          <a:effectLst/>
+                          <a:latin typeface="Calibri" panose="020F0502020204030204" pitchFamily="34" charset="0"/>
+                        </a:rPr>
+                        <a:t>Category 3 - State had exclusive state alcohol retail licensing but with local zoning authority</a:t>
+                      </a:r>
+                    </a:p>
+                  </a:txBody>
+                  <a:tcPr marL="3126" marR="3126" marT="3126" marB="0" anchor="b">
+                    <a:lnL>
+                      <a:noFill/>
+                    </a:lnL>
+                    <a:lnR w="6350" cap="flat" cmpd="sng" algn="ctr">
+                      <a:solidFill>
+                        <a:srgbClr val="4472C4"/>
+                      </a:solidFill>
+                      <a:prstDash val="solid"/>
+                      <a:round/>
+                      <a:headEnd type="none" w="med" len="med"/>
+                      <a:tailEnd type="none" w="med" len="med"/>
+                    </a:lnR>
+                    <a:lnT w="6350" cap="flat" cmpd="sng" algn="ctr">
+                      <a:solidFill>
+                        <a:srgbClr val="4472C4"/>
+                      </a:solidFill>
+                      <a:prstDash val="solid"/>
+                      <a:round/>
+                      <a:headEnd type="none" w="med" len="med"/>
+                      <a:tailEnd type="none" w="med" len="med"/>
+                    </a:lnT>
+                    <a:lnB w="6350" cap="flat" cmpd="sng" algn="ctr">
+                      <a:solidFill>
+                        <a:srgbClr val="4472C4"/>
+                      </a:solidFill>
+                      <a:prstDash val="solid"/>
+                      <a:round/>
+                      <a:headEnd type="none" w="med" len="med"/>
+                      <a:tailEnd type="none" w="med" len="med"/>
+                    </a:lnB>
+                  </a:tcPr>
+                </a:tc>
+                <a:extLst>
+                  <a:ext uri="{0D108BD9-81ED-4DB2-BD59-A6C34878D82A}">
+                    <a16:rowId xmlns:a16="http://schemas.microsoft.com/office/drawing/2014/main" val="2724042677"/>
+                  </a:ext>
+                </a:extLst>
+              </a:tr>
+              <a:tr h="150046">
+                <a:tc>
+                  <a:txBody>
+                    <a:bodyPr/>
+                    <a:lstStyle/>
+                    <a:p>
+                      <a:pPr algn="l" fontAlgn="b"/>
+                      <a:r>
+                        <a:rPr lang="en-US" sz="900" b="0" i="0" u="none" strike="noStrike">
+                          <a:solidFill>
+                            <a:srgbClr val="000000"/>
+                          </a:solidFill>
+                          <a:effectLst/>
+                          <a:latin typeface="Calibri" panose="020F0502020204030204" pitchFamily="34" charset="0"/>
+                        </a:rPr>
+                        <a:t>New Mexico</a:t>
+                      </a:r>
+                    </a:p>
+                  </a:txBody>
+                  <a:tcPr marL="3126" marR="3126" marT="3126" marB="0" anchor="b">
+                    <a:lnL w="6350" cap="flat" cmpd="sng" algn="ctr">
+                      <a:solidFill>
+                        <a:srgbClr val="4472C4"/>
+                      </a:solidFill>
+                      <a:prstDash val="solid"/>
+                      <a:round/>
+                      <a:headEnd type="none" w="med" len="med"/>
+                      <a:tailEnd type="none" w="med" len="med"/>
+                    </a:lnL>
+                    <a:lnR>
+                      <a:noFill/>
+                    </a:lnR>
+                    <a:lnT w="6350" cap="flat" cmpd="sng" algn="ctr">
+                      <a:solidFill>
+                        <a:srgbClr val="4472C4"/>
+                      </a:solidFill>
+                      <a:prstDash val="solid"/>
+                      <a:round/>
+                      <a:headEnd type="none" w="med" len="med"/>
+                      <a:tailEnd type="none" w="med" len="med"/>
+                    </a:lnT>
+                    <a:lnB w="6350" cap="flat" cmpd="sng" algn="ctr">
+                      <a:solidFill>
+                        <a:srgbClr val="4472C4"/>
+                      </a:solidFill>
+                      <a:prstDash val="solid"/>
+                      <a:round/>
+                      <a:headEnd type="none" w="med" len="med"/>
+                      <a:tailEnd type="none" w="med" len="med"/>
+                    </a:lnB>
+                  </a:tcPr>
+                </a:tc>
+                <a:tc>
+                  <a:txBody>
+                    <a:bodyPr/>
+                    <a:lstStyle/>
+                    <a:p>
+                      <a:pPr algn="l" fontAlgn="b"/>
+                      <a:r>
+                        <a:rPr lang="en-US" sz="900" b="0" i="0" u="none" strike="noStrike">
+                          <a:solidFill>
+                            <a:srgbClr val="000000"/>
+                          </a:solidFill>
+                          <a:effectLst/>
+                          <a:latin typeface="Calibri" panose="020F0502020204030204" pitchFamily="34" charset="0"/>
+                        </a:rPr>
+                        <a:t>Category 3 - State had exclusive state alcohol retail licensing but with local zoning authority</a:t>
+                      </a:r>
+                    </a:p>
+                  </a:txBody>
+                  <a:tcPr marL="3126" marR="3126" marT="3126" marB="0" anchor="b">
+                    <a:lnL>
+                      <a:noFill/>
+                    </a:lnL>
+                    <a:lnR w="6350" cap="flat" cmpd="sng" algn="ctr">
+                      <a:solidFill>
+                        <a:srgbClr val="4472C4"/>
+                      </a:solidFill>
+                      <a:prstDash val="solid"/>
+                      <a:round/>
+                      <a:headEnd type="none" w="med" len="med"/>
+                      <a:tailEnd type="none" w="med" len="med"/>
+                    </a:lnR>
+                    <a:lnT w="6350" cap="flat" cmpd="sng" algn="ctr">
+                      <a:solidFill>
+                        <a:srgbClr val="4472C4"/>
+                      </a:solidFill>
+                      <a:prstDash val="solid"/>
+                      <a:round/>
+                      <a:headEnd type="none" w="med" len="med"/>
+                      <a:tailEnd type="none" w="med" len="med"/>
+                    </a:lnT>
+                    <a:lnB w="6350" cap="flat" cmpd="sng" algn="ctr">
+                      <a:solidFill>
+                        <a:srgbClr val="4472C4"/>
+                      </a:solidFill>
+                      <a:prstDash val="solid"/>
+                      <a:round/>
+                      <a:headEnd type="none" w="med" len="med"/>
+                      <a:tailEnd type="none" w="med" len="med"/>
+                    </a:lnB>
+                  </a:tcPr>
+                </a:tc>
+                <a:extLst>
+                  <a:ext uri="{0D108BD9-81ED-4DB2-BD59-A6C34878D82A}">
+                    <a16:rowId xmlns:a16="http://schemas.microsoft.com/office/drawing/2014/main" val="2071414196"/>
+                  </a:ext>
+                </a:extLst>
+              </a:tr>
+              <a:tr h="150046">
+                <a:tc>
+                  <a:txBody>
+                    <a:bodyPr/>
+                    <a:lstStyle/>
+                    <a:p>
+                      <a:pPr algn="l" fontAlgn="b"/>
+                      <a:r>
+                        <a:rPr lang="en-US" sz="900" b="0" i="0" u="none" strike="noStrike">
+                          <a:solidFill>
+                            <a:srgbClr val="000000"/>
+                          </a:solidFill>
+                          <a:effectLst/>
+                          <a:latin typeface="Calibri" panose="020F0502020204030204" pitchFamily="34" charset="0"/>
+                        </a:rPr>
+                        <a:t>Ohio</a:t>
+                      </a:r>
+                    </a:p>
+                  </a:txBody>
+                  <a:tcPr marL="3126" marR="3126" marT="3126" marB="0" anchor="b">
+                    <a:lnL w="6350" cap="flat" cmpd="sng" algn="ctr">
+                      <a:solidFill>
+                        <a:srgbClr val="4472C4"/>
+                      </a:solidFill>
+                      <a:prstDash val="solid"/>
+                      <a:round/>
+                      <a:headEnd type="none" w="med" len="med"/>
+                      <a:tailEnd type="none" w="med" len="med"/>
+                    </a:lnL>
+                    <a:lnR>
+                      <a:noFill/>
+                    </a:lnR>
+                    <a:lnT w="6350" cap="flat" cmpd="sng" algn="ctr">
+                      <a:solidFill>
+                        <a:srgbClr val="4472C4"/>
+                      </a:solidFill>
+                      <a:prstDash val="solid"/>
+                      <a:round/>
+                      <a:headEnd type="none" w="med" len="med"/>
+                      <a:tailEnd type="none" w="med" len="med"/>
+                    </a:lnT>
+                    <a:lnB w="6350" cap="flat" cmpd="sng" algn="ctr">
+                      <a:solidFill>
+                        <a:srgbClr val="4472C4"/>
+                      </a:solidFill>
+                      <a:prstDash val="solid"/>
+                      <a:round/>
+                      <a:headEnd type="none" w="med" len="med"/>
+                      <a:tailEnd type="none" w="med" len="med"/>
+                    </a:lnB>
+                  </a:tcPr>
+                </a:tc>
+                <a:tc>
+                  <a:txBody>
+                    <a:bodyPr/>
+                    <a:lstStyle/>
+                    <a:p>
+                      <a:pPr algn="l" fontAlgn="b"/>
+                      <a:r>
+                        <a:rPr lang="en-US" sz="900" b="0" i="0" u="none" strike="noStrike">
+                          <a:solidFill>
+                            <a:srgbClr val="000000"/>
+                          </a:solidFill>
+                          <a:effectLst/>
+                          <a:latin typeface="Calibri" panose="020F0502020204030204" pitchFamily="34" charset="0"/>
+                        </a:rPr>
+                        <a:t>Category 3 - State had exclusive state alcohol retail licensing but with local zoning authority</a:t>
+                      </a:r>
+                    </a:p>
+                  </a:txBody>
+                  <a:tcPr marL="3126" marR="3126" marT="3126" marB="0" anchor="b">
+                    <a:lnL>
+                      <a:noFill/>
+                    </a:lnL>
+                    <a:lnR w="6350" cap="flat" cmpd="sng" algn="ctr">
+                      <a:solidFill>
+                        <a:srgbClr val="4472C4"/>
+                      </a:solidFill>
+                      <a:prstDash val="solid"/>
+                      <a:round/>
+                      <a:headEnd type="none" w="med" len="med"/>
+                      <a:tailEnd type="none" w="med" len="med"/>
+                    </a:lnR>
+                    <a:lnT w="6350" cap="flat" cmpd="sng" algn="ctr">
+                      <a:solidFill>
+                        <a:srgbClr val="4472C4"/>
+                      </a:solidFill>
+                      <a:prstDash val="solid"/>
+                      <a:round/>
+                      <a:headEnd type="none" w="med" len="med"/>
+                      <a:tailEnd type="none" w="med" len="med"/>
+                    </a:lnT>
+                    <a:lnB w="6350" cap="flat" cmpd="sng" algn="ctr">
+                      <a:solidFill>
+                        <a:srgbClr val="4472C4"/>
+                      </a:solidFill>
+                      <a:prstDash val="solid"/>
+                      <a:round/>
+                      <a:headEnd type="none" w="med" len="med"/>
+                      <a:tailEnd type="none" w="med" len="med"/>
+                    </a:lnB>
+                  </a:tcPr>
+                </a:tc>
+                <a:extLst>
+                  <a:ext uri="{0D108BD9-81ED-4DB2-BD59-A6C34878D82A}">
+                    <a16:rowId xmlns:a16="http://schemas.microsoft.com/office/drawing/2014/main" val="626079692"/>
+                  </a:ext>
+                </a:extLst>
+              </a:tr>
+              <a:tr h="150046">
+                <a:tc>
+                  <a:txBody>
+                    <a:bodyPr/>
+                    <a:lstStyle/>
+                    <a:p>
+                      <a:pPr algn="l" fontAlgn="b"/>
+                      <a:r>
+                        <a:rPr lang="en-US" sz="900" b="0" i="0" u="none" strike="noStrike">
+                          <a:solidFill>
+                            <a:srgbClr val="000000"/>
+                          </a:solidFill>
+                          <a:effectLst/>
+                          <a:latin typeface="Calibri" panose="020F0502020204030204" pitchFamily="34" charset="0"/>
+                        </a:rPr>
+                        <a:t>Oklahoma</a:t>
+                      </a:r>
+                    </a:p>
+                  </a:txBody>
+                  <a:tcPr marL="3126" marR="3126" marT="3126" marB="0" anchor="b">
+                    <a:lnL w="6350" cap="flat" cmpd="sng" algn="ctr">
+                      <a:solidFill>
+                        <a:srgbClr val="4472C4"/>
+                      </a:solidFill>
+                      <a:prstDash val="solid"/>
+                      <a:round/>
+                      <a:headEnd type="none" w="med" len="med"/>
+                      <a:tailEnd type="none" w="med" len="med"/>
+                    </a:lnL>
+                    <a:lnR>
+                      <a:noFill/>
+                    </a:lnR>
+                    <a:lnT w="6350" cap="flat" cmpd="sng" algn="ctr">
+                      <a:solidFill>
+                        <a:srgbClr val="4472C4"/>
+                      </a:solidFill>
+                      <a:prstDash val="solid"/>
+                      <a:round/>
+                      <a:headEnd type="none" w="med" len="med"/>
+                      <a:tailEnd type="none" w="med" len="med"/>
+                    </a:lnT>
+                    <a:lnB w="6350" cap="flat" cmpd="sng" algn="ctr">
+                      <a:solidFill>
+                        <a:srgbClr val="4472C4"/>
+                      </a:solidFill>
+                      <a:prstDash val="solid"/>
+                      <a:round/>
+                      <a:headEnd type="none" w="med" len="med"/>
+                      <a:tailEnd type="none" w="med" len="med"/>
+                    </a:lnB>
+                  </a:tcPr>
+                </a:tc>
+                <a:tc>
+                  <a:txBody>
+                    <a:bodyPr/>
+                    <a:lstStyle/>
+                    <a:p>
+                      <a:pPr algn="l" fontAlgn="b"/>
+                      <a:r>
+                        <a:rPr lang="en-US" sz="900" b="0" i="0" u="none" strike="noStrike">
+                          <a:solidFill>
+                            <a:srgbClr val="000000"/>
+                          </a:solidFill>
+                          <a:effectLst/>
+                          <a:latin typeface="Calibri" panose="020F0502020204030204" pitchFamily="34" charset="0"/>
+                        </a:rPr>
+                        <a:t>Category 3 - State had exclusive state alcohol retail licensing but with local zoning authority</a:t>
+                      </a:r>
+                    </a:p>
+                  </a:txBody>
+                  <a:tcPr marL="3126" marR="3126" marT="3126" marB="0" anchor="b">
+                    <a:lnL>
+                      <a:noFill/>
+                    </a:lnL>
+                    <a:lnR w="6350" cap="flat" cmpd="sng" algn="ctr">
+                      <a:solidFill>
+                        <a:srgbClr val="4472C4"/>
+                      </a:solidFill>
+                      <a:prstDash val="solid"/>
+                      <a:round/>
+                      <a:headEnd type="none" w="med" len="med"/>
+                      <a:tailEnd type="none" w="med" len="med"/>
+                    </a:lnR>
+                    <a:lnT w="6350" cap="flat" cmpd="sng" algn="ctr">
+                      <a:solidFill>
+                        <a:srgbClr val="4472C4"/>
+                      </a:solidFill>
+                      <a:prstDash val="solid"/>
+                      <a:round/>
+                      <a:headEnd type="none" w="med" len="med"/>
+                      <a:tailEnd type="none" w="med" len="med"/>
+                    </a:lnT>
+                    <a:lnB w="6350" cap="flat" cmpd="sng" algn="ctr">
+                      <a:solidFill>
+                        <a:srgbClr val="4472C4"/>
+                      </a:solidFill>
+                      <a:prstDash val="solid"/>
+                      <a:round/>
+                      <a:headEnd type="none" w="med" len="med"/>
+                      <a:tailEnd type="none" w="med" len="med"/>
+                    </a:lnB>
+                  </a:tcPr>
+                </a:tc>
+                <a:extLst>
+                  <a:ext uri="{0D108BD9-81ED-4DB2-BD59-A6C34878D82A}">
+                    <a16:rowId xmlns:a16="http://schemas.microsoft.com/office/drawing/2014/main" val="2181395709"/>
+                  </a:ext>
+                </a:extLst>
+              </a:tr>
+              <a:tr h="150046">
+                <a:tc>
+                  <a:txBody>
+                    <a:bodyPr/>
+                    <a:lstStyle/>
+                    <a:p>
+                      <a:pPr algn="l" fontAlgn="b"/>
+                      <a:r>
+                        <a:rPr lang="en-US" sz="900" b="0" i="0" u="none" strike="noStrike">
+                          <a:solidFill>
+                            <a:srgbClr val="000000"/>
+                          </a:solidFill>
+                          <a:effectLst/>
+                          <a:latin typeface="Calibri" panose="020F0502020204030204" pitchFamily="34" charset="0"/>
+                        </a:rPr>
+                        <a:t>Pennsylvania</a:t>
+                      </a:r>
+                    </a:p>
+                  </a:txBody>
+                  <a:tcPr marL="3126" marR="3126" marT="3126" marB="0" anchor="b">
+                    <a:lnL w="6350" cap="flat" cmpd="sng" algn="ctr">
+                      <a:solidFill>
+                        <a:srgbClr val="4472C4"/>
+                      </a:solidFill>
+                      <a:prstDash val="solid"/>
+                      <a:round/>
+                      <a:headEnd type="none" w="med" len="med"/>
+                      <a:tailEnd type="none" w="med" len="med"/>
+                    </a:lnL>
+                    <a:lnR>
+                      <a:noFill/>
+                    </a:lnR>
+                    <a:lnT w="6350" cap="flat" cmpd="sng" algn="ctr">
+                      <a:solidFill>
+                        <a:srgbClr val="4472C4"/>
+                      </a:solidFill>
+                      <a:prstDash val="solid"/>
+                      <a:round/>
+                      <a:headEnd type="none" w="med" len="med"/>
+                      <a:tailEnd type="none" w="med" len="med"/>
+                    </a:lnT>
+                    <a:lnB w="6350" cap="flat" cmpd="sng" algn="ctr">
+                      <a:solidFill>
+                        <a:srgbClr val="4472C4"/>
+                      </a:solidFill>
+                      <a:prstDash val="solid"/>
+                      <a:round/>
+                      <a:headEnd type="none" w="med" len="med"/>
+                      <a:tailEnd type="none" w="med" len="med"/>
+                    </a:lnB>
+                  </a:tcPr>
+                </a:tc>
+                <a:tc>
+                  <a:txBody>
+                    <a:bodyPr/>
+                    <a:lstStyle/>
+                    <a:p>
+                      <a:pPr algn="l" fontAlgn="b"/>
+                      <a:r>
+                        <a:rPr lang="en-US" sz="900" b="0" i="0" u="none" strike="noStrike">
+                          <a:solidFill>
+                            <a:srgbClr val="000000"/>
+                          </a:solidFill>
+                          <a:effectLst/>
+                          <a:latin typeface="Calibri" panose="020F0502020204030204" pitchFamily="34" charset="0"/>
+                        </a:rPr>
+                        <a:t>Category 3 - State had exclusive state alcohol retail licensing but with local zoning authority</a:t>
+                      </a:r>
+                    </a:p>
+                  </a:txBody>
+                  <a:tcPr marL="3126" marR="3126" marT="3126" marB="0" anchor="b">
+                    <a:lnL>
+                      <a:noFill/>
+                    </a:lnL>
+                    <a:lnR w="6350" cap="flat" cmpd="sng" algn="ctr">
+                      <a:solidFill>
+                        <a:srgbClr val="4472C4"/>
+                      </a:solidFill>
+                      <a:prstDash val="solid"/>
+                      <a:round/>
+                      <a:headEnd type="none" w="med" len="med"/>
+                      <a:tailEnd type="none" w="med" len="med"/>
+                    </a:lnR>
+                    <a:lnT w="6350" cap="flat" cmpd="sng" algn="ctr">
+                      <a:solidFill>
+                        <a:srgbClr val="4472C4"/>
+                      </a:solidFill>
+                      <a:prstDash val="solid"/>
+                      <a:round/>
+                      <a:headEnd type="none" w="med" len="med"/>
+                      <a:tailEnd type="none" w="med" len="med"/>
+                    </a:lnT>
+                    <a:lnB w="6350" cap="flat" cmpd="sng" algn="ctr">
+                      <a:solidFill>
+                        <a:srgbClr val="4472C4"/>
+                      </a:solidFill>
+                      <a:prstDash val="solid"/>
+                      <a:round/>
+                      <a:headEnd type="none" w="med" len="med"/>
+                      <a:tailEnd type="none" w="med" len="med"/>
+                    </a:lnB>
+                  </a:tcPr>
+                </a:tc>
+                <a:extLst>
+                  <a:ext uri="{0D108BD9-81ED-4DB2-BD59-A6C34878D82A}">
+                    <a16:rowId xmlns:a16="http://schemas.microsoft.com/office/drawing/2014/main" val="3521179403"/>
+                  </a:ext>
+                </a:extLst>
+              </a:tr>
+              <a:tr h="150046">
+                <a:tc>
+                  <a:txBody>
+                    <a:bodyPr/>
+                    <a:lstStyle/>
+                    <a:p>
+                      <a:pPr algn="l" fontAlgn="b"/>
+                      <a:r>
+                        <a:rPr lang="en-US" sz="900" b="0" i="0" u="none" strike="noStrike">
+                          <a:solidFill>
+                            <a:srgbClr val="000000"/>
+                          </a:solidFill>
+                          <a:effectLst/>
+                          <a:latin typeface="Calibri" panose="020F0502020204030204" pitchFamily="34" charset="0"/>
+                        </a:rPr>
+                        <a:t>South Carolina</a:t>
+                      </a:r>
+                    </a:p>
+                  </a:txBody>
+                  <a:tcPr marL="3126" marR="3126" marT="3126" marB="0" anchor="b">
+                    <a:lnL w="6350" cap="flat" cmpd="sng" algn="ctr">
+                      <a:solidFill>
+                        <a:srgbClr val="4472C4"/>
+                      </a:solidFill>
+                      <a:prstDash val="solid"/>
+                      <a:round/>
+                      <a:headEnd type="none" w="med" len="med"/>
+                      <a:tailEnd type="none" w="med" len="med"/>
+                    </a:lnL>
+                    <a:lnR>
+                      <a:noFill/>
+                    </a:lnR>
+                    <a:lnT w="6350" cap="flat" cmpd="sng" algn="ctr">
+                      <a:solidFill>
+                        <a:srgbClr val="4472C4"/>
+                      </a:solidFill>
+                      <a:prstDash val="solid"/>
+                      <a:round/>
+                      <a:headEnd type="none" w="med" len="med"/>
+                      <a:tailEnd type="none" w="med" len="med"/>
+                    </a:lnT>
+                    <a:lnB w="6350" cap="flat" cmpd="sng" algn="ctr">
+                      <a:solidFill>
+                        <a:srgbClr val="4472C4"/>
+                      </a:solidFill>
+                      <a:prstDash val="solid"/>
+                      <a:round/>
+                      <a:headEnd type="none" w="med" len="med"/>
+                      <a:tailEnd type="none" w="med" len="med"/>
+                    </a:lnB>
+                  </a:tcPr>
+                </a:tc>
+                <a:tc>
+                  <a:txBody>
+                    <a:bodyPr/>
+                    <a:lstStyle/>
+                    <a:p>
+                      <a:pPr algn="l" fontAlgn="b"/>
+                      <a:r>
+                        <a:rPr lang="en-US" sz="900" b="0" i="0" u="none" strike="noStrike">
+                          <a:solidFill>
+                            <a:srgbClr val="000000"/>
+                          </a:solidFill>
+                          <a:effectLst/>
+                          <a:latin typeface="Calibri" panose="020F0502020204030204" pitchFamily="34" charset="0"/>
+                        </a:rPr>
+                        <a:t>Category 3 - State had exclusive state alcohol retail licensing but with local zoning authority</a:t>
+                      </a:r>
+                    </a:p>
+                  </a:txBody>
+                  <a:tcPr marL="3126" marR="3126" marT="3126" marB="0" anchor="b">
+                    <a:lnL>
+                      <a:noFill/>
+                    </a:lnL>
+                    <a:lnR w="6350" cap="flat" cmpd="sng" algn="ctr">
+                      <a:solidFill>
+                        <a:srgbClr val="4472C4"/>
+                      </a:solidFill>
+                      <a:prstDash val="solid"/>
+                      <a:round/>
+                      <a:headEnd type="none" w="med" len="med"/>
+                      <a:tailEnd type="none" w="med" len="med"/>
+                    </a:lnR>
+                    <a:lnT w="6350" cap="flat" cmpd="sng" algn="ctr">
+                      <a:solidFill>
+                        <a:srgbClr val="4472C4"/>
+                      </a:solidFill>
+                      <a:prstDash val="solid"/>
+                      <a:round/>
+                      <a:headEnd type="none" w="med" len="med"/>
+                      <a:tailEnd type="none" w="med" len="med"/>
+                    </a:lnT>
+                    <a:lnB w="6350" cap="flat" cmpd="sng" algn="ctr">
+                      <a:solidFill>
+                        <a:srgbClr val="4472C4"/>
+                      </a:solidFill>
+                      <a:prstDash val="solid"/>
+                      <a:round/>
+                      <a:headEnd type="none" w="med" len="med"/>
+                      <a:tailEnd type="none" w="med" len="med"/>
+                    </a:lnB>
+                  </a:tcPr>
+                </a:tc>
+                <a:extLst>
+                  <a:ext uri="{0D108BD9-81ED-4DB2-BD59-A6C34878D82A}">
+                    <a16:rowId xmlns:a16="http://schemas.microsoft.com/office/drawing/2014/main" val="3237959397"/>
+                  </a:ext>
+                </a:extLst>
+              </a:tr>
+              <a:tr h="150046">
+                <a:tc>
+                  <a:txBody>
+                    <a:bodyPr/>
+                    <a:lstStyle/>
+                    <a:p>
+                      <a:pPr algn="l" fontAlgn="b"/>
+                      <a:r>
+                        <a:rPr lang="en-US" sz="900" b="0" i="0" u="none" strike="noStrike">
+                          <a:solidFill>
+                            <a:srgbClr val="000000"/>
+                          </a:solidFill>
+                          <a:effectLst/>
+                          <a:latin typeface="Calibri" panose="020F0502020204030204" pitchFamily="34" charset="0"/>
+                        </a:rPr>
+                        <a:t>Virginia</a:t>
+                      </a:r>
+                    </a:p>
+                  </a:txBody>
+                  <a:tcPr marL="3126" marR="3126" marT="3126" marB="0" anchor="b">
+                    <a:lnL w="6350" cap="flat" cmpd="sng" algn="ctr">
+                      <a:solidFill>
+                        <a:srgbClr val="4472C4"/>
+                      </a:solidFill>
+                      <a:prstDash val="solid"/>
+                      <a:round/>
+                      <a:headEnd type="none" w="med" len="med"/>
+                      <a:tailEnd type="none" w="med" len="med"/>
+                    </a:lnL>
+                    <a:lnR>
+                      <a:noFill/>
+                    </a:lnR>
+                    <a:lnT w="6350" cap="flat" cmpd="sng" algn="ctr">
+                      <a:solidFill>
+                        <a:srgbClr val="4472C4"/>
+                      </a:solidFill>
+                      <a:prstDash val="solid"/>
+                      <a:round/>
+                      <a:headEnd type="none" w="med" len="med"/>
+                      <a:tailEnd type="none" w="med" len="med"/>
+                    </a:lnT>
+                    <a:lnB w="6350" cap="flat" cmpd="sng" algn="ctr">
+                      <a:solidFill>
+                        <a:srgbClr val="4472C4"/>
+                      </a:solidFill>
+                      <a:prstDash val="solid"/>
+                      <a:round/>
+                      <a:headEnd type="none" w="med" len="med"/>
+                      <a:tailEnd type="none" w="med" len="med"/>
+                    </a:lnB>
+                  </a:tcPr>
+                </a:tc>
+                <a:tc>
+                  <a:txBody>
+                    <a:bodyPr/>
+                    <a:lstStyle/>
+                    <a:p>
+                      <a:pPr algn="l" fontAlgn="b"/>
+                      <a:r>
+                        <a:rPr lang="en-US" sz="900" b="0" i="0" u="none" strike="noStrike">
+                          <a:solidFill>
+                            <a:srgbClr val="000000"/>
+                          </a:solidFill>
+                          <a:effectLst/>
+                          <a:latin typeface="Calibri" panose="020F0502020204030204" pitchFamily="34" charset="0"/>
+                        </a:rPr>
+                        <a:t>Category 3 - State had exclusive state alcohol retail licensing but with local zoning authority</a:t>
+                      </a:r>
+                    </a:p>
+                  </a:txBody>
+                  <a:tcPr marL="3126" marR="3126" marT="3126" marB="0" anchor="b">
+                    <a:lnL>
+                      <a:noFill/>
+                    </a:lnL>
+                    <a:lnR w="6350" cap="flat" cmpd="sng" algn="ctr">
+                      <a:solidFill>
+                        <a:srgbClr val="4472C4"/>
+                      </a:solidFill>
+                      <a:prstDash val="solid"/>
+                      <a:round/>
+                      <a:headEnd type="none" w="med" len="med"/>
+                      <a:tailEnd type="none" w="med" len="med"/>
+                    </a:lnR>
+                    <a:lnT w="6350" cap="flat" cmpd="sng" algn="ctr">
+                      <a:solidFill>
+                        <a:srgbClr val="4472C4"/>
+                      </a:solidFill>
+                      <a:prstDash val="solid"/>
+                      <a:round/>
+                      <a:headEnd type="none" w="med" len="med"/>
+                      <a:tailEnd type="none" w="med" len="med"/>
+                    </a:lnT>
+                    <a:lnB w="6350" cap="flat" cmpd="sng" algn="ctr">
+                      <a:solidFill>
+                        <a:srgbClr val="4472C4"/>
+                      </a:solidFill>
+                      <a:prstDash val="solid"/>
+                      <a:round/>
+                      <a:headEnd type="none" w="med" len="med"/>
+                      <a:tailEnd type="none" w="med" len="med"/>
+                    </a:lnB>
+                  </a:tcPr>
+                </a:tc>
+                <a:extLst>
+                  <a:ext uri="{0D108BD9-81ED-4DB2-BD59-A6C34878D82A}">
+                    <a16:rowId xmlns:a16="http://schemas.microsoft.com/office/drawing/2014/main" val="788497396"/>
+                  </a:ext>
+                </a:extLst>
+              </a:tr>
+              <a:tr h="150046">
+                <a:tc>
+                  <a:txBody>
+                    <a:bodyPr/>
+                    <a:lstStyle/>
+                    <a:p>
+                      <a:pPr algn="l" fontAlgn="b"/>
+                      <a:r>
+                        <a:rPr lang="en-US" sz="900" b="0" i="0" u="none" strike="noStrike">
+                          <a:solidFill>
+                            <a:srgbClr val="000000"/>
+                          </a:solidFill>
+                          <a:effectLst/>
+                          <a:latin typeface="Calibri" panose="020F0502020204030204" pitchFamily="34" charset="0"/>
+                        </a:rPr>
+                        <a:t>Alabama</a:t>
+                      </a:r>
+                    </a:p>
+                  </a:txBody>
+                  <a:tcPr marL="3126" marR="3126" marT="3126" marB="0" anchor="b">
+                    <a:lnL w="6350" cap="flat" cmpd="sng" algn="ctr">
+                      <a:solidFill>
+                        <a:srgbClr val="4472C4"/>
+                      </a:solidFill>
+                      <a:prstDash val="solid"/>
+                      <a:round/>
+                      <a:headEnd type="none" w="med" len="med"/>
+                      <a:tailEnd type="none" w="med" len="med"/>
+                    </a:lnL>
+                    <a:lnR>
+                      <a:noFill/>
+                    </a:lnR>
+                    <a:lnT w="6350" cap="flat" cmpd="sng" algn="ctr">
+                      <a:solidFill>
+                        <a:srgbClr val="4472C4"/>
+                      </a:solidFill>
+                      <a:prstDash val="solid"/>
+                      <a:round/>
+                      <a:headEnd type="none" w="med" len="med"/>
+                      <a:tailEnd type="none" w="med" len="med"/>
+                    </a:lnT>
+                    <a:lnB w="6350" cap="flat" cmpd="sng" algn="ctr">
+                      <a:solidFill>
+                        <a:srgbClr val="4472C4"/>
+                      </a:solidFill>
+                      <a:prstDash val="solid"/>
+                      <a:round/>
+                      <a:headEnd type="none" w="med" len="med"/>
+                      <a:tailEnd type="none" w="med" len="med"/>
+                    </a:lnB>
+                  </a:tcPr>
+                </a:tc>
+                <a:tc>
+                  <a:txBody>
+                    <a:bodyPr/>
+                    <a:lstStyle/>
+                    <a:p>
+                      <a:pPr algn="l" fontAlgn="b"/>
+                      <a:r>
+                        <a:rPr lang="en-US" sz="900" b="0" i="0" u="none" strike="noStrike">
+                          <a:solidFill>
+                            <a:srgbClr val="000000"/>
+                          </a:solidFill>
+                          <a:effectLst/>
+                          <a:latin typeface="Calibri" panose="020F0502020204030204" pitchFamily="34" charset="0"/>
+                        </a:rPr>
+                        <a:t>Category 4 - State had mixed alcohol retail licensing policiesÂ </a:t>
+                      </a:r>
+                    </a:p>
+                  </a:txBody>
+                  <a:tcPr marL="3126" marR="3126" marT="3126" marB="0" anchor="b">
+                    <a:lnL>
+                      <a:noFill/>
+                    </a:lnL>
+                    <a:lnR w="6350" cap="flat" cmpd="sng" algn="ctr">
+                      <a:solidFill>
+                        <a:srgbClr val="4472C4"/>
+                      </a:solidFill>
+                      <a:prstDash val="solid"/>
+                      <a:round/>
+                      <a:headEnd type="none" w="med" len="med"/>
+                      <a:tailEnd type="none" w="med" len="med"/>
+                    </a:lnR>
+                    <a:lnT w="6350" cap="flat" cmpd="sng" algn="ctr">
+                      <a:solidFill>
+                        <a:srgbClr val="4472C4"/>
+                      </a:solidFill>
+                      <a:prstDash val="solid"/>
+                      <a:round/>
+                      <a:headEnd type="none" w="med" len="med"/>
+                      <a:tailEnd type="none" w="med" len="med"/>
+                    </a:lnT>
+                    <a:lnB w="6350" cap="flat" cmpd="sng" algn="ctr">
+                      <a:solidFill>
+                        <a:srgbClr val="4472C4"/>
+                      </a:solidFill>
+                      <a:prstDash val="solid"/>
+                      <a:round/>
+                      <a:headEnd type="none" w="med" len="med"/>
+                      <a:tailEnd type="none" w="med" len="med"/>
+                    </a:lnB>
+                  </a:tcPr>
+                </a:tc>
+                <a:extLst>
+                  <a:ext uri="{0D108BD9-81ED-4DB2-BD59-A6C34878D82A}">
+                    <a16:rowId xmlns:a16="http://schemas.microsoft.com/office/drawing/2014/main" val="775030786"/>
+                  </a:ext>
+                </a:extLst>
+              </a:tr>
+              <a:tr h="150046">
+                <a:tc>
+                  <a:txBody>
+                    <a:bodyPr/>
+                    <a:lstStyle/>
+                    <a:p>
+                      <a:pPr algn="l" fontAlgn="b"/>
+                      <a:r>
+                        <a:rPr lang="en-US" sz="900" b="0" i="0" u="none" strike="noStrike">
+                          <a:solidFill>
+                            <a:srgbClr val="000000"/>
+                          </a:solidFill>
+                          <a:effectLst/>
+                          <a:latin typeface="Calibri" panose="020F0502020204030204" pitchFamily="34" charset="0"/>
+                        </a:rPr>
+                        <a:t>Maine</a:t>
+                      </a:r>
+                    </a:p>
+                  </a:txBody>
+                  <a:tcPr marL="3126" marR="3126" marT="3126" marB="0" anchor="b">
+                    <a:lnL w="6350" cap="flat" cmpd="sng" algn="ctr">
+                      <a:solidFill>
+                        <a:srgbClr val="4472C4"/>
+                      </a:solidFill>
+                      <a:prstDash val="solid"/>
+                      <a:round/>
+                      <a:headEnd type="none" w="med" len="med"/>
+                      <a:tailEnd type="none" w="med" len="med"/>
+                    </a:lnL>
+                    <a:lnR>
+                      <a:noFill/>
+                    </a:lnR>
+                    <a:lnT w="6350" cap="flat" cmpd="sng" algn="ctr">
+                      <a:solidFill>
+                        <a:srgbClr val="4472C4"/>
+                      </a:solidFill>
+                      <a:prstDash val="solid"/>
+                      <a:round/>
+                      <a:headEnd type="none" w="med" len="med"/>
+                      <a:tailEnd type="none" w="med" len="med"/>
+                    </a:lnT>
+                    <a:lnB w="6350" cap="flat" cmpd="sng" algn="ctr">
+                      <a:solidFill>
+                        <a:srgbClr val="4472C4"/>
+                      </a:solidFill>
+                      <a:prstDash val="solid"/>
+                      <a:round/>
+                      <a:headEnd type="none" w="med" len="med"/>
+                      <a:tailEnd type="none" w="med" len="med"/>
+                    </a:lnB>
+                  </a:tcPr>
+                </a:tc>
+                <a:tc>
+                  <a:txBody>
+                    <a:bodyPr/>
+                    <a:lstStyle/>
+                    <a:p>
+                      <a:pPr algn="l" fontAlgn="b"/>
+                      <a:r>
+                        <a:rPr lang="en-US" sz="900" b="0" i="0" u="none" strike="noStrike">
+                          <a:solidFill>
+                            <a:srgbClr val="000000"/>
+                          </a:solidFill>
+                          <a:effectLst/>
+                          <a:latin typeface="Calibri" panose="020F0502020204030204" pitchFamily="34" charset="0"/>
+                        </a:rPr>
+                        <a:t>Category 4 - State had mixed alcohol retail licensing policiesÂ </a:t>
+                      </a:r>
+                    </a:p>
+                  </a:txBody>
+                  <a:tcPr marL="3126" marR="3126" marT="3126" marB="0" anchor="b">
+                    <a:lnL>
+                      <a:noFill/>
+                    </a:lnL>
+                    <a:lnR w="6350" cap="flat" cmpd="sng" algn="ctr">
+                      <a:solidFill>
+                        <a:srgbClr val="4472C4"/>
+                      </a:solidFill>
+                      <a:prstDash val="solid"/>
+                      <a:round/>
+                      <a:headEnd type="none" w="med" len="med"/>
+                      <a:tailEnd type="none" w="med" len="med"/>
+                    </a:lnR>
+                    <a:lnT w="6350" cap="flat" cmpd="sng" algn="ctr">
+                      <a:solidFill>
+                        <a:srgbClr val="4472C4"/>
+                      </a:solidFill>
+                      <a:prstDash val="solid"/>
+                      <a:round/>
+                      <a:headEnd type="none" w="med" len="med"/>
+                      <a:tailEnd type="none" w="med" len="med"/>
+                    </a:lnT>
+                    <a:lnB w="6350" cap="flat" cmpd="sng" algn="ctr">
+                      <a:solidFill>
+                        <a:srgbClr val="4472C4"/>
+                      </a:solidFill>
+                      <a:prstDash val="solid"/>
+                      <a:round/>
+                      <a:headEnd type="none" w="med" len="med"/>
+                      <a:tailEnd type="none" w="med" len="med"/>
+                    </a:lnB>
+                  </a:tcPr>
+                </a:tc>
+                <a:extLst>
+                  <a:ext uri="{0D108BD9-81ED-4DB2-BD59-A6C34878D82A}">
+                    <a16:rowId xmlns:a16="http://schemas.microsoft.com/office/drawing/2014/main" val="2619193137"/>
+                  </a:ext>
+                </a:extLst>
+              </a:tr>
+              <a:tr h="150046">
+                <a:tc>
+                  <a:txBody>
+                    <a:bodyPr/>
+                    <a:lstStyle/>
+                    <a:p>
+                      <a:pPr algn="l" fontAlgn="b"/>
+                      <a:r>
+                        <a:rPr lang="en-US" sz="900" b="0" i="0" u="none" strike="noStrike">
+                          <a:solidFill>
+                            <a:srgbClr val="000000"/>
+                          </a:solidFill>
+                          <a:effectLst/>
+                          <a:latin typeface="Calibri" panose="020F0502020204030204" pitchFamily="34" charset="0"/>
+                        </a:rPr>
+                        <a:t>Michigan</a:t>
+                      </a:r>
+                    </a:p>
+                  </a:txBody>
+                  <a:tcPr marL="3126" marR="3126" marT="3126" marB="0" anchor="b">
+                    <a:lnL w="6350" cap="flat" cmpd="sng" algn="ctr">
+                      <a:solidFill>
+                        <a:srgbClr val="4472C4"/>
+                      </a:solidFill>
+                      <a:prstDash val="solid"/>
+                      <a:round/>
+                      <a:headEnd type="none" w="med" len="med"/>
+                      <a:tailEnd type="none" w="med" len="med"/>
+                    </a:lnL>
+                    <a:lnR>
+                      <a:noFill/>
+                    </a:lnR>
+                    <a:lnT w="6350" cap="flat" cmpd="sng" algn="ctr">
+                      <a:solidFill>
+                        <a:srgbClr val="4472C4"/>
+                      </a:solidFill>
+                      <a:prstDash val="solid"/>
+                      <a:round/>
+                      <a:headEnd type="none" w="med" len="med"/>
+                      <a:tailEnd type="none" w="med" len="med"/>
+                    </a:lnT>
+                    <a:lnB w="6350" cap="flat" cmpd="sng" algn="ctr">
+                      <a:solidFill>
+                        <a:srgbClr val="4472C4"/>
+                      </a:solidFill>
+                      <a:prstDash val="solid"/>
+                      <a:round/>
+                      <a:headEnd type="none" w="med" len="med"/>
+                      <a:tailEnd type="none" w="med" len="med"/>
+                    </a:lnB>
+                  </a:tcPr>
+                </a:tc>
+                <a:tc>
+                  <a:txBody>
+                    <a:bodyPr/>
+                    <a:lstStyle/>
+                    <a:p>
+                      <a:pPr algn="l" fontAlgn="b"/>
+                      <a:r>
+                        <a:rPr lang="en-US" sz="900" b="0" i="0" u="none" strike="noStrike">
+                          <a:solidFill>
+                            <a:srgbClr val="000000"/>
+                          </a:solidFill>
+                          <a:effectLst/>
+                          <a:latin typeface="Calibri" panose="020F0502020204030204" pitchFamily="34" charset="0"/>
+                        </a:rPr>
+                        <a:t>Category 4 - State had mixed alcohol retail licensing policiesÂ </a:t>
+                      </a:r>
+                    </a:p>
+                  </a:txBody>
+                  <a:tcPr marL="3126" marR="3126" marT="3126" marB="0" anchor="b">
+                    <a:lnL>
+                      <a:noFill/>
+                    </a:lnL>
+                    <a:lnR w="6350" cap="flat" cmpd="sng" algn="ctr">
+                      <a:solidFill>
+                        <a:srgbClr val="4472C4"/>
+                      </a:solidFill>
+                      <a:prstDash val="solid"/>
+                      <a:round/>
+                      <a:headEnd type="none" w="med" len="med"/>
+                      <a:tailEnd type="none" w="med" len="med"/>
+                    </a:lnR>
+                    <a:lnT w="6350" cap="flat" cmpd="sng" algn="ctr">
+                      <a:solidFill>
+                        <a:srgbClr val="4472C4"/>
+                      </a:solidFill>
+                      <a:prstDash val="solid"/>
+                      <a:round/>
+                      <a:headEnd type="none" w="med" len="med"/>
+                      <a:tailEnd type="none" w="med" len="med"/>
+                    </a:lnT>
+                    <a:lnB w="6350" cap="flat" cmpd="sng" algn="ctr">
+                      <a:solidFill>
+                        <a:srgbClr val="4472C4"/>
+                      </a:solidFill>
+                      <a:prstDash val="solid"/>
+                      <a:round/>
+                      <a:headEnd type="none" w="med" len="med"/>
+                      <a:tailEnd type="none" w="med" len="med"/>
+                    </a:lnB>
+                  </a:tcPr>
+                </a:tc>
+                <a:extLst>
+                  <a:ext uri="{0D108BD9-81ED-4DB2-BD59-A6C34878D82A}">
+                    <a16:rowId xmlns:a16="http://schemas.microsoft.com/office/drawing/2014/main" val="513167148"/>
+                  </a:ext>
+                </a:extLst>
+              </a:tr>
+              <a:tr h="150046">
+                <a:tc>
+                  <a:txBody>
+                    <a:bodyPr/>
+                    <a:lstStyle/>
+                    <a:p>
+                      <a:pPr algn="l" fontAlgn="b"/>
+                      <a:r>
+                        <a:rPr lang="en-US" sz="900" b="0" i="0" u="none" strike="noStrike">
+                          <a:solidFill>
+                            <a:srgbClr val="000000"/>
+                          </a:solidFill>
+                          <a:effectLst/>
+                          <a:latin typeface="Calibri" panose="020F0502020204030204" pitchFamily="34" charset="0"/>
+                        </a:rPr>
+                        <a:t>Mississippi</a:t>
+                      </a:r>
+                    </a:p>
+                  </a:txBody>
+                  <a:tcPr marL="3126" marR="3126" marT="3126" marB="0" anchor="b">
+                    <a:lnL w="6350" cap="flat" cmpd="sng" algn="ctr">
+                      <a:solidFill>
+                        <a:srgbClr val="4472C4"/>
+                      </a:solidFill>
+                      <a:prstDash val="solid"/>
+                      <a:round/>
+                      <a:headEnd type="none" w="med" len="med"/>
+                      <a:tailEnd type="none" w="med" len="med"/>
+                    </a:lnL>
+                    <a:lnR>
+                      <a:noFill/>
+                    </a:lnR>
+                    <a:lnT w="6350" cap="flat" cmpd="sng" algn="ctr">
+                      <a:solidFill>
+                        <a:srgbClr val="4472C4"/>
+                      </a:solidFill>
+                      <a:prstDash val="solid"/>
+                      <a:round/>
+                      <a:headEnd type="none" w="med" len="med"/>
+                      <a:tailEnd type="none" w="med" len="med"/>
+                    </a:lnT>
+                    <a:lnB w="6350" cap="flat" cmpd="sng" algn="ctr">
+                      <a:solidFill>
+                        <a:srgbClr val="4472C4"/>
+                      </a:solidFill>
+                      <a:prstDash val="solid"/>
+                      <a:round/>
+                      <a:headEnd type="none" w="med" len="med"/>
+                      <a:tailEnd type="none" w="med" len="med"/>
+                    </a:lnB>
+                  </a:tcPr>
+                </a:tc>
+                <a:tc>
+                  <a:txBody>
+                    <a:bodyPr/>
+                    <a:lstStyle/>
+                    <a:p>
+                      <a:pPr algn="l" fontAlgn="b"/>
+                      <a:r>
+                        <a:rPr lang="en-US" sz="900" b="0" i="0" u="none" strike="noStrike">
+                          <a:solidFill>
+                            <a:srgbClr val="000000"/>
+                          </a:solidFill>
+                          <a:effectLst/>
+                          <a:latin typeface="Calibri" panose="020F0502020204030204" pitchFamily="34" charset="0"/>
+                        </a:rPr>
+                        <a:t>Category 4 - State had mixed alcohol retail licensing policiesÂ </a:t>
+                      </a:r>
+                    </a:p>
+                  </a:txBody>
+                  <a:tcPr marL="3126" marR="3126" marT="3126" marB="0" anchor="b">
+                    <a:lnL>
+                      <a:noFill/>
+                    </a:lnL>
+                    <a:lnR w="6350" cap="flat" cmpd="sng" algn="ctr">
+                      <a:solidFill>
+                        <a:srgbClr val="4472C4"/>
+                      </a:solidFill>
+                      <a:prstDash val="solid"/>
+                      <a:round/>
+                      <a:headEnd type="none" w="med" len="med"/>
+                      <a:tailEnd type="none" w="med" len="med"/>
+                    </a:lnR>
+                    <a:lnT w="6350" cap="flat" cmpd="sng" algn="ctr">
+                      <a:solidFill>
+                        <a:srgbClr val="4472C4"/>
+                      </a:solidFill>
+                      <a:prstDash val="solid"/>
+                      <a:round/>
+                      <a:headEnd type="none" w="med" len="med"/>
+                      <a:tailEnd type="none" w="med" len="med"/>
+                    </a:lnT>
+                    <a:lnB w="6350" cap="flat" cmpd="sng" algn="ctr">
+                      <a:solidFill>
+                        <a:srgbClr val="4472C4"/>
+                      </a:solidFill>
+                      <a:prstDash val="solid"/>
+                      <a:round/>
+                      <a:headEnd type="none" w="med" len="med"/>
+                      <a:tailEnd type="none" w="med" len="med"/>
+                    </a:lnB>
+                  </a:tcPr>
+                </a:tc>
+                <a:extLst>
+                  <a:ext uri="{0D108BD9-81ED-4DB2-BD59-A6C34878D82A}">
+                    <a16:rowId xmlns:a16="http://schemas.microsoft.com/office/drawing/2014/main" val="778125747"/>
+                  </a:ext>
+                </a:extLst>
+              </a:tr>
+              <a:tr h="150046">
+                <a:tc>
+                  <a:txBody>
+                    <a:bodyPr/>
+                    <a:lstStyle/>
+                    <a:p>
+                      <a:pPr algn="l" fontAlgn="b"/>
+                      <a:r>
+                        <a:rPr lang="en-US" sz="900" b="0" i="0" u="none" strike="noStrike">
+                          <a:solidFill>
+                            <a:srgbClr val="000000"/>
+                          </a:solidFill>
+                          <a:effectLst/>
+                          <a:latin typeface="Calibri" panose="020F0502020204030204" pitchFamily="34" charset="0"/>
+                        </a:rPr>
+                        <a:t>Missouri</a:t>
+                      </a:r>
+                    </a:p>
+                  </a:txBody>
+                  <a:tcPr marL="3126" marR="3126" marT="3126" marB="0" anchor="b">
+                    <a:lnL w="6350" cap="flat" cmpd="sng" algn="ctr">
+                      <a:solidFill>
+                        <a:srgbClr val="4472C4"/>
+                      </a:solidFill>
+                      <a:prstDash val="solid"/>
+                      <a:round/>
+                      <a:headEnd type="none" w="med" len="med"/>
+                      <a:tailEnd type="none" w="med" len="med"/>
+                    </a:lnL>
+                    <a:lnR>
+                      <a:noFill/>
+                    </a:lnR>
+                    <a:lnT w="6350" cap="flat" cmpd="sng" algn="ctr">
+                      <a:solidFill>
+                        <a:srgbClr val="4472C4"/>
+                      </a:solidFill>
+                      <a:prstDash val="solid"/>
+                      <a:round/>
+                      <a:headEnd type="none" w="med" len="med"/>
+                      <a:tailEnd type="none" w="med" len="med"/>
+                    </a:lnT>
+                    <a:lnB w="6350" cap="flat" cmpd="sng" algn="ctr">
+                      <a:solidFill>
+                        <a:srgbClr val="4472C4"/>
+                      </a:solidFill>
+                      <a:prstDash val="solid"/>
+                      <a:round/>
+                      <a:headEnd type="none" w="med" len="med"/>
+                      <a:tailEnd type="none" w="med" len="med"/>
+                    </a:lnB>
+                  </a:tcPr>
+                </a:tc>
+                <a:tc>
+                  <a:txBody>
+                    <a:bodyPr/>
+                    <a:lstStyle/>
+                    <a:p>
+                      <a:pPr algn="l" fontAlgn="b"/>
+                      <a:r>
+                        <a:rPr lang="en-US" sz="900" b="0" i="0" u="none" strike="noStrike">
+                          <a:solidFill>
+                            <a:srgbClr val="000000"/>
+                          </a:solidFill>
+                          <a:effectLst/>
+                          <a:latin typeface="Calibri" panose="020F0502020204030204" pitchFamily="34" charset="0"/>
+                        </a:rPr>
+                        <a:t>Category 4 - State had mixed alcohol retail licensing policiesÂ </a:t>
+                      </a:r>
+                    </a:p>
+                  </a:txBody>
+                  <a:tcPr marL="3126" marR="3126" marT="3126" marB="0" anchor="b">
+                    <a:lnL>
+                      <a:noFill/>
+                    </a:lnL>
+                    <a:lnR w="6350" cap="flat" cmpd="sng" algn="ctr">
+                      <a:solidFill>
+                        <a:srgbClr val="4472C4"/>
+                      </a:solidFill>
+                      <a:prstDash val="solid"/>
+                      <a:round/>
+                      <a:headEnd type="none" w="med" len="med"/>
+                      <a:tailEnd type="none" w="med" len="med"/>
+                    </a:lnR>
+                    <a:lnT w="6350" cap="flat" cmpd="sng" algn="ctr">
+                      <a:solidFill>
+                        <a:srgbClr val="4472C4"/>
+                      </a:solidFill>
+                      <a:prstDash val="solid"/>
+                      <a:round/>
+                      <a:headEnd type="none" w="med" len="med"/>
+                      <a:tailEnd type="none" w="med" len="med"/>
+                    </a:lnT>
+                    <a:lnB w="6350" cap="flat" cmpd="sng" algn="ctr">
+                      <a:solidFill>
+                        <a:srgbClr val="4472C4"/>
+                      </a:solidFill>
+                      <a:prstDash val="solid"/>
+                      <a:round/>
+                      <a:headEnd type="none" w="med" len="med"/>
+                      <a:tailEnd type="none" w="med" len="med"/>
+                    </a:lnB>
+                  </a:tcPr>
+                </a:tc>
+                <a:extLst>
+                  <a:ext uri="{0D108BD9-81ED-4DB2-BD59-A6C34878D82A}">
+                    <a16:rowId xmlns:a16="http://schemas.microsoft.com/office/drawing/2014/main" val="1578241027"/>
+                  </a:ext>
+                </a:extLst>
+              </a:tr>
+              <a:tr h="150046">
+                <a:tc>
+                  <a:txBody>
+                    <a:bodyPr/>
+                    <a:lstStyle/>
+                    <a:p>
+                      <a:pPr algn="l" fontAlgn="b"/>
+                      <a:r>
+                        <a:rPr lang="en-US" sz="900" b="0" i="0" u="none" strike="noStrike">
+                          <a:solidFill>
+                            <a:srgbClr val="000000"/>
+                          </a:solidFill>
+                          <a:effectLst/>
+                          <a:latin typeface="Calibri" panose="020F0502020204030204" pitchFamily="34" charset="0"/>
+                        </a:rPr>
+                        <a:t>Texas</a:t>
+                      </a:r>
+                    </a:p>
+                  </a:txBody>
+                  <a:tcPr marL="3126" marR="3126" marT="3126" marB="0" anchor="b">
+                    <a:lnL w="6350" cap="flat" cmpd="sng" algn="ctr">
+                      <a:solidFill>
+                        <a:srgbClr val="4472C4"/>
+                      </a:solidFill>
+                      <a:prstDash val="solid"/>
+                      <a:round/>
+                      <a:headEnd type="none" w="med" len="med"/>
+                      <a:tailEnd type="none" w="med" len="med"/>
+                    </a:lnL>
+                    <a:lnR>
+                      <a:noFill/>
+                    </a:lnR>
+                    <a:lnT w="6350" cap="flat" cmpd="sng" algn="ctr">
+                      <a:solidFill>
+                        <a:srgbClr val="4472C4"/>
+                      </a:solidFill>
+                      <a:prstDash val="solid"/>
+                      <a:round/>
+                      <a:headEnd type="none" w="med" len="med"/>
+                      <a:tailEnd type="none" w="med" len="med"/>
+                    </a:lnT>
+                    <a:lnB w="6350" cap="flat" cmpd="sng" algn="ctr">
+                      <a:solidFill>
+                        <a:srgbClr val="4472C4"/>
+                      </a:solidFill>
+                      <a:prstDash val="solid"/>
+                      <a:round/>
+                      <a:headEnd type="none" w="med" len="med"/>
+                      <a:tailEnd type="none" w="med" len="med"/>
+                    </a:lnB>
+                  </a:tcPr>
+                </a:tc>
+                <a:tc>
+                  <a:txBody>
+                    <a:bodyPr/>
+                    <a:lstStyle/>
+                    <a:p>
+                      <a:pPr algn="l" fontAlgn="b"/>
+                      <a:r>
+                        <a:rPr lang="en-US" sz="900" b="0" i="0" u="none" strike="noStrike">
+                          <a:solidFill>
+                            <a:srgbClr val="000000"/>
+                          </a:solidFill>
+                          <a:effectLst/>
+                          <a:latin typeface="Calibri" panose="020F0502020204030204" pitchFamily="34" charset="0"/>
+                        </a:rPr>
+                        <a:t>Category 4 - State had mixed alcohol retail licensing policiesÂ </a:t>
+                      </a:r>
+                    </a:p>
+                  </a:txBody>
+                  <a:tcPr marL="3126" marR="3126" marT="3126" marB="0" anchor="b">
+                    <a:lnL>
+                      <a:noFill/>
+                    </a:lnL>
+                    <a:lnR w="6350" cap="flat" cmpd="sng" algn="ctr">
+                      <a:solidFill>
+                        <a:srgbClr val="4472C4"/>
+                      </a:solidFill>
+                      <a:prstDash val="solid"/>
+                      <a:round/>
+                      <a:headEnd type="none" w="med" len="med"/>
+                      <a:tailEnd type="none" w="med" len="med"/>
+                    </a:lnR>
+                    <a:lnT w="6350" cap="flat" cmpd="sng" algn="ctr">
+                      <a:solidFill>
+                        <a:srgbClr val="4472C4"/>
+                      </a:solidFill>
+                      <a:prstDash val="solid"/>
+                      <a:round/>
+                      <a:headEnd type="none" w="med" len="med"/>
+                      <a:tailEnd type="none" w="med" len="med"/>
+                    </a:lnT>
+                    <a:lnB w="6350" cap="flat" cmpd="sng" algn="ctr">
+                      <a:solidFill>
+                        <a:srgbClr val="4472C4"/>
+                      </a:solidFill>
+                      <a:prstDash val="solid"/>
+                      <a:round/>
+                      <a:headEnd type="none" w="med" len="med"/>
+                      <a:tailEnd type="none" w="med" len="med"/>
+                    </a:lnB>
+                  </a:tcPr>
+                </a:tc>
+                <a:extLst>
+                  <a:ext uri="{0D108BD9-81ED-4DB2-BD59-A6C34878D82A}">
+                    <a16:rowId xmlns:a16="http://schemas.microsoft.com/office/drawing/2014/main" val="2421551253"/>
+                  </a:ext>
+                </a:extLst>
+              </a:tr>
+              <a:tr h="150046">
+                <a:tc>
+                  <a:txBody>
+                    <a:bodyPr/>
+                    <a:lstStyle/>
+                    <a:p>
+                      <a:pPr algn="l" fontAlgn="b"/>
+                      <a:r>
+                        <a:rPr lang="en-US" sz="900" b="0" i="0" u="none" strike="noStrike">
+                          <a:solidFill>
+                            <a:srgbClr val="000000"/>
+                          </a:solidFill>
+                          <a:effectLst/>
+                          <a:latin typeface="Calibri" panose="020F0502020204030204" pitchFamily="34" charset="0"/>
+                        </a:rPr>
+                        <a:t>Vermont</a:t>
+                      </a:r>
+                    </a:p>
+                  </a:txBody>
+                  <a:tcPr marL="3126" marR="3126" marT="3126" marB="0" anchor="b">
+                    <a:lnL w="6350" cap="flat" cmpd="sng" algn="ctr">
+                      <a:solidFill>
+                        <a:srgbClr val="4472C4"/>
+                      </a:solidFill>
+                      <a:prstDash val="solid"/>
+                      <a:round/>
+                      <a:headEnd type="none" w="med" len="med"/>
+                      <a:tailEnd type="none" w="med" len="med"/>
+                    </a:lnL>
+                    <a:lnR>
+                      <a:noFill/>
+                    </a:lnR>
+                    <a:lnT w="6350" cap="flat" cmpd="sng" algn="ctr">
+                      <a:solidFill>
+                        <a:srgbClr val="4472C4"/>
+                      </a:solidFill>
+                      <a:prstDash val="solid"/>
+                      <a:round/>
+                      <a:headEnd type="none" w="med" len="med"/>
+                      <a:tailEnd type="none" w="med" len="med"/>
+                    </a:lnT>
+                    <a:lnB w="6350" cap="flat" cmpd="sng" algn="ctr">
+                      <a:solidFill>
+                        <a:srgbClr val="4472C4"/>
+                      </a:solidFill>
+                      <a:prstDash val="solid"/>
+                      <a:round/>
+                      <a:headEnd type="none" w="med" len="med"/>
+                      <a:tailEnd type="none" w="med" len="med"/>
+                    </a:lnB>
+                  </a:tcPr>
+                </a:tc>
+                <a:tc>
+                  <a:txBody>
+                    <a:bodyPr/>
+                    <a:lstStyle/>
+                    <a:p>
+                      <a:pPr algn="l" fontAlgn="b"/>
+                      <a:r>
+                        <a:rPr lang="en-US" sz="900" b="0" i="0" u="none" strike="noStrike">
+                          <a:solidFill>
+                            <a:srgbClr val="000000"/>
+                          </a:solidFill>
+                          <a:effectLst/>
+                          <a:latin typeface="Calibri" panose="020F0502020204030204" pitchFamily="34" charset="0"/>
+                        </a:rPr>
+                        <a:t>Category 4 - State had mixed alcohol retail licensing policiesÂ </a:t>
+                      </a:r>
+                    </a:p>
+                  </a:txBody>
+                  <a:tcPr marL="3126" marR="3126" marT="3126" marB="0" anchor="b">
+                    <a:lnL>
+                      <a:noFill/>
+                    </a:lnL>
+                    <a:lnR w="6350" cap="flat" cmpd="sng" algn="ctr">
+                      <a:solidFill>
+                        <a:srgbClr val="4472C4"/>
+                      </a:solidFill>
+                      <a:prstDash val="solid"/>
+                      <a:round/>
+                      <a:headEnd type="none" w="med" len="med"/>
+                      <a:tailEnd type="none" w="med" len="med"/>
+                    </a:lnR>
+                    <a:lnT w="6350" cap="flat" cmpd="sng" algn="ctr">
+                      <a:solidFill>
+                        <a:srgbClr val="4472C4"/>
+                      </a:solidFill>
+                      <a:prstDash val="solid"/>
+                      <a:round/>
+                      <a:headEnd type="none" w="med" len="med"/>
+                      <a:tailEnd type="none" w="med" len="med"/>
+                    </a:lnT>
+                    <a:lnB w="6350" cap="flat" cmpd="sng" algn="ctr">
+                      <a:solidFill>
+                        <a:srgbClr val="4472C4"/>
+                      </a:solidFill>
+                      <a:prstDash val="solid"/>
+                      <a:round/>
+                      <a:headEnd type="none" w="med" len="med"/>
+                      <a:tailEnd type="none" w="med" len="med"/>
+                    </a:lnB>
+                  </a:tcPr>
+                </a:tc>
+                <a:extLst>
+                  <a:ext uri="{0D108BD9-81ED-4DB2-BD59-A6C34878D82A}">
+                    <a16:rowId xmlns:a16="http://schemas.microsoft.com/office/drawing/2014/main" val="1044746077"/>
+                  </a:ext>
+                </a:extLst>
+              </a:tr>
+              <a:tr h="150046">
+                <a:tc>
+                  <a:txBody>
+                    <a:bodyPr/>
+                    <a:lstStyle/>
+                    <a:p>
+                      <a:pPr algn="l" fontAlgn="b"/>
+                      <a:r>
+                        <a:rPr lang="en-US" sz="900" b="0" i="0" u="none" strike="noStrike">
+                          <a:solidFill>
+                            <a:srgbClr val="000000"/>
+                          </a:solidFill>
+                          <a:effectLst/>
+                          <a:latin typeface="Calibri" panose="020F0502020204030204" pitchFamily="34" charset="0"/>
+                        </a:rPr>
+                        <a:t>West Virginia</a:t>
+                      </a:r>
+                    </a:p>
+                  </a:txBody>
+                  <a:tcPr marL="3126" marR="3126" marT="3126" marB="0" anchor="b">
+                    <a:lnL w="6350" cap="flat" cmpd="sng" algn="ctr">
+                      <a:solidFill>
+                        <a:srgbClr val="4472C4"/>
+                      </a:solidFill>
+                      <a:prstDash val="solid"/>
+                      <a:round/>
+                      <a:headEnd type="none" w="med" len="med"/>
+                      <a:tailEnd type="none" w="med" len="med"/>
+                    </a:lnL>
+                    <a:lnR>
+                      <a:noFill/>
+                    </a:lnR>
+                    <a:lnT w="6350" cap="flat" cmpd="sng" algn="ctr">
+                      <a:solidFill>
+                        <a:srgbClr val="4472C4"/>
+                      </a:solidFill>
+                      <a:prstDash val="solid"/>
+                      <a:round/>
+                      <a:headEnd type="none" w="med" len="med"/>
+                      <a:tailEnd type="none" w="med" len="med"/>
+                    </a:lnT>
+                    <a:lnB w="6350" cap="flat" cmpd="sng" algn="ctr">
+                      <a:solidFill>
+                        <a:srgbClr val="4472C4"/>
+                      </a:solidFill>
+                      <a:prstDash val="solid"/>
+                      <a:round/>
+                      <a:headEnd type="none" w="med" len="med"/>
+                      <a:tailEnd type="none" w="med" len="med"/>
+                    </a:lnB>
+                  </a:tcPr>
+                </a:tc>
+                <a:tc>
+                  <a:txBody>
+                    <a:bodyPr/>
+                    <a:lstStyle/>
+                    <a:p>
+                      <a:pPr algn="l" fontAlgn="b"/>
+                      <a:r>
+                        <a:rPr lang="en-US" sz="900" b="0" i="0" u="none" strike="noStrike">
+                          <a:solidFill>
+                            <a:srgbClr val="000000"/>
+                          </a:solidFill>
+                          <a:effectLst/>
+                          <a:latin typeface="Calibri" panose="020F0502020204030204" pitchFamily="34" charset="0"/>
+                        </a:rPr>
+                        <a:t>Category 4 - State had mixed alcohol retail licensing policiesÂ </a:t>
+                      </a:r>
+                    </a:p>
+                  </a:txBody>
+                  <a:tcPr marL="3126" marR="3126" marT="3126" marB="0" anchor="b">
+                    <a:lnL>
+                      <a:noFill/>
+                    </a:lnL>
+                    <a:lnR w="6350" cap="flat" cmpd="sng" algn="ctr">
+                      <a:solidFill>
+                        <a:srgbClr val="4472C4"/>
+                      </a:solidFill>
+                      <a:prstDash val="solid"/>
+                      <a:round/>
+                      <a:headEnd type="none" w="med" len="med"/>
+                      <a:tailEnd type="none" w="med" len="med"/>
+                    </a:lnR>
+                    <a:lnT w="6350" cap="flat" cmpd="sng" algn="ctr">
+                      <a:solidFill>
+                        <a:srgbClr val="4472C4"/>
+                      </a:solidFill>
+                      <a:prstDash val="solid"/>
+                      <a:round/>
+                      <a:headEnd type="none" w="med" len="med"/>
+                      <a:tailEnd type="none" w="med" len="med"/>
+                    </a:lnT>
+                    <a:lnB w="6350" cap="flat" cmpd="sng" algn="ctr">
+                      <a:solidFill>
+                        <a:srgbClr val="4472C4"/>
+                      </a:solidFill>
+                      <a:prstDash val="solid"/>
+                      <a:round/>
+                      <a:headEnd type="none" w="med" len="med"/>
+                      <a:tailEnd type="none" w="med" len="med"/>
+                    </a:lnB>
+                  </a:tcPr>
+                </a:tc>
+                <a:extLst>
+                  <a:ext uri="{0D108BD9-81ED-4DB2-BD59-A6C34878D82A}">
+                    <a16:rowId xmlns:a16="http://schemas.microsoft.com/office/drawing/2014/main" val="1960776174"/>
+                  </a:ext>
+                </a:extLst>
+              </a:tr>
+              <a:tr h="150046">
+                <a:tc>
+                  <a:txBody>
+                    <a:bodyPr/>
+                    <a:lstStyle/>
+                    <a:p>
+                      <a:pPr algn="l" fontAlgn="b"/>
+                      <a:r>
+                        <a:rPr lang="en-US" sz="900" b="0" i="0" u="none" strike="noStrike">
+                          <a:solidFill>
+                            <a:srgbClr val="000000"/>
+                          </a:solidFill>
+                          <a:effectLst/>
+                          <a:latin typeface="Calibri" panose="020F0502020204030204" pitchFamily="34" charset="0"/>
+                        </a:rPr>
+                        <a:t>North Carolina</a:t>
+                      </a:r>
+                    </a:p>
+                  </a:txBody>
+                  <a:tcPr marL="3126" marR="3126" marT="3126" marB="0" anchor="b">
+                    <a:lnL w="6350" cap="flat" cmpd="sng" algn="ctr">
+                      <a:solidFill>
+                        <a:srgbClr val="4472C4"/>
+                      </a:solidFill>
+                      <a:prstDash val="solid"/>
+                      <a:round/>
+                      <a:headEnd type="none" w="med" len="med"/>
+                      <a:tailEnd type="none" w="med" len="med"/>
+                    </a:lnL>
+                    <a:lnR>
+                      <a:noFill/>
+                    </a:lnR>
+                    <a:lnT w="6350" cap="flat" cmpd="sng" algn="ctr">
+                      <a:solidFill>
+                        <a:srgbClr val="4472C4"/>
+                      </a:solidFill>
+                      <a:prstDash val="solid"/>
+                      <a:round/>
+                      <a:headEnd type="none" w="med" len="med"/>
+                      <a:tailEnd type="none" w="med" len="med"/>
+                    </a:lnT>
+                    <a:lnB w="6350" cap="flat" cmpd="sng" algn="ctr">
+                      <a:solidFill>
+                        <a:srgbClr val="4472C4"/>
+                      </a:solidFill>
+                      <a:prstDash val="solid"/>
+                      <a:round/>
+                      <a:headEnd type="none" w="med" len="med"/>
+                      <a:tailEnd type="none" w="med" len="med"/>
+                    </a:lnB>
+                  </a:tcPr>
+                </a:tc>
+                <a:tc>
+                  <a:txBody>
+                    <a:bodyPr/>
+                    <a:lstStyle/>
+                    <a:p>
+                      <a:pPr algn="l" fontAlgn="b"/>
+                      <a:r>
+                        <a:rPr lang="en-US" sz="900" b="0" i="0" u="none" strike="noStrike">
+                          <a:solidFill>
+                            <a:srgbClr val="000000"/>
+                          </a:solidFill>
+                          <a:effectLst/>
+                          <a:latin typeface="Calibri" panose="020F0502020204030204" pitchFamily="34" charset="0"/>
+                        </a:rPr>
+                        <a:t>Category 5 - State had nearly exclusive state alcohol retail licensing</a:t>
+                      </a:r>
+                    </a:p>
+                  </a:txBody>
+                  <a:tcPr marL="3126" marR="3126" marT="3126" marB="0" anchor="b">
+                    <a:lnL>
+                      <a:noFill/>
+                    </a:lnL>
+                    <a:lnR w="6350" cap="flat" cmpd="sng" algn="ctr">
+                      <a:solidFill>
+                        <a:srgbClr val="4472C4"/>
+                      </a:solidFill>
+                      <a:prstDash val="solid"/>
+                      <a:round/>
+                      <a:headEnd type="none" w="med" len="med"/>
+                      <a:tailEnd type="none" w="med" len="med"/>
+                    </a:lnR>
+                    <a:lnT w="6350" cap="flat" cmpd="sng" algn="ctr">
+                      <a:solidFill>
+                        <a:srgbClr val="4472C4"/>
+                      </a:solidFill>
+                      <a:prstDash val="solid"/>
+                      <a:round/>
+                      <a:headEnd type="none" w="med" len="med"/>
+                      <a:tailEnd type="none" w="med" len="med"/>
+                    </a:lnT>
+                    <a:lnB w="6350" cap="flat" cmpd="sng" algn="ctr">
+                      <a:solidFill>
+                        <a:srgbClr val="4472C4"/>
+                      </a:solidFill>
+                      <a:prstDash val="solid"/>
+                      <a:round/>
+                      <a:headEnd type="none" w="med" len="med"/>
+                      <a:tailEnd type="none" w="med" len="med"/>
+                    </a:lnB>
+                  </a:tcPr>
+                </a:tc>
+                <a:extLst>
+                  <a:ext uri="{0D108BD9-81ED-4DB2-BD59-A6C34878D82A}">
+                    <a16:rowId xmlns:a16="http://schemas.microsoft.com/office/drawing/2014/main" val="3376670971"/>
+                  </a:ext>
+                </a:extLst>
+              </a:tr>
+              <a:tr h="150046">
+                <a:tc>
+                  <a:txBody>
+                    <a:bodyPr/>
+                    <a:lstStyle/>
+                    <a:p>
+                      <a:pPr algn="l" fontAlgn="b"/>
+                      <a:r>
+                        <a:rPr lang="en-US" sz="900" b="0" i="0" u="none" strike="noStrike">
+                          <a:solidFill>
+                            <a:srgbClr val="000000"/>
+                          </a:solidFill>
+                          <a:effectLst/>
+                          <a:latin typeface="Calibri" panose="020F0502020204030204" pitchFamily="34" charset="0"/>
+                        </a:rPr>
+                        <a:t>Oregon</a:t>
+                      </a:r>
+                    </a:p>
+                  </a:txBody>
+                  <a:tcPr marL="3126" marR="3126" marT="3126" marB="0" anchor="b">
+                    <a:lnL w="6350" cap="flat" cmpd="sng" algn="ctr">
+                      <a:solidFill>
+                        <a:srgbClr val="4472C4"/>
+                      </a:solidFill>
+                      <a:prstDash val="solid"/>
+                      <a:round/>
+                      <a:headEnd type="none" w="med" len="med"/>
+                      <a:tailEnd type="none" w="med" len="med"/>
+                    </a:lnL>
+                    <a:lnR>
+                      <a:noFill/>
+                    </a:lnR>
+                    <a:lnT w="6350" cap="flat" cmpd="sng" algn="ctr">
+                      <a:solidFill>
+                        <a:srgbClr val="4472C4"/>
+                      </a:solidFill>
+                      <a:prstDash val="solid"/>
+                      <a:round/>
+                      <a:headEnd type="none" w="med" len="med"/>
+                      <a:tailEnd type="none" w="med" len="med"/>
+                    </a:lnT>
+                    <a:lnB w="6350" cap="flat" cmpd="sng" algn="ctr">
+                      <a:solidFill>
+                        <a:srgbClr val="4472C4"/>
+                      </a:solidFill>
+                      <a:prstDash val="solid"/>
+                      <a:round/>
+                      <a:headEnd type="none" w="med" len="med"/>
+                      <a:tailEnd type="none" w="med" len="med"/>
+                    </a:lnB>
+                  </a:tcPr>
+                </a:tc>
+                <a:tc>
+                  <a:txBody>
+                    <a:bodyPr/>
+                    <a:lstStyle/>
+                    <a:p>
+                      <a:pPr algn="l" fontAlgn="b"/>
+                      <a:r>
+                        <a:rPr lang="en-US" sz="900" b="0" i="0" u="none" strike="noStrike">
+                          <a:solidFill>
+                            <a:srgbClr val="000000"/>
+                          </a:solidFill>
+                          <a:effectLst/>
+                          <a:latin typeface="Calibri" panose="020F0502020204030204" pitchFamily="34" charset="0"/>
+                        </a:rPr>
+                        <a:t>Category 5 - State had nearly exclusive state alcohol retail licensing</a:t>
+                      </a:r>
+                    </a:p>
+                  </a:txBody>
+                  <a:tcPr marL="3126" marR="3126" marT="3126" marB="0" anchor="b">
+                    <a:lnL>
+                      <a:noFill/>
+                    </a:lnL>
+                    <a:lnR w="6350" cap="flat" cmpd="sng" algn="ctr">
+                      <a:solidFill>
+                        <a:srgbClr val="4472C4"/>
+                      </a:solidFill>
+                      <a:prstDash val="solid"/>
+                      <a:round/>
+                      <a:headEnd type="none" w="med" len="med"/>
+                      <a:tailEnd type="none" w="med" len="med"/>
+                    </a:lnR>
+                    <a:lnT w="6350" cap="flat" cmpd="sng" algn="ctr">
+                      <a:solidFill>
+                        <a:srgbClr val="4472C4"/>
+                      </a:solidFill>
+                      <a:prstDash val="solid"/>
+                      <a:round/>
+                      <a:headEnd type="none" w="med" len="med"/>
+                      <a:tailEnd type="none" w="med" len="med"/>
+                    </a:lnT>
+                    <a:lnB w="6350" cap="flat" cmpd="sng" algn="ctr">
+                      <a:solidFill>
+                        <a:srgbClr val="4472C4"/>
+                      </a:solidFill>
+                      <a:prstDash val="solid"/>
+                      <a:round/>
+                      <a:headEnd type="none" w="med" len="med"/>
+                      <a:tailEnd type="none" w="med" len="med"/>
+                    </a:lnB>
+                  </a:tcPr>
+                </a:tc>
+                <a:extLst>
+                  <a:ext uri="{0D108BD9-81ED-4DB2-BD59-A6C34878D82A}">
+                    <a16:rowId xmlns:a16="http://schemas.microsoft.com/office/drawing/2014/main" val="3204704204"/>
+                  </a:ext>
+                </a:extLst>
+              </a:tr>
+              <a:tr h="150046">
+                <a:tc>
+                  <a:txBody>
+                    <a:bodyPr/>
+                    <a:lstStyle/>
+                    <a:p>
+                      <a:pPr algn="l" fontAlgn="b"/>
+                      <a:r>
+                        <a:rPr lang="en-US" sz="900" b="0" i="0" u="none" strike="noStrike">
+                          <a:solidFill>
+                            <a:srgbClr val="000000"/>
+                          </a:solidFill>
+                          <a:effectLst/>
+                          <a:latin typeface="Calibri" panose="020F0502020204030204" pitchFamily="34" charset="0"/>
+                        </a:rPr>
+                        <a:t>Arizona</a:t>
+                      </a:r>
+                    </a:p>
+                  </a:txBody>
+                  <a:tcPr marL="3126" marR="3126" marT="3126" marB="0" anchor="b">
+                    <a:lnL w="6350" cap="flat" cmpd="sng" algn="ctr">
+                      <a:solidFill>
+                        <a:srgbClr val="4472C4"/>
+                      </a:solidFill>
+                      <a:prstDash val="solid"/>
+                      <a:round/>
+                      <a:headEnd type="none" w="med" len="med"/>
+                      <a:tailEnd type="none" w="med" len="med"/>
+                    </a:lnL>
+                    <a:lnR>
+                      <a:noFill/>
+                    </a:lnR>
+                    <a:lnT w="6350" cap="flat" cmpd="sng" algn="ctr">
+                      <a:solidFill>
+                        <a:srgbClr val="4472C4"/>
+                      </a:solidFill>
+                      <a:prstDash val="solid"/>
+                      <a:round/>
+                      <a:headEnd type="none" w="med" len="med"/>
+                      <a:tailEnd type="none" w="med" len="med"/>
+                    </a:lnT>
+                    <a:lnB w="6350" cap="flat" cmpd="sng" algn="ctr">
+                      <a:solidFill>
+                        <a:srgbClr val="4472C4"/>
+                      </a:solidFill>
+                      <a:prstDash val="solid"/>
+                      <a:round/>
+                      <a:headEnd type="none" w="med" len="med"/>
+                      <a:tailEnd type="none" w="med" len="med"/>
+                    </a:lnB>
+                  </a:tcPr>
+                </a:tc>
+                <a:tc>
+                  <a:txBody>
+                    <a:bodyPr/>
+                    <a:lstStyle/>
+                    <a:p>
+                      <a:pPr algn="l" fontAlgn="b"/>
+                      <a:r>
+                        <a:rPr lang="en-US" sz="900" b="0" i="0" u="none" strike="noStrike">
+                          <a:solidFill>
+                            <a:srgbClr val="000000"/>
+                          </a:solidFill>
+                          <a:effectLst/>
+                          <a:latin typeface="Calibri" panose="020F0502020204030204" pitchFamily="34" charset="0"/>
+                        </a:rPr>
+                        <a:t>Category 6 - State had exclusive state alcohol retail licensing</a:t>
+                      </a:r>
+                    </a:p>
+                  </a:txBody>
+                  <a:tcPr marL="3126" marR="3126" marT="3126" marB="0" anchor="b">
+                    <a:lnL>
+                      <a:noFill/>
+                    </a:lnL>
+                    <a:lnR w="6350" cap="flat" cmpd="sng" algn="ctr">
+                      <a:solidFill>
+                        <a:srgbClr val="4472C4"/>
+                      </a:solidFill>
+                      <a:prstDash val="solid"/>
+                      <a:round/>
+                      <a:headEnd type="none" w="med" len="med"/>
+                      <a:tailEnd type="none" w="med" len="med"/>
+                    </a:lnR>
+                    <a:lnT w="6350" cap="flat" cmpd="sng" algn="ctr">
+                      <a:solidFill>
+                        <a:srgbClr val="4472C4"/>
+                      </a:solidFill>
+                      <a:prstDash val="solid"/>
+                      <a:round/>
+                      <a:headEnd type="none" w="med" len="med"/>
+                      <a:tailEnd type="none" w="med" len="med"/>
+                    </a:lnT>
+                    <a:lnB w="6350" cap="flat" cmpd="sng" algn="ctr">
+                      <a:solidFill>
+                        <a:srgbClr val="4472C4"/>
+                      </a:solidFill>
+                      <a:prstDash val="solid"/>
+                      <a:round/>
+                      <a:headEnd type="none" w="med" len="med"/>
+                      <a:tailEnd type="none" w="med" len="med"/>
+                    </a:lnB>
+                  </a:tcPr>
+                </a:tc>
+                <a:extLst>
+                  <a:ext uri="{0D108BD9-81ED-4DB2-BD59-A6C34878D82A}">
+                    <a16:rowId xmlns:a16="http://schemas.microsoft.com/office/drawing/2014/main" val="974965356"/>
+                  </a:ext>
+                </a:extLst>
+              </a:tr>
+              <a:tr h="150046">
+                <a:tc>
+                  <a:txBody>
+                    <a:bodyPr/>
+                    <a:lstStyle/>
+                    <a:p>
+                      <a:pPr algn="l" fontAlgn="b"/>
+                      <a:r>
+                        <a:rPr lang="en-US" sz="900" b="0" i="0" u="none" strike="noStrike">
+                          <a:solidFill>
+                            <a:srgbClr val="000000"/>
+                          </a:solidFill>
+                          <a:effectLst/>
+                          <a:latin typeface="Calibri" panose="020F0502020204030204" pitchFamily="34" charset="0"/>
+                        </a:rPr>
+                        <a:t>Delaware</a:t>
+                      </a:r>
+                    </a:p>
+                  </a:txBody>
+                  <a:tcPr marL="3126" marR="3126" marT="3126" marB="0" anchor="b">
+                    <a:lnL w="6350" cap="flat" cmpd="sng" algn="ctr">
+                      <a:solidFill>
+                        <a:srgbClr val="4472C4"/>
+                      </a:solidFill>
+                      <a:prstDash val="solid"/>
+                      <a:round/>
+                      <a:headEnd type="none" w="med" len="med"/>
+                      <a:tailEnd type="none" w="med" len="med"/>
+                    </a:lnL>
+                    <a:lnR>
+                      <a:noFill/>
+                    </a:lnR>
+                    <a:lnT w="6350" cap="flat" cmpd="sng" algn="ctr">
+                      <a:solidFill>
+                        <a:srgbClr val="4472C4"/>
+                      </a:solidFill>
+                      <a:prstDash val="solid"/>
+                      <a:round/>
+                      <a:headEnd type="none" w="med" len="med"/>
+                      <a:tailEnd type="none" w="med" len="med"/>
+                    </a:lnT>
+                    <a:lnB w="6350" cap="flat" cmpd="sng" algn="ctr">
+                      <a:solidFill>
+                        <a:srgbClr val="4472C4"/>
+                      </a:solidFill>
+                      <a:prstDash val="solid"/>
+                      <a:round/>
+                      <a:headEnd type="none" w="med" len="med"/>
+                      <a:tailEnd type="none" w="med" len="med"/>
+                    </a:lnB>
+                  </a:tcPr>
+                </a:tc>
+                <a:tc>
+                  <a:txBody>
+                    <a:bodyPr/>
+                    <a:lstStyle/>
+                    <a:p>
+                      <a:pPr algn="l" fontAlgn="b"/>
+                      <a:r>
+                        <a:rPr lang="en-US" sz="900" b="0" i="0" u="none" strike="noStrike">
+                          <a:solidFill>
+                            <a:srgbClr val="000000"/>
+                          </a:solidFill>
+                          <a:effectLst/>
+                          <a:latin typeface="Calibri" panose="020F0502020204030204" pitchFamily="34" charset="0"/>
+                        </a:rPr>
+                        <a:t>Category 6 - State had exclusive state alcohol retail licensing</a:t>
+                      </a:r>
+                    </a:p>
+                  </a:txBody>
+                  <a:tcPr marL="3126" marR="3126" marT="3126" marB="0" anchor="b">
+                    <a:lnL>
+                      <a:noFill/>
+                    </a:lnL>
+                    <a:lnR w="6350" cap="flat" cmpd="sng" algn="ctr">
+                      <a:solidFill>
+                        <a:srgbClr val="4472C4"/>
+                      </a:solidFill>
+                      <a:prstDash val="solid"/>
+                      <a:round/>
+                      <a:headEnd type="none" w="med" len="med"/>
+                      <a:tailEnd type="none" w="med" len="med"/>
+                    </a:lnR>
+                    <a:lnT w="6350" cap="flat" cmpd="sng" algn="ctr">
+                      <a:solidFill>
+                        <a:srgbClr val="4472C4"/>
+                      </a:solidFill>
+                      <a:prstDash val="solid"/>
+                      <a:round/>
+                      <a:headEnd type="none" w="med" len="med"/>
+                      <a:tailEnd type="none" w="med" len="med"/>
+                    </a:lnT>
+                    <a:lnB w="6350" cap="flat" cmpd="sng" algn="ctr">
+                      <a:solidFill>
+                        <a:srgbClr val="4472C4"/>
+                      </a:solidFill>
+                      <a:prstDash val="solid"/>
+                      <a:round/>
+                      <a:headEnd type="none" w="med" len="med"/>
+                      <a:tailEnd type="none" w="med" len="med"/>
+                    </a:lnB>
+                  </a:tcPr>
+                </a:tc>
+                <a:extLst>
+                  <a:ext uri="{0D108BD9-81ED-4DB2-BD59-A6C34878D82A}">
+                    <a16:rowId xmlns:a16="http://schemas.microsoft.com/office/drawing/2014/main" val="1629213824"/>
+                  </a:ext>
+                </a:extLst>
+              </a:tr>
+              <a:tr h="150046">
+                <a:tc>
+                  <a:txBody>
+                    <a:bodyPr/>
+                    <a:lstStyle/>
+                    <a:p>
+                      <a:pPr algn="l" fontAlgn="b"/>
+                      <a:r>
+                        <a:rPr lang="en-US" sz="900" b="0" i="0" u="none" strike="noStrike">
+                          <a:solidFill>
+                            <a:srgbClr val="000000"/>
+                          </a:solidFill>
+                          <a:effectLst/>
+                          <a:latin typeface="Calibri" panose="020F0502020204030204" pitchFamily="34" charset="0"/>
+                        </a:rPr>
+                        <a:t>Kentucky</a:t>
+                      </a:r>
+                    </a:p>
+                  </a:txBody>
+                  <a:tcPr marL="3126" marR="3126" marT="3126" marB="0" anchor="b">
+                    <a:lnL w="6350" cap="flat" cmpd="sng" algn="ctr">
+                      <a:solidFill>
+                        <a:srgbClr val="4472C4"/>
+                      </a:solidFill>
+                      <a:prstDash val="solid"/>
+                      <a:round/>
+                      <a:headEnd type="none" w="med" len="med"/>
+                      <a:tailEnd type="none" w="med" len="med"/>
+                    </a:lnL>
+                    <a:lnR>
+                      <a:noFill/>
+                    </a:lnR>
+                    <a:lnT w="6350" cap="flat" cmpd="sng" algn="ctr">
+                      <a:solidFill>
+                        <a:srgbClr val="4472C4"/>
+                      </a:solidFill>
+                      <a:prstDash val="solid"/>
+                      <a:round/>
+                      <a:headEnd type="none" w="med" len="med"/>
+                      <a:tailEnd type="none" w="med" len="med"/>
+                    </a:lnT>
+                    <a:lnB w="6350" cap="flat" cmpd="sng" algn="ctr">
+                      <a:solidFill>
+                        <a:srgbClr val="4472C4"/>
+                      </a:solidFill>
+                      <a:prstDash val="solid"/>
+                      <a:round/>
+                      <a:headEnd type="none" w="med" len="med"/>
+                      <a:tailEnd type="none" w="med" len="med"/>
+                    </a:lnB>
+                  </a:tcPr>
+                </a:tc>
+                <a:tc>
+                  <a:txBody>
+                    <a:bodyPr/>
+                    <a:lstStyle/>
+                    <a:p>
+                      <a:pPr algn="l" fontAlgn="b"/>
+                      <a:r>
+                        <a:rPr lang="en-US" sz="900" b="0" i="0" u="none" strike="noStrike">
+                          <a:solidFill>
+                            <a:srgbClr val="000000"/>
+                          </a:solidFill>
+                          <a:effectLst/>
+                          <a:latin typeface="Calibri" panose="020F0502020204030204" pitchFamily="34" charset="0"/>
+                        </a:rPr>
+                        <a:t>Category 6 - State had exclusive state alcohol retail licensing</a:t>
+                      </a:r>
+                    </a:p>
+                  </a:txBody>
+                  <a:tcPr marL="3126" marR="3126" marT="3126" marB="0" anchor="b">
+                    <a:lnL>
+                      <a:noFill/>
+                    </a:lnL>
+                    <a:lnR w="6350" cap="flat" cmpd="sng" algn="ctr">
+                      <a:solidFill>
+                        <a:srgbClr val="4472C4"/>
+                      </a:solidFill>
+                      <a:prstDash val="solid"/>
+                      <a:round/>
+                      <a:headEnd type="none" w="med" len="med"/>
+                      <a:tailEnd type="none" w="med" len="med"/>
+                    </a:lnR>
+                    <a:lnT w="6350" cap="flat" cmpd="sng" algn="ctr">
+                      <a:solidFill>
+                        <a:srgbClr val="4472C4"/>
+                      </a:solidFill>
+                      <a:prstDash val="solid"/>
+                      <a:round/>
+                      <a:headEnd type="none" w="med" len="med"/>
+                      <a:tailEnd type="none" w="med" len="med"/>
+                    </a:lnT>
+                    <a:lnB w="6350" cap="flat" cmpd="sng" algn="ctr">
+                      <a:solidFill>
+                        <a:srgbClr val="4472C4"/>
+                      </a:solidFill>
+                      <a:prstDash val="solid"/>
+                      <a:round/>
+                      <a:headEnd type="none" w="med" len="med"/>
+                      <a:tailEnd type="none" w="med" len="med"/>
+                    </a:lnB>
+                  </a:tcPr>
+                </a:tc>
+                <a:extLst>
+                  <a:ext uri="{0D108BD9-81ED-4DB2-BD59-A6C34878D82A}">
+                    <a16:rowId xmlns:a16="http://schemas.microsoft.com/office/drawing/2014/main" val="1151959843"/>
+                  </a:ext>
+                </a:extLst>
+              </a:tr>
+              <a:tr h="150046">
+                <a:tc>
+                  <a:txBody>
+                    <a:bodyPr/>
+                    <a:lstStyle/>
+                    <a:p>
+                      <a:pPr algn="l" fontAlgn="b"/>
+                      <a:r>
+                        <a:rPr lang="en-US" sz="900" b="0" i="0" u="none" strike="noStrike">
+                          <a:solidFill>
+                            <a:srgbClr val="000000"/>
+                          </a:solidFill>
+                          <a:effectLst/>
+                          <a:latin typeface="Calibri" panose="020F0502020204030204" pitchFamily="34" charset="0"/>
+                        </a:rPr>
+                        <a:t>New Hampshire</a:t>
+                      </a:r>
+                    </a:p>
+                  </a:txBody>
+                  <a:tcPr marL="3126" marR="3126" marT="3126" marB="0" anchor="b">
+                    <a:lnL w="6350" cap="flat" cmpd="sng" algn="ctr">
+                      <a:solidFill>
+                        <a:srgbClr val="4472C4"/>
+                      </a:solidFill>
+                      <a:prstDash val="solid"/>
+                      <a:round/>
+                      <a:headEnd type="none" w="med" len="med"/>
+                      <a:tailEnd type="none" w="med" len="med"/>
+                    </a:lnL>
+                    <a:lnR>
+                      <a:noFill/>
+                    </a:lnR>
+                    <a:lnT w="6350" cap="flat" cmpd="sng" algn="ctr">
+                      <a:solidFill>
+                        <a:srgbClr val="4472C4"/>
+                      </a:solidFill>
+                      <a:prstDash val="solid"/>
+                      <a:round/>
+                      <a:headEnd type="none" w="med" len="med"/>
+                      <a:tailEnd type="none" w="med" len="med"/>
+                    </a:lnT>
+                    <a:lnB w="6350" cap="flat" cmpd="sng" algn="ctr">
+                      <a:solidFill>
+                        <a:srgbClr val="4472C4"/>
+                      </a:solidFill>
+                      <a:prstDash val="solid"/>
+                      <a:round/>
+                      <a:headEnd type="none" w="med" len="med"/>
+                      <a:tailEnd type="none" w="med" len="med"/>
+                    </a:lnB>
+                  </a:tcPr>
+                </a:tc>
+                <a:tc>
+                  <a:txBody>
+                    <a:bodyPr/>
+                    <a:lstStyle/>
+                    <a:p>
+                      <a:pPr algn="l" fontAlgn="b"/>
+                      <a:r>
+                        <a:rPr lang="en-US" sz="900" b="0" i="0" u="none" strike="noStrike">
+                          <a:solidFill>
+                            <a:srgbClr val="000000"/>
+                          </a:solidFill>
+                          <a:effectLst/>
+                          <a:latin typeface="Calibri" panose="020F0502020204030204" pitchFamily="34" charset="0"/>
+                        </a:rPr>
+                        <a:t>Category 6 - State had exclusive state alcohol retail licensing</a:t>
+                      </a:r>
+                    </a:p>
+                  </a:txBody>
+                  <a:tcPr marL="3126" marR="3126" marT="3126" marB="0" anchor="b">
+                    <a:lnL>
+                      <a:noFill/>
+                    </a:lnL>
+                    <a:lnR w="6350" cap="flat" cmpd="sng" algn="ctr">
+                      <a:solidFill>
+                        <a:srgbClr val="4472C4"/>
+                      </a:solidFill>
+                      <a:prstDash val="solid"/>
+                      <a:round/>
+                      <a:headEnd type="none" w="med" len="med"/>
+                      <a:tailEnd type="none" w="med" len="med"/>
+                    </a:lnR>
+                    <a:lnT w="6350" cap="flat" cmpd="sng" algn="ctr">
+                      <a:solidFill>
+                        <a:srgbClr val="4472C4"/>
+                      </a:solidFill>
+                      <a:prstDash val="solid"/>
+                      <a:round/>
+                      <a:headEnd type="none" w="med" len="med"/>
+                      <a:tailEnd type="none" w="med" len="med"/>
+                    </a:lnT>
+                    <a:lnB w="6350" cap="flat" cmpd="sng" algn="ctr">
+                      <a:solidFill>
+                        <a:srgbClr val="4472C4"/>
+                      </a:solidFill>
+                      <a:prstDash val="solid"/>
+                      <a:round/>
+                      <a:headEnd type="none" w="med" len="med"/>
+                      <a:tailEnd type="none" w="med" len="med"/>
+                    </a:lnB>
+                  </a:tcPr>
+                </a:tc>
+                <a:extLst>
+                  <a:ext uri="{0D108BD9-81ED-4DB2-BD59-A6C34878D82A}">
+                    <a16:rowId xmlns:a16="http://schemas.microsoft.com/office/drawing/2014/main" val="3659312816"/>
+                  </a:ext>
+                </a:extLst>
+              </a:tr>
+              <a:tr h="150046">
+                <a:tc>
+                  <a:txBody>
+                    <a:bodyPr/>
+                    <a:lstStyle/>
+                    <a:p>
+                      <a:pPr algn="l" fontAlgn="b"/>
+                      <a:r>
+                        <a:rPr lang="en-US" sz="900" b="0" i="0" u="none" strike="noStrike">
+                          <a:solidFill>
+                            <a:srgbClr val="000000"/>
+                          </a:solidFill>
+                          <a:effectLst/>
+                          <a:latin typeface="Calibri" panose="020F0502020204030204" pitchFamily="34" charset="0"/>
+                        </a:rPr>
+                        <a:t>New York</a:t>
+                      </a:r>
+                    </a:p>
+                  </a:txBody>
+                  <a:tcPr marL="3126" marR="3126" marT="3126" marB="0" anchor="b">
+                    <a:lnL w="6350" cap="flat" cmpd="sng" algn="ctr">
+                      <a:solidFill>
+                        <a:srgbClr val="4472C4"/>
+                      </a:solidFill>
+                      <a:prstDash val="solid"/>
+                      <a:round/>
+                      <a:headEnd type="none" w="med" len="med"/>
+                      <a:tailEnd type="none" w="med" len="med"/>
+                    </a:lnL>
+                    <a:lnR>
+                      <a:noFill/>
+                    </a:lnR>
+                    <a:lnT w="6350" cap="flat" cmpd="sng" algn="ctr">
+                      <a:solidFill>
+                        <a:srgbClr val="4472C4"/>
+                      </a:solidFill>
+                      <a:prstDash val="solid"/>
+                      <a:round/>
+                      <a:headEnd type="none" w="med" len="med"/>
+                      <a:tailEnd type="none" w="med" len="med"/>
+                    </a:lnT>
+                    <a:lnB w="6350" cap="flat" cmpd="sng" algn="ctr">
+                      <a:solidFill>
+                        <a:srgbClr val="4472C4"/>
+                      </a:solidFill>
+                      <a:prstDash val="solid"/>
+                      <a:round/>
+                      <a:headEnd type="none" w="med" len="med"/>
+                      <a:tailEnd type="none" w="med" len="med"/>
+                    </a:lnB>
+                  </a:tcPr>
+                </a:tc>
+                <a:tc>
+                  <a:txBody>
+                    <a:bodyPr/>
+                    <a:lstStyle/>
+                    <a:p>
+                      <a:pPr algn="l" fontAlgn="b"/>
+                      <a:r>
+                        <a:rPr lang="en-US" sz="900" b="0" i="0" u="none" strike="noStrike">
+                          <a:solidFill>
+                            <a:srgbClr val="000000"/>
+                          </a:solidFill>
+                          <a:effectLst/>
+                          <a:latin typeface="Calibri" panose="020F0502020204030204" pitchFamily="34" charset="0"/>
+                        </a:rPr>
+                        <a:t>Category 6 - State had exclusive state alcohol retail licensing</a:t>
+                      </a:r>
+                    </a:p>
+                  </a:txBody>
+                  <a:tcPr marL="3126" marR="3126" marT="3126" marB="0" anchor="b">
+                    <a:lnL>
+                      <a:noFill/>
+                    </a:lnL>
+                    <a:lnR w="6350" cap="flat" cmpd="sng" algn="ctr">
+                      <a:solidFill>
+                        <a:srgbClr val="4472C4"/>
+                      </a:solidFill>
+                      <a:prstDash val="solid"/>
+                      <a:round/>
+                      <a:headEnd type="none" w="med" len="med"/>
+                      <a:tailEnd type="none" w="med" len="med"/>
+                    </a:lnR>
+                    <a:lnT w="6350" cap="flat" cmpd="sng" algn="ctr">
+                      <a:solidFill>
+                        <a:srgbClr val="4472C4"/>
+                      </a:solidFill>
+                      <a:prstDash val="solid"/>
+                      <a:round/>
+                      <a:headEnd type="none" w="med" len="med"/>
+                      <a:tailEnd type="none" w="med" len="med"/>
+                    </a:lnT>
+                    <a:lnB w="6350" cap="flat" cmpd="sng" algn="ctr">
+                      <a:solidFill>
+                        <a:srgbClr val="4472C4"/>
+                      </a:solidFill>
+                      <a:prstDash val="solid"/>
+                      <a:round/>
+                      <a:headEnd type="none" w="med" len="med"/>
+                      <a:tailEnd type="none" w="med" len="med"/>
+                    </a:lnB>
+                  </a:tcPr>
+                </a:tc>
+                <a:extLst>
+                  <a:ext uri="{0D108BD9-81ED-4DB2-BD59-A6C34878D82A}">
+                    <a16:rowId xmlns:a16="http://schemas.microsoft.com/office/drawing/2014/main" val="3484960505"/>
+                  </a:ext>
+                </a:extLst>
+              </a:tr>
+              <a:tr h="150046">
+                <a:tc>
+                  <a:txBody>
+                    <a:bodyPr/>
+                    <a:lstStyle/>
+                    <a:p>
+                      <a:pPr algn="l" fontAlgn="b"/>
+                      <a:r>
+                        <a:rPr lang="en-US" sz="900" b="0" i="0" u="none" strike="noStrike">
+                          <a:solidFill>
+                            <a:srgbClr val="000000"/>
+                          </a:solidFill>
+                          <a:effectLst/>
+                          <a:latin typeface="Calibri" panose="020F0502020204030204" pitchFamily="34" charset="0"/>
+                        </a:rPr>
+                        <a:t>Washington</a:t>
+                      </a:r>
+                    </a:p>
+                  </a:txBody>
+                  <a:tcPr marL="3126" marR="3126" marT="3126" marB="0" anchor="b">
+                    <a:lnL w="6350" cap="flat" cmpd="sng" algn="ctr">
+                      <a:solidFill>
+                        <a:srgbClr val="4472C4"/>
+                      </a:solidFill>
+                      <a:prstDash val="solid"/>
+                      <a:round/>
+                      <a:headEnd type="none" w="med" len="med"/>
+                      <a:tailEnd type="none" w="med" len="med"/>
+                    </a:lnL>
+                    <a:lnR>
+                      <a:noFill/>
+                    </a:lnR>
+                    <a:lnT w="6350" cap="flat" cmpd="sng" algn="ctr">
+                      <a:solidFill>
+                        <a:srgbClr val="4472C4"/>
+                      </a:solidFill>
+                      <a:prstDash val="solid"/>
+                      <a:round/>
+                      <a:headEnd type="none" w="med" len="med"/>
+                      <a:tailEnd type="none" w="med" len="med"/>
+                    </a:lnT>
+                    <a:lnB w="6350" cap="flat" cmpd="sng" algn="ctr">
+                      <a:solidFill>
+                        <a:srgbClr val="4472C4"/>
+                      </a:solidFill>
+                      <a:prstDash val="solid"/>
+                      <a:round/>
+                      <a:headEnd type="none" w="med" len="med"/>
+                      <a:tailEnd type="none" w="med" len="med"/>
+                    </a:lnB>
+                  </a:tcPr>
+                </a:tc>
+                <a:tc>
+                  <a:txBody>
+                    <a:bodyPr/>
+                    <a:lstStyle/>
+                    <a:p>
+                      <a:pPr algn="l" fontAlgn="b"/>
+                      <a:r>
+                        <a:rPr lang="en-US" sz="900" b="0" i="0" u="none" strike="noStrike">
+                          <a:solidFill>
+                            <a:srgbClr val="000000"/>
+                          </a:solidFill>
+                          <a:effectLst/>
+                          <a:latin typeface="Calibri" panose="020F0502020204030204" pitchFamily="34" charset="0"/>
+                        </a:rPr>
+                        <a:t>Category 6 - State had exclusive state alcohol retail licensing</a:t>
+                      </a:r>
+                    </a:p>
+                  </a:txBody>
+                  <a:tcPr marL="3126" marR="3126" marT="3126" marB="0" anchor="b">
+                    <a:lnL>
+                      <a:noFill/>
+                    </a:lnL>
+                    <a:lnR w="6350" cap="flat" cmpd="sng" algn="ctr">
+                      <a:solidFill>
+                        <a:srgbClr val="4472C4"/>
+                      </a:solidFill>
+                      <a:prstDash val="solid"/>
+                      <a:round/>
+                      <a:headEnd type="none" w="med" len="med"/>
+                      <a:tailEnd type="none" w="med" len="med"/>
+                    </a:lnR>
+                    <a:lnT w="6350" cap="flat" cmpd="sng" algn="ctr">
+                      <a:solidFill>
+                        <a:srgbClr val="4472C4"/>
+                      </a:solidFill>
+                      <a:prstDash val="solid"/>
+                      <a:round/>
+                      <a:headEnd type="none" w="med" len="med"/>
+                      <a:tailEnd type="none" w="med" len="med"/>
+                    </a:lnT>
+                    <a:lnB w="6350" cap="flat" cmpd="sng" algn="ctr">
+                      <a:solidFill>
+                        <a:srgbClr val="4472C4"/>
+                      </a:solidFill>
+                      <a:prstDash val="solid"/>
+                      <a:round/>
+                      <a:headEnd type="none" w="med" len="med"/>
+                      <a:tailEnd type="none" w="med" len="med"/>
+                    </a:lnB>
+                  </a:tcPr>
+                </a:tc>
+                <a:extLst>
+                  <a:ext uri="{0D108BD9-81ED-4DB2-BD59-A6C34878D82A}">
+                    <a16:rowId xmlns:a16="http://schemas.microsoft.com/office/drawing/2014/main" val="2599251914"/>
+                  </a:ext>
+                </a:extLst>
+              </a:tr>
+              <a:tr h="150046">
+                <a:tc>
+                  <a:txBody>
+                    <a:bodyPr/>
+                    <a:lstStyle/>
+                    <a:p>
+                      <a:pPr algn="l" fontAlgn="b"/>
+                      <a:r>
+                        <a:rPr lang="en-US" sz="900" b="0" i="0" u="none" strike="noStrike">
+                          <a:solidFill>
+                            <a:srgbClr val="000000"/>
+                          </a:solidFill>
+                          <a:effectLst/>
+                          <a:latin typeface="Calibri" panose="020F0502020204030204" pitchFamily="34" charset="0"/>
+                        </a:rPr>
+                        <a:t>District of Columbia</a:t>
+                      </a:r>
+                    </a:p>
+                  </a:txBody>
+                  <a:tcPr marL="3126" marR="3126" marT="3126" marB="0" anchor="b">
+                    <a:lnL w="6350" cap="flat" cmpd="sng" algn="ctr">
+                      <a:solidFill>
+                        <a:srgbClr val="4472C4"/>
+                      </a:solidFill>
+                      <a:prstDash val="solid"/>
+                      <a:round/>
+                      <a:headEnd type="none" w="med" len="med"/>
+                      <a:tailEnd type="none" w="med" len="med"/>
+                    </a:lnL>
+                    <a:lnR>
+                      <a:noFill/>
+                    </a:lnR>
+                    <a:lnT w="6350" cap="flat" cmpd="sng" algn="ctr">
+                      <a:solidFill>
+                        <a:srgbClr val="4472C4"/>
+                      </a:solidFill>
+                      <a:prstDash val="solid"/>
+                      <a:round/>
+                      <a:headEnd type="none" w="med" len="med"/>
+                      <a:tailEnd type="none" w="med" len="med"/>
+                    </a:lnT>
+                    <a:lnB w="6350" cap="flat" cmpd="sng" algn="ctr">
+                      <a:solidFill>
+                        <a:srgbClr val="4472C4"/>
+                      </a:solidFill>
+                      <a:prstDash val="solid"/>
+                      <a:round/>
+                      <a:headEnd type="none" w="med" len="med"/>
+                      <a:tailEnd type="none" w="med" len="med"/>
+                    </a:lnB>
+                  </a:tcPr>
+                </a:tc>
+                <a:tc>
+                  <a:txBody>
+                    <a:bodyPr/>
+                    <a:lstStyle/>
+                    <a:p>
+                      <a:pPr algn="l" fontAlgn="b"/>
+                      <a:endParaRPr lang="en-US" sz="900" b="0" i="0" u="none" strike="noStrike">
+                        <a:solidFill>
+                          <a:srgbClr val="000000"/>
+                        </a:solidFill>
+                        <a:effectLst/>
+                        <a:latin typeface="Calibri" panose="020F0502020204030204" pitchFamily="34" charset="0"/>
+                      </a:endParaRPr>
+                    </a:p>
+                  </a:txBody>
+                  <a:tcPr marL="3126" marR="3126" marT="3126" marB="0" anchor="b">
+                    <a:lnL>
+                      <a:noFill/>
+                    </a:lnL>
+                    <a:lnR w="6350" cap="flat" cmpd="sng" algn="ctr">
+                      <a:solidFill>
+                        <a:srgbClr val="4472C4"/>
+                      </a:solidFill>
+                      <a:prstDash val="solid"/>
+                      <a:round/>
+                      <a:headEnd type="none" w="med" len="med"/>
+                      <a:tailEnd type="none" w="med" len="med"/>
+                    </a:lnR>
+                    <a:lnT w="6350" cap="flat" cmpd="sng" algn="ctr">
+                      <a:solidFill>
+                        <a:srgbClr val="4472C4"/>
+                      </a:solidFill>
+                      <a:prstDash val="solid"/>
+                      <a:round/>
+                      <a:headEnd type="none" w="med" len="med"/>
+                      <a:tailEnd type="none" w="med" len="med"/>
+                    </a:lnT>
+                    <a:lnB w="6350" cap="flat" cmpd="sng" algn="ctr">
+                      <a:solidFill>
+                        <a:srgbClr val="4472C4"/>
+                      </a:solidFill>
+                      <a:prstDash val="solid"/>
+                      <a:round/>
+                      <a:headEnd type="none" w="med" len="med"/>
+                      <a:tailEnd type="none" w="med" len="med"/>
+                    </a:lnB>
+                  </a:tcPr>
+                </a:tc>
+                <a:extLst>
+                  <a:ext uri="{0D108BD9-81ED-4DB2-BD59-A6C34878D82A}">
+                    <a16:rowId xmlns:a16="http://schemas.microsoft.com/office/drawing/2014/main" val="72450003"/>
+                  </a:ext>
+                </a:extLst>
+              </a:tr>
+              <a:tr h="150046">
+                <a:tc>
+                  <a:txBody>
+                    <a:bodyPr/>
+                    <a:lstStyle/>
+                    <a:p>
+                      <a:pPr algn="l" fontAlgn="b"/>
+                      <a:r>
+                        <a:rPr lang="en-US" sz="900" b="0" i="0" u="none" strike="noStrike">
+                          <a:solidFill>
+                            <a:srgbClr val="000000"/>
+                          </a:solidFill>
+                          <a:effectLst/>
+                          <a:latin typeface="Calibri" panose="020F0502020204030204" pitchFamily="34" charset="0"/>
+                        </a:rPr>
+                        <a:t>Guam</a:t>
+                      </a:r>
+                    </a:p>
+                  </a:txBody>
+                  <a:tcPr marL="3126" marR="3126" marT="3126" marB="0" anchor="b">
+                    <a:lnL w="6350" cap="flat" cmpd="sng" algn="ctr">
+                      <a:solidFill>
+                        <a:srgbClr val="4472C4"/>
+                      </a:solidFill>
+                      <a:prstDash val="solid"/>
+                      <a:round/>
+                      <a:headEnd type="none" w="med" len="med"/>
+                      <a:tailEnd type="none" w="med" len="med"/>
+                    </a:lnL>
+                    <a:lnR>
+                      <a:noFill/>
+                    </a:lnR>
+                    <a:lnT w="6350" cap="flat" cmpd="sng" algn="ctr">
+                      <a:solidFill>
+                        <a:srgbClr val="4472C4"/>
+                      </a:solidFill>
+                      <a:prstDash val="solid"/>
+                      <a:round/>
+                      <a:headEnd type="none" w="med" len="med"/>
+                      <a:tailEnd type="none" w="med" len="med"/>
+                    </a:lnT>
+                    <a:lnB w="6350" cap="flat" cmpd="sng" algn="ctr">
+                      <a:solidFill>
+                        <a:srgbClr val="4472C4"/>
+                      </a:solidFill>
+                      <a:prstDash val="solid"/>
+                      <a:round/>
+                      <a:headEnd type="none" w="med" len="med"/>
+                      <a:tailEnd type="none" w="med" len="med"/>
+                    </a:lnB>
+                  </a:tcPr>
+                </a:tc>
+                <a:tc>
+                  <a:txBody>
+                    <a:bodyPr/>
+                    <a:lstStyle/>
+                    <a:p>
+                      <a:pPr algn="l" fontAlgn="b"/>
+                      <a:endParaRPr lang="en-US" sz="900" b="0" i="0" u="none" strike="noStrike">
+                        <a:solidFill>
+                          <a:srgbClr val="000000"/>
+                        </a:solidFill>
+                        <a:effectLst/>
+                        <a:latin typeface="Calibri" panose="020F0502020204030204" pitchFamily="34" charset="0"/>
+                      </a:endParaRPr>
+                    </a:p>
+                  </a:txBody>
+                  <a:tcPr marL="3126" marR="3126" marT="3126" marB="0" anchor="b">
+                    <a:lnL>
+                      <a:noFill/>
+                    </a:lnL>
+                    <a:lnR w="6350" cap="flat" cmpd="sng" algn="ctr">
+                      <a:solidFill>
+                        <a:srgbClr val="4472C4"/>
+                      </a:solidFill>
+                      <a:prstDash val="solid"/>
+                      <a:round/>
+                      <a:headEnd type="none" w="med" len="med"/>
+                      <a:tailEnd type="none" w="med" len="med"/>
+                    </a:lnR>
+                    <a:lnT w="6350" cap="flat" cmpd="sng" algn="ctr">
+                      <a:solidFill>
+                        <a:srgbClr val="4472C4"/>
+                      </a:solidFill>
+                      <a:prstDash val="solid"/>
+                      <a:round/>
+                      <a:headEnd type="none" w="med" len="med"/>
+                      <a:tailEnd type="none" w="med" len="med"/>
+                    </a:lnT>
+                    <a:lnB w="6350" cap="flat" cmpd="sng" algn="ctr">
+                      <a:solidFill>
+                        <a:srgbClr val="4472C4"/>
+                      </a:solidFill>
+                      <a:prstDash val="solid"/>
+                      <a:round/>
+                      <a:headEnd type="none" w="med" len="med"/>
+                      <a:tailEnd type="none" w="med" len="med"/>
+                    </a:lnB>
+                  </a:tcPr>
+                </a:tc>
+                <a:extLst>
+                  <a:ext uri="{0D108BD9-81ED-4DB2-BD59-A6C34878D82A}">
+                    <a16:rowId xmlns:a16="http://schemas.microsoft.com/office/drawing/2014/main" val="3789147726"/>
+                  </a:ext>
+                </a:extLst>
+              </a:tr>
+              <a:tr h="150046">
+                <a:tc>
+                  <a:txBody>
+                    <a:bodyPr/>
+                    <a:lstStyle/>
+                    <a:p>
+                      <a:pPr algn="l" fontAlgn="b"/>
+                      <a:r>
+                        <a:rPr lang="en-US" sz="900" b="0" i="0" u="none" strike="noStrike">
+                          <a:solidFill>
+                            <a:srgbClr val="000000"/>
+                          </a:solidFill>
+                          <a:effectLst/>
+                          <a:latin typeface="Calibri" panose="020F0502020204030204" pitchFamily="34" charset="0"/>
+                        </a:rPr>
+                        <a:t>Puerto Rico</a:t>
+                      </a:r>
+                    </a:p>
+                  </a:txBody>
+                  <a:tcPr marL="3126" marR="3126" marT="3126" marB="0" anchor="b">
+                    <a:lnL w="6350" cap="flat" cmpd="sng" algn="ctr">
+                      <a:solidFill>
+                        <a:srgbClr val="4472C4"/>
+                      </a:solidFill>
+                      <a:prstDash val="solid"/>
+                      <a:round/>
+                      <a:headEnd type="none" w="med" len="med"/>
+                      <a:tailEnd type="none" w="med" len="med"/>
+                    </a:lnL>
+                    <a:lnR>
+                      <a:noFill/>
+                    </a:lnR>
+                    <a:lnT w="6350" cap="flat" cmpd="sng" algn="ctr">
+                      <a:solidFill>
+                        <a:srgbClr val="4472C4"/>
+                      </a:solidFill>
+                      <a:prstDash val="solid"/>
+                      <a:round/>
+                      <a:headEnd type="none" w="med" len="med"/>
+                      <a:tailEnd type="none" w="med" len="med"/>
+                    </a:lnT>
+                    <a:lnB w="6350" cap="flat" cmpd="sng" algn="ctr">
+                      <a:solidFill>
+                        <a:srgbClr val="4472C4"/>
+                      </a:solidFill>
+                      <a:prstDash val="solid"/>
+                      <a:round/>
+                      <a:headEnd type="none" w="med" len="med"/>
+                      <a:tailEnd type="none" w="med" len="med"/>
+                    </a:lnB>
+                  </a:tcPr>
+                </a:tc>
+                <a:tc>
+                  <a:txBody>
+                    <a:bodyPr/>
+                    <a:lstStyle/>
+                    <a:p>
+                      <a:pPr algn="l" fontAlgn="b"/>
+                      <a:endParaRPr lang="en-US" sz="900" b="0" i="0" u="none" strike="noStrike">
+                        <a:solidFill>
+                          <a:srgbClr val="000000"/>
+                        </a:solidFill>
+                        <a:effectLst/>
+                        <a:latin typeface="Calibri" panose="020F0502020204030204" pitchFamily="34" charset="0"/>
+                      </a:endParaRPr>
+                    </a:p>
+                  </a:txBody>
+                  <a:tcPr marL="3126" marR="3126" marT="3126" marB="0" anchor="b">
+                    <a:lnL>
+                      <a:noFill/>
+                    </a:lnL>
+                    <a:lnR w="6350" cap="flat" cmpd="sng" algn="ctr">
+                      <a:solidFill>
+                        <a:srgbClr val="4472C4"/>
+                      </a:solidFill>
+                      <a:prstDash val="solid"/>
+                      <a:round/>
+                      <a:headEnd type="none" w="med" len="med"/>
+                      <a:tailEnd type="none" w="med" len="med"/>
+                    </a:lnR>
+                    <a:lnT w="6350" cap="flat" cmpd="sng" algn="ctr">
+                      <a:solidFill>
+                        <a:srgbClr val="4472C4"/>
+                      </a:solidFill>
+                      <a:prstDash val="solid"/>
+                      <a:round/>
+                      <a:headEnd type="none" w="med" len="med"/>
+                      <a:tailEnd type="none" w="med" len="med"/>
+                    </a:lnT>
+                    <a:lnB w="6350" cap="flat" cmpd="sng" algn="ctr">
+                      <a:solidFill>
+                        <a:srgbClr val="4472C4"/>
+                      </a:solidFill>
+                      <a:prstDash val="solid"/>
+                      <a:round/>
+                      <a:headEnd type="none" w="med" len="med"/>
+                      <a:tailEnd type="none" w="med" len="med"/>
+                    </a:lnB>
+                  </a:tcPr>
+                </a:tc>
+                <a:extLst>
+                  <a:ext uri="{0D108BD9-81ED-4DB2-BD59-A6C34878D82A}">
+                    <a16:rowId xmlns:a16="http://schemas.microsoft.com/office/drawing/2014/main" val="3040514990"/>
+                  </a:ext>
+                </a:extLst>
+              </a:tr>
+              <a:tr h="150046">
+                <a:tc>
+                  <a:txBody>
+                    <a:bodyPr/>
+                    <a:lstStyle/>
+                    <a:p>
+                      <a:pPr algn="l" fontAlgn="b"/>
+                      <a:r>
+                        <a:rPr lang="en-US" sz="900" b="0" i="0" u="none" strike="noStrike">
+                          <a:solidFill>
+                            <a:srgbClr val="000000"/>
+                          </a:solidFill>
+                          <a:effectLst/>
+                          <a:latin typeface="Calibri" panose="020F0502020204030204" pitchFamily="34" charset="0"/>
+                        </a:rPr>
+                        <a:t>Virgin Islands</a:t>
+                      </a:r>
+                    </a:p>
+                  </a:txBody>
+                  <a:tcPr marL="3126" marR="3126" marT="3126" marB="0" anchor="b">
+                    <a:lnL w="6350" cap="flat" cmpd="sng" algn="ctr">
+                      <a:solidFill>
+                        <a:srgbClr val="4472C4"/>
+                      </a:solidFill>
+                      <a:prstDash val="solid"/>
+                      <a:round/>
+                      <a:headEnd type="none" w="med" len="med"/>
+                      <a:tailEnd type="none" w="med" len="med"/>
+                    </a:lnL>
+                    <a:lnR>
+                      <a:noFill/>
+                    </a:lnR>
+                    <a:lnT w="6350" cap="flat" cmpd="sng" algn="ctr">
+                      <a:solidFill>
+                        <a:srgbClr val="4472C4"/>
+                      </a:solidFill>
+                      <a:prstDash val="solid"/>
+                      <a:round/>
+                      <a:headEnd type="none" w="med" len="med"/>
+                      <a:tailEnd type="none" w="med" len="med"/>
+                    </a:lnT>
+                    <a:lnB w="6350" cap="flat" cmpd="sng" algn="ctr">
+                      <a:solidFill>
+                        <a:srgbClr val="4472C4"/>
+                      </a:solidFill>
+                      <a:prstDash val="solid"/>
+                      <a:round/>
+                      <a:headEnd type="none" w="med" len="med"/>
+                      <a:tailEnd type="none" w="med" len="med"/>
+                    </a:lnB>
+                  </a:tcPr>
+                </a:tc>
+                <a:tc>
+                  <a:txBody>
+                    <a:bodyPr/>
+                    <a:lstStyle/>
+                    <a:p>
+                      <a:pPr algn="l" fontAlgn="b"/>
+                      <a:endParaRPr lang="en-US" sz="900" b="0" i="0" u="none" strike="noStrike" dirty="0">
+                        <a:solidFill>
+                          <a:srgbClr val="000000"/>
+                        </a:solidFill>
+                        <a:effectLst/>
+                        <a:latin typeface="Calibri" panose="020F0502020204030204" pitchFamily="34" charset="0"/>
+                      </a:endParaRPr>
+                    </a:p>
+                  </a:txBody>
+                  <a:tcPr marL="3126" marR="3126" marT="3126" marB="0" anchor="b">
+                    <a:lnL>
+                      <a:noFill/>
+                    </a:lnL>
+                    <a:lnR w="6350" cap="flat" cmpd="sng" algn="ctr">
+                      <a:solidFill>
+                        <a:srgbClr val="4472C4"/>
+                      </a:solidFill>
+                      <a:prstDash val="solid"/>
+                      <a:round/>
+                      <a:headEnd type="none" w="med" len="med"/>
+                      <a:tailEnd type="none" w="med" len="med"/>
+                    </a:lnR>
+                    <a:lnT w="6350" cap="flat" cmpd="sng" algn="ctr">
+                      <a:solidFill>
+                        <a:srgbClr val="4472C4"/>
+                      </a:solidFill>
+                      <a:prstDash val="solid"/>
+                      <a:round/>
+                      <a:headEnd type="none" w="med" len="med"/>
+                      <a:tailEnd type="none" w="med" len="med"/>
+                    </a:lnT>
+                    <a:lnB w="6350" cap="flat" cmpd="sng" algn="ctr">
+                      <a:solidFill>
+                        <a:srgbClr val="4472C4"/>
+                      </a:solidFill>
+                      <a:prstDash val="solid"/>
+                      <a:round/>
+                      <a:headEnd type="none" w="med" len="med"/>
+                      <a:tailEnd type="none" w="med" len="med"/>
+                    </a:lnB>
+                  </a:tcPr>
+                </a:tc>
+                <a:extLst>
+                  <a:ext uri="{0D108BD9-81ED-4DB2-BD59-A6C34878D82A}">
+                    <a16:rowId xmlns:a16="http://schemas.microsoft.com/office/drawing/2014/main" val="3595488429"/>
+                  </a:ext>
+                </a:extLst>
+              </a:tr>
+            </a:tbl>
+          </a:graphicData>
+        </a:graphic>
+      </p:graphicFrame>
+    </p:spTree>
+    <p:extLst>
+      <p:ext uri="{BB962C8B-B14F-4D97-AF65-F5344CB8AC3E}">
+        <p14:creationId xmlns:p14="http://schemas.microsoft.com/office/powerpoint/2010/main" val="4121088826"/>
+      </p:ext>
+    </p:extLst>
+  </p:cSld>
+  <p:clrMapOvr>
+    <a:masterClrMapping/>
+  </p:clrMapOvr>
+</p:sld>
+</file>
+
+<file path=ppt/slides/slide13.xml><?xml version="1.0" encoding="utf-8"?>
+<p:sld xmlns:a="http://schemas.openxmlformats.org/drawingml/2006/main" xmlns:r="http://schemas.openxmlformats.org/officeDocument/2006/relationships" xmlns:p="http://schemas.openxmlformats.org/presentationml/2006/main">
+  <p:cSld>
+    <p:spTree>
+      <p:nvGrpSpPr>
+        <p:cNvPr id="1" name=""/>
+        <p:cNvGrpSpPr/>
+        <p:nvPr/>
+      </p:nvGrpSpPr>
+      <p:grpSpPr>
+        <a:xfrm>
+          <a:off x="0" y="0"/>
+          <a:ext cx="0" cy="0"/>
+          <a:chOff x="0" y="0"/>
+          <a:chExt cx="0" cy="0"/>
+        </a:xfrm>
+      </p:grpSpPr>
+      <p:sp>
+        <p:nvSpPr>
+          <p:cNvPr id="2" name="Title 1"/>
+          <p:cNvSpPr>
+            <a:spLocks noGrp="1"/>
+          </p:cNvSpPr>
+          <p:nvPr>
+            <p:ph type="title"/>
+          </p:nvPr>
+        </p:nvSpPr>
+        <p:spPr/>
+        <p:txBody>
+          <a:bodyPr/>
+          <a:lstStyle/>
+          <a:p>
+            <a:r>
+              <a:rPr lang="en-US" dirty="0"/>
+              <a:t>Backup/Alternative Sides</a:t>
+            </a:r>
+          </a:p>
+        </p:txBody>
+      </p:sp>
+    </p:spTree>
+    <p:extLst>
+      <p:ext uri="{BB962C8B-B14F-4D97-AF65-F5344CB8AC3E}">
+        <p14:creationId xmlns:p14="http://schemas.microsoft.com/office/powerpoint/2010/main" val="2517950468"/>
+      </p:ext>
+    </p:extLst>
+  </p:cSld>
+  <p:clrMapOvr>
+    <a:masterClrMapping/>
+  </p:clrMapOvr>
+</p:sld>
+</file>
+
+<file path=ppt/slides/slide14.xml><?xml version="1.0" encoding="utf-8"?>
+<p:sld xmlns:a="http://schemas.openxmlformats.org/drawingml/2006/main" xmlns:r="http://schemas.openxmlformats.org/officeDocument/2006/relationships" xmlns:p="http://schemas.openxmlformats.org/presentationml/2006/main">
+  <p:cSld>
+    <p:spTree>
+      <p:nvGrpSpPr>
+        <p:cNvPr id="1" name=""/>
+        <p:cNvGrpSpPr/>
+        <p:nvPr/>
+      </p:nvGrpSpPr>
+      <p:grpSpPr>
+        <a:xfrm>
+          <a:off x="0" y="0"/>
+          <a:ext cx="0" cy="0"/>
+          <a:chOff x="0" y="0"/>
+          <a:chExt cx="0" cy="0"/>
+        </a:xfrm>
+      </p:grpSpPr>
+      <p:sp>
+        <p:nvSpPr>
+          <p:cNvPr id="2" name="Title 1"/>
+          <p:cNvSpPr>
+            <a:spLocks noGrp="1"/>
+          </p:cNvSpPr>
+          <p:nvPr>
+            <p:ph type="title"/>
+          </p:nvPr>
+        </p:nvSpPr>
+        <p:spPr/>
+        <p:txBody>
+          <a:bodyPr/>
+          <a:lstStyle/>
+          <a:p>
+            <a:r>
+              <a:rPr lang="en-US" dirty="0"/>
+              <a:t>Table of Contents or AGENDA (OPTIONAL)</a:t>
+            </a:r>
+          </a:p>
+        </p:txBody>
+      </p:sp>
+      <p:sp>
+        <p:nvSpPr>
+          <p:cNvPr id="3" name="Content Placeholder 2"/>
+          <p:cNvSpPr>
+            <a:spLocks noGrp="1"/>
+          </p:cNvSpPr>
+          <p:nvPr>
+            <p:ph idx="1"/>
+          </p:nvPr>
+        </p:nvSpPr>
+        <p:spPr/>
+        <p:txBody>
+          <a:bodyPr/>
+          <a:lstStyle/>
+          <a:p>
             <a:pPr marL="0" indent="0">
               <a:buNone/>
             </a:pPr>
             <a:r>
-              <a:rPr lang="en-US" dirty="0" smtClean="0"/>
+              <a:rPr lang="en-US" dirty="0"/>
               <a:t>1.)Executive Summary</a:t>
             </a:r>
-            <a:endParaRPr lang="en-US" dirty="0"/>
           </a:p>
         </p:txBody>
       </p:sp>
@@ -3939,13 +11106,6 @@
   <p:clrMapOvr>
     <a:masterClrMapping/>
   </p:clrMapOvr>
-  <p:timing>
-    <p:tnLst>
-      <p:par>
-        <p:cTn id="1" dur="indefinite" restart="never" nodeType="tmRoot"/>
-      </p:par>
-    </p:tnLst>
-  </p:timing>
 </p:sld>
 </file>
 
@@ -3984,22 +11144,13 @@
           <a:lstStyle/>
           <a:p>
             <a:r>
-              <a:rPr lang="en-US" dirty="0" smtClean="0"/>
-              <a:t>Executive </a:t>
-            </a:r>
-            <a:r>
-              <a:rPr lang="en-US" dirty="0" smtClean="0"/>
-              <a:t>Summary:    </a:t>
-            </a:r>
-            <a:r>
-              <a:rPr lang="en-US" sz="2000" dirty="0" smtClean="0"/>
-              <a:t>Alcoholism affects people across all 50 states</a:t>
-            </a:r>
-            <a:r>
-              <a:rPr lang="en-US" sz="2000" dirty="0" smtClean="0"/>
+              <a:rPr lang="en-US" dirty="0"/>
+              <a:t>Executive Summary:    </a:t>
+            </a:r>
+            <a:r>
+              <a:rPr lang="en-US" sz="2000" dirty="0"/>
               <a:t>	</a:t>
             </a:r>
-            <a:endParaRPr lang="en-US" sz="2000" dirty="0"/>
           </a:p>
         </p:txBody>
       </p:sp>
@@ -4013,10 +11164,15 @@
             <p:ph idx="1"/>
           </p:nvPr>
         </p:nvSpPr>
-        <p:spPr/>
+        <p:spPr>
+          <a:xfrm>
+            <a:off x="838200" y="2367515"/>
+            <a:ext cx="10515600" cy="3809447"/>
+          </a:xfrm>
+        </p:spPr>
         <p:txBody>
           <a:bodyPr>
-            <a:normAutofit fontScale="92500" lnSpcReduction="10000"/>
+            <a:normAutofit/>
           </a:bodyPr>
           <a:lstStyle/>
           <a:p>
@@ -4024,15 +11180,80 @@
               <a:buNone/>
             </a:pPr>
             <a:r>
-              <a:rPr lang="en-US" dirty="0" smtClean="0"/>
+              <a:rPr lang="en-US" sz="2400" dirty="0"/>
               <a:t>Problem:</a:t>
             </a:r>
+            <a:endParaRPr lang="en-US" sz="1600" dirty="0"/>
           </a:p>
           <a:p>
             <a:pPr marL="0" indent="0">
               <a:buNone/>
             </a:pPr>
-            <a:endParaRPr lang="en-US" sz="1600" dirty="0" smtClean="0"/>
+            <a:r>
+              <a:rPr lang="en-US" sz="1800" dirty="0"/>
+              <a:t>In 2010, 5.4% of adult men reported heavy drinking and 4.5% of adult women reported heavy drinking (2). Heavy drinkers are more likely to binge drink than moderate drinkers (3).</a:t>
+            </a:r>
+            <a:endParaRPr lang="en-US" sz="3200" dirty="0"/>
+          </a:p>
+          <a:p>
+            <a:pPr marL="0" indent="0">
+              <a:buNone/>
+            </a:pPr>
+            <a:endParaRPr lang="en-US" dirty="0"/>
+          </a:p>
+          <a:p>
+            <a:pPr marL="0" indent="0">
+              <a:buNone/>
+            </a:pPr>
+            <a:r>
+              <a:rPr lang="en-US" dirty="0"/>
+              <a:t>Question:</a:t>
+            </a:r>
+          </a:p>
+          <a:p>
+            <a:pPr marL="0" indent="0">
+              <a:buNone/>
+            </a:pPr>
+            <a:r>
+              <a:rPr lang="en-US" dirty="0"/>
+              <a:t>1.) What is the Definition of Alcoholism?</a:t>
+            </a:r>
+          </a:p>
+          <a:p>
+            <a:pPr marL="0" indent="0">
+              <a:buNone/>
+            </a:pPr>
+            <a:r>
+              <a:rPr lang="en-US" dirty="0"/>
+              <a:t>2.) Who is affected by Alcoholism?</a:t>
+            </a:r>
+          </a:p>
+          <a:p>
+            <a:pPr marL="0" indent="0">
+              <a:buNone/>
+            </a:pPr>
+            <a:r>
+              <a:rPr lang="en-US" dirty="0"/>
+              <a:t>3.) What are the underlying causes of Alcoholism?</a:t>
+            </a:r>
+          </a:p>
+          <a:p>
+            <a:pPr marL="0" indent="0">
+              <a:buNone/>
+            </a:pPr>
+            <a:endParaRPr lang="en-US" dirty="0"/>
+          </a:p>
+          <a:p>
+            <a:pPr marL="0" indent="0">
+              <a:buNone/>
+            </a:pPr>
+            <a:endParaRPr lang="en-US" dirty="0"/>
+          </a:p>
+          <a:p>
+            <a:pPr marL="0" indent="0">
+              <a:buNone/>
+            </a:pPr>
+            <a:endParaRPr lang="en-US" dirty="0"/>
           </a:p>
           <a:p>
             <a:pPr marL="0" indent="0">
@@ -4041,103 +11262,42 @@
             <a:endParaRPr lang="en-US" sz="1600" dirty="0"/>
           </a:p>
           <a:p>
-            <a:pPr marL="0" indent="0">
-              <a:buNone/>
-            </a:pPr>
-            <a:r>
-              <a:rPr lang="en-US" sz="1600" dirty="0" smtClean="0"/>
-              <a:t>In </a:t>
-            </a:r>
-            <a:r>
-              <a:rPr lang="en-US" sz="1600" dirty="0"/>
-              <a:t>2010, 5.4% of adult men reported heavy drinking and 4.5% of adult women reported heavy drinking (2). Heavy drinkers are more likely to binge drink than moderate drinkers (3).</a:t>
-            </a:r>
-          </a:p>
-          <a:p>
-            <a:pPr marL="0" indent="0">
-              <a:buNone/>
-            </a:pPr>
             <a:endParaRPr lang="en-US" dirty="0"/>
           </a:p>
-          <a:p>
-            <a:pPr marL="0" indent="0">
-              <a:buNone/>
-            </a:pPr>
-            <a:endParaRPr lang="en-US" dirty="0"/>
-          </a:p>
-          <a:p>
-            <a:pPr marL="0" indent="0">
-              <a:buNone/>
-            </a:pPr>
-            <a:r>
-              <a:rPr lang="en-US" dirty="0" smtClean="0"/>
-              <a:t>Question:</a:t>
-            </a:r>
-            <a:endParaRPr lang="en-US" dirty="0"/>
-          </a:p>
-          <a:p>
-            <a:pPr marL="0" indent="0">
-              <a:buNone/>
-            </a:pPr>
-            <a:r>
-              <a:rPr lang="en-US" dirty="0"/>
-              <a:t>1.) What is the Definition of Alcoholism</a:t>
-            </a:r>
-            <a:r>
-              <a:rPr lang="en-US" dirty="0" smtClean="0"/>
-              <a:t>?</a:t>
-            </a:r>
-            <a:endParaRPr lang="en-US" dirty="0"/>
-          </a:p>
-          <a:p>
-            <a:pPr marL="0" indent="0">
-              <a:buNone/>
-            </a:pPr>
-            <a:r>
-              <a:rPr lang="en-US" dirty="0"/>
-              <a:t>2.) Who is affected by Alcoholism</a:t>
-            </a:r>
-            <a:r>
-              <a:rPr lang="en-US" dirty="0" smtClean="0"/>
-              <a:t>?</a:t>
-            </a:r>
-            <a:endParaRPr lang="en-US" dirty="0"/>
-          </a:p>
-          <a:p>
-            <a:pPr marL="0" indent="0">
-              <a:buNone/>
-            </a:pPr>
-            <a:r>
-              <a:rPr lang="en-US" dirty="0"/>
-              <a:t>3.) What are the underlying causes of Alcoholism?</a:t>
-            </a:r>
-          </a:p>
-          <a:p>
-            <a:pPr marL="0" indent="0">
-              <a:buNone/>
-            </a:pPr>
-            <a:endParaRPr lang="en-US" dirty="0" smtClean="0"/>
-          </a:p>
-          <a:p>
-            <a:pPr marL="0" indent="0">
-              <a:buNone/>
-            </a:pPr>
-            <a:endParaRPr lang="en-US" dirty="0" smtClean="0"/>
-          </a:p>
-          <a:p>
-            <a:pPr marL="0" indent="0">
-              <a:buNone/>
-            </a:pPr>
-            <a:endParaRPr lang="en-US" dirty="0"/>
-          </a:p>
-          <a:p>
-            <a:pPr marL="0" indent="0">
-              <a:buNone/>
-            </a:pPr>
-            <a:endParaRPr lang="en-US" sz="1600" dirty="0" smtClean="0"/>
-          </a:p>
-          <a:p>
-            <a:endParaRPr lang="en-US" dirty="0"/>
+        </p:txBody>
+      </p:sp>
+      <p:sp>
+        <p:nvSpPr>
+          <p:cNvPr id="4" name="TextBox 3">
+            <a:extLst>
+              <a:ext uri="{FF2B5EF4-FFF2-40B4-BE49-F238E27FC236}">
+                <a16:creationId xmlns:a16="http://schemas.microsoft.com/office/drawing/2014/main" id="{EC07953F-B891-483E-95FE-9F2E662E297D}"/>
+              </a:ext>
+            </a:extLst>
+          </p:cNvPr>
+          <p:cNvSpPr txBox="1"/>
+          <p:nvPr/>
+        </p:nvSpPr>
+        <p:spPr>
+          <a:xfrm>
+            <a:off x="838200" y="1690688"/>
+            <a:ext cx="6871689" cy="523220"/>
+          </a:xfrm>
+          <a:prstGeom prst="rect">
+            <a:avLst/>
+          </a:prstGeom>
+          <a:noFill/>
+        </p:spPr>
+        <p:txBody>
+          <a:bodyPr wrap="none" rtlCol="0">
+            <a:spAutoFit/>
+          </a:bodyPr>
+          <a:lstStyle/>
+          <a:p>
+            <a:r>
+              <a:rPr lang="en-US" sz="2800" b="1" i="1" dirty="0"/>
+              <a:t>Alcoholism affects people across all 50 states</a:t>
+            </a:r>
           </a:p>
         </p:txBody>
       </p:sp>
@@ -4151,13 +11311,6 @@
   <p:clrMapOvr>
     <a:masterClrMapping/>
   </p:clrMapOvr>
-  <p:timing>
-    <p:tnLst>
-      <p:par>
-        <p:cTn id="1" dur="indefinite" restart="never" nodeType="tmRoot"/>
-      </p:par>
-    </p:tnLst>
-  </p:timing>
 </p:sld>
 </file>
 
@@ -4225,12 +11378,8 @@
               <a:buNone/>
             </a:pPr>
             <a:r>
-              <a:rPr lang="en-US" dirty="0" smtClean="0"/>
-              <a:t>a</a:t>
-            </a:r>
-            <a:r>
               <a:rPr lang="en-US" dirty="0"/>
-              <a:t>.) Binge Drinking: </a:t>
+              <a:t>a.) Binge Drinking: </a:t>
             </a:r>
           </a:p>
           <a:p>
@@ -4238,24 +11387,8 @@
               <a:buNone/>
             </a:pPr>
             <a:r>
-              <a:rPr lang="en-US" dirty="0" smtClean="0"/>
-              <a:t>      -</a:t>
-            </a:r>
-            <a:r>
               <a:rPr lang="en-US" dirty="0"/>
-              <a:t>Prevalence (%): </a:t>
-            </a:r>
-            <a:r>
-              <a:rPr lang="en-US" dirty="0" smtClean="0"/>
-              <a:t>Drinks </a:t>
-            </a:r>
-            <a:r>
-              <a:rPr lang="en-US" dirty="0"/>
-              <a:t>at an occasion / Last 30 days (M- 5+, W- 4</a:t>
-            </a:r>
-            <a:r>
-              <a:rPr lang="en-US" dirty="0" smtClean="0"/>
-              <a:t>+)</a:t>
+              <a:t>      -Prevalence (%): Drinks at an occasion / Last 30 days (M- 5+, W- 4+)</a:t>
             </a:r>
           </a:p>
           <a:p>
@@ -4264,27 +11397,7 @@
             </a:pPr>
             <a:r>
               <a:rPr lang="en-US" dirty="0"/>
-              <a:t> </a:t>
-            </a:r>
-            <a:r>
-              <a:rPr lang="en-US" dirty="0" smtClean="0"/>
-              <a:t>     -</a:t>
-            </a:r>
-            <a:r>
-              <a:rPr lang="en-US" dirty="0"/>
-              <a:t>Intensity: </a:t>
-            </a:r>
-            <a:r>
-              <a:rPr lang="en-US" dirty="0" smtClean="0"/>
-              <a:t>Largest </a:t>
-            </a:r>
-            <a:r>
-              <a:rPr lang="en-US" dirty="0"/>
-              <a:t>Number at an Occasion / Last 30 </a:t>
-            </a:r>
-            <a:r>
-              <a:rPr lang="en-US" dirty="0" smtClean="0"/>
-              <a:t>days</a:t>
+              <a:t>      -Intensity: Largest Number at an Occasion / Last 30 days</a:t>
             </a:r>
           </a:p>
           <a:p>
@@ -4293,15 +11406,7 @@
             </a:pPr>
             <a:r>
               <a:rPr lang="en-US" dirty="0"/>
-              <a:t> </a:t>
-            </a:r>
-            <a:r>
-              <a:rPr lang="en-US" dirty="0" smtClean="0"/>
-              <a:t>     -Frequency: Binge </a:t>
-            </a:r>
-            <a:r>
-              <a:rPr lang="en-US" dirty="0"/>
-              <a:t>episodes  / Last 30 days</a:t>
+              <a:t>      -Frequency: Binge episodes  / Last 30 days</a:t>
             </a:r>
           </a:p>
           <a:p>
@@ -4315,20 +11420,8 @@
               <a:buNone/>
             </a:pPr>
             <a:r>
-              <a:rPr lang="en-US" dirty="0" smtClean="0"/>
-              <a:t>b</a:t>
-            </a:r>
-            <a:r>
               <a:rPr lang="en-US" dirty="0"/>
-              <a:t>.) Heavy Drinking: </a:t>
-            </a:r>
-            <a:r>
-              <a:rPr lang="en-US" dirty="0" smtClean="0"/>
-              <a:t>Total </a:t>
-            </a:r>
-            <a:r>
-              <a:rPr lang="en-US" dirty="0"/>
-              <a:t>drinks per week / Weekly within Last 30 days </a:t>
+              <a:t>b.) Heavy Drinking: Total drinks per week / Weekly within Last 30 days </a:t>
             </a:r>
           </a:p>
           <a:p>
@@ -4337,11 +11430,7 @@
             </a:pPr>
             <a:r>
               <a:rPr lang="en-US" dirty="0"/>
-              <a:t>					(M- </a:t>
-            </a:r>
-            <a:r>
-              <a:rPr lang="en-US" dirty="0" smtClean="0"/>
-              <a:t>14+  W-7+)</a:t>
+              <a:t>					(M- 14+  W-7+)</a:t>
             </a:r>
           </a:p>
           <a:p>
@@ -4359,13 +11448,6 @@
   <p:clrMapOvr>
     <a:masterClrMapping/>
   </p:clrMapOvr>
-  <p:timing>
-    <p:tnLst>
-      <p:par>
-        <p:cTn id="1" dur="indefinite" restart="never" nodeType="tmRoot"/>
-      </p:par>
-    </p:tnLst>
-  </p:timing>
 </p:sld>
 </file>
 
@@ -4402,14 +11484,9 @@
           <a:lstStyle/>
           <a:p>
             <a:r>
-              <a:rPr lang="en-US" dirty="0" smtClean="0"/>
-              <a:t>Data </a:t>
-            </a:r>
-            <a:r>
-              <a:rPr lang="en-US" dirty="0" smtClean="0"/>
-              <a:t>Collection &amp; Cleansing</a:t>
-            </a:r>
-            <a:endParaRPr lang="en-US" dirty="0"/>
+              <a:rPr lang="en-US" dirty="0"/>
+              <a:t>Data Collection &amp; Cleansing</a:t>
+            </a:r>
           </a:p>
         </p:txBody>
       </p:sp>
@@ -4434,35 +11511,25 @@
               <a:buNone/>
             </a:pPr>
             <a:r>
-              <a:rPr lang="en-US" dirty="0" smtClean="0"/>
-              <a:t>1.) CDC U.S. Cancer Statistics Technical Notes - Statistical Methods: Incidence and Death Rates - NPCR – </a:t>
-            </a:r>
-            <a:r>
-              <a:rPr lang="en-US" dirty="0" smtClean="0"/>
-              <a:t>Cancer</a:t>
-            </a:r>
-            <a:endParaRPr lang="en-US" dirty="0" smtClean="0"/>
+              <a:rPr lang="en-US" dirty="0"/>
+              <a:t>1.) CDC U.S. Cancer Statistics Technical Notes - Statistical Methods: Incidence and Death Rates - NPCR – Cancer</a:t>
+            </a:r>
           </a:p>
           <a:p>
             <a:pPr marL="0" indent="0">
               <a:buNone/>
             </a:pPr>
             <a:r>
-              <a:rPr lang="en-US" dirty="0" smtClean="0"/>
-              <a:t>2.) Eater.com- Number of people per bar in each </a:t>
-            </a:r>
-            <a:r>
-              <a:rPr lang="en-US" dirty="0" smtClean="0"/>
-              <a:t>state</a:t>
-            </a:r>
-            <a:endParaRPr lang="en-US" dirty="0" smtClean="0"/>
+              <a:rPr lang="en-US" dirty="0"/>
+              <a:t>2.) Eater.com- Number of people per bar in each state</a:t>
+            </a:r>
           </a:p>
           <a:p>
             <a:pPr marL="0" indent="0">
               <a:buNone/>
             </a:pPr>
             <a:r>
-              <a:rPr lang="en-US" dirty="0" smtClean="0"/>
+              <a:rPr lang="en-US" dirty="0"/>
               <a:t>3.) </a:t>
             </a:r>
             <a:r>
@@ -4471,15 +11538,7 @@
                   <a:srgbClr val="FF0000"/>
                 </a:solidFill>
               </a:rPr>
-              <a:t>[income source of data</a:t>
-            </a:r>
-            <a:r>
-              <a:rPr lang="en-US" dirty="0" smtClean="0">
-                <a:solidFill>
-                  <a:srgbClr val="FF0000"/>
-                </a:solidFill>
-              </a:rPr>
-              <a:t>]</a:t>
+              <a:t>[income source of data]</a:t>
             </a:r>
           </a:p>
           <a:p>
@@ -4497,131 +11556,70 @@
               <a:buNone/>
             </a:pPr>
             <a:r>
-              <a:rPr lang="en-US" dirty="0" smtClean="0">
-                <a:solidFill>
-                  <a:srgbClr val="FF0000"/>
-                </a:solidFill>
-              </a:rPr>
-              <a:t>(Data Cleaning besides Merging Data-</a:t>
-            </a:r>
-            <a:r>
               <a:rPr lang="en-US" dirty="0">
                 <a:solidFill>
                   <a:srgbClr val="FF0000"/>
                 </a:solidFill>
               </a:rPr>
-              <a:t> Can I </a:t>
-            </a:r>
-            <a:r>
-              <a:rPr lang="en-US" dirty="0" smtClean="0">
-                <a:solidFill>
-                  <a:srgbClr val="FF0000"/>
-                </a:solidFill>
-              </a:rPr>
-              <a:t>combine within this slide)</a:t>
+              <a:t>(Data Cleaning besides Merging Data- Can I combine within this slide)</a:t>
             </a:r>
           </a:p>
           <a:p>
             <a:pPr marL="0" indent="0">
               <a:buNone/>
             </a:pPr>
-            <a:r>
-              <a:rPr lang="en-US" dirty="0" smtClean="0">
-                <a:solidFill>
-                  <a:srgbClr val="FF0000"/>
-                </a:solidFill>
-              </a:rPr>
-              <a:t>*</a:t>
-            </a:r>
-            <a:r>
-              <a:rPr lang="en-US" dirty="0" err="1" smtClean="0">
-                <a:solidFill>
-                  <a:srgbClr val="FF0000"/>
-                </a:solidFill>
-              </a:rPr>
-              <a:t>Concatentate</a:t>
-            </a:r>
-            <a:r>
-              <a:rPr lang="en-US" dirty="0" smtClean="0">
-                <a:solidFill>
-                  <a:srgbClr val="FF0000"/>
-                </a:solidFill>
-              </a:rPr>
-              <a:t> and reverse Concatenate columns</a:t>
-            </a:r>
-          </a:p>
-          <a:p>
-            <a:pPr marL="0" indent="0">
-              <a:buNone/>
-            </a:pPr>
-            <a:r>
-              <a:rPr lang="en-US" dirty="0" smtClean="0">
-                <a:solidFill>
-                  <a:srgbClr val="FF0000"/>
-                </a:solidFill>
-              </a:rPr>
-              <a:t>*</a:t>
-            </a:r>
             <a:r>
               <a:rPr lang="en-US" dirty="0">
                 <a:solidFill>
                   <a:srgbClr val="FF0000"/>
                 </a:solidFill>
               </a:rPr>
-              <a:t>G</a:t>
-            </a:r>
-            <a:r>
-              <a:rPr lang="en-US" dirty="0" smtClean="0">
+              <a:t>*Concatenate and reverse Concatenate columns</a:t>
+            </a:r>
+          </a:p>
+          <a:p>
+            <a:pPr marL="0" indent="0">
+              <a:buNone/>
+            </a:pPr>
+            <a:r>
+              <a:rPr lang="en-US" dirty="0">
                 <a:solidFill>
                   <a:srgbClr val="FF0000"/>
                 </a:solidFill>
               </a:rPr>
-              <a:t>rouping, Mean , Conditional,  Filtering, change </a:t>
-            </a:r>
-            <a:r>
-              <a:rPr lang="en-US" smtClean="0">
-                <a:solidFill>
-                  <a:srgbClr val="FF0000"/>
-                </a:solidFill>
-              </a:rPr>
-              <a:t>data types</a:t>
-            </a:r>
-            <a:endParaRPr lang="en-US" dirty="0" smtClean="0">
+              <a:t>*Grouping, Mean , Conditional,  Filtering, change data types</a:t>
+            </a:r>
+          </a:p>
+          <a:p>
+            <a:r>
+              <a:rPr lang="en-US" dirty="0"/>
+              <a:t>Exclude non-Alcohol Data</a:t>
+            </a:r>
+          </a:p>
+          <a:p>
+            <a:r>
+              <a:rPr lang="en-US" dirty="0"/>
+              <a:t>Break out Age, Sex, data metrics (binge, heavy)</a:t>
+            </a:r>
+          </a:p>
+          <a:p>
+            <a:endParaRPr lang="en-US" dirty="0"/>
+          </a:p>
+          <a:p>
+            <a:pPr marL="0" indent="0">
+              <a:buNone/>
+            </a:pPr>
+            <a:endParaRPr lang="en-US" dirty="0">
               <a:solidFill>
                 <a:srgbClr val="FF0000"/>
               </a:solidFill>
             </a:endParaRPr>
           </a:p>
           <a:p>
-            <a:r>
-              <a:rPr lang="en-US" dirty="0"/>
-              <a:t>Exclude non-Alcohol Data</a:t>
-            </a:r>
-          </a:p>
-          <a:p>
-            <a:r>
-              <a:rPr lang="en-US" dirty="0"/>
-              <a:t>Break out Age, Sex, data metrics (binge, heavy)</a:t>
-            </a:r>
-          </a:p>
-          <a:p>
-            <a:endParaRPr lang="en-US" dirty="0"/>
-          </a:p>
-          <a:p>
             <a:pPr marL="0" indent="0">
               <a:buNone/>
             </a:pPr>
-            <a:endParaRPr lang="en-US" dirty="0" smtClean="0">
-              <a:solidFill>
-                <a:srgbClr val="FF0000"/>
-              </a:solidFill>
-            </a:endParaRPr>
-          </a:p>
-          <a:p>
-            <a:pPr marL="0" indent="0">
-              <a:buNone/>
-            </a:pPr>
-            <a:endParaRPr lang="en-US" dirty="0" smtClean="0">
+            <a:endParaRPr lang="en-US" dirty="0">
               <a:solidFill>
                 <a:srgbClr val="FF0000"/>
               </a:solidFill>
@@ -4639,13 +11637,6 @@
   <p:clrMapOvr>
     <a:masterClrMapping/>
   </p:clrMapOvr>
-  <p:timing>
-    <p:tnLst>
-      <p:par>
-        <p:cTn id="1" dur="indefinite" restart="never" nodeType="tmRoot"/>
-      </p:par>
-    </p:tnLst>
-  </p:timing>
 </p:sld>
 </file>
 
@@ -4684,37 +11675,24 @@
           <a:lstStyle/>
           <a:p>
             <a:r>
-              <a:rPr lang="en-US" dirty="0" smtClean="0"/>
+              <a:rPr lang="en-US" dirty="0"/>
               <a:t>Propensity to Drink        Chronic Liver Disease</a:t>
             </a:r>
             <a:br>
-              <a:rPr lang="en-US" dirty="0" smtClean="0"/>
+              <a:rPr lang="en-US" dirty="0"/>
             </a:br>
             <a:r>
               <a:rPr lang="en-US" sz="2000" dirty="0"/>
-              <a:t>(add </a:t>
-            </a:r>
-            <a:r>
-              <a:rPr lang="en-US" sz="2000" dirty="0" err="1" smtClean="0"/>
-              <a:t>overall_age</a:t>
-            </a:r>
-            <a:r>
-              <a:rPr lang="en-US" sz="2000" dirty="0" smtClean="0"/>
-              <a:t>)</a:t>
+              <a:t>(add overall_age)</a:t>
             </a:r>
             <a:r>
               <a:rPr lang="en-US" dirty="0"/>
-              <a:t>	</a:t>
-            </a:r>
-            <a:r>
-              <a:rPr lang="en-US" dirty="0" smtClean="0"/>
-              <a:t>				</a:t>
-            </a:r>
-            <a:r>
-              <a:rPr lang="en-US" sz="2000" dirty="0" smtClean="0"/>
+              <a:t>					</a:t>
+            </a:r>
+            <a:r>
+              <a:rPr lang="en-US" sz="2000" dirty="0"/>
               <a:t>(add by sex_age)</a:t>
             </a:r>
-            <a:endParaRPr lang="en-US" sz="2000" dirty="0"/>
           </a:p>
         </p:txBody>
       </p:sp>
@@ -4787,13 +11765,6 @@
   <p:clrMapOvr>
     <a:masterClrMapping/>
   </p:clrMapOvr>
-  <p:timing>
-    <p:tnLst>
-      <p:par>
-        <p:cTn id="1" dur="indefinite" restart="never" nodeType="tmRoot"/>
-      </p:par>
-    </p:tnLst>
-  </p:timing>
 </p:sld>
 </file>
 
@@ -4830,10 +11801,9 @@
           <a:lstStyle/>
           <a:p>
             <a:r>
-              <a:rPr lang="en-US" dirty="0" smtClean="0"/>
+              <a:rPr lang="en-US" dirty="0"/>
               <a:t>Binge Plot				Heavy</a:t>
             </a:r>
-            <a:endParaRPr lang="en-US" dirty="0"/>
           </a:p>
         </p:txBody>
       </p:sp>
@@ -4919,13 +11889,6 @@
   <p:clrMapOvr>
     <a:masterClrMapping/>
   </p:clrMapOvr>
-  <p:timing>
-    <p:tnLst>
-      <p:par>
-        <p:cTn id="1" dur="indefinite" restart="never" nodeType="tmRoot"/>
-      </p:par>
-    </p:tnLst>
-  </p:timing>
 </p:sld>
 </file>
 
@@ -4962,10 +11925,9 @@
           <a:lstStyle/>
           <a:p>
             <a:r>
-              <a:rPr lang="en-US" dirty="0" smtClean="0"/>
+              <a:rPr lang="en-US" dirty="0"/>
               <a:t>Intensity				Frequency</a:t>
             </a:r>
-            <a:endParaRPr lang="en-US" dirty="0"/>
           </a:p>
         </p:txBody>
       </p:sp>
@@ -5038,13 +12000,6 @@
   <p:clrMapOvr>
     <a:masterClrMapping/>
   </p:clrMapOvr>
-  <p:timing>
-    <p:tnLst>
-      <p:par>
-        <p:cTn id="1" dur="indefinite" restart="never" nodeType="tmRoot"/>
-      </p:par>
-    </p:tnLst>
-  </p:timing>
 </p:sld>
 </file>
 
@@ -5081,10 +12036,9 @@
           <a:lstStyle/>
           <a:p>
             <a:r>
-              <a:rPr lang="en-US" dirty="0" smtClean="0"/>
-              <a:t>Challenges / Open Questions Remaining</a:t>
-            </a:r>
-            <a:endParaRPr lang="en-US" dirty="0"/>
+              <a:rPr lang="en-US" dirty="0"/>
+              <a:t>Underlying Factors</a:t>
+            </a:r>
           </a:p>
         </p:txBody>
       </p:sp>
@@ -5103,6 +12057,30 @@
           <a:bodyPr/>
           <a:lstStyle/>
           <a:p>
+            <a:r>
+              <a:rPr lang="en-US" dirty="0"/>
+              <a:t>Several Obvious Hypotheses</a:t>
+            </a:r>
+          </a:p>
+          <a:p>
+            <a:r>
+              <a:rPr lang="en-US" dirty="0"/>
+              <a:t>Gather Data External to the Target Dataset</a:t>
+            </a:r>
+          </a:p>
+          <a:p>
+            <a:r>
+              <a:rPr lang="en-US" dirty="0"/>
+              <a:t>Looking for Correlations and Empirical Data</a:t>
+            </a:r>
+          </a:p>
+          <a:p>
+            <a:r>
+              <a:rPr lang="en-US" dirty="0"/>
+              <a:t>Indicators for Next Steps</a:t>
+            </a:r>
+          </a:p>
+          <a:p>
             <a:endParaRPr lang="en-US" dirty="0"/>
           </a:p>
         </p:txBody>
@@ -5110,20 +12088,13 @@
     </p:spTree>
     <p:extLst>
       <p:ext uri="{BB962C8B-B14F-4D97-AF65-F5344CB8AC3E}">
-        <p14:creationId xmlns:p14="http://schemas.microsoft.com/office/powerpoint/2010/main" val="1611749925"/>
+        <p14:creationId xmlns:p14="http://schemas.microsoft.com/office/powerpoint/2010/main" val="2767764813"/>
       </p:ext>
     </p:extLst>
   </p:cSld>
   <p:clrMapOvr>
     <a:masterClrMapping/>
   </p:clrMapOvr>
-  <p:timing>
-    <p:tnLst>
-      <p:par>
-        <p:cTn id="1" dur="indefinite" restart="never" nodeType="tmRoot"/>
-      </p:par>
-    </p:tnLst>
-  </p:timing>
 </p:sld>
 </file>
 
@@ -5160,30 +12131,116 @@
           <a:lstStyle/>
           <a:p>
             <a:r>
-              <a:rPr lang="en-US" dirty="0" smtClean="0"/>
-              <a:t>Backup/Alternative Sides</a:t>
-            </a:r>
-            <a:endParaRPr lang="en-US" dirty="0"/>
+              <a:rPr lang="en-US" dirty="0"/>
+              <a:t>Challenges / Open Questions Remaining</a:t>
+            </a:r>
           </a:p>
         </p:txBody>
       </p:sp>
+      <p:pic>
+        <p:nvPicPr>
+          <p:cNvPr id="4098" name="Picture 2">
+            <a:extLst>
+              <a:ext uri="{FF2B5EF4-FFF2-40B4-BE49-F238E27FC236}">
+                <a16:creationId xmlns:a16="http://schemas.microsoft.com/office/drawing/2014/main" id="{1D526F25-74B5-494E-B7A3-7C3F63B9FE13}"/>
+              </a:ext>
+            </a:extLst>
+          </p:cNvPr>
+          <p:cNvPicPr>
+            <a:picLocks noChangeAspect="1" noChangeArrowheads="1"/>
+          </p:cNvPicPr>
+          <p:nvPr/>
+        </p:nvPicPr>
+        <p:blipFill>
+          <a:blip r:embed="rId2">
+            <a:extLst>
+              <a:ext uri="{28A0092B-C50C-407E-A947-70E740481C1C}">
+                <a14:useLocalDpi xmlns:a14="http://schemas.microsoft.com/office/drawing/2010/main" val="0"/>
+              </a:ext>
+            </a:extLst>
+          </a:blip>
+          <a:srcRect/>
+          <a:stretch>
+            <a:fillRect/>
+          </a:stretch>
+        </p:blipFill>
+        <p:spPr bwMode="auto">
+          <a:xfrm>
+            <a:off x="313091" y="2992620"/>
+            <a:ext cx="5800725" cy="3171825"/>
+          </a:xfrm>
+          <a:prstGeom prst="rect">
+            <a:avLst/>
+          </a:prstGeom>
+          <a:noFill/>
+          <a:extLst>
+            <a:ext uri="{909E8E84-426E-40DD-AFC4-6F175D3DCCD1}">
+              <a14:hiddenFill xmlns:a14="http://schemas.microsoft.com/office/drawing/2010/main">
+                <a:solidFill>
+                  <a:srgbClr val="FFFFFF"/>
+                </a:solidFill>
+              </a14:hiddenFill>
+            </a:ext>
+          </a:extLst>
+        </p:spPr>
+      </p:pic>
+      <p:pic>
+        <p:nvPicPr>
+          <p:cNvPr id="4102" name="Picture 6">
+            <a:extLst>
+              <a:ext uri="{FF2B5EF4-FFF2-40B4-BE49-F238E27FC236}">
+                <a16:creationId xmlns:a16="http://schemas.microsoft.com/office/drawing/2014/main" id="{2A4F7ECF-D017-48D0-963A-F069A52378B2}"/>
+              </a:ext>
+            </a:extLst>
+          </p:cNvPr>
+          <p:cNvPicPr>
+            <a:picLocks noChangeAspect="1" noChangeArrowheads="1"/>
+          </p:cNvPicPr>
+          <p:nvPr/>
+        </p:nvPicPr>
+        <p:blipFill>
+          <a:blip r:embed="rId3">
+            <a:extLst>
+              <a:ext uri="{28A0092B-C50C-407E-A947-70E740481C1C}">
+                <a14:useLocalDpi xmlns:a14="http://schemas.microsoft.com/office/drawing/2010/main" val="0"/>
+              </a:ext>
+            </a:extLst>
+          </a:blip>
+          <a:srcRect/>
+          <a:stretch>
+            <a:fillRect/>
+          </a:stretch>
+        </p:blipFill>
+        <p:spPr bwMode="auto">
+          <a:xfrm>
+            <a:off x="6043331" y="2992619"/>
+            <a:ext cx="5800725" cy="3171825"/>
+          </a:xfrm>
+          <a:prstGeom prst="rect">
+            <a:avLst/>
+          </a:prstGeom>
+          <a:noFill/>
+          <a:extLst>
+            <a:ext uri="{909E8E84-426E-40DD-AFC4-6F175D3DCCD1}">
+              <a14:hiddenFill xmlns:a14="http://schemas.microsoft.com/office/drawing/2010/main">
+                <a:solidFill>
+                  <a:srgbClr val="FFFFFF"/>
+                </a:solidFill>
+              </a14:hiddenFill>
+            </a:ext>
+          </a:extLst>
+        </p:spPr>
+      </p:pic>
     </p:spTree>
     <p:extLst>
       <p:ext uri="{BB962C8B-B14F-4D97-AF65-F5344CB8AC3E}">
-        <p14:creationId xmlns:p14="http://schemas.microsoft.com/office/powerpoint/2010/main" val="4121088826"/>
+        <p14:creationId xmlns:p14="http://schemas.microsoft.com/office/powerpoint/2010/main" val="3737035543"/>
       </p:ext>
     </p:extLst>
   </p:cSld>
   <p:clrMapOvr>
     <a:masterClrMapping/>
   </p:clrMapOvr>
-  <p:timing>
-    <p:tnLst>
-      <p:par>
-        <p:cTn id="1" dur="indefinite" restart="never" nodeType="tmRoot"/>
-      </p:par>
-    </p:tnLst>
-  </p:timing>
 </p:sld>
 </file>
 
